--- a/ECSE321 presentation group 11 V2.pptx
+++ b/ECSE321 presentation group 11 V2.pptx
@@ -11,10 +11,14 @@
     <p:sldId id="266" r:id="rId5"/>
     <p:sldId id="264" r:id="rId6"/>
     <p:sldId id="268" r:id="rId7"/>
-    <p:sldId id="269" r:id="rId8"/>
-    <p:sldId id="270" r:id="rId9"/>
-    <p:sldId id="271" r:id="rId10"/>
-    <p:sldId id="272" r:id="rId11"/>
+    <p:sldId id="273" r:id="rId8"/>
+    <p:sldId id="274" r:id="rId9"/>
+    <p:sldId id="275" r:id="rId10"/>
+    <p:sldId id="276" r:id="rId11"/>
+    <p:sldId id="269" r:id="rId12"/>
+    <p:sldId id="270" r:id="rId13"/>
+    <p:sldId id="271" r:id="rId14"/>
+    <p:sldId id="272" r:id="rId15"/>
   </p:sldIdLst>
   <p:sldSz cx="12192000" cy="6858000"/>
   <p:notesSz cx="6858000" cy="9144000"/>
@@ -171,7 +175,7 @@
           <a:noFill/>
           <a:extLst>
             <a:ext uri="{909E8E84-426E-40dd-AFC4-6F175D3DCCD1}">
-              <a14:hiddenFill xmlns="" xmlns:a14="http://schemas.microsoft.com/office/drawing/2010/main">
+              <a14:hiddenFill xmlns:a14="http://schemas.microsoft.com/office/drawing/2010/main" xmlns="">
                 <a:solidFill>
                   <a:srgbClr val="FFFFFF"/>
                 </a:solidFill>
@@ -231,7 +235,7 @@
             </a:ln>
             <a:extLst>
               <a:ext uri="{91240B29-F687-4f45-9708-019B960494DF}">
-                <a14:hiddenLine xmlns="" xmlns:a14="http://schemas.microsoft.com/office/drawing/2010/main" w="9525">
+                <a14:hiddenLine xmlns:a14="http://schemas.microsoft.com/office/drawing/2010/main" xmlns="" w="9525">
                   <a:solidFill>
                     <a:srgbClr val="000000"/>
                   </a:solidFill>
@@ -321,7 +325,7 @@
             </a:ln>
             <a:extLst>
               <a:ext uri="{91240B29-F687-4f45-9708-019B960494DF}">
-                <a14:hiddenLine xmlns="" xmlns:a14="http://schemas.microsoft.com/office/drawing/2010/main" w="9525">
+                <a14:hiddenLine xmlns:a14="http://schemas.microsoft.com/office/drawing/2010/main" xmlns="" w="9525">
                   <a:solidFill>
                     <a:srgbClr val="000000"/>
                   </a:solidFill>
@@ -411,7 +415,7 @@
             </a:ln>
             <a:extLst>
               <a:ext uri="{91240B29-F687-4f45-9708-019B960494DF}">
-                <a14:hiddenLine xmlns="" xmlns:a14="http://schemas.microsoft.com/office/drawing/2010/main" w="9525">
+                <a14:hiddenLine xmlns:a14="http://schemas.microsoft.com/office/drawing/2010/main" xmlns="" w="9525">
                   <a:solidFill>
                     <a:srgbClr val="000000"/>
                   </a:solidFill>
@@ -445,7 +449,7 @@
             </a:ln>
             <a:extLst>
               <a:ext uri="{91240B29-F687-4f45-9708-019B960494DF}">
-                <a14:hiddenLine xmlns="" xmlns:a14="http://schemas.microsoft.com/office/drawing/2010/main" w="9525">
+                <a14:hiddenLine xmlns:a14="http://schemas.microsoft.com/office/drawing/2010/main" xmlns="" w="9525">
                   <a:solidFill>
                     <a:srgbClr val="000000"/>
                   </a:solidFill>
@@ -535,7 +539,7 @@
             </a:ln>
             <a:extLst>
               <a:ext uri="{91240B29-F687-4f45-9708-019B960494DF}">
-                <a14:hiddenLine xmlns="" xmlns:a14="http://schemas.microsoft.com/office/drawing/2010/main" w="9525">
+                <a14:hiddenLine xmlns:a14="http://schemas.microsoft.com/office/drawing/2010/main" xmlns="" w="9525">
                   <a:solidFill>
                     <a:srgbClr val="000000"/>
                   </a:solidFill>
@@ -597,7 +601,7 @@
             </a:ln>
             <a:extLst>
               <a:ext uri="{91240B29-F687-4f45-9708-019B960494DF}">
-                <a14:hiddenLine xmlns="" xmlns:a14="http://schemas.microsoft.com/office/drawing/2010/main" w="9525">
+                <a14:hiddenLine xmlns:a14="http://schemas.microsoft.com/office/drawing/2010/main" xmlns="" w="9525">
                   <a:solidFill>
                     <a:srgbClr val="000000"/>
                   </a:solidFill>
@@ -659,7 +663,7 @@
             </a:ln>
             <a:extLst>
               <a:ext uri="{91240B29-F687-4f45-9708-019B960494DF}">
-                <a14:hiddenLine xmlns="" xmlns:a14="http://schemas.microsoft.com/office/drawing/2010/main" w="9525">
+                <a14:hiddenLine xmlns:a14="http://schemas.microsoft.com/office/drawing/2010/main" xmlns="" w="9525">
                   <a:solidFill>
                     <a:srgbClr val="000000"/>
                   </a:solidFill>
@@ -749,7 +753,7 @@
             </a:ln>
             <a:extLst>
               <a:ext uri="{91240B29-F687-4f45-9708-019B960494DF}">
-                <a14:hiddenLine xmlns="" xmlns:a14="http://schemas.microsoft.com/office/drawing/2010/main" w="9525">
+                <a14:hiddenLine xmlns:a14="http://schemas.microsoft.com/office/drawing/2010/main" xmlns="" w="9525">
                   <a:solidFill>
                     <a:srgbClr val="000000"/>
                   </a:solidFill>
@@ -811,7 +815,7 @@
             </a:ln>
             <a:extLst>
               <a:ext uri="{91240B29-F687-4f45-9708-019B960494DF}">
-                <a14:hiddenLine xmlns="" xmlns:a14="http://schemas.microsoft.com/office/drawing/2010/main" w="9525">
+                <a14:hiddenLine xmlns:a14="http://schemas.microsoft.com/office/drawing/2010/main" xmlns="" w="9525">
                   <a:solidFill>
                     <a:srgbClr val="000000"/>
                   </a:solidFill>
@@ -873,7 +877,7 @@
             </a:ln>
             <a:extLst>
               <a:ext uri="{91240B29-F687-4f45-9708-019B960494DF}">
-                <a14:hiddenLine xmlns="" xmlns:a14="http://schemas.microsoft.com/office/drawing/2010/main" w="9525">
+                <a14:hiddenLine xmlns:a14="http://schemas.microsoft.com/office/drawing/2010/main" xmlns="" w="9525">
                   <a:solidFill>
                     <a:srgbClr val="000000"/>
                   </a:solidFill>
@@ -963,7 +967,7 @@
             </a:ln>
             <a:extLst>
               <a:ext uri="{91240B29-F687-4f45-9708-019B960494DF}">
-                <a14:hiddenLine xmlns="" xmlns:a14="http://schemas.microsoft.com/office/drawing/2010/main" w="9525">
+                <a14:hiddenLine xmlns:a14="http://schemas.microsoft.com/office/drawing/2010/main" xmlns="" w="9525">
                   <a:solidFill>
                     <a:srgbClr val="000000"/>
                   </a:solidFill>
@@ -1053,7 +1057,7 @@
             </a:ln>
             <a:extLst>
               <a:ext uri="{91240B29-F687-4f45-9708-019B960494DF}">
-                <a14:hiddenLine xmlns="" xmlns:a14="http://schemas.microsoft.com/office/drawing/2010/main" w="9525">
+                <a14:hiddenLine xmlns:a14="http://schemas.microsoft.com/office/drawing/2010/main" xmlns="" w="9525">
                   <a:solidFill>
                     <a:srgbClr val="000000"/>
                   </a:solidFill>
@@ -1115,7 +1119,7 @@
             </a:ln>
             <a:extLst>
               <a:ext uri="{91240B29-F687-4f45-9708-019B960494DF}">
-                <a14:hiddenLine xmlns="" xmlns:a14="http://schemas.microsoft.com/office/drawing/2010/main" w="9525">
+                <a14:hiddenLine xmlns:a14="http://schemas.microsoft.com/office/drawing/2010/main" xmlns="" w="9525">
                   <a:solidFill>
                     <a:srgbClr val="000000"/>
                   </a:solidFill>
@@ -1225,7 +1229,7 @@
             </a:ln>
             <a:extLst>
               <a:ext uri="{91240B29-F687-4f45-9708-019B960494DF}">
-                <a14:hiddenLine xmlns="" xmlns:a14="http://schemas.microsoft.com/office/drawing/2010/main" w="9525">
+                <a14:hiddenLine xmlns:a14="http://schemas.microsoft.com/office/drawing/2010/main" xmlns="" w="9525">
                   <a:solidFill>
                     <a:srgbClr val="000000"/>
                   </a:solidFill>
@@ -1287,7 +1291,7 @@
             </a:ln>
             <a:extLst>
               <a:ext uri="{91240B29-F687-4f45-9708-019B960494DF}">
-                <a14:hiddenLine xmlns="" xmlns:a14="http://schemas.microsoft.com/office/drawing/2010/main" w="9525">
+                <a14:hiddenLine xmlns:a14="http://schemas.microsoft.com/office/drawing/2010/main" xmlns="" w="9525">
                   <a:solidFill>
                     <a:srgbClr val="000000"/>
                   </a:solidFill>
@@ -1377,7 +1381,7 @@
             </a:ln>
             <a:extLst>
               <a:ext uri="{91240B29-F687-4f45-9708-019B960494DF}">
-                <a14:hiddenLine xmlns="" xmlns:a14="http://schemas.microsoft.com/office/drawing/2010/main" w="9525">
+                <a14:hiddenLine xmlns:a14="http://schemas.microsoft.com/office/drawing/2010/main" xmlns="" w="9525">
                   <a:solidFill>
                     <a:srgbClr val="000000"/>
                   </a:solidFill>
@@ -1467,7 +1471,7 @@
             </a:ln>
             <a:extLst>
               <a:ext uri="{91240B29-F687-4f45-9708-019B960494DF}">
-                <a14:hiddenLine xmlns="" xmlns:a14="http://schemas.microsoft.com/office/drawing/2010/main" w="9525">
+                <a14:hiddenLine xmlns:a14="http://schemas.microsoft.com/office/drawing/2010/main" xmlns="" w="9525">
                   <a:solidFill>
                     <a:srgbClr val="000000"/>
                   </a:solidFill>
@@ -1529,7 +1533,7 @@
             </a:ln>
             <a:extLst>
               <a:ext uri="{91240B29-F687-4f45-9708-019B960494DF}">
-                <a14:hiddenLine xmlns="" xmlns:a14="http://schemas.microsoft.com/office/drawing/2010/main" w="9525">
+                <a14:hiddenLine xmlns:a14="http://schemas.microsoft.com/office/drawing/2010/main" xmlns="" w="9525">
                   <a:solidFill>
                     <a:srgbClr val="000000"/>
                   </a:solidFill>
@@ -1619,7 +1623,7 @@
             </a:ln>
             <a:extLst>
               <a:ext uri="{91240B29-F687-4f45-9708-019B960494DF}">
-                <a14:hiddenLine xmlns="" xmlns:a14="http://schemas.microsoft.com/office/drawing/2010/main" w="9525">
+                <a14:hiddenLine xmlns:a14="http://schemas.microsoft.com/office/drawing/2010/main" xmlns="" w="9525">
                   <a:solidFill>
                     <a:srgbClr val="000000"/>
                   </a:solidFill>
@@ -1709,7 +1713,7 @@
             </a:ln>
             <a:extLst>
               <a:ext uri="{91240B29-F687-4f45-9708-019B960494DF}">
-                <a14:hiddenLine xmlns="" xmlns:a14="http://schemas.microsoft.com/office/drawing/2010/main" w="9525">
+                <a14:hiddenLine xmlns:a14="http://schemas.microsoft.com/office/drawing/2010/main" xmlns="" w="9525">
                   <a:solidFill>
                     <a:srgbClr val="000000"/>
                   </a:solidFill>
@@ -1765,7 +1769,7 @@
             </a:ln>
             <a:extLst>
               <a:ext uri="{91240B29-F687-4f45-9708-019B960494DF}">
-                <a14:hiddenLine xmlns="" xmlns:a14="http://schemas.microsoft.com/office/drawing/2010/main" w="9525">
+                <a14:hiddenLine xmlns:a14="http://schemas.microsoft.com/office/drawing/2010/main" xmlns="" w="9525">
                   <a:solidFill>
                     <a:srgbClr val="000000"/>
                   </a:solidFill>
@@ -1855,7 +1859,7 @@
             </a:ln>
             <a:extLst>
               <a:ext uri="{91240B29-F687-4f45-9708-019B960494DF}">
-                <a14:hiddenLine xmlns="" xmlns:a14="http://schemas.microsoft.com/office/drawing/2010/main" w="9525">
+                <a14:hiddenLine xmlns:a14="http://schemas.microsoft.com/office/drawing/2010/main" xmlns="" w="9525">
                   <a:solidFill>
                     <a:srgbClr val="000000"/>
                   </a:solidFill>
@@ -1911,7 +1915,7 @@
             </a:ln>
             <a:extLst>
               <a:ext uri="{91240B29-F687-4f45-9708-019B960494DF}">
-                <a14:hiddenLine xmlns="" xmlns:a14="http://schemas.microsoft.com/office/drawing/2010/main" w="9525">
+                <a14:hiddenLine xmlns:a14="http://schemas.microsoft.com/office/drawing/2010/main" xmlns="" w="9525">
                   <a:solidFill>
                     <a:srgbClr val="000000"/>
                   </a:solidFill>
@@ -2001,7 +2005,7 @@
             </a:ln>
             <a:extLst>
               <a:ext uri="{91240B29-F687-4f45-9708-019B960494DF}">
-                <a14:hiddenLine xmlns="" xmlns:a14="http://schemas.microsoft.com/office/drawing/2010/main" w="9525">
+                <a14:hiddenLine xmlns:a14="http://schemas.microsoft.com/office/drawing/2010/main" xmlns="" w="9525">
                   <a:solidFill>
                     <a:srgbClr val="000000"/>
                   </a:solidFill>
@@ -2069,7 +2073,7 @@
             </a:ln>
             <a:extLst>
               <a:ext uri="{91240B29-F687-4f45-9708-019B960494DF}">
-                <a14:hiddenLine xmlns="" xmlns:a14="http://schemas.microsoft.com/office/drawing/2010/main" w="9525">
+                <a14:hiddenLine xmlns:a14="http://schemas.microsoft.com/office/drawing/2010/main" xmlns="" w="9525">
                   <a:solidFill>
                     <a:srgbClr val="000000"/>
                   </a:solidFill>
@@ -2159,7 +2163,7 @@
             </a:ln>
             <a:extLst>
               <a:ext uri="{91240B29-F687-4f45-9708-019B960494DF}">
-                <a14:hiddenLine xmlns="" xmlns:a14="http://schemas.microsoft.com/office/drawing/2010/main" w="9525">
+                <a14:hiddenLine xmlns:a14="http://schemas.microsoft.com/office/drawing/2010/main" xmlns="" w="9525">
                   <a:solidFill>
                     <a:srgbClr val="000000"/>
                   </a:solidFill>
@@ -2227,7 +2231,7 @@
             </a:ln>
             <a:extLst>
               <a:ext uri="{91240B29-F687-4f45-9708-019B960494DF}">
-                <a14:hiddenLine xmlns="" xmlns:a14="http://schemas.microsoft.com/office/drawing/2010/main" w="9525">
+                <a14:hiddenLine xmlns:a14="http://schemas.microsoft.com/office/drawing/2010/main" xmlns="" w="9525">
                   <a:solidFill>
                     <a:srgbClr val="000000"/>
                   </a:solidFill>
@@ -2317,7 +2321,7 @@
             </a:ln>
             <a:extLst>
               <a:ext uri="{91240B29-F687-4f45-9708-019B960494DF}">
-                <a14:hiddenLine xmlns="" xmlns:a14="http://schemas.microsoft.com/office/drawing/2010/main" w="9525">
+                <a14:hiddenLine xmlns:a14="http://schemas.microsoft.com/office/drawing/2010/main" xmlns="" w="9525">
                   <a:solidFill>
                     <a:srgbClr val="000000"/>
                   </a:solidFill>
@@ -2351,7 +2355,7 @@
             </a:ln>
             <a:extLst>
               <a:ext uri="{91240B29-F687-4f45-9708-019B960494DF}">
-                <a14:hiddenLine xmlns="" xmlns:a14="http://schemas.microsoft.com/office/drawing/2010/main" w="9525">
+                <a14:hiddenLine xmlns:a14="http://schemas.microsoft.com/office/drawing/2010/main" xmlns="" w="9525">
                   <a:solidFill>
                     <a:srgbClr val="000000"/>
                   </a:solidFill>
@@ -2441,7 +2445,7 @@
             </a:ln>
             <a:extLst>
               <a:ext uri="{91240B29-F687-4f45-9708-019B960494DF}">
-                <a14:hiddenLine xmlns="" xmlns:a14="http://schemas.microsoft.com/office/drawing/2010/main" w="9525">
+                <a14:hiddenLine xmlns:a14="http://schemas.microsoft.com/office/drawing/2010/main" xmlns="" w="9525">
                   <a:solidFill>
                     <a:srgbClr val="000000"/>
                   </a:solidFill>
@@ -2503,7 +2507,7 @@
             </a:ln>
             <a:extLst>
               <a:ext uri="{91240B29-F687-4f45-9708-019B960494DF}">
-                <a14:hiddenLine xmlns="" xmlns:a14="http://schemas.microsoft.com/office/drawing/2010/main" w="9525">
+                <a14:hiddenLine xmlns:a14="http://schemas.microsoft.com/office/drawing/2010/main" xmlns="" w="9525">
                   <a:solidFill>
                     <a:srgbClr val="000000"/>
                   </a:solidFill>
@@ -2565,7 +2569,7 @@
             </a:ln>
             <a:extLst>
               <a:ext uri="{91240B29-F687-4f45-9708-019B960494DF}">
-                <a14:hiddenLine xmlns="" xmlns:a14="http://schemas.microsoft.com/office/drawing/2010/main" w="9525">
+                <a14:hiddenLine xmlns:a14="http://schemas.microsoft.com/office/drawing/2010/main" xmlns="" w="9525">
                   <a:solidFill>
                     <a:srgbClr val="000000"/>
                   </a:solidFill>
@@ -2655,7 +2659,7 @@
             </a:ln>
             <a:extLst>
               <a:ext uri="{91240B29-F687-4f45-9708-019B960494DF}">
-                <a14:hiddenLine xmlns="" xmlns:a14="http://schemas.microsoft.com/office/drawing/2010/main" w="9525">
+                <a14:hiddenLine xmlns:a14="http://schemas.microsoft.com/office/drawing/2010/main" xmlns="" w="9525">
                   <a:solidFill>
                     <a:srgbClr val="000000"/>
                   </a:solidFill>
@@ -2723,7 +2727,7 @@
             </a:ln>
             <a:extLst>
               <a:ext uri="{91240B29-F687-4f45-9708-019B960494DF}">
-                <a14:hiddenLine xmlns="" xmlns:a14="http://schemas.microsoft.com/office/drawing/2010/main" w="9525">
+                <a14:hiddenLine xmlns:a14="http://schemas.microsoft.com/office/drawing/2010/main" xmlns="" w="9525">
                   <a:solidFill>
                     <a:srgbClr val="000000"/>
                   </a:solidFill>
@@ -2785,7 +2789,7 @@
             </a:ln>
             <a:extLst>
               <a:ext uri="{91240B29-F687-4f45-9708-019B960494DF}">
-                <a14:hiddenLine xmlns="" xmlns:a14="http://schemas.microsoft.com/office/drawing/2010/main" w="9525">
+                <a14:hiddenLine xmlns:a14="http://schemas.microsoft.com/office/drawing/2010/main" xmlns="" w="9525">
                   <a:solidFill>
                     <a:srgbClr val="000000"/>
                   </a:solidFill>
@@ -2875,7 +2879,7 @@
             </a:ln>
             <a:extLst>
               <a:ext uri="{91240B29-F687-4f45-9708-019B960494DF}">
-                <a14:hiddenLine xmlns="" xmlns:a14="http://schemas.microsoft.com/office/drawing/2010/main" w="9525">
+                <a14:hiddenLine xmlns:a14="http://schemas.microsoft.com/office/drawing/2010/main" xmlns="" w="9525">
                   <a:solidFill>
                     <a:srgbClr val="000000"/>
                   </a:solidFill>
@@ -2937,7 +2941,7 @@
             </a:ln>
             <a:extLst>
               <a:ext uri="{91240B29-F687-4f45-9708-019B960494DF}">
-                <a14:hiddenLine xmlns="" xmlns:a14="http://schemas.microsoft.com/office/drawing/2010/main" w="9525">
+                <a14:hiddenLine xmlns:a14="http://schemas.microsoft.com/office/drawing/2010/main" xmlns="" w="9525">
                   <a:solidFill>
                     <a:srgbClr val="000000"/>
                   </a:solidFill>
@@ -3027,7 +3031,7 @@
             </a:ln>
             <a:extLst>
               <a:ext uri="{91240B29-F687-4f45-9708-019B960494DF}">
-                <a14:hiddenLine xmlns="" xmlns:a14="http://schemas.microsoft.com/office/drawing/2010/main" w="9525">
+                <a14:hiddenLine xmlns:a14="http://schemas.microsoft.com/office/drawing/2010/main" xmlns="" w="9525">
                   <a:solidFill>
                     <a:srgbClr val="000000"/>
                   </a:solidFill>
@@ -3089,7 +3093,7 @@
             </a:ln>
             <a:extLst>
               <a:ext uri="{91240B29-F687-4f45-9708-019B960494DF}">
-                <a14:hiddenLine xmlns="" xmlns:a14="http://schemas.microsoft.com/office/drawing/2010/main" w="9525">
+                <a14:hiddenLine xmlns:a14="http://schemas.microsoft.com/office/drawing/2010/main" xmlns="" w="9525">
                   <a:solidFill>
                     <a:srgbClr val="000000"/>
                   </a:solidFill>
@@ -3179,7 +3183,7 @@
             </a:ln>
             <a:extLst>
               <a:ext uri="{91240B29-F687-4f45-9708-019B960494DF}">
-                <a14:hiddenLine xmlns="" xmlns:a14="http://schemas.microsoft.com/office/drawing/2010/main" w="9525">
+                <a14:hiddenLine xmlns:a14="http://schemas.microsoft.com/office/drawing/2010/main" xmlns="" w="9525">
                   <a:solidFill>
                     <a:srgbClr val="000000"/>
                   </a:solidFill>
@@ -3213,7 +3217,7 @@
             </a:ln>
             <a:extLst>
               <a:ext uri="{91240B29-F687-4f45-9708-019B960494DF}">
-                <a14:hiddenLine xmlns="" xmlns:a14="http://schemas.microsoft.com/office/drawing/2010/main" w="9525">
+                <a14:hiddenLine xmlns:a14="http://schemas.microsoft.com/office/drawing/2010/main" xmlns="" w="9525">
                   <a:solidFill>
                     <a:srgbClr val="000000"/>
                   </a:solidFill>
@@ -3278,7 +3282,7 @@
             </a:ln>
             <a:extLst>
               <a:ext uri="{91240B29-F687-4f45-9708-019B960494DF}">
-                <a14:hiddenLine xmlns="" xmlns:a14="http://schemas.microsoft.com/office/drawing/2010/main" w="9525">
+                <a14:hiddenLine xmlns:a14="http://schemas.microsoft.com/office/drawing/2010/main" xmlns="" w="9525">
                   <a:solidFill>
                     <a:srgbClr val="000000"/>
                   </a:solidFill>
@@ -3368,7 +3372,7 @@
             </a:ln>
             <a:extLst>
               <a:ext uri="{91240B29-F687-4f45-9708-019B960494DF}">
-                <a14:hiddenLine xmlns="" xmlns:a14="http://schemas.microsoft.com/office/drawing/2010/main" w="9525">
+                <a14:hiddenLine xmlns:a14="http://schemas.microsoft.com/office/drawing/2010/main" xmlns="" w="9525">
                   <a:solidFill>
                     <a:srgbClr val="000000"/>
                   </a:solidFill>
@@ -3430,7 +3434,7 @@
             </a:ln>
             <a:extLst>
               <a:ext uri="{91240B29-F687-4f45-9708-019B960494DF}">
-                <a14:hiddenLine xmlns="" xmlns:a14="http://schemas.microsoft.com/office/drawing/2010/main" w="9525">
+                <a14:hiddenLine xmlns:a14="http://schemas.microsoft.com/office/drawing/2010/main" xmlns="" w="9525">
                   <a:solidFill>
                     <a:srgbClr val="000000"/>
                   </a:solidFill>
@@ -3520,7 +3524,7 @@
             </a:ln>
             <a:extLst>
               <a:ext uri="{91240B29-F687-4f45-9708-019B960494DF}">
-                <a14:hiddenLine xmlns="" xmlns:a14="http://schemas.microsoft.com/office/drawing/2010/main" w="9525">
+                <a14:hiddenLine xmlns:a14="http://schemas.microsoft.com/office/drawing/2010/main" xmlns="" w="9525">
                   <a:solidFill>
                     <a:srgbClr val="000000"/>
                   </a:solidFill>
@@ -3610,7 +3614,7 @@
             </a:ln>
             <a:extLst>
               <a:ext uri="{91240B29-F687-4f45-9708-019B960494DF}">
-                <a14:hiddenLine xmlns="" xmlns:a14="http://schemas.microsoft.com/office/drawing/2010/main" w="9525">
+                <a14:hiddenLine xmlns:a14="http://schemas.microsoft.com/office/drawing/2010/main" xmlns="" w="9525">
                   <a:solidFill>
                     <a:srgbClr val="000000"/>
                   </a:solidFill>
@@ -3675,7 +3679,7 @@
             </a:ln>
             <a:extLst>
               <a:ext uri="{91240B29-F687-4f45-9708-019B960494DF}">
-                <a14:hiddenLine xmlns="" xmlns:a14="http://schemas.microsoft.com/office/drawing/2010/main" w="9525">
+                <a14:hiddenLine xmlns:a14="http://schemas.microsoft.com/office/drawing/2010/main" xmlns="" w="9525">
                   <a:solidFill>
                     <a:srgbClr val="000000"/>
                   </a:solidFill>
@@ -3737,7 +3741,7 @@
             </a:ln>
             <a:extLst>
               <a:ext uri="{91240B29-F687-4f45-9708-019B960494DF}">
-                <a14:hiddenLine xmlns="" xmlns:a14="http://schemas.microsoft.com/office/drawing/2010/main" w="9525">
+                <a14:hiddenLine xmlns:a14="http://schemas.microsoft.com/office/drawing/2010/main" xmlns="" w="9525">
                   <a:solidFill>
                     <a:srgbClr val="000000"/>
                   </a:solidFill>
@@ -3827,7 +3831,7 @@
             </a:ln>
             <a:extLst>
               <a:ext uri="{91240B29-F687-4f45-9708-019B960494DF}">
-                <a14:hiddenLine xmlns="" xmlns:a14="http://schemas.microsoft.com/office/drawing/2010/main" w="9525">
+                <a14:hiddenLine xmlns:a14="http://schemas.microsoft.com/office/drawing/2010/main" xmlns="" w="9525">
                   <a:solidFill>
                     <a:srgbClr val="000000"/>
                   </a:solidFill>
@@ -3917,7 +3921,7 @@
             </a:ln>
             <a:extLst>
               <a:ext uri="{91240B29-F687-4f45-9708-019B960494DF}">
-                <a14:hiddenLine xmlns="" xmlns:a14="http://schemas.microsoft.com/office/drawing/2010/main" w="9525">
+                <a14:hiddenLine xmlns:a14="http://schemas.microsoft.com/office/drawing/2010/main" xmlns="" w="9525">
                   <a:solidFill>
                     <a:srgbClr val="000000"/>
                   </a:solidFill>
@@ -3979,7 +3983,7 @@
             </a:ln>
             <a:extLst>
               <a:ext uri="{91240B29-F687-4f45-9708-019B960494DF}">
-                <a14:hiddenLine xmlns="" xmlns:a14="http://schemas.microsoft.com/office/drawing/2010/main" w="9525">
+                <a14:hiddenLine xmlns:a14="http://schemas.microsoft.com/office/drawing/2010/main" xmlns="" w="9525">
                   <a:solidFill>
                     <a:srgbClr val="000000"/>
                   </a:solidFill>
@@ -4099,7 +4103,7 @@
             </a:ln>
             <a:extLst>
               <a:ext uri="{91240B29-F687-4f45-9708-019B960494DF}">
-                <a14:hiddenLine xmlns="" xmlns:a14="http://schemas.microsoft.com/office/drawing/2010/main" w="9525">
+                <a14:hiddenLine xmlns:a14="http://schemas.microsoft.com/office/drawing/2010/main" xmlns="" w="9525">
                   <a:solidFill>
                     <a:srgbClr val="000000"/>
                   </a:solidFill>
@@ -4167,7 +4171,7 @@
             </a:ln>
             <a:extLst>
               <a:ext uri="{91240B29-F687-4f45-9708-019B960494DF}">
-                <a14:hiddenLine xmlns="" xmlns:a14="http://schemas.microsoft.com/office/drawing/2010/main" w="9525">
+                <a14:hiddenLine xmlns:a14="http://schemas.microsoft.com/office/drawing/2010/main" xmlns="" w="9525">
                   <a:solidFill>
                     <a:srgbClr val="000000"/>
                   </a:solidFill>
@@ -4257,7 +4261,7 @@
             </a:ln>
             <a:extLst>
               <a:ext uri="{91240B29-F687-4f45-9708-019B960494DF}">
-                <a14:hiddenLine xmlns="" xmlns:a14="http://schemas.microsoft.com/office/drawing/2010/main" w="9525">
+                <a14:hiddenLine xmlns:a14="http://schemas.microsoft.com/office/drawing/2010/main" xmlns="" w="9525">
                   <a:solidFill>
                     <a:srgbClr val="000000"/>
                   </a:solidFill>
@@ -4397,7 +4401,7 @@
           <a:p>
             <a:fld id="{48A87A34-81AB-432B-8DAE-1953F412C126}" type="datetimeFigureOut">
               <a:rPr lang="en-US" dirty="0"/>
-              <a:t>11/29/2016</a:t>
+              <a:t>11/30/2016</a:t>
             </a:fld>
             <a:endParaRPr lang="en-US" dirty="0"/>
           </a:p>
@@ -4659,7 +4663,7 @@
           <a:p>
             <a:fld id="{48A87A34-81AB-432B-8DAE-1953F412C126}" type="datetimeFigureOut">
               <a:rPr lang="en-US" dirty="0"/>
-              <a:t>11/29/2016</a:t>
+              <a:t>11/30/2016</a:t>
             </a:fld>
             <a:endParaRPr lang="en-US" dirty="0"/>
           </a:p>
@@ -4850,7 +4854,7 @@
           <a:p>
             <a:fld id="{48A87A34-81AB-432B-8DAE-1953F412C126}" type="datetimeFigureOut">
               <a:rPr lang="en-US" dirty="0"/>
-              <a:t>11/29/2016</a:t>
+              <a:t>11/30/2016</a:t>
             </a:fld>
             <a:endParaRPr lang="en-US" dirty="0"/>
           </a:p>
@@ -5108,7 +5112,7 @@
           <a:p>
             <a:fld id="{48A87A34-81AB-432B-8DAE-1953F412C126}" type="datetimeFigureOut">
               <a:rPr lang="en-US" dirty="0"/>
-              <a:t>11/29/2016</a:t>
+              <a:t>11/30/2016</a:t>
             </a:fld>
             <a:endParaRPr lang="en-US" dirty="0"/>
           </a:p>
@@ -5537,7 +5541,7 @@
           <a:p>
             <a:fld id="{48A87A34-81AB-432B-8DAE-1953F412C126}" type="datetimeFigureOut">
               <a:rPr lang="en-US" dirty="0"/>
-              <a:t>11/29/2016</a:t>
+              <a:t>11/30/2016</a:t>
             </a:fld>
             <a:endParaRPr lang="en-US" dirty="0"/>
           </a:p>
@@ -6078,7 +6082,7 @@
           <a:p>
             <a:fld id="{48A87A34-81AB-432B-8DAE-1953F412C126}" type="datetimeFigureOut">
               <a:rPr lang="en-US" dirty="0"/>
-              <a:t>11/29/2016</a:t>
+              <a:t>11/30/2016</a:t>
             </a:fld>
             <a:endParaRPr lang="en-US" dirty="0"/>
           </a:p>
@@ -6793,7 +6797,7 @@
           <a:p>
             <a:fld id="{48A87A34-81AB-432B-8DAE-1953F412C126}" type="datetimeFigureOut">
               <a:rPr lang="en-US" dirty="0"/>
-              <a:t>11/29/2016</a:t>
+              <a:t>11/30/2016</a:t>
             </a:fld>
             <a:endParaRPr lang="en-US" dirty="0"/>
           </a:p>
@@ -6958,7 +6962,7 @@
           <a:p>
             <a:fld id="{48A87A34-81AB-432B-8DAE-1953F412C126}" type="datetimeFigureOut">
               <a:rPr lang="en-US" dirty="0"/>
-              <a:t>11/29/2016</a:t>
+              <a:t>11/30/2016</a:t>
             </a:fld>
             <a:endParaRPr lang="en-US" dirty="0"/>
           </a:p>
@@ -7133,7 +7137,7 @@
           <a:p>
             <a:fld id="{48A87A34-81AB-432B-8DAE-1953F412C126}" type="datetimeFigureOut">
               <a:rPr lang="en-US" dirty="0"/>
-              <a:t>11/29/2016</a:t>
+              <a:t>11/30/2016</a:t>
             </a:fld>
             <a:endParaRPr lang="en-US" dirty="0"/>
           </a:p>
@@ -7298,7 +7302,7 @@
           <a:p>
             <a:fld id="{48A87A34-81AB-432B-8DAE-1953F412C126}" type="datetimeFigureOut">
               <a:rPr lang="en-US" dirty="0"/>
-              <a:t>11/29/2016</a:t>
+              <a:t>11/30/2016</a:t>
             </a:fld>
             <a:endParaRPr lang="en-US" dirty="0"/>
           </a:p>
@@ -7543,7 +7547,7 @@
           <a:p>
             <a:fld id="{48A87A34-81AB-432B-8DAE-1953F412C126}" type="datetimeFigureOut">
               <a:rPr lang="en-US" dirty="0"/>
-              <a:t>11/29/2016</a:t>
+              <a:t>11/30/2016</a:t>
             </a:fld>
             <a:endParaRPr lang="en-US" dirty="0"/>
           </a:p>
@@ -7770,7 +7774,7 @@
           <a:p>
             <a:fld id="{48A87A34-81AB-432B-8DAE-1953F412C126}" type="datetimeFigureOut">
               <a:rPr lang="en-US" dirty="0"/>
-              <a:t>11/29/2016</a:t>
+              <a:t>11/30/2016</a:t>
             </a:fld>
             <a:endParaRPr lang="en-US" dirty="0"/>
           </a:p>
@@ -8146,7 +8150,7 @@
           <a:p>
             <a:fld id="{48A87A34-81AB-432B-8DAE-1953F412C126}" type="datetimeFigureOut">
               <a:rPr lang="en-US" dirty="0"/>
-              <a:t>11/29/2016</a:t>
+              <a:t>11/30/2016</a:t>
             </a:fld>
             <a:endParaRPr lang="en-US" dirty="0"/>
           </a:p>
@@ -8259,7 +8263,7 @@
           <a:p>
             <a:fld id="{48A87A34-81AB-432B-8DAE-1953F412C126}" type="datetimeFigureOut">
               <a:rPr lang="en-US" dirty="0"/>
-              <a:t>11/29/2016</a:t>
+              <a:t>11/30/2016</a:t>
             </a:fld>
             <a:endParaRPr lang="en-US" dirty="0"/>
           </a:p>
@@ -8349,7 +8353,7 @@
           <a:p>
             <a:fld id="{48A87A34-81AB-432B-8DAE-1953F412C126}" type="datetimeFigureOut">
               <a:rPr lang="en-US" dirty="0"/>
-              <a:t>11/29/2016</a:t>
+              <a:t>11/30/2016</a:t>
             </a:fld>
             <a:endParaRPr lang="en-US" dirty="0"/>
           </a:p>
@@ -8593,7 +8597,7 @@
           <a:p>
             <a:fld id="{48A87A34-81AB-432B-8DAE-1953F412C126}" type="datetimeFigureOut">
               <a:rPr lang="en-US" dirty="0"/>
-              <a:t>11/29/2016</a:t>
+              <a:t>11/30/2016</a:t>
             </a:fld>
             <a:endParaRPr lang="en-US" dirty="0"/>
           </a:p>
@@ -8868,7 +8872,7 @@
           <a:p>
             <a:fld id="{48A87A34-81AB-432B-8DAE-1953F412C126}" type="datetimeFigureOut">
               <a:rPr lang="en-US" dirty="0"/>
-              <a:t>11/29/2016</a:t>
+              <a:t>11/30/2016</a:t>
             </a:fld>
             <a:endParaRPr lang="en-US" dirty="0"/>
           </a:p>
@@ -8979,7 +8983,7 @@
           <a:noFill/>
           <a:extLst>
             <a:ext uri="{909E8E84-426E-40dd-AFC4-6F175D3DCCD1}">
-              <a14:hiddenFill xmlns="" xmlns:a14="http://schemas.microsoft.com/office/drawing/2010/main">
+              <a14:hiddenFill xmlns:a14="http://schemas.microsoft.com/office/drawing/2010/main" xmlns="">
                 <a:solidFill>
                   <a:srgbClr val="FFFFFF"/>
                 </a:solidFill>
@@ -9053,7 +9057,7 @@
               </a:ln>
               <a:extLst>
                 <a:ext uri="{91240B29-F687-4f45-9708-019B960494DF}">
-                  <a14:hiddenLine xmlns="" xmlns:a14="http://schemas.microsoft.com/office/drawing/2010/main" w="9525">
+                  <a14:hiddenLine xmlns:a14="http://schemas.microsoft.com/office/drawing/2010/main" xmlns="" w="9525">
                     <a:solidFill>
                       <a:srgbClr val="000000"/>
                     </a:solidFill>
@@ -9143,7 +9147,7 @@
               </a:ln>
               <a:extLst>
                 <a:ext uri="{91240B29-F687-4f45-9708-019B960494DF}">
-                  <a14:hiddenLine xmlns="" xmlns:a14="http://schemas.microsoft.com/office/drawing/2010/main" w="9525">
+                  <a14:hiddenLine xmlns:a14="http://schemas.microsoft.com/office/drawing/2010/main" xmlns="" w="9525">
                     <a:solidFill>
                       <a:srgbClr val="000000"/>
                     </a:solidFill>
@@ -9233,7 +9237,7 @@
               </a:ln>
               <a:extLst>
                 <a:ext uri="{91240B29-F687-4f45-9708-019B960494DF}">
-                  <a14:hiddenLine xmlns="" xmlns:a14="http://schemas.microsoft.com/office/drawing/2010/main" w="9525">
+                  <a14:hiddenLine xmlns:a14="http://schemas.microsoft.com/office/drawing/2010/main" xmlns="" w="9525">
                     <a:solidFill>
                       <a:srgbClr val="000000"/>
                     </a:solidFill>
@@ -9295,7 +9299,7 @@
               </a:ln>
               <a:extLst>
                 <a:ext uri="{91240B29-F687-4f45-9708-019B960494DF}">
-                  <a14:hiddenLine xmlns="" xmlns:a14="http://schemas.microsoft.com/office/drawing/2010/main" w="9525">
+                  <a14:hiddenLine xmlns:a14="http://schemas.microsoft.com/office/drawing/2010/main" xmlns="" w="9525">
                     <a:solidFill>
                       <a:srgbClr val="000000"/>
                     </a:solidFill>
@@ -9385,7 +9389,7 @@
               </a:ln>
               <a:extLst>
                 <a:ext uri="{91240B29-F687-4f45-9708-019B960494DF}">
-                  <a14:hiddenLine xmlns="" xmlns:a14="http://schemas.microsoft.com/office/drawing/2010/main" w="9525">
+                  <a14:hiddenLine xmlns:a14="http://schemas.microsoft.com/office/drawing/2010/main" xmlns="" w="9525">
                     <a:solidFill>
                       <a:srgbClr val="000000"/>
                     </a:solidFill>
@@ -9447,7 +9451,7 @@
               </a:ln>
               <a:extLst>
                 <a:ext uri="{91240B29-F687-4f45-9708-019B960494DF}">
-                  <a14:hiddenLine xmlns="" xmlns:a14="http://schemas.microsoft.com/office/drawing/2010/main" w="9525">
+                  <a14:hiddenLine xmlns:a14="http://schemas.microsoft.com/office/drawing/2010/main" xmlns="" w="9525">
                     <a:solidFill>
                       <a:srgbClr val="000000"/>
                     </a:solidFill>
@@ -9509,7 +9513,7 @@
               </a:ln>
               <a:extLst>
                 <a:ext uri="{91240B29-F687-4f45-9708-019B960494DF}">
-                  <a14:hiddenLine xmlns="" xmlns:a14="http://schemas.microsoft.com/office/drawing/2010/main" w="9525">
+                  <a14:hiddenLine xmlns:a14="http://schemas.microsoft.com/office/drawing/2010/main" xmlns="" w="9525">
                     <a:solidFill>
                       <a:srgbClr val="000000"/>
                     </a:solidFill>
@@ -9599,7 +9603,7 @@
               </a:ln>
               <a:extLst>
                 <a:ext uri="{91240B29-F687-4f45-9708-019B960494DF}">
-                  <a14:hiddenLine xmlns="" xmlns:a14="http://schemas.microsoft.com/office/drawing/2010/main" w="9525">
+                  <a14:hiddenLine xmlns:a14="http://schemas.microsoft.com/office/drawing/2010/main" xmlns="" w="9525">
                     <a:solidFill>
                       <a:srgbClr val="000000"/>
                     </a:solidFill>
@@ -9689,7 +9693,7 @@
               </a:ln>
               <a:extLst>
                 <a:ext uri="{91240B29-F687-4f45-9708-019B960494DF}">
-                  <a14:hiddenLine xmlns="" xmlns:a14="http://schemas.microsoft.com/office/drawing/2010/main" w="9525">
+                  <a14:hiddenLine xmlns:a14="http://schemas.microsoft.com/office/drawing/2010/main" xmlns="" w="9525">
                     <a:solidFill>
                       <a:srgbClr val="000000"/>
                     </a:solidFill>
@@ -9751,7 +9755,7 @@
               </a:ln>
               <a:extLst>
                 <a:ext uri="{91240B29-F687-4f45-9708-019B960494DF}">
-                  <a14:hiddenLine xmlns="" xmlns:a14="http://schemas.microsoft.com/office/drawing/2010/main" w="9525">
+                  <a14:hiddenLine xmlns:a14="http://schemas.microsoft.com/office/drawing/2010/main" xmlns="" w="9525">
                     <a:solidFill>
                       <a:srgbClr val="000000"/>
                     </a:solidFill>
@@ -9861,7 +9865,7 @@
               </a:ln>
               <a:extLst>
                 <a:ext uri="{91240B29-F687-4f45-9708-019B960494DF}">
-                  <a14:hiddenLine xmlns="" xmlns:a14="http://schemas.microsoft.com/office/drawing/2010/main" w="9525">
+                  <a14:hiddenLine xmlns:a14="http://schemas.microsoft.com/office/drawing/2010/main" xmlns="" w="9525">
                     <a:solidFill>
                       <a:srgbClr val="000000"/>
                     </a:solidFill>
@@ -9945,7 +9949,7 @@
               </a:ln>
               <a:extLst>
                 <a:ext uri="{91240B29-F687-4f45-9708-019B960494DF}">
-                  <a14:hiddenLine xmlns="" xmlns:a14="http://schemas.microsoft.com/office/drawing/2010/main" w="9525">
+                  <a14:hiddenLine xmlns:a14="http://schemas.microsoft.com/office/drawing/2010/main" xmlns="" w="9525">
                     <a:solidFill>
                       <a:srgbClr val="000000"/>
                     </a:solidFill>
@@ -10007,7 +10011,7 @@
               </a:ln>
               <a:extLst>
                 <a:ext uri="{91240B29-F687-4f45-9708-019B960494DF}">
-                  <a14:hiddenLine xmlns="" xmlns:a14="http://schemas.microsoft.com/office/drawing/2010/main" w="9525">
+                  <a14:hiddenLine xmlns:a14="http://schemas.microsoft.com/office/drawing/2010/main" xmlns="" w="9525">
                     <a:solidFill>
                       <a:srgbClr val="000000"/>
                     </a:solidFill>
@@ -10069,7 +10073,7 @@
               </a:ln>
               <a:extLst>
                 <a:ext uri="{91240B29-F687-4f45-9708-019B960494DF}">
-                  <a14:hiddenLine xmlns="" xmlns:a14="http://schemas.microsoft.com/office/drawing/2010/main" w="9525">
+                  <a14:hiddenLine xmlns:a14="http://schemas.microsoft.com/office/drawing/2010/main" xmlns="" w="9525">
                     <a:solidFill>
                       <a:srgbClr val="000000"/>
                     </a:solidFill>
@@ -10159,7 +10163,7 @@
               </a:ln>
               <a:extLst>
                 <a:ext uri="{91240B29-F687-4f45-9708-019B960494DF}">
-                  <a14:hiddenLine xmlns="" xmlns:a14="http://schemas.microsoft.com/office/drawing/2010/main" w="9525">
+                  <a14:hiddenLine xmlns:a14="http://schemas.microsoft.com/office/drawing/2010/main" xmlns="" w="9525">
                     <a:solidFill>
                       <a:srgbClr val="000000"/>
                     </a:solidFill>
@@ -10193,7 +10197,7 @@
               </a:ln>
               <a:extLst>
                 <a:ext uri="{91240B29-F687-4f45-9708-019B960494DF}">
-                  <a14:hiddenLine xmlns="" xmlns:a14="http://schemas.microsoft.com/office/drawing/2010/main" w="9525">
+                  <a14:hiddenLine xmlns:a14="http://schemas.microsoft.com/office/drawing/2010/main" xmlns="" w="9525">
                     <a:solidFill>
                       <a:srgbClr val="000000"/>
                     </a:solidFill>
@@ -10258,7 +10262,7 @@
               </a:ln>
               <a:extLst>
                 <a:ext uri="{91240B29-F687-4f45-9708-019B960494DF}">
-                  <a14:hiddenLine xmlns="" xmlns:a14="http://schemas.microsoft.com/office/drawing/2010/main" w="9525">
+                  <a14:hiddenLine xmlns:a14="http://schemas.microsoft.com/office/drawing/2010/main" xmlns="" w="9525">
                     <a:solidFill>
                       <a:srgbClr val="000000"/>
                     </a:solidFill>
@@ -10348,7 +10352,7 @@
               </a:ln>
               <a:extLst>
                 <a:ext uri="{91240B29-F687-4f45-9708-019B960494DF}">
-                  <a14:hiddenLine xmlns="" xmlns:a14="http://schemas.microsoft.com/office/drawing/2010/main" w="9525">
+                  <a14:hiddenLine xmlns:a14="http://schemas.microsoft.com/office/drawing/2010/main" xmlns="" w="9525">
                     <a:solidFill>
                       <a:srgbClr val="000000"/>
                     </a:solidFill>
@@ -10410,7 +10414,7 @@
               </a:ln>
               <a:extLst>
                 <a:ext uri="{91240B29-F687-4f45-9708-019B960494DF}">
-                  <a14:hiddenLine xmlns="" xmlns:a14="http://schemas.microsoft.com/office/drawing/2010/main" w="9525">
+                  <a14:hiddenLine xmlns:a14="http://schemas.microsoft.com/office/drawing/2010/main" xmlns="" w="9525">
                     <a:solidFill>
                       <a:srgbClr val="000000"/>
                     </a:solidFill>
@@ -10500,7 +10504,7 @@
               </a:ln>
               <a:extLst>
                 <a:ext uri="{91240B29-F687-4f45-9708-019B960494DF}">
-                  <a14:hiddenLine xmlns="" xmlns:a14="http://schemas.microsoft.com/office/drawing/2010/main" w="9525">
+                  <a14:hiddenLine xmlns:a14="http://schemas.microsoft.com/office/drawing/2010/main" xmlns="" w="9525">
                     <a:solidFill>
                       <a:srgbClr val="000000"/>
                     </a:solidFill>
@@ -10565,7 +10569,7 @@
               </a:ln>
               <a:extLst>
                 <a:ext uri="{91240B29-F687-4f45-9708-019B960494DF}">
-                  <a14:hiddenLine xmlns="" xmlns:a14="http://schemas.microsoft.com/office/drawing/2010/main" w="9525">
+                  <a14:hiddenLine xmlns:a14="http://schemas.microsoft.com/office/drawing/2010/main" xmlns="" w="9525">
                     <a:solidFill>
                       <a:srgbClr val="000000"/>
                     </a:solidFill>
@@ -10627,7 +10631,7 @@
               </a:ln>
               <a:extLst>
                 <a:ext uri="{91240B29-F687-4f45-9708-019B960494DF}">
-                  <a14:hiddenLine xmlns="" xmlns:a14="http://schemas.microsoft.com/office/drawing/2010/main" w="9525">
+                  <a14:hiddenLine xmlns:a14="http://schemas.microsoft.com/office/drawing/2010/main" xmlns="" w="9525">
                     <a:solidFill>
                       <a:srgbClr val="000000"/>
                     </a:solidFill>
@@ -10717,7 +10721,7 @@
               </a:ln>
               <a:extLst>
                 <a:ext uri="{91240B29-F687-4f45-9708-019B960494DF}">
-                  <a14:hiddenLine xmlns="" xmlns:a14="http://schemas.microsoft.com/office/drawing/2010/main" w="9525">
+                  <a14:hiddenLine xmlns:a14="http://schemas.microsoft.com/office/drawing/2010/main" xmlns="" w="9525">
                     <a:solidFill>
                       <a:srgbClr val="000000"/>
                     </a:solidFill>
@@ -10807,7 +10811,7 @@
               </a:ln>
               <a:extLst>
                 <a:ext uri="{91240B29-F687-4f45-9708-019B960494DF}">
-                  <a14:hiddenLine xmlns="" xmlns:a14="http://schemas.microsoft.com/office/drawing/2010/main" w="9525">
+                  <a14:hiddenLine xmlns:a14="http://schemas.microsoft.com/office/drawing/2010/main" xmlns="" w="9525">
                     <a:solidFill>
                       <a:srgbClr val="000000"/>
                     </a:solidFill>
@@ -10872,7 +10876,7 @@
               </a:ln>
               <a:extLst>
                 <a:ext uri="{91240B29-F687-4f45-9708-019B960494DF}">
-                  <a14:hiddenLine xmlns="" xmlns:a14="http://schemas.microsoft.com/office/drawing/2010/main" w="9525">
+                  <a14:hiddenLine xmlns:a14="http://schemas.microsoft.com/office/drawing/2010/main" xmlns="" w="9525">
                     <a:solidFill>
                       <a:srgbClr val="000000"/>
                     </a:solidFill>
@@ -10992,7 +10996,7 @@
               </a:ln>
               <a:extLst>
                 <a:ext uri="{91240B29-F687-4f45-9708-019B960494DF}">
-                  <a14:hiddenLine xmlns="" xmlns:a14="http://schemas.microsoft.com/office/drawing/2010/main" w="9525">
+                  <a14:hiddenLine xmlns:a14="http://schemas.microsoft.com/office/drawing/2010/main" xmlns="" w="9525">
                     <a:solidFill>
                       <a:srgbClr val="000000"/>
                     </a:solidFill>
@@ -11090,7 +11094,7 @@
               </a:ln>
               <a:extLst>
                 <a:ext uri="{91240B29-F687-4f45-9708-019B960494DF}">
-                  <a14:hiddenLine xmlns="" xmlns:a14="http://schemas.microsoft.com/office/drawing/2010/main" w="9525">
+                  <a14:hiddenLine xmlns:a14="http://schemas.microsoft.com/office/drawing/2010/main" xmlns="" w="9525">
                     <a:solidFill>
                       <a:srgbClr val="000000"/>
                     </a:solidFill>
@@ -11205,7 +11209,7 @@
               </a:ln>
               <a:extLst>
                 <a:ext uri="{91240B29-F687-4f45-9708-019B960494DF}">
-                  <a14:hiddenLine xmlns="" xmlns:a14="http://schemas.microsoft.com/office/drawing/2010/main" w="9525">
+                  <a14:hiddenLine xmlns:a14="http://schemas.microsoft.com/office/drawing/2010/main" xmlns="" w="9525">
                     <a:solidFill>
                       <a:srgbClr val="000000"/>
                     </a:solidFill>
@@ -11295,7 +11299,7 @@
               </a:ln>
               <a:extLst>
                 <a:ext uri="{91240B29-F687-4f45-9708-019B960494DF}">
-                  <a14:hiddenLine xmlns="" xmlns:a14="http://schemas.microsoft.com/office/drawing/2010/main" w="9525">
+                  <a14:hiddenLine xmlns:a14="http://schemas.microsoft.com/office/drawing/2010/main" xmlns="" w="9525">
                     <a:solidFill>
                       <a:srgbClr val="000000"/>
                     </a:solidFill>
@@ -11360,7 +11364,7 @@
               </a:ln>
               <a:extLst>
                 <a:ext uri="{91240B29-F687-4f45-9708-019B960494DF}">
-                  <a14:hiddenLine xmlns="" xmlns:a14="http://schemas.microsoft.com/office/drawing/2010/main" w="9525">
+                  <a14:hiddenLine xmlns:a14="http://schemas.microsoft.com/office/drawing/2010/main" xmlns="" w="9525">
                     <a:solidFill>
                       <a:srgbClr val="000000"/>
                     </a:solidFill>
@@ -11450,7 +11454,7 @@
               </a:ln>
               <a:extLst>
                 <a:ext uri="{91240B29-F687-4f45-9708-019B960494DF}">
-                  <a14:hiddenLine xmlns="" xmlns:a14="http://schemas.microsoft.com/office/drawing/2010/main" w="9525">
+                  <a14:hiddenLine xmlns:a14="http://schemas.microsoft.com/office/drawing/2010/main" xmlns="" w="9525">
                     <a:solidFill>
                       <a:srgbClr val="000000"/>
                     </a:solidFill>
@@ -11518,7 +11522,7 @@
               </a:ln>
               <a:extLst>
                 <a:ext uri="{91240B29-F687-4f45-9708-019B960494DF}">
-                  <a14:hiddenLine xmlns="" xmlns:a14="http://schemas.microsoft.com/office/drawing/2010/main" w="9525">
+                  <a14:hiddenLine xmlns:a14="http://schemas.microsoft.com/office/drawing/2010/main" xmlns="" w="9525">
                     <a:solidFill>
                       <a:srgbClr val="000000"/>
                     </a:solidFill>
@@ -11608,7 +11612,7 @@
               </a:ln>
               <a:extLst>
                 <a:ext uri="{91240B29-F687-4f45-9708-019B960494DF}">
-                  <a14:hiddenLine xmlns="" xmlns:a14="http://schemas.microsoft.com/office/drawing/2010/main" w="9525">
+                  <a14:hiddenLine xmlns:a14="http://schemas.microsoft.com/office/drawing/2010/main" xmlns="" w="9525">
                     <a:solidFill>
                       <a:srgbClr val="000000"/>
                     </a:solidFill>
@@ -11676,7 +11680,7 @@
               </a:ln>
               <a:extLst>
                 <a:ext uri="{91240B29-F687-4f45-9708-019B960494DF}">
-                  <a14:hiddenLine xmlns="" xmlns:a14="http://schemas.microsoft.com/office/drawing/2010/main" w="9525">
+                  <a14:hiddenLine xmlns:a14="http://schemas.microsoft.com/office/drawing/2010/main" xmlns="" w="9525">
                     <a:solidFill>
                       <a:srgbClr val="000000"/>
                     </a:solidFill>
@@ -11766,7 +11770,7 @@
               </a:ln>
               <a:extLst>
                 <a:ext uri="{91240B29-F687-4f45-9708-019B960494DF}">
-                  <a14:hiddenLine xmlns="" xmlns:a14="http://schemas.microsoft.com/office/drawing/2010/main" w="9525">
+                  <a14:hiddenLine xmlns:a14="http://schemas.microsoft.com/office/drawing/2010/main" xmlns="" w="9525">
                     <a:solidFill>
                       <a:srgbClr val="000000"/>
                     </a:solidFill>
@@ -11800,7 +11804,7 @@
               </a:ln>
               <a:extLst>
                 <a:ext uri="{91240B29-F687-4f45-9708-019B960494DF}">
-                  <a14:hiddenLine xmlns="" xmlns:a14="http://schemas.microsoft.com/office/drawing/2010/main" w="9525">
+                  <a14:hiddenLine xmlns:a14="http://schemas.microsoft.com/office/drawing/2010/main" xmlns="" w="9525">
                     <a:solidFill>
                       <a:srgbClr val="000000"/>
                     </a:solidFill>
@@ -11941,7 +11945,7 @@
             <a:fld id="{48A87A34-81AB-432B-8DAE-1953F412C126}" type="datetimeFigureOut">
               <a:rPr lang="en-US" dirty="0"/>
               <a:pPr/>
-              <a:t>11/29/2016</a:t>
+              <a:t>11/30/2016</a:t>
             </a:fld>
             <a:endParaRPr lang="en-US" dirty="0"/>
           </a:p>
@@ -12478,6 +12482,366 @@
 </file>
 
 <file path=ppt/slides/slide10.xml><?xml version="1.0" encoding="utf-8"?>
+<p:sld xmlns:a="http://schemas.openxmlformats.org/drawingml/2006/main" xmlns:r="http://schemas.openxmlformats.org/officeDocument/2006/relationships" xmlns:p="http://schemas.openxmlformats.org/presentationml/2006/main">
+  <p:cSld>
+    <p:spTree>
+      <p:nvGrpSpPr>
+        <p:cNvPr id="1" name=""/>
+        <p:cNvGrpSpPr/>
+        <p:nvPr/>
+      </p:nvGrpSpPr>
+      <p:grpSpPr>
+        <a:xfrm>
+          <a:off x="0" y="0"/>
+          <a:ext cx="0" cy="0"/>
+          <a:chOff x="0" y="0"/>
+          <a:chExt cx="0" cy="0"/>
+        </a:xfrm>
+      </p:grpSpPr>
+      <p:sp>
+        <p:nvSpPr>
+          <p:cNvPr id="2" name="Title 1"/>
+          <p:cNvSpPr>
+            <a:spLocks noGrp="1"/>
+          </p:cNvSpPr>
+          <p:nvPr>
+            <p:ph type="title"/>
+          </p:nvPr>
+        </p:nvSpPr>
+        <p:spPr/>
+        <p:txBody>
+          <a:bodyPr/>
+          <a:lstStyle/>
+          <a:p>
+            <a:r>
+              <a:rPr lang="en-CA" dirty="0"/>
+              <a:t>Release pipeline </a:t>
+            </a:r>
+          </a:p>
+        </p:txBody>
+      </p:sp>
+      <p:sp>
+        <p:nvSpPr>
+          <p:cNvPr id="3" name="Content Placeholder 2"/>
+          <p:cNvSpPr>
+            <a:spLocks noGrp="1"/>
+          </p:cNvSpPr>
+          <p:nvPr>
+            <p:ph idx="1"/>
+          </p:nvPr>
+        </p:nvSpPr>
+        <p:spPr/>
+        <p:txBody>
+          <a:bodyPr/>
+          <a:lstStyle/>
+          <a:p>
+            <a:endParaRPr lang="en-CA"/>
+          </a:p>
+        </p:txBody>
+      </p:sp>
+    </p:spTree>
+    <p:extLst>
+      <p:ext uri="{BB962C8B-B14F-4D97-AF65-F5344CB8AC3E}">
+        <p14:creationId xmlns:p14="http://schemas.microsoft.com/office/powerpoint/2010/main" val="34848606"/>
+      </p:ext>
+    </p:extLst>
+  </p:cSld>
+  <p:clrMapOvr>
+    <a:masterClrMapping/>
+  </p:clrMapOvr>
+</p:sld>
+</file>
+
+<file path=ppt/slides/slide11.xml><?xml version="1.0" encoding="utf-8"?>
+<p:sld xmlns:a="http://schemas.openxmlformats.org/drawingml/2006/main" xmlns:r="http://schemas.openxmlformats.org/officeDocument/2006/relationships" xmlns:p="http://schemas.openxmlformats.org/presentationml/2006/main">
+  <p:cSld>
+    <p:spTree>
+      <p:nvGrpSpPr>
+        <p:cNvPr id="1" name=""/>
+        <p:cNvGrpSpPr/>
+        <p:nvPr/>
+      </p:nvGrpSpPr>
+      <p:grpSpPr>
+        <a:xfrm>
+          <a:off x="0" y="0"/>
+          <a:ext cx="0" cy="0"/>
+          <a:chOff x="0" y="0"/>
+          <a:chExt cx="0" cy="0"/>
+        </a:xfrm>
+      </p:grpSpPr>
+      <p:sp>
+        <p:nvSpPr>
+          <p:cNvPr id="2" name="Title 1"/>
+          <p:cNvSpPr>
+            <a:spLocks noGrp="1"/>
+          </p:cNvSpPr>
+          <p:nvPr>
+            <p:ph type="title"/>
+          </p:nvPr>
+        </p:nvSpPr>
+        <p:spPr/>
+        <p:txBody>
+          <a:bodyPr/>
+          <a:lstStyle/>
+          <a:p>
+            <a:r>
+              <a:rPr lang="en-CA" dirty="0"/>
+              <a:t>Desktop/laptop platform</a:t>
+            </a:r>
+            <a:br>
+              <a:rPr lang="en-CA" dirty="0"/>
+            </a:br>
+            <a:r>
+              <a:rPr lang="en-CA" dirty="0"/>
+              <a:t>start-up view</a:t>
+            </a:r>
+          </a:p>
+        </p:txBody>
+      </p:sp>
+      <p:sp>
+        <p:nvSpPr>
+          <p:cNvPr id="3" name="Content Placeholder 2"/>
+          <p:cNvSpPr>
+            <a:spLocks noGrp="1"/>
+          </p:cNvSpPr>
+          <p:nvPr>
+            <p:ph idx="1"/>
+          </p:nvPr>
+        </p:nvSpPr>
+        <p:spPr>
+          <a:xfrm>
+            <a:off x="930442" y="3914273"/>
+            <a:ext cx="10116969" cy="1876927"/>
+          </a:xfrm>
+        </p:spPr>
+        <p:txBody>
+          <a:bodyPr/>
+          <a:lstStyle/>
+          <a:p>
+            <a:pPr marL="0" indent="0" algn="ctr">
+              <a:buNone/>
+            </a:pPr>
+            <a:r>
+              <a:rPr lang="en-CA" dirty="0"/>
+              <a:t>All manager are implemented so that they have several views </a:t>
+            </a:r>
+          </a:p>
+        </p:txBody>
+      </p:sp>
+      <p:pic>
+        <p:nvPicPr>
+          <p:cNvPr id="4" name="Picture 3"/>
+          <p:cNvPicPr>
+            <a:picLocks noChangeAspect="1"/>
+          </p:cNvPicPr>
+          <p:nvPr/>
+        </p:nvPicPr>
+        <p:blipFill>
+          <a:blip r:embed="rId2"/>
+          <a:stretch>
+            <a:fillRect/>
+          </a:stretch>
+        </p:blipFill>
+        <p:spPr>
+          <a:xfrm>
+            <a:off x="2134986" y="2097088"/>
+            <a:ext cx="7252852" cy="1813213"/>
+          </a:xfrm>
+          <a:prstGeom prst="rect">
+            <a:avLst/>
+          </a:prstGeom>
+        </p:spPr>
+      </p:pic>
+    </p:spTree>
+    <p:extLst>
+      <p:ext uri="{BB962C8B-B14F-4D97-AF65-F5344CB8AC3E}">
+        <p14:creationId xmlns:p14="http://schemas.microsoft.com/office/powerpoint/2010/main" val="321608993"/>
+      </p:ext>
+    </p:extLst>
+  </p:cSld>
+  <p:clrMapOvr>
+    <a:masterClrMapping/>
+  </p:clrMapOvr>
+</p:sld>
+</file>
+
+<file path=ppt/slides/slide12.xml><?xml version="1.0" encoding="utf-8"?>
+<p:sld xmlns:a="http://schemas.openxmlformats.org/drawingml/2006/main" xmlns:r="http://schemas.openxmlformats.org/officeDocument/2006/relationships" xmlns:p="http://schemas.openxmlformats.org/presentationml/2006/main">
+  <p:cSld>
+    <p:spTree>
+      <p:nvGrpSpPr>
+        <p:cNvPr id="1" name=""/>
+        <p:cNvGrpSpPr/>
+        <p:nvPr/>
+      </p:nvGrpSpPr>
+      <p:grpSpPr>
+        <a:xfrm>
+          <a:off x="0" y="0"/>
+          <a:ext cx="0" cy="0"/>
+          <a:chOff x="0" y="0"/>
+          <a:chExt cx="0" cy="0"/>
+        </a:xfrm>
+      </p:grpSpPr>
+      <p:sp>
+        <p:nvSpPr>
+          <p:cNvPr id="2" name="Title 1"/>
+          <p:cNvSpPr>
+            <a:spLocks noGrp="1"/>
+          </p:cNvSpPr>
+          <p:nvPr>
+            <p:ph type="title"/>
+          </p:nvPr>
+        </p:nvSpPr>
+        <p:spPr/>
+        <p:txBody>
+          <a:bodyPr>
+            <a:normAutofit fontScale="90000"/>
+          </a:bodyPr>
+          <a:lstStyle/>
+          <a:p>
+            <a:r>
+              <a:rPr lang="en-CA" dirty="0"/>
+              <a:t>Desktop/laptop platform</a:t>
+            </a:r>
+            <a:br>
+              <a:rPr lang="en-CA" dirty="0"/>
+            </a:br>
+            <a:r>
+              <a:rPr lang="en-CA" dirty="0"/>
+              <a:t>schedule manager view</a:t>
+            </a:r>
+            <a:br>
+              <a:rPr lang="en-CA" dirty="0"/>
+            </a:br>
+            <a:endParaRPr lang="en-CA" dirty="0"/>
+          </a:p>
+        </p:txBody>
+      </p:sp>
+      <p:pic>
+        <p:nvPicPr>
+          <p:cNvPr id="4" name="Content Placeholder 3"/>
+          <p:cNvPicPr>
+            <a:picLocks noGrp="1" noChangeAspect="1"/>
+          </p:cNvPicPr>
+          <p:nvPr>
+            <p:ph idx="1"/>
+          </p:nvPr>
+        </p:nvPicPr>
+        <p:blipFill>
+          <a:blip r:embed="rId2"/>
+          <a:stretch>
+            <a:fillRect/>
+          </a:stretch>
+        </p:blipFill>
+        <p:spPr>
+          <a:xfrm>
+            <a:off x="2194969" y="1945899"/>
+            <a:ext cx="7798886" cy="3219308"/>
+          </a:xfrm>
+          <a:prstGeom prst="rect">
+            <a:avLst/>
+          </a:prstGeom>
+        </p:spPr>
+      </p:pic>
+    </p:spTree>
+    <p:extLst>
+      <p:ext uri="{BB962C8B-B14F-4D97-AF65-F5344CB8AC3E}">
+        <p14:creationId xmlns:p14="http://schemas.microsoft.com/office/powerpoint/2010/main" val="1462862456"/>
+      </p:ext>
+    </p:extLst>
+  </p:cSld>
+  <p:clrMapOvr>
+    <a:masterClrMapping/>
+  </p:clrMapOvr>
+</p:sld>
+</file>
+
+<file path=ppt/slides/slide13.xml><?xml version="1.0" encoding="utf-8"?>
+<p:sld xmlns:a="http://schemas.openxmlformats.org/drawingml/2006/main" xmlns:r="http://schemas.openxmlformats.org/officeDocument/2006/relationships" xmlns:p="http://schemas.openxmlformats.org/presentationml/2006/main">
+  <p:cSld>
+    <p:spTree>
+      <p:nvGrpSpPr>
+        <p:cNvPr id="1" name=""/>
+        <p:cNvGrpSpPr/>
+        <p:nvPr/>
+      </p:nvGrpSpPr>
+      <p:grpSpPr>
+        <a:xfrm>
+          <a:off x="0" y="0"/>
+          <a:ext cx="0" cy="0"/>
+          <a:chOff x="0" y="0"/>
+          <a:chExt cx="0" cy="0"/>
+        </a:xfrm>
+      </p:grpSpPr>
+      <p:sp>
+        <p:nvSpPr>
+          <p:cNvPr id="2" name="Title 1"/>
+          <p:cNvSpPr>
+            <a:spLocks noGrp="1"/>
+          </p:cNvSpPr>
+          <p:nvPr>
+            <p:ph type="title"/>
+          </p:nvPr>
+        </p:nvSpPr>
+        <p:spPr/>
+        <p:txBody>
+          <a:bodyPr/>
+          <a:lstStyle/>
+          <a:p>
+            <a:r>
+              <a:rPr lang="en-CA" dirty="0"/>
+              <a:t>Desktop/laptop platform</a:t>
+            </a:r>
+            <a:br>
+              <a:rPr lang="en-CA" dirty="0"/>
+            </a:br>
+            <a:r>
+              <a:rPr lang="en-CA" dirty="0"/>
+              <a:t>inventory manager view</a:t>
+            </a:r>
+          </a:p>
+        </p:txBody>
+      </p:sp>
+      <p:pic>
+        <p:nvPicPr>
+          <p:cNvPr id="4" name="Content Placeholder 3"/>
+          <p:cNvPicPr>
+            <a:picLocks noGrp="1" noChangeAspect="1"/>
+          </p:cNvPicPr>
+          <p:nvPr>
+            <p:ph idx="1"/>
+          </p:nvPr>
+        </p:nvPicPr>
+        <p:blipFill>
+          <a:blip r:embed="rId2"/>
+          <a:stretch>
+            <a:fillRect/>
+          </a:stretch>
+        </p:blipFill>
+        <p:spPr>
+          <a:xfrm>
+            <a:off x="1536542" y="2097088"/>
+            <a:ext cx="9367996" cy="2559426"/>
+          </a:xfrm>
+          <a:prstGeom prst="rect">
+            <a:avLst/>
+          </a:prstGeom>
+        </p:spPr>
+      </p:pic>
+    </p:spTree>
+    <p:extLst>
+      <p:ext uri="{BB962C8B-B14F-4D97-AF65-F5344CB8AC3E}">
+        <p14:creationId xmlns:p14="http://schemas.microsoft.com/office/powerpoint/2010/main" val="1239504360"/>
+      </p:ext>
+    </p:extLst>
+  </p:cSld>
+  <p:clrMapOvr>
+    <a:masterClrMapping/>
+  </p:clrMapOvr>
+</p:sld>
+</file>
+
+<file path=ppt/slides/slide14.xml><?xml version="1.0" encoding="utf-8"?>
 <p:sld xmlns:a="http://schemas.openxmlformats.org/drawingml/2006/main" xmlns:r="http://schemas.openxmlformats.org/officeDocument/2006/relationships" xmlns:p="http://schemas.openxmlformats.org/presentationml/2006/main">
   <p:cSld>
     <p:spTree>
@@ -13185,27 +13549,47 @@
           </a:xfrm>
         </p:spPr>
         <p:txBody>
-          <a:bodyPr/>
+          <a:bodyPr>
+            <a:normAutofit/>
+          </a:bodyPr>
           <a:lstStyle/>
           <a:p>
             <a:r>
               <a:rPr lang="en-CA" dirty="0"/>
-              <a:t>Class diagram for </a:t>
+              <a:t>Architecture of the FTMS </a:t>
             </a:r>
-            <a:r>
-              <a:rPr lang="en-CA" dirty="0" err="1"/>
-              <a:t>ftms</a:t>
-            </a:r>
-            <a:r>
-              <a:rPr lang="en-CA" dirty="0"/>
-              <a:t> application</a:t>
-            </a:r>
+          </a:p>
+        </p:txBody>
+      </p:sp>
+      <p:sp>
+        <p:nvSpPr>
+          <p:cNvPr id="4" name="TextBox 3"/>
+          <p:cNvSpPr txBox="1"/>
+          <p:nvPr/>
+        </p:nvSpPr>
+        <p:spPr>
+          <a:xfrm>
+            <a:off x="1345223" y="2532185"/>
+            <a:ext cx="184731" cy="369332"/>
+          </a:xfrm>
+          <a:prstGeom prst="rect">
+            <a:avLst/>
+          </a:prstGeom>
+          <a:noFill/>
+        </p:spPr>
+        <p:txBody>
+          <a:bodyPr wrap="none" rtlCol="0">
+            <a:spAutoFit/>
+          </a:bodyPr>
+          <a:lstStyle/>
+          <a:p>
+            <a:endParaRPr lang="en-CA"/>
           </a:p>
         </p:txBody>
       </p:sp>
       <p:pic>
         <p:nvPicPr>
-          <p:cNvPr id="5" name="Picture 4"/>
+          <p:cNvPr id="6" name="Picture 5"/>
           <p:cNvPicPr>
             <a:picLocks noChangeAspect="1"/>
           </p:cNvPicPr>
@@ -13219,8 +13603,8 @@
         </p:blipFill>
         <p:spPr>
           <a:xfrm>
-            <a:off x="1141412" y="1734821"/>
-            <a:ext cx="9478399" cy="4571046"/>
+            <a:off x="1884119" y="1597642"/>
+            <a:ext cx="7752252" cy="5225189"/>
           </a:xfrm>
           <a:prstGeom prst="rect">
             <a:avLst/>
@@ -13274,55 +13658,20 @@
           <a:p>
             <a:r>
               <a:rPr lang="en-CA" dirty="0"/>
-              <a:t>Desktop/laptop platform</a:t>
-            </a:r>
-            <a:br>
-              <a:rPr lang="en-CA" dirty="0"/>
-            </a:br>
-            <a:r>
-              <a:rPr lang="en-CA" dirty="0"/>
-              <a:t>start-up view</a:t>
-            </a:r>
-          </a:p>
-        </p:txBody>
-      </p:sp>
-      <p:sp>
-        <p:nvSpPr>
-          <p:cNvPr id="3" name="Content Placeholder 2"/>
-          <p:cNvSpPr>
-            <a:spLocks noGrp="1"/>
-          </p:cNvSpPr>
-          <p:nvPr>
-            <p:ph idx="1"/>
-          </p:nvPr>
-        </p:nvSpPr>
-        <p:spPr>
-          <a:xfrm>
-            <a:off x="930442" y="3914273"/>
-            <a:ext cx="10116969" cy="1876927"/>
-          </a:xfrm>
-        </p:spPr>
-        <p:txBody>
-          <a:bodyPr/>
-          <a:lstStyle/>
-          <a:p>
-            <a:pPr marL="0" indent="0" algn="ctr">
-              <a:buNone/>
-            </a:pPr>
-            <a:r>
-              <a:rPr lang="en-CA" dirty="0"/>
-              <a:t>All manager are implemented so that they have several views </a:t>
+              <a:t>Architecture of the staff manager</a:t>
             </a:r>
           </a:p>
         </p:txBody>
       </p:sp>
       <p:pic>
         <p:nvPicPr>
-          <p:cNvPr id="4" name="Picture 3"/>
+          <p:cNvPr id="4" name="Content Placeholder 3"/>
           <p:cNvPicPr>
-            <a:picLocks noChangeAspect="1"/>
+            <a:picLocks noGrp="1" noChangeAspect="1"/>
           </p:cNvPicPr>
-          <p:nvPr/>
+          <p:nvPr>
+            <p:ph idx="1"/>
+          </p:nvPr>
         </p:nvPicPr>
         <p:blipFill>
           <a:blip r:embed="rId2"/>
@@ -13332,8 +13681,8 @@
         </p:blipFill>
         <p:spPr>
           <a:xfrm>
-            <a:off x="2134986" y="2097088"/>
-            <a:ext cx="7252852" cy="1813213"/>
+            <a:off x="2947654" y="1738914"/>
+            <a:ext cx="6293516" cy="5119086"/>
           </a:xfrm>
           <a:prstGeom prst="rect">
             <a:avLst/>
@@ -13343,7 +13692,7 @@
     </p:spTree>
     <p:extLst>
       <p:ext uri="{BB962C8B-B14F-4D97-AF65-F5344CB8AC3E}">
-        <p14:creationId xmlns:p14="http://schemas.microsoft.com/office/powerpoint/2010/main" val="321608993"/>
+        <p14:creationId xmlns:p14="http://schemas.microsoft.com/office/powerpoint/2010/main" val="3308166257"/>
       </p:ext>
     </p:extLst>
   </p:cSld>
@@ -13382,32 +13731,19 @@
         </p:nvSpPr>
         <p:spPr/>
         <p:txBody>
-          <a:bodyPr>
-            <a:normAutofit fontScale="90000"/>
-          </a:bodyPr>
+          <a:bodyPr/>
           <a:lstStyle/>
           <a:p>
             <a:r>
               <a:rPr lang="en-CA" dirty="0"/>
-              <a:t>Desktop/laptop platform</a:t>
+              <a:t>Architecture order manager</a:t>
             </a:r>
-            <a:br>
-              <a:rPr lang="en-CA" dirty="0"/>
-            </a:br>
-            <a:r>
-              <a:rPr lang="en-CA" dirty="0"/>
-              <a:t>schedule manager view</a:t>
-            </a:r>
-            <a:br>
-              <a:rPr lang="en-CA" dirty="0"/>
-            </a:br>
-            <a:endParaRPr lang="en-CA" dirty="0"/>
           </a:p>
         </p:txBody>
       </p:sp>
       <p:pic>
         <p:nvPicPr>
-          <p:cNvPr id="4" name="Content Placeholder 3"/>
+          <p:cNvPr id="6" name="Content Placeholder 5"/>
           <p:cNvPicPr>
             <a:picLocks noGrp="1" noChangeAspect="1"/>
           </p:cNvPicPr>
@@ -13423,8 +13759,8 @@
         </p:blipFill>
         <p:spPr>
           <a:xfrm>
-            <a:off x="2194969" y="1945899"/>
-            <a:ext cx="7798886" cy="3219308"/>
+            <a:off x="2130886" y="1668463"/>
+            <a:ext cx="7927051" cy="4961028"/>
           </a:xfrm>
           <a:prstGeom prst="rect">
             <a:avLst/>
@@ -13434,7 +13770,7 @@
     </p:spTree>
     <p:extLst>
       <p:ext uri="{BB962C8B-B14F-4D97-AF65-F5344CB8AC3E}">
-        <p14:creationId xmlns:p14="http://schemas.microsoft.com/office/powerpoint/2010/main" val="1462862456"/>
+        <p14:creationId xmlns:p14="http://schemas.microsoft.com/office/powerpoint/2010/main" val="2492096380"/>
       </p:ext>
     </p:extLst>
   </p:cSld>
@@ -13461,6 +13797,4569 @@
           <a:chExt cx="0" cy="0"/>
         </a:xfrm>
       </p:grpSpPr>
+      <p:grpSp>
+        <p:nvGrpSpPr>
+          <p:cNvPr id="6" name="Group 5"/>
+          <p:cNvGrpSpPr>
+            <a:grpSpLocks noGrp="1" noUngrp="1" noRot="1" noChangeAspect="1" noMove="1" noResize="1"/>
+          </p:cNvGrpSpPr>
+          <p:nvPr>
+            <p:extLst>
+              <p:ext uri="{386F3935-93C4-4BCD-93E2-E3B085C9AB24}">
+                <p16:designElem xmlns:p16="http://schemas.microsoft.com/office/powerpoint/2015/main" val="1"/>
+              </p:ext>
+            </p:extLst>
+          </p:nvPr>
+        </p:nvGrpSpPr>
+        <p:grpSpPr>
+          <a:xfrm>
+            <a:off x="0" y="-1"/>
+            <a:ext cx="12192003" cy="6858001"/>
+            <a:chOff x="0" y="-1"/>
+            <a:chExt cx="12192003" cy="6858001"/>
+          </a:xfrm>
+        </p:grpSpPr>
+        <p:sp useBgFill="1">
+          <p:nvSpPr>
+            <p:cNvPr id="7" name="Rectangle 6"/>
+            <p:cNvSpPr/>
+            <p:nvPr>
+              <p:extLst>
+                <p:ext uri="{386F3935-93C4-4BCD-93E2-E3B085C9AB24}">
+                  <p16:designElem xmlns:p16="http://schemas.microsoft.com/office/powerpoint/2015/main" val="1"/>
+                </p:ext>
+              </p:extLst>
+            </p:nvPr>
+          </p:nvSpPr>
+          <p:spPr>
+            <a:xfrm>
+              <a:off x="1" y="-1"/>
+              <a:ext cx="12192000" cy="6858000"/>
+            </a:xfrm>
+            <a:prstGeom prst="rect">
+              <a:avLst/>
+            </a:prstGeom>
+            <a:ln>
+              <a:noFill/>
+            </a:ln>
+          </p:spPr>
+          <p:style>
+            <a:lnRef idx="2">
+              <a:schemeClr val="accent1">
+                <a:shade val="50000"/>
+              </a:schemeClr>
+            </a:lnRef>
+            <a:fillRef idx="1">
+              <a:schemeClr val="accent1"/>
+            </a:fillRef>
+            <a:effectRef idx="0">
+              <a:schemeClr val="accent1"/>
+            </a:effectRef>
+            <a:fontRef idx="minor">
+              <a:schemeClr val="lt1"/>
+            </a:fontRef>
+          </p:style>
+          <p:txBody>
+            <a:bodyPr rtlCol="0" anchor="ctr"/>
+            <a:lstStyle/>
+            <a:p>
+              <a:pPr algn="ctr"/>
+              <a:endParaRPr lang="en-US"/>
+            </a:p>
+          </p:txBody>
+        </p:sp>
+        <p:pic>
+          <p:nvPicPr>
+            <p:cNvPr id="8" name="Picture 2"/>
+            <p:cNvPicPr>
+              <a:picLocks noChangeAspect="1" noChangeArrowheads="1"/>
+            </p:cNvPicPr>
+            <p:nvPr>
+              <p:extLst>
+                <p:ext uri="{386F3935-93C4-4BCD-93E2-E3B085C9AB24}">
+                  <p16:designElem xmlns:p16="http://schemas.microsoft.com/office/powerpoint/2015/main" val="1"/>
+                </p:ext>
+              </p:extLst>
+            </p:nvPr>
+          </p:nvPicPr>
+          <p:blipFill>
+            <a:blip r:embed="rId2">
+              <a:alphaModFix amt="30000"/>
+              <a:duotone>
+                <a:prstClr val="black"/>
+                <a:schemeClr val="tx2">
+                  <a:tint val="45000"/>
+                  <a:satMod val="400000"/>
+                </a:schemeClr>
+              </a:duotone>
+              <a:extLst>
+                <a:ext uri="{28A0092B-C50C-407E-A947-70E740481C1C}">
+                  <a14:useLocalDpi xmlns:a14="http://schemas.microsoft.com/office/drawing/2010/main" val="0"/>
+                </a:ext>
+              </a:extLst>
+            </a:blip>
+            <a:srcRect/>
+            <a:stretch>
+              <a:fillRect/>
+            </a:stretch>
+          </p:blipFill>
+          <p:spPr bwMode="auto">
+            <a:xfrm>
+              <a:off x="0" y="-1"/>
+              <a:ext cx="12192003" cy="6858001"/>
+            </a:xfrm>
+            <a:prstGeom prst="rect">
+              <a:avLst/>
+            </a:prstGeom>
+            <a:noFill/>
+            <a:extLst>
+              <a:ext uri="{909E8E84-426E-40dd-AFC4-6F175D3DCCD1}">
+                <a14:hiddenFill xmlns:a14="http://schemas.microsoft.com/office/drawing/2010/main" xmlns="">
+                  <a:solidFill>
+                    <a:srgbClr val="FFFFFF"/>
+                  </a:solidFill>
+                </a14:hiddenFill>
+              </a:ext>
+            </a:extLst>
+          </p:spPr>
+        </p:pic>
+      </p:grpSp>
+      <p:pic>
+        <p:nvPicPr>
+          <p:cNvPr id="4" name="Picture 3"/>
+          <p:cNvPicPr>
+            <a:picLocks noChangeAspect="1"/>
+          </p:cNvPicPr>
+          <p:nvPr/>
+        </p:nvPicPr>
+        <p:blipFill rotWithShape="1">
+          <a:blip r:embed="rId3"/>
+          <a:srcRect r="-2" b="4491"/>
+          <a:stretch/>
+        </p:blipFill>
+        <p:spPr>
+          <a:xfrm>
+            <a:off x="-5597" y="10"/>
+            <a:ext cx="7558541" cy="6857990"/>
+          </a:xfrm>
+          <a:prstGeom prst="rect">
+            <a:avLst/>
+          </a:prstGeom>
+        </p:spPr>
+      </p:pic>
+      <p:grpSp>
+        <p:nvGrpSpPr>
+          <p:cNvPr id="9" name="Group 8"/>
+          <p:cNvGrpSpPr>
+            <a:grpSpLocks noGrp="1" noUngrp="1" noRot="1" noChangeAspect="1" noMove="1" noResize="1"/>
+          </p:cNvGrpSpPr>
+          <p:nvPr>
+            <p:extLst>
+              <p:ext uri="{386F3935-93C4-4BCD-93E2-E3B085C9AB24}">
+                <p16:designElem xmlns:p16="http://schemas.microsoft.com/office/powerpoint/2015/main" val="1"/>
+              </p:ext>
+            </p:extLst>
+          </p:nvPr>
+        </p:nvGrpSpPr>
+        <p:grpSpPr>
+          <a:xfrm>
+            <a:off x="0" y="0"/>
+            <a:ext cx="2305051" cy="6858001"/>
+            <a:chOff x="0" y="0"/>
+            <a:chExt cx="2305051" cy="6858001"/>
+          </a:xfrm>
+          <a:solidFill>
+            <a:schemeClr val="tx1">
+              <a:alpha val="70000"/>
+            </a:schemeClr>
+          </a:solidFill>
+          <a:effectLst/>
+        </p:grpSpPr>
+        <p:sp>
+          <p:nvSpPr>
+            <p:cNvPr id="10" name="Rectangle 9"/>
+            <p:cNvSpPr>
+              <a:spLocks noChangeArrowheads="1"/>
+            </p:cNvSpPr>
+            <p:nvPr>
+              <p:extLst>
+                <p:ext uri="{386F3935-93C4-4BCD-93E2-E3B085C9AB24}">
+                  <p16:designElem xmlns:p16="http://schemas.microsoft.com/office/powerpoint/2015/main" val="1"/>
+                </p:ext>
+              </p:extLst>
+            </p:nvPr>
+          </p:nvSpPr>
+          <p:spPr bwMode="auto">
+            <a:xfrm>
+              <a:off x="1209675" y="4763"/>
+              <a:ext cx="23813" cy="2181225"/>
+            </a:xfrm>
+            <a:prstGeom prst="rect">
+              <a:avLst/>
+            </a:prstGeom>
+            <a:grpFill/>
+            <a:ln>
+              <a:noFill/>
+            </a:ln>
+            <a:extLst>
+              <a:ext uri="{91240B29-F687-4f45-9708-019B960494DF}">
+                <a14:hiddenLine xmlns:a14="http://schemas.microsoft.com/office/drawing/2010/main" xmlns="" w="9525">
+                  <a:solidFill>
+                    <a:srgbClr val="000000"/>
+                  </a:solidFill>
+                  <a:miter lim="800000"/>
+                  <a:headEnd/>
+                  <a:tailEnd/>
+                </a14:hiddenLine>
+              </a:ext>
+            </a:extLst>
+          </p:spPr>
+        </p:sp>
+        <p:sp>
+          <p:nvSpPr>
+            <p:cNvPr id="11" name="Freeform 6"/>
+            <p:cNvSpPr>
+              <a:spLocks noEditPoints="1"/>
+            </p:cNvSpPr>
+            <p:nvPr>
+              <p:extLst>
+                <p:ext uri="{386F3935-93C4-4BCD-93E2-E3B085C9AB24}">
+                  <p16:designElem xmlns:p16="http://schemas.microsoft.com/office/powerpoint/2015/main" val="1"/>
+                </p:ext>
+              </p:extLst>
+            </p:nvPr>
+          </p:nvSpPr>
+          <p:spPr bwMode="auto">
+            <a:xfrm>
+              <a:off x="1128713" y="2176463"/>
+              <a:ext cx="190500" cy="190500"/>
+            </a:xfrm>
+            <a:custGeom>
+              <a:avLst/>
+              <a:gdLst/>
+              <a:ahLst/>
+              <a:cxnLst/>
+              <a:rect l="0" t="0" r="r" b="b"/>
+              <a:pathLst>
+                <a:path w="40" h="40">
+                  <a:moveTo>
+                    <a:pt x="20" y="40"/>
+                  </a:moveTo>
+                  <a:cubicBezTo>
+                    <a:pt x="9" y="40"/>
+                    <a:pt x="0" y="31"/>
+                    <a:pt x="0" y="20"/>
+                  </a:cubicBezTo>
+                  <a:cubicBezTo>
+                    <a:pt x="0" y="9"/>
+                    <a:pt x="9" y="0"/>
+                    <a:pt x="20" y="0"/>
+                  </a:cubicBezTo>
+                  <a:cubicBezTo>
+                    <a:pt x="31" y="0"/>
+                    <a:pt x="40" y="9"/>
+                    <a:pt x="40" y="20"/>
+                  </a:cubicBezTo>
+                  <a:cubicBezTo>
+                    <a:pt x="40" y="31"/>
+                    <a:pt x="31" y="40"/>
+                    <a:pt x="20" y="40"/>
+                  </a:cubicBezTo>
+                  <a:close/>
+                  <a:moveTo>
+                    <a:pt x="20" y="4"/>
+                  </a:moveTo>
+                  <a:cubicBezTo>
+                    <a:pt x="11" y="4"/>
+                    <a:pt x="4" y="11"/>
+                    <a:pt x="4" y="20"/>
+                  </a:cubicBezTo>
+                  <a:cubicBezTo>
+                    <a:pt x="4" y="29"/>
+                    <a:pt x="11" y="36"/>
+                    <a:pt x="20" y="36"/>
+                  </a:cubicBezTo>
+                  <a:cubicBezTo>
+                    <a:pt x="28" y="36"/>
+                    <a:pt x="36" y="29"/>
+                    <a:pt x="36" y="20"/>
+                  </a:cubicBezTo>
+                  <a:cubicBezTo>
+                    <a:pt x="36" y="11"/>
+                    <a:pt x="28" y="4"/>
+                    <a:pt x="20" y="4"/>
+                  </a:cubicBezTo>
+                  <a:close/>
+                </a:path>
+              </a:pathLst>
+            </a:custGeom>
+            <a:grpFill/>
+            <a:ln>
+              <a:noFill/>
+            </a:ln>
+            <a:extLst>
+              <a:ext uri="{91240B29-F687-4f45-9708-019B960494DF}">
+                <a14:hiddenLine xmlns:a14="http://schemas.microsoft.com/office/drawing/2010/main" xmlns="" w="9525">
+                  <a:solidFill>
+                    <a:srgbClr val="000000"/>
+                  </a:solidFill>
+                  <a:round/>
+                  <a:headEnd/>
+                  <a:tailEnd/>
+                </a14:hiddenLine>
+              </a:ext>
+            </a:extLst>
+          </p:spPr>
+        </p:sp>
+        <p:sp>
+          <p:nvSpPr>
+            <p:cNvPr id="12" name="Freeform 7"/>
+            <p:cNvSpPr>
+              <a:spLocks noEditPoints="1"/>
+            </p:cNvSpPr>
+            <p:nvPr>
+              <p:extLst>
+                <p:ext uri="{386F3935-93C4-4BCD-93E2-E3B085C9AB24}">
+                  <p16:designElem xmlns:p16="http://schemas.microsoft.com/office/powerpoint/2015/main" val="1"/>
+                </p:ext>
+              </p:extLst>
+            </p:nvPr>
+          </p:nvSpPr>
+          <p:spPr bwMode="auto">
+            <a:xfrm>
+              <a:off x="1123950" y="4021138"/>
+              <a:ext cx="190500" cy="188913"/>
+            </a:xfrm>
+            <a:custGeom>
+              <a:avLst/>
+              <a:gdLst/>
+              <a:ahLst/>
+              <a:cxnLst/>
+              <a:rect l="0" t="0" r="r" b="b"/>
+              <a:pathLst>
+                <a:path w="40" h="40">
+                  <a:moveTo>
+                    <a:pt x="20" y="40"/>
+                  </a:moveTo>
+                  <a:cubicBezTo>
+                    <a:pt x="9" y="40"/>
+                    <a:pt x="0" y="31"/>
+                    <a:pt x="0" y="20"/>
+                  </a:cubicBezTo>
+                  <a:cubicBezTo>
+                    <a:pt x="0" y="9"/>
+                    <a:pt x="9" y="0"/>
+                    <a:pt x="20" y="0"/>
+                  </a:cubicBezTo>
+                  <a:cubicBezTo>
+                    <a:pt x="31" y="0"/>
+                    <a:pt x="40" y="9"/>
+                    <a:pt x="40" y="20"/>
+                  </a:cubicBezTo>
+                  <a:cubicBezTo>
+                    <a:pt x="40" y="31"/>
+                    <a:pt x="31" y="40"/>
+                    <a:pt x="20" y="40"/>
+                  </a:cubicBezTo>
+                  <a:close/>
+                  <a:moveTo>
+                    <a:pt x="20" y="4"/>
+                  </a:moveTo>
+                  <a:cubicBezTo>
+                    <a:pt x="11" y="4"/>
+                    <a:pt x="4" y="11"/>
+                    <a:pt x="4" y="20"/>
+                  </a:cubicBezTo>
+                  <a:cubicBezTo>
+                    <a:pt x="4" y="29"/>
+                    <a:pt x="11" y="36"/>
+                    <a:pt x="20" y="36"/>
+                  </a:cubicBezTo>
+                  <a:cubicBezTo>
+                    <a:pt x="29" y="36"/>
+                    <a:pt x="36" y="29"/>
+                    <a:pt x="36" y="20"/>
+                  </a:cubicBezTo>
+                  <a:cubicBezTo>
+                    <a:pt x="36" y="11"/>
+                    <a:pt x="29" y="4"/>
+                    <a:pt x="20" y="4"/>
+                  </a:cubicBezTo>
+                  <a:close/>
+                </a:path>
+              </a:pathLst>
+            </a:custGeom>
+            <a:grpFill/>
+            <a:ln>
+              <a:noFill/>
+            </a:ln>
+            <a:extLst>
+              <a:ext uri="{91240B29-F687-4f45-9708-019B960494DF}">
+                <a14:hiddenLine xmlns:a14="http://schemas.microsoft.com/office/drawing/2010/main" xmlns="" w="9525">
+                  <a:solidFill>
+                    <a:srgbClr val="000000"/>
+                  </a:solidFill>
+                  <a:round/>
+                  <a:headEnd/>
+                  <a:tailEnd/>
+                </a14:hiddenLine>
+              </a:ext>
+            </a:extLst>
+          </p:spPr>
+        </p:sp>
+        <p:sp>
+          <p:nvSpPr>
+            <p:cNvPr id="13" name="Rectangle 12"/>
+            <p:cNvSpPr>
+              <a:spLocks noChangeArrowheads="1"/>
+            </p:cNvSpPr>
+            <p:nvPr>
+              <p:extLst>
+                <p:ext uri="{386F3935-93C4-4BCD-93E2-E3B085C9AB24}">
+                  <p16:designElem xmlns:p16="http://schemas.microsoft.com/office/powerpoint/2015/main" val="1"/>
+                </p:ext>
+              </p:extLst>
+            </p:nvPr>
+          </p:nvSpPr>
+          <p:spPr bwMode="auto">
+            <a:xfrm>
+              <a:off x="414338" y="9525"/>
+              <a:ext cx="28575" cy="4481513"/>
+            </a:xfrm>
+            <a:prstGeom prst="rect">
+              <a:avLst/>
+            </a:prstGeom>
+            <a:grpFill/>
+            <a:ln>
+              <a:noFill/>
+            </a:ln>
+            <a:extLst>
+              <a:ext uri="{91240B29-F687-4f45-9708-019B960494DF}">
+                <a14:hiddenLine xmlns:a14="http://schemas.microsoft.com/office/drawing/2010/main" xmlns="" w="9525">
+                  <a:solidFill>
+                    <a:srgbClr val="000000"/>
+                  </a:solidFill>
+                  <a:miter lim="800000"/>
+                  <a:headEnd/>
+                  <a:tailEnd/>
+                </a14:hiddenLine>
+              </a:ext>
+            </a:extLst>
+          </p:spPr>
+        </p:sp>
+        <p:sp>
+          <p:nvSpPr>
+            <p:cNvPr id="14" name="Freeform 9"/>
+            <p:cNvSpPr>
+              <a:spLocks noEditPoints="1"/>
+            </p:cNvSpPr>
+            <p:nvPr>
+              <p:extLst>
+                <p:ext uri="{386F3935-93C4-4BCD-93E2-E3B085C9AB24}">
+                  <p16:designElem xmlns:p16="http://schemas.microsoft.com/office/powerpoint/2015/main" val="1"/>
+                </p:ext>
+              </p:extLst>
+            </p:nvPr>
+          </p:nvSpPr>
+          <p:spPr bwMode="auto">
+            <a:xfrm>
+              <a:off x="333375" y="4481513"/>
+              <a:ext cx="190500" cy="190500"/>
+            </a:xfrm>
+            <a:custGeom>
+              <a:avLst/>
+              <a:gdLst/>
+              <a:ahLst/>
+              <a:cxnLst/>
+              <a:rect l="0" t="0" r="r" b="b"/>
+              <a:pathLst>
+                <a:path w="40" h="40">
+                  <a:moveTo>
+                    <a:pt x="20" y="40"/>
+                  </a:moveTo>
+                  <a:cubicBezTo>
+                    <a:pt x="9" y="40"/>
+                    <a:pt x="0" y="31"/>
+                    <a:pt x="0" y="20"/>
+                  </a:cubicBezTo>
+                  <a:cubicBezTo>
+                    <a:pt x="0" y="9"/>
+                    <a:pt x="9" y="0"/>
+                    <a:pt x="20" y="0"/>
+                  </a:cubicBezTo>
+                  <a:cubicBezTo>
+                    <a:pt x="31" y="0"/>
+                    <a:pt x="40" y="9"/>
+                    <a:pt x="40" y="20"/>
+                  </a:cubicBezTo>
+                  <a:cubicBezTo>
+                    <a:pt x="40" y="31"/>
+                    <a:pt x="31" y="40"/>
+                    <a:pt x="20" y="40"/>
+                  </a:cubicBezTo>
+                  <a:close/>
+                  <a:moveTo>
+                    <a:pt x="20" y="4"/>
+                  </a:moveTo>
+                  <a:cubicBezTo>
+                    <a:pt x="11" y="4"/>
+                    <a:pt x="4" y="11"/>
+                    <a:pt x="4" y="20"/>
+                  </a:cubicBezTo>
+                  <a:cubicBezTo>
+                    <a:pt x="4" y="29"/>
+                    <a:pt x="11" y="36"/>
+                    <a:pt x="20" y="36"/>
+                  </a:cubicBezTo>
+                  <a:cubicBezTo>
+                    <a:pt x="29" y="36"/>
+                    <a:pt x="36" y="29"/>
+                    <a:pt x="36" y="20"/>
+                  </a:cubicBezTo>
+                  <a:cubicBezTo>
+                    <a:pt x="36" y="11"/>
+                    <a:pt x="29" y="4"/>
+                    <a:pt x="20" y="4"/>
+                  </a:cubicBezTo>
+                  <a:close/>
+                </a:path>
+              </a:pathLst>
+            </a:custGeom>
+            <a:grpFill/>
+            <a:ln>
+              <a:noFill/>
+            </a:ln>
+            <a:extLst>
+              <a:ext uri="{91240B29-F687-4f45-9708-019B960494DF}">
+                <a14:hiddenLine xmlns:a14="http://schemas.microsoft.com/office/drawing/2010/main" xmlns="" w="9525">
+                  <a:solidFill>
+                    <a:srgbClr val="000000"/>
+                  </a:solidFill>
+                  <a:round/>
+                  <a:headEnd/>
+                  <a:tailEnd/>
+                </a14:hiddenLine>
+              </a:ext>
+            </a:extLst>
+          </p:spPr>
+        </p:sp>
+        <p:sp>
+          <p:nvSpPr>
+            <p:cNvPr id="15" name="Freeform 10"/>
+            <p:cNvSpPr/>
+            <p:nvPr>
+              <p:extLst>
+                <p:ext uri="{386F3935-93C4-4BCD-93E2-E3B085C9AB24}">
+                  <p16:designElem xmlns:p16="http://schemas.microsoft.com/office/powerpoint/2015/main" val="1"/>
+                </p:ext>
+              </p:extLst>
+            </p:nvPr>
+          </p:nvSpPr>
+          <p:spPr bwMode="auto">
+            <a:xfrm>
+              <a:off x="190500" y="9525"/>
+              <a:ext cx="152400" cy="908050"/>
+            </a:xfrm>
+            <a:custGeom>
+              <a:avLst/>
+              <a:gdLst/>
+              <a:ahLst/>
+              <a:cxnLst/>
+              <a:rect l="0" t="0" r="r" b="b"/>
+              <a:pathLst>
+                <a:path w="96" h="572">
+                  <a:moveTo>
+                    <a:pt x="15" y="572"/>
+                  </a:moveTo>
+                  <a:lnTo>
+                    <a:pt x="0" y="566"/>
+                  </a:lnTo>
+                  <a:lnTo>
+                    <a:pt x="81" y="380"/>
+                  </a:lnTo>
+                  <a:lnTo>
+                    <a:pt x="81" y="0"/>
+                  </a:lnTo>
+                  <a:lnTo>
+                    <a:pt x="96" y="0"/>
+                  </a:lnTo>
+                  <a:lnTo>
+                    <a:pt x="96" y="383"/>
+                  </a:lnTo>
+                  <a:lnTo>
+                    <a:pt x="15" y="572"/>
+                  </a:lnTo>
+                  <a:close/>
+                </a:path>
+              </a:pathLst>
+            </a:custGeom>
+            <a:grpFill/>
+            <a:ln>
+              <a:noFill/>
+            </a:ln>
+            <a:extLst>
+              <a:ext uri="{91240B29-F687-4f45-9708-019B960494DF}">
+                <a14:hiddenLine xmlns:a14="http://schemas.microsoft.com/office/drawing/2010/main" xmlns="" w="9525">
+                  <a:solidFill>
+                    <a:srgbClr val="000000"/>
+                  </a:solidFill>
+                  <a:round/>
+                  <a:headEnd/>
+                  <a:tailEnd/>
+                </a14:hiddenLine>
+              </a:ext>
+            </a:extLst>
+          </p:spPr>
+        </p:sp>
+        <p:sp>
+          <p:nvSpPr>
+            <p:cNvPr id="16" name="Freeform 11"/>
+            <p:cNvSpPr/>
+            <p:nvPr>
+              <p:extLst>
+                <p:ext uri="{386F3935-93C4-4BCD-93E2-E3B085C9AB24}">
+                  <p16:designElem xmlns:p16="http://schemas.microsoft.com/office/powerpoint/2015/main" val="1"/>
+                </p:ext>
+              </p:extLst>
+            </p:nvPr>
+          </p:nvSpPr>
+          <p:spPr bwMode="auto">
+            <a:xfrm>
+              <a:off x="1290638" y="14288"/>
+              <a:ext cx="376238" cy="1801813"/>
+            </a:xfrm>
+            <a:custGeom>
+              <a:avLst/>
+              <a:gdLst/>
+              <a:ahLst/>
+              <a:cxnLst/>
+              <a:rect l="0" t="0" r="r" b="b"/>
+              <a:pathLst>
+                <a:path w="237" h="1135">
+                  <a:moveTo>
+                    <a:pt x="222" y="1135"/>
+                  </a:moveTo>
+                  <a:lnTo>
+                    <a:pt x="0" y="620"/>
+                  </a:lnTo>
+                  <a:lnTo>
+                    <a:pt x="0" y="0"/>
+                  </a:lnTo>
+                  <a:lnTo>
+                    <a:pt x="18" y="0"/>
+                  </a:lnTo>
+                  <a:lnTo>
+                    <a:pt x="18" y="617"/>
+                  </a:lnTo>
+                  <a:lnTo>
+                    <a:pt x="237" y="1129"/>
+                  </a:lnTo>
+                  <a:lnTo>
+                    <a:pt x="222" y="1135"/>
+                  </a:lnTo>
+                  <a:close/>
+                </a:path>
+              </a:pathLst>
+            </a:custGeom>
+            <a:grpFill/>
+            <a:ln>
+              <a:noFill/>
+            </a:ln>
+            <a:extLst>
+              <a:ext uri="{91240B29-F687-4f45-9708-019B960494DF}">
+                <a14:hiddenLine xmlns:a14="http://schemas.microsoft.com/office/drawing/2010/main" xmlns="" w="9525">
+                  <a:solidFill>
+                    <a:srgbClr val="000000"/>
+                  </a:solidFill>
+                  <a:round/>
+                  <a:headEnd/>
+                  <a:tailEnd/>
+                </a14:hiddenLine>
+              </a:ext>
+            </a:extLst>
+          </p:spPr>
+        </p:sp>
+        <p:sp>
+          <p:nvSpPr>
+            <p:cNvPr id="17" name="Freeform 12"/>
+            <p:cNvSpPr>
+              <a:spLocks noEditPoints="1"/>
+            </p:cNvSpPr>
+            <p:nvPr>
+              <p:extLst>
+                <p:ext uri="{386F3935-93C4-4BCD-93E2-E3B085C9AB24}">
+                  <p16:designElem xmlns:p16="http://schemas.microsoft.com/office/powerpoint/2015/main" val="1"/>
+                </p:ext>
+              </p:extLst>
+            </p:nvPr>
+          </p:nvSpPr>
+          <p:spPr bwMode="auto">
+            <a:xfrm>
+              <a:off x="1600200" y="1801813"/>
+              <a:ext cx="190500" cy="188913"/>
+            </a:xfrm>
+            <a:custGeom>
+              <a:avLst/>
+              <a:gdLst/>
+              <a:ahLst/>
+              <a:cxnLst/>
+              <a:rect l="0" t="0" r="r" b="b"/>
+              <a:pathLst>
+                <a:path w="40" h="40">
+                  <a:moveTo>
+                    <a:pt x="20" y="40"/>
+                  </a:moveTo>
+                  <a:cubicBezTo>
+                    <a:pt x="9" y="40"/>
+                    <a:pt x="0" y="31"/>
+                    <a:pt x="0" y="20"/>
+                  </a:cubicBezTo>
+                  <a:cubicBezTo>
+                    <a:pt x="0" y="9"/>
+                    <a:pt x="9" y="0"/>
+                    <a:pt x="20" y="0"/>
+                  </a:cubicBezTo>
+                  <a:cubicBezTo>
+                    <a:pt x="31" y="0"/>
+                    <a:pt x="40" y="9"/>
+                    <a:pt x="40" y="20"/>
+                  </a:cubicBezTo>
+                  <a:cubicBezTo>
+                    <a:pt x="40" y="31"/>
+                    <a:pt x="31" y="40"/>
+                    <a:pt x="20" y="40"/>
+                  </a:cubicBezTo>
+                  <a:close/>
+                  <a:moveTo>
+                    <a:pt x="20" y="4"/>
+                  </a:moveTo>
+                  <a:cubicBezTo>
+                    <a:pt x="11" y="4"/>
+                    <a:pt x="4" y="11"/>
+                    <a:pt x="4" y="20"/>
+                  </a:cubicBezTo>
+                  <a:cubicBezTo>
+                    <a:pt x="4" y="29"/>
+                    <a:pt x="11" y="36"/>
+                    <a:pt x="20" y="36"/>
+                  </a:cubicBezTo>
+                  <a:cubicBezTo>
+                    <a:pt x="28" y="36"/>
+                    <a:pt x="36" y="29"/>
+                    <a:pt x="36" y="20"/>
+                  </a:cubicBezTo>
+                  <a:cubicBezTo>
+                    <a:pt x="36" y="11"/>
+                    <a:pt x="28" y="4"/>
+                    <a:pt x="20" y="4"/>
+                  </a:cubicBezTo>
+                  <a:close/>
+                </a:path>
+              </a:pathLst>
+            </a:custGeom>
+            <a:grpFill/>
+            <a:ln>
+              <a:noFill/>
+            </a:ln>
+            <a:extLst>
+              <a:ext uri="{91240B29-F687-4f45-9708-019B960494DF}">
+                <a14:hiddenLine xmlns:a14="http://schemas.microsoft.com/office/drawing/2010/main" xmlns="" w="9525">
+                  <a:solidFill>
+                    <a:srgbClr val="000000"/>
+                  </a:solidFill>
+                  <a:round/>
+                  <a:headEnd/>
+                  <a:tailEnd/>
+                </a14:hiddenLine>
+              </a:ext>
+            </a:extLst>
+          </p:spPr>
+        </p:sp>
+        <p:sp>
+          <p:nvSpPr>
+            <p:cNvPr id="18" name="Freeform 13"/>
+            <p:cNvSpPr/>
+            <p:nvPr>
+              <p:extLst>
+                <p:ext uri="{386F3935-93C4-4BCD-93E2-E3B085C9AB24}">
+                  <p16:designElem xmlns:p16="http://schemas.microsoft.com/office/powerpoint/2015/main" val="1"/>
+                </p:ext>
+              </p:extLst>
+            </p:nvPr>
+          </p:nvSpPr>
+          <p:spPr bwMode="auto">
+            <a:xfrm>
+              <a:off x="1381125" y="9525"/>
+              <a:ext cx="371475" cy="1425575"/>
+            </a:xfrm>
+            <a:custGeom>
+              <a:avLst/>
+              <a:gdLst/>
+              <a:ahLst/>
+              <a:cxnLst/>
+              <a:rect l="0" t="0" r="r" b="b"/>
+              <a:pathLst>
+                <a:path w="234" h="898">
+                  <a:moveTo>
+                    <a:pt x="219" y="898"/>
+                  </a:moveTo>
+                  <a:lnTo>
+                    <a:pt x="0" y="383"/>
+                  </a:lnTo>
+                  <a:lnTo>
+                    <a:pt x="0" y="0"/>
+                  </a:lnTo>
+                  <a:lnTo>
+                    <a:pt x="15" y="0"/>
+                  </a:lnTo>
+                  <a:lnTo>
+                    <a:pt x="15" y="380"/>
+                  </a:lnTo>
+                  <a:lnTo>
+                    <a:pt x="234" y="892"/>
+                  </a:lnTo>
+                  <a:lnTo>
+                    <a:pt x="219" y="898"/>
+                  </a:lnTo>
+                  <a:close/>
+                </a:path>
+              </a:pathLst>
+            </a:custGeom>
+            <a:grpFill/>
+            <a:ln>
+              <a:noFill/>
+            </a:ln>
+            <a:extLst>
+              <a:ext uri="{91240B29-F687-4f45-9708-019B960494DF}">
+                <a14:hiddenLine xmlns:a14="http://schemas.microsoft.com/office/drawing/2010/main" xmlns="" w="9525">
+                  <a:solidFill>
+                    <a:srgbClr val="000000"/>
+                  </a:solidFill>
+                  <a:round/>
+                  <a:headEnd/>
+                  <a:tailEnd/>
+                </a14:hiddenLine>
+              </a:ext>
+            </a:extLst>
+          </p:spPr>
+        </p:sp>
+        <p:sp>
+          <p:nvSpPr>
+            <p:cNvPr id="19" name="Freeform 14"/>
+            <p:cNvSpPr/>
+            <p:nvPr>
+              <p:extLst>
+                <p:ext uri="{386F3935-93C4-4BCD-93E2-E3B085C9AB24}">
+                  <p16:designElem xmlns:p16="http://schemas.microsoft.com/office/powerpoint/2015/main" val="1"/>
+                </p:ext>
+              </p:extLst>
+            </p:nvPr>
+          </p:nvSpPr>
+          <p:spPr bwMode="auto">
+            <a:xfrm>
+              <a:off x="1643063" y="0"/>
+              <a:ext cx="152400" cy="912813"/>
+            </a:xfrm>
+            <a:custGeom>
+              <a:avLst/>
+              <a:gdLst/>
+              <a:ahLst/>
+              <a:cxnLst/>
+              <a:rect l="0" t="0" r="r" b="b"/>
+              <a:pathLst>
+                <a:path w="96" h="575">
+                  <a:moveTo>
+                    <a:pt x="96" y="575"/>
+                  </a:moveTo>
+                  <a:lnTo>
+                    <a:pt x="78" y="575"/>
+                  </a:lnTo>
+                  <a:lnTo>
+                    <a:pt x="78" y="192"/>
+                  </a:lnTo>
+                  <a:lnTo>
+                    <a:pt x="0" y="6"/>
+                  </a:lnTo>
+                  <a:lnTo>
+                    <a:pt x="15" y="0"/>
+                  </a:lnTo>
+                  <a:lnTo>
+                    <a:pt x="96" y="189"/>
+                  </a:lnTo>
+                  <a:lnTo>
+                    <a:pt x="96" y="575"/>
+                  </a:lnTo>
+                  <a:close/>
+                </a:path>
+              </a:pathLst>
+            </a:custGeom>
+            <a:grpFill/>
+            <a:ln>
+              <a:noFill/>
+            </a:ln>
+            <a:extLst>
+              <a:ext uri="{91240B29-F687-4f45-9708-019B960494DF}">
+                <a14:hiddenLine xmlns:a14="http://schemas.microsoft.com/office/drawing/2010/main" xmlns="" w="9525">
+                  <a:solidFill>
+                    <a:srgbClr val="000000"/>
+                  </a:solidFill>
+                  <a:round/>
+                  <a:headEnd/>
+                  <a:tailEnd/>
+                </a14:hiddenLine>
+              </a:ext>
+            </a:extLst>
+          </p:spPr>
+        </p:sp>
+        <p:sp>
+          <p:nvSpPr>
+            <p:cNvPr id="20" name="Freeform 15"/>
+            <p:cNvSpPr>
+              <a:spLocks noEditPoints="1"/>
+            </p:cNvSpPr>
+            <p:nvPr>
+              <p:extLst>
+                <p:ext uri="{386F3935-93C4-4BCD-93E2-E3B085C9AB24}">
+                  <p16:designElem xmlns:p16="http://schemas.microsoft.com/office/powerpoint/2015/main" val="1"/>
+                </p:ext>
+              </p:extLst>
+            </p:nvPr>
+          </p:nvSpPr>
+          <p:spPr bwMode="auto">
+            <a:xfrm>
+              <a:off x="1685925" y="1420813"/>
+              <a:ext cx="190500" cy="190500"/>
+            </a:xfrm>
+            <a:custGeom>
+              <a:avLst/>
+              <a:gdLst/>
+              <a:ahLst/>
+              <a:cxnLst/>
+              <a:rect l="0" t="0" r="r" b="b"/>
+              <a:pathLst>
+                <a:path w="40" h="40">
+                  <a:moveTo>
+                    <a:pt x="20" y="40"/>
+                  </a:moveTo>
+                  <a:cubicBezTo>
+                    <a:pt x="9" y="40"/>
+                    <a:pt x="0" y="31"/>
+                    <a:pt x="0" y="20"/>
+                  </a:cubicBezTo>
+                  <a:cubicBezTo>
+                    <a:pt x="0" y="9"/>
+                    <a:pt x="9" y="0"/>
+                    <a:pt x="20" y="0"/>
+                  </a:cubicBezTo>
+                  <a:cubicBezTo>
+                    <a:pt x="31" y="0"/>
+                    <a:pt x="40" y="9"/>
+                    <a:pt x="40" y="20"/>
+                  </a:cubicBezTo>
+                  <a:cubicBezTo>
+                    <a:pt x="40" y="31"/>
+                    <a:pt x="31" y="40"/>
+                    <a:pt x="20" y="40"/>
+                  </a:cubicBezTo>
+                  <a:close/>
+                  <a:moveTo>
+                    <a:pt x="20" y="4"/>
+                  </a:moveTo>
+                  <a:cubicBezTo>
+                    <a:pt x="11" y="4"/>
+                    <a:pt x="4" y="11"/>
+                    <a:pt x="4" y="20"/>
+                  </a:cubicBezTo>
+                  <a:cubicBezTo>
+                    <a:pt x="4" y="29"/>
+                    <a:pt x="11" y="36"/>
+                    <a:pt x="20" y="36"/>
+                  </a:cubicBezTo>
+                  <a:cubicBezTo>
+                    <a:pt x="29" y="36"/>
+                    <a:pt x="36" y="29"/>
+                    <a:pt x="36" y="20"/>
+                  </a:cubicBezTo>
+                  <a:cubicBezTo>
+                    <a:pt x="36" y="11"/>
+                    <a:pt x="29" y="4"/>
+                    <a:pt x="20" y="4"/>
+                  </a:cubicBezTo>
+                  <a:close/>
+                </a:path>
+              </a:pathLst>
+            </a:custGeom>
+            <a:grpFill/>
+            <a:ln>
+              <a:noFill/>
+            </a:ln>
+            <a:extLst>
+              <a:ext uri="{91240B29-F687-4f45-9708-019B960494DF}">
+                <a14:hiddenLine xmlns:a14="http://schemas.microsoft.com/office/drawing/2010/main" xmlns="" w="9525">
+                  <a:solidFill>
+                    <a:srgbClr val="000000"/>
+                  </a:solidFill>
+                  <a:round/>
+                  <a:headEnd/>
+                  <a:tailEnd/>
+                </a14:hiddenLine>
+              </a:ext>
+            </a:extLst>
+          </p:spPr>
+        </p:sp>
+        <p:sp>
+          <p:nvSpPr>
+            <p:cNvPr id="21" name="Freeform 16"/>
+            <p:cNvSpPr>
+              <a:spLocks noEditPoints="1"/>
+            </p:cNvSpPr>
+            <p:nvPr>
+              <p:extLst>
+                <p:ext uri="{386F3935-93C4-4BCD-93E2-E3B085C9AB24}">
+                  <p16:designElem xmlns:p16="http://schemas.microsoft.com/office/powerpoint/2015/main" val="1"/>
+                </p:ext>
+              </p:extLst>
+            </p:nvPr>
+          </p:nvSpPr>
+          <p:spPr bwMode="auto">
+            <a:xfrm>
+              <a:off x="1685925" y="903288"/>
+              <a:ext cx="190500" cy="190500"/>
+            </a:xfrm>
+            <a:custGeom>
+              <a:avLst/>
+              <a:gdLst/>
+              <a:ahLst/>
+              <a:cxnLst/>
+              <a:rect l="0" t="0" r="r" b="b"/>
+              <a:pathLst>
+                <a:path w="40" h="40">
+                  <a:moveTo>
+                    <a:pt x="20" y="40"/>
+                  </a:moveTo>
+                  <a:cubicBezTo>
+                    <a:pt x="9" y="40"/>
+                    <a:pt x="0" y="31"/>
+                    <a:pt x="0" y="20"/>
+                  </a:cubicBezTo>
+                  <a:cubicBezTo>
+                    <a:pt x="0" y="9"/>
+                    <a:pt x="9" y="0"/>
+                    <a:pt x="20" y="0"/>
+                  </a:cubicBezTo>
+                  <a:cubicBezTo>
+                    <a:pt x="31" y="0"/>
+                    <a:pt x="40" y="9"/>
+                    <a:pt x="40" y="20"/>
+                  </a:cubicBezTo>
+                  <a:cubicBezTo>
+                    <a:pt x="40" y="31"/>
+                    <a:pt x="31" y="40"/>
+                    <a:pt x="20" y="40"/>
+                  </a:cubicBezTo>
+                  <a:close/>
+                  <a:moveTo>
+                    <a:pt x="20" y="4"/>
+                  </a:moveTo>
+                  <a:cubicBezTo>
+                    <a:pt x="11" y="4"/>
+                    <a:pt x="4" y="11"/>
+                    <a:pt x="4" y="20"/>
+                  </a:cubicBezTo>
+                  <a:cubicBezTo>
+                    <a:pt x="4" y="29"/>
+                    <a:pt x="11" y="36"/>
+                    <a:pt x="20" y="36"/>
+                  </a:cubicBezTo>
+                  <a:cubicBezTo>
+                    <a:pt x="29" y="36"/>
+                    <a:pt x="36" y="29"/>
+                    <a:pt x="36" y="20"/>
+                  </a:cubicBezTo>
+                  <a:cubicBezTo>
+                    <a:pt x="36" y="11"/>
+                    <a:pt x="29" y="4"/>
+                    <a:pt x="20" y="4"/>
+                  </a:cubicBezTo>
+                  <a:close/>
+                </a:path>
+              </a:pathLst>
+            </a:custGeom>
+            <a:grpFill/>
+            <a:ln>
+              <a:noFill/>
+            </a:ln>
+            <a:extLst>
+              <a:ext uri="{91240B29-F687-4f45-9708-019B960494DF}">
+                <a14:hiddenLine xmlns:a14="http://schemas.microsoft.com/office/drawing/2010/main" xmlns="" w="9525">
+                  <a:solidFill>
+                    <a:srgbClr val="000000"/>
+                  </a:solidFill>
+                  <a:round/>
+                  <a:headEnd/>
+                  <a:tailEnd/>
+                </a14:hiddenLine>
+              </a:ext>
+            </a:extLst>
+          </p:spPr>
+        </p:sp>
+        <p:sp>
+          <p:nvSpPr>
+            <p:cNvPr id="22" name="Freeform 17"/>
+            <p:cNvSpPr/>
+            <p:nvPr>
+              <p:extLst>
+                <p:ext uri="{386F3935-93C4-4BCD-93E2-E3B085C9AB24}">
+                  <p16:designElem xmlns:p16="http://schemas.microsoft.com/office/powerpoint/2015/main" val="1"/>
+                </p:ext>
+              </p:extLst>
+            </p:nvPr>
+          </p:nvSpPr>
+          <p:spPr bwMode="auto">
+            <a:xfrm>
+              <a:off x="1743075" y="4763"/>
+              <a:ext cx="419100" cy="522288"/>
+            </a:xfrm>
+            <a:custGeom>
+              <a:avLst/>
+              <a:gdLst/>
+              <a:ahLst/>
+              <a:cxnLst/>
+              <a:rect l="0" t="0" r="r" b="b"/>
+              <a:pathLst>
+                <a:path w="264" h="329">
+                  <a:moveTo>
+                    <a:pt x="252" y="329"/>
+                  </a:moveTo>
+                  <a:lnTo>
+                    <a:pt x="45" y="120"/>
+                  </a:lnTo>
+                  <a:lnTo>
+                    <a:pt x="0" y="6"/>
+                  </a:lnTo>
+                  <a:lnTo>
+                    <a:pt x="15" y="0"/>
+                  </a:lnTo>
+                  <a:lnTo>
+                    <a:pt x="60" y="111"/>
+                  </a:lnTo>
+                  <a:lnTo>
+                    <a:pt x="264" y="317"/>
+                  </a:lnTo>
+                  <a:lnTo>
+                    <a:pt x="252" y="329"/>
+                  </a:lnTo>
+                  <a:close/>
+                </a:path>
+              </a:pathLst>
+            </a:custGeom>
+            <a:grpFill/>
+            <a:ln>
+              <a:noFill/>
+            </a:ln>
+            <a:extLst>
+              <a:ext uri="{91240B29-F687-4f45-9708-019B960494DF}">
+                <a14:hiddenLine xmlns:a14="http://schemas.microsoft.com/office/drawing/2010/main" xmlns="" w="9525">
+                  <a:solidFill>
+                    <a:srgbClr val="000000"/>
+                  </a:solidFill>
+                  <a:round/>
+                  <a:headEnd/>
+                  <a:tailEnd/>
+                </a14:hiddenLine>
+              </a:ext>
+            </a:extLst>
+          </p:spPr>
+        </p:sp>
+        <p:sp>
+          <p:nvSpPr>
+            <p:cNvPr id="23" name="Freeform 18"/>
+            <p:cNvSpPr>
+              <a:spLocks noEditPoints="1"/>
+            </p:cNvSpPr>
+            <p:nvPr>
+              <p:extLst>
+                <p:ext uri="{386F3935-93C4-4BCD-93E2-E3B085C9AB24}">
+                  <p16:designElem xmlns:p16="http://schemas.microsoft.com/office/powerpoint/2015/main" val="1"/>
+                </p:ext>
+              </p:extLst>
+            </p:nvPr>
+          </p:nvSpPr>
+          <p:spPr bwMode="auto">
+            <a:xfrm>
+              <a:off x="2119313" y="488950"/>
+              <a:ext cx="161925" cy="147638"/>
+            </a:xfrm>
+            <a:custGeom>
+              <a:avLst/>
+              <a:gdLst/>
+              <a:ahLst/>
+              <a:cxnLst/>
+              <a:rect l="0" t="0" r="r" b="b"/>
+              <a:pathLst>
+                <a:path w="34" h="31">
+                  <a:moveTo>
+                    <a:pt x="17" y="31"/>
+                  </a:moveTo>
+                  <a:cubicBezTo>
+                    <a:pt x="13" y="31"/>
+                    <a:pt x="9" y="30"/>
+                    <a:pt x="6" y="27"/>
+                  </a:cubicBezTo>
+                  <a:cubicBezTo>
+                    <a:pt x="0" y="20"/>
+                    <a:pt x="0" y="10"/>
+                    <a:pt x="6" y="4"/>
+                  </a:cubicBezTo>
+                  <a:cubicBezTo>
+                    <a:pt x="9" y="1"/>
+                    <a:pt x="13" y="0"/>
+                    <a:pt x="17" y="0"/>
+                  </a:cubicBezTo>
+                  <a:cubicBezTo>
+                    <a:pt x="21" y="0"/>
+                    <a:pt x="25" y="1"/>
+                    <a:pt x="28" y="4"/>
+                  </a:cubicBezTo>
+                  <a:cubicBezTo>
+                    <a:pt x="34" y="10"/>
+                    <a:pt x="34" y="20"/>
+                    <a:pt x="28" y="27"/>
+                  </a:cubicBezTo>
+                  <a:cubicBezTo>
+                    <a:pt x="25" y="30"/>
+                    <a:pt x="21" y="31"/>
+                    <a:pt x="17" y="31"/>
+                  </a:cubicBezTo>
+                  <a:close/>
+                  <a:moveTo>
+                    <a:pt x="17" y="4"/>
+                  </a:moveTo>
+                  <a:cubicBezTo>
+                    <a:pt x="14" y="4"/>
+                    <a:pt x="11" y="5"/>
+                    <a:pt x="9" y="7"/>
+                  </a:cubicBezTo>
+                  <a:cubicBezTo>
+                    <a:pt x="4" y="12"/>
+                    <a:pt x="4" y="19"/>
+                    <a:pt x="9" y="24"/>
+                  </a:cubicBezTo>
+                  <a:cubicBezTo>
+                    <a:pt x="11" y="26"/>
+                    <a:pt x="14" y="27"/>
+                    <a:pt x="17" y="27"/>
+                  </a:cubicBezTo>
+                  <a:cubicBezTo>
+                    <a:pt x="20" y="27"/>
+                    <a:pt x="23" y="26"/>
+                    <a:pt x="25" y="24"/>
+                  </a:cubicBezTo>
+                  <a:cubicBezTo>
+                    <a:pt x="30" y="19"/>
+                    <a:pt x="30" y="12"/>
+                    <a:pt x="25" y="7"/>
+                  </a:cubicBezTo>
+                  <a:cubicBezTo>
+                    <a:pt x="23" y="5"/>
+                    <a:pt x="20" y="4"/>
+                    <a:pt x="17" y="4"/>
+                  </a:cubicBezTo>
+                  <a:close/>
+                </a:path>
+              </a:pathLst>
+            </a:custGeom>
+            <a:grpFill/>
+            <a:ln>
+              <a:noFill/>
+            </a:ln>
+            <a:extLst>
+              <a:ext uri="{91240B29-F687-4f45-9708-019B960494DF}">
+                <a14:hiddenLine xmlns:a14="http://schemas.microsoft.com/office/drawing/2010/main" xmlns="" w="9525">
+                  <a:solidFill>
+                    <a:srgbClr val="000000"/>
+                  </a:solidFill>
+                  <a:round/>
+                  <a:headEnd/>
+                  <a:tailEnd/>
+                </a14:hiddenLine>
+              </a:ext>
+            </a:extLst>
+          </p:spPr>
+        </p:sp>
+        <p:sp>
+          <p:nvSpPr>
+            <p:cNvPr id="24" name="Freeform 19"/>
+            <p:cNvSpPr/>
+            <p:nvPr>
+              <p:extLst>
+                <p:ext uri="{386F3935-93C4-4BCD-93E2-E3B085C9AB24}">
+                  <p16:designElem xmlns:p16="http://schemas.microsoft.com/office/powerpoint/2015/main" val="1"/>
+                </p:ext>
+              </p:extLst>
+            </p:nvPr>
+          </p:nvSpPr>
+          <p:spPr bwMode="auto">
+            <a:xfrm>
+              <a:off x="952500" y="4763"/>
+              <a:ext cx="152400" cy="908050"/>
+            </a:xfrm>
+            <a:custGeom>
+              <a:avLst/>
+              <a:gdLst/>
+              <a:ahLst/>
+              <a:cxnLst/>
+              <a:rect l="0" t="0" r="r" b="b"/>
+              <a:pathLst>
+                <a:path w="96" h="572">
+                  <a:moveTo>
+                    <a:pt x="15" y="572"/>
+                  </a:moveTo>
+                  <a:lnTo>
+                    <a:pt x="0" y="572"/>
+                  </a:lnTo>
+                  <a:lnTo>
+                    <a:pt x="0" y="189"/>
+                  </a:lnTo>
+                  <a:lnTo>
+                    <a:pt x="81" y="0"/>
+                  </a:lnTo>
+                  <a:lnTo>
+                    <a:pt x="96" y="6"/>
+                  </a:lnTo>
+                  <a:lnTo>
+                    <a:pt x="15" y="192"/>
+                  </a:lnTo>
+                  <a:lnTo>
+                    <a:pt x="15" y="572"/>
+                  </a:lnTo>
+                  <a:close/>
+                </a:path>
+              </a:pathLst>
+            </a:custGeom>
+            <a:grpFill/>
+            <a:ln>
+              <a:noFill/>
+            </a:ln>
+            <a:extLst>
+              <a:ext uri="{91240B29-F687-4f45-9708-019B960494DF}">
+                <a14:hiddenLine xmlns:a14="http://schemas.microsoft.com/office/drawing/2010/main" xmlns="" w="9525">
+                  <a:solidFill>
+                    <a:srgbClr val="000000"/>
+                  </a:solidFill>
+                  <a:round/>
+                  <a:headEnd/>
+                  <a:tailEnd/>
+                </a14:hiddenLine>
+              </a:ext>
+            </a:extLst>
+          </p:spPr>
+        </p:sp>
+        <p:sp>
+          <p:nvSpPr>
+            <p:cNvPr id="25" name="Freeform 20"/>
+            <p:cNvSpPr>
+              <a:spLocks noEditPoints="1"/>
+            </p:cNvSpPr>
+            <p:nvPr>
+              <p:extLst>
+                <p:ext uri="{386F3935-93C4-4BCD-93E2-E3B085C9AB24}">
+                  <p16:designElem xmlns:p16="http://schemas.microsoft.com/office/powerpoint/2015/main" val="1"/>
+                </p:ext>
+              </p:extLst>
+            </p:nvPr>
+          </p:nvSpPr>
+          <p:spPr bwMode="auto">
+            <a:xfrm>
+              <a:off x="866775" y="903288"/>
+              <a:ext cx="190500" cy="190500"/>
+            </a:xfrm>
+            <a:custGeom>
+              <a:avLst/>
+              <a:gdLst/>
+              <a:ahLst/>
+              <a:cxnLst/>
+              <a:rect l="0" t="0" r="r" b="b"/>
+              <a:pathLst>
+                <a:path w="40" h="40">
+                  <a:moveTo>
+                    <a:pt x="20" y="40"/>
+                  </a:moveTo>
+                  <a:cubicBezTo>
+                    <a:pt x="9" y="40"/>
+                    <a:pt x="0" y="31"/>
+                    <a:pt x="0" y="20"/>
+                  </a:cubicBezTo>
+                  <a:cubicBezTo>
+                    <a:pt x="0" y="9"/>
+                    <a:pt x="9" y="0"/>
+                    <a:pt x="20" y="0"/>
+                  </a:cubicBezTo>
+                  <a:cubicBezTo>
+                    <a:pt x="31" y="0"/>
+                    <a:pt x="40" y="9"/>
+                    <a:pt x="40" y="20"/>
+                  </a:cubicBezTo>
+                  <a:cubicBezTo>
+                    <a:pt x="40" y="31"/>
+                    <a:pt x="31" y="40"/>
+                    <a:pt x="20" y="40"/>
+                  </a:cubicBezTo>
+                  <a:close/>
+                  <a:moveTo>
+                    <a:pt x="20" y="4"/>
+                  </a:moveTo>
+                  <a:cubicBezTo>
+                    <a:pt x="11" y="4"/>
+                    <a:pt x="4" y="12"/>
+                    <a:pt x="4" y="20"/>
+                  </a:cubicBezTo>
+                  <a:cubicBezTo>
+                    <a:pt x="4" y="29"/>
+                    <a:pt x="11" y="36"/>
+                    <a:pt x="20" y="36"/>
+                  </a:cubicBezTo>
+                  <a:cubicBezTo>
+                    <a:pt x="29" y="36"/>
+                    <a:pt x="36" y="29"/>
+                    <a:pt x="36" y="20"/>
+                  </a:cubicBezTo>
+                  <a:cubicBezTo>
+                    <a:pt x="36" y="12"/>
+                    <a:pt x="29" y="4"/>
+                    <a:pt x="20" y="4"/>
+                  </a:cubicBezTo>
+                  <a:close/>
+                </a:path>
+              </a:pathLst>
+            </a:custGeom>
+            <a:grpFill/>
+            <a:ln>
+              <a:noFill/>
+            </a:ln>
+            <a:extLst>
+              <a:ext uri="{91240B29-F687-4f45-9708-019B960494DF}">
+                <a14:hiddenLine xmlns:a14="http://schemas.microsoft.com/office/drawing/2010/main" xmlns="" w="9525">
+                  <a:solidFill>
+                    <a:srgbClr val="000000"/>
+                  </a:solidFill>
+                  <a:round/>
+                  <a:headEnd/>
+                  <a:tailEnd/>
+                </a14:hiddenLine>
+              </a:ext>
+            </a:extLst>
+          </p:spPr>
+        </p:sp>
+        <p:sp>
+          <p:nvSpPr>
+            <p:cNvPr id="26" name="Freeform 21"/>
+            <p:cNvSpPr>
+              <a:spLocks noEditPoints="1"/>
+            </p:cNvSpPr>
+            <p:nvPr>
+              <p:extLst>
+                <p:ext uri="{386F3935-93C4-4BCD-93E2-E3B085C9AB24}">
+                  <p16:designElem xmlns:p16="http://schemas.microsoft.com/office/powerpoint/2015/main" val="1"/>
+                </p:ext>
+              </p:extLst>
+            </p:nvPr>
+          </p:nvSpPr>
+          <p:spPr bwMode="auto">
+            <a:xfrm>
+              <a:off x="890588" y="1554163"/>
+              <a:ext cx="190500" cy="190500"/>
+            </a:xfrm>
+            <a:custGeom>
+              <a:avLst/>
+              <a:gdLst/>
+              <a:ahLst/>
+              <a:cxnLst/>
+              <a:rect l="0" t="0" r="r" b="b"/>
+              <a:pathLst>
+                <a:path w="40" h="40">
+                  <a:moveTo>
+                    <a:pt x="20" y="40"/>
+                  </a:moveTo>
+                  <a:cubicBezTo>
+                    <a:pt x="9" y="40"/>
+                    <a:pt x="0" y="31"/>
+                    <a:pt x="0" y="20"/>
+                  </a:cubicBezTo>
+                  <a:cubicBezTo>
+                    <a:pt x="0" y="9"/>
+                    <a:pt x="9" y="0"/>
+                    <a:pt x="20" y="0"/>
+                  </a:cubicBezTo>
+                  <a:cubicBezTo>
+                    <a:pt x="31" y="0"/>
+                    <a:pt x="40" y="9"/>
+                    <a:pt x="40" y="20"/>
+                  </a:cubicBezTo>
+                  <a:cubicBezTo>
+                    <a:pt x="40" y="31"/>
+                    <a:pt x="31" y="40"/>
+                    <a:pt x="20" y="40"/>
+                  </a:cubicBezTo>
+                  <a:close/>
+                  <a:moveTo>
+                    <a:pt x="20" y="4"/>
+                  </a:moveTo>
+                  <a:cubicBezTo>
+                    <a:pt x="11" y="4"/>
+                    <a:pt x="4" y="11"/>
+                    <a:pt x="4" y="20"/>
+                  </a:cubicBezTo>
+                  <a:cubicBezTo>
+                    <a:pt x="4" y="28"/>
+                    <a:pt x="11" y="36"/>
+                    <a:pt x="20" y="36"/>
+                  </a:cubicBezTo>
+                  <a:cubicBezTo>
+                    <a:pt x="29" y="36"/>
+                    <a:pt x="36" y="28"/>
+                    <a:pt x="36" y="20"/>
+                  </a:cubicBezTo>
+                  <a:cubicBezTo>
+                    <a:pt x="36" y="11"/>
+                    <a:pt x="29" y="4"/>
+                    <a:pt x="20" y="4"/>
+                  </a:cubicBezTo>
+                  <a:close/>
+                </a:path>
+              </a:pathLst>
+            </a:custGeom>
+            <a:grpFill/>
+            <a:ln>
+              <a:noFill/>
+            </a:ln>
+            <a:extLst>
+              <a:ext uri="{91240B29-F687-4f45-9708-019B960494DF}">
+                <a14:hiddenLine xmlns:a14="http://schemas.microsoft.com/office/drawing/2010/main" xmlns="" w="9525">
+                  <a:solidFill>
+                    <a:srgbClr val="000000"/>
+                  </a:solidFill>
+                  <a:round/>
+                  <a:headEnd/>
+                  <a:tailEnd/>
+                </a14:hiddenLine>
+              </a:ext>
+            </a:extLst>
+          </p:spPr>
+        </p:sp>
+        <p:sp>
+          <p:nvSpPr>
+            <p:cNvPr id="27" name="Freeform 22"/>
+            <p:cNvSpPr/>
+            <p:nvPr>
+              <p:extLst>
+                <p:ext uri="{386F3935-93C4-4BCD-93E2-E3B085C9AB24}">
+                  <p16:designElem xmlns:p16="http://schemas.microsoft.com/office/powerpoint/2015/main" val="1"/>
+                </p:ext>
+              </p:extLst>
+            </p:nvPr>
+          </p:nvSpPr>
+          <p:spPr bwMode="auto">
+            <a:xfrm>
+              <a:off x="738188" y="5622925"/>
+              <a:ext cx="338138" cy="1216025"/>
+            </a:xfrm>
+            <a:custGeom>
+              <a:avLst/>
+              <a:gdLst/>
+              <a:ahLst/>
+              <a:cxnLst/>
+              <a:rect l="0" t="0" r="r" b="b"/>
+              <a:pathLst>
+                <a:path w="213" h="766">
+                  <a:moveTo>
+                    <a:pt x="213" y="766"/>
+                  </a:moveTo>
+                  <a:lnTo>
+                    <a:pt x="195" y="766"/>
+                  </a:lnTo>
+                  <a:lnTo>
+                    <a:pt x="195" y="464"/>
+                  </a:lnTo>
+                  <a:lnTo>
+                    <a:pt x="0" y="6"/>
+                  </a:lnTo>
+                  <a:lnTo>
+                    <a:pt x="12" y="0"/>
+                  </a:lnTo>
+                  <a:lnTo>
+                    <a:pt x="213" y="461"/>
+                  </a:lnTo>
+                  <a:lnTo>
+                    <a:pt x="213" y="766"/>
+                  </a:lnTo>
+                  <a:close/>
+                </a:path>
+              </a:pathLst>
+            </a:custGeom>
+            <a:grpFill/>
+            <a:ln>
+              <a:noFill/>
+            </a:ln>
+            <a:extLst>
+              <a:ext uri="{91240B29-F687-4f45-9708-019B960494DF}">
+                <a14:hiddenLine xmlns:a14="http://schemas.microsoft.com/office/drawing/2010/main" xmlns="" w="9525">
+                  <a:solidFill>
+                    <a:srgbClr val="000000"/>
+                  </a:solidFill>
+                  <a:round/>
+                  <a:headEnd/>
+                  <a:tailEnd/>
+                </a14:hiddenLine>
+              </a:ext>
+            </a:extLst>
+          </p:spPr>
+        </p:sp>
+        <p:sp>
+          <p:nvSpPr>
+            <p:cNvPr id="28" name="Freeform 23"/>
+            <p:cNvSpPr>
+              <a:spLocks noEditPoints="1"/>
+            </p:cNvSpPr>
+            <p:nvPr>
+              <p:extLst>
+                <p:ext uri="{386F3935-93C4-4BCD-93E2-E3B085C9AB24}">
+                  <p16:designElem xmlns:p16="http://schemas.microsoft.com/office/powerpoint/2015/main" val="1"/>
+                </p:ext>
+              </p:extLst>
+            </p:nvPr>
+          </p:nvSpPr>
+          <p:spPr bwMode="auto">
+            <a:xfrm>
+              <a:off x="647700" y="5480050"/>
+              <a:ext cx="157163" cy="157163"/>
+            </a:xfrm>
+            <a:custGeom>
+              <a:avLst/>
+              <a:gdLst/>
+              <a:ahLst/>
+              <a:cxnLst/>
+              <a:rect l="0" t="0" r="r" b="b"/>
+              <a:pathLst>
+                <a:path w="33" h="33">
+                  <a:moveTo>
+                    <a:pt x="17" y="33"/>
+                  </a:moveTo>
+                  <a:cubicBezTo>
+                    <a:pt x="8" y="33"/>
+                    <a:pt x="0" y="26"/>
+                    <a:pt x="0" y="17"/>
+                  </a:cubicBezTo>
+                  <a:cubicBezTo>
+                    <a:pt x="0" y="8"/>
+                    <a:pt x="8" y="0"/>
+                    <a:pt x="17" y="0"/>
+                  </a:cubicBezTo>
+                  <a:cubicBezTo>
+                    <a:pt x="26" y="0"/>
+                    <a:pt x="33" y="8"/>
+                    <a:pt x="33" y="17"/>
+                  </a:cubicBezTo>
+                  <a:cubicBezTo>
+                    <a:pt x="33" y="26"/>
+                    <a:pt x="26" y="33"/>
+                    <a:pt x="17" y="33"/>
+                  </a:cubicBezTo>
+                  <a:close/>
+                  <a:moveTo>
+                    <a:pt x="17" y="4"/>
+                  </a:moveTo>
+                  <a:cubicBezTo>
+                    <a:pt x="10" y="4"/>
+                    <a:pt x="4" y="10"/>
+                    <a:pt x="4" y="17"/>
+                  </a:cubicBezTo>
+                  <a:cubicBezTo>
+                    <a:pt x="4" y="24"/>
+                    <a:pt x="10" y="29"/>
+                    <a:pt x="17" y="29"/>
+                  </a:cubicBezTo>
+                  <a:cubicBezTo>
+                    <a:pt x="23" y="29"/>
+                    <a:pt x="29" y="24"/>
+                    <a:pt x="29" y="17"/>
+                  </a:cubicBezTo>
+                  <a:cubicBezTo>
+                    <a:pt x="29" y="10"/>
+                    <a:pt x="23" y="4"/>
+                    <a:pt x="17" y="4"/>
+                  </a:cubicBezTo>
+                  <a:close/>
+                </a:path>
+              </a:pathLst>
+            </a:custGeom>
+            <a:grpFill/>
+            <a:ln>
+              <a:noFill/>
+            </a:ln>
+            <a:extLst>
+              <a:ext uri="{91240B29-F687-4f45-9708-019B960494DF}">
+                <a14:hiddenLine xmlns:a14="http://schemas.microsoft.com/office/drawing/2010/main" xmlns="" w="9525">
+                  <a:solidFill>
+                    <a:srgbClr val="000000"/>
+                  </a:solidFill>
+                  <a:round/>
+                  <a:headEnd/>
+                  <a:tailEnd/>
+                </a14:hiddenLine>
+              </a:ext>
+            </a:extLst>
+          </p:spPr>
+        </p:sp>
+        <p:sp>
+          <p:nvSpPr>
+            <p:cNvPr id="29" name="Freeform 24"/>
+            <p:cNvSpPr>
+              <a:spLocks noEditPoints="1"/>
+            </p:cNvSpPr>
+            <p:nvPr>
+              <p:extLst>
+                <p:ext uri="{386F3935-93C4-4BCD-93E2-E3B085C9AB24}">
+                  <p16:designElem xmlns:p16="http://schemas.microsoft.com/office/powerpoint/2015/main" val="1"/>
+                </p:ext>
+              </p:extLst>
+            </p:nvPr>
+          </p:nvSpPr>
+          <p:spPr bwMode="auto">
+            <a:xfrm>
+              <a:off x="66675" y="903288"/>
+              <a:ext cx="190500" cy="190500"/>
+            </a:xfrm>
+            <a:custGeom>
+              <a:avLst/>
+              <a:gdLst/>
+              <a:ahLst/>
+              <a:cxnLst/>
+              <a:rect l="0" t="0" r="r" b="b"/>
+              <a:pathLst>
+                <a:path w="40" h="40">
+                  <a:moveTo>
+                    <a:pt x="20" y="40"/>
+                  </a:moveTo>
+                  <a:cubicBezTo>
+                    <a:pt x="9" y="40"/>
+                    <a:pt x="0" y="31"/>
+                    <a:pt x="0" y="20"/>
+                  </a:cubicBezTo>
+                  <a:cubicBezTo>
+                    <a:pt x="0" y="9"/>
+                    <a:pt x="9" y="0"/>
+                    <a:pt x="20" y="0"/>
+                  </a:cubicBezTo>
+                  <a:cubicBezTo>
+                    <a:pt x="32" y="0"/>
+                    <a:pt x="40" y="9"/>
+                    <a:pt x="40" y="20"/>
+                  </a:cubicBezTo>
+                  <a:cubicBezTo>
+                    <a:pt x="40" y="31"/>
+                    <a:pt x="32" y="40"/>
+                    <a:pt x="20" y="40"/>
+                  </a:cubicBezTo>
+                  <a:close/>
+                  <a:moveTo>
+                    <a:pt x="20" y="4"/>
+                  </a:moveTo>
+                  <a:cubicBezTo>
+                    <a:pt x="12" y="4"/>
+                    <a:pt x="4" y="12"/>
+                    <a:pt x="4" y="20"/>
+                  </a:cubicBezTo>
+                  <a:cubicBezTo>
+                    <a:pt x="4" y="29"/>
+                    <a:pt x="12" y="36"/>
+                    <a:pt x="20" y="36"/>
+                  </a:cubicBezTo>
+                  <a:cubicBezTo>
+                    <a:pt x="29" y="36"/>
+                    <a:pt x="36" y="29"/>
+                    <a:pt x="36" y="20"/>
+                  </a:cubicBezTo>
+                  <a:cubicBezTo>
+                    <a:pt x="36" y="12"/>
+                    <a:pt x="29" y="4"/>
+                    <a:pt x="20" y="4"/>
+                  </a:cubicBezTo>
+                  <a:close/>
+                </a:path>
+              </a:pathLst>
+            </a:custGeom>
+            <a:grpFill/>
+            <a:ln>
+              <a:noFill/>
+            </a:ln>
+            <a:extLst>
+              <a:ext uri="{91240B29-F687-4f45-9708-019B960494DF}">
+                <a14:hiddenLine xmlns:a14="http://schemas.microsoft.com/office/drawing/2010/main" xmlns="" w="9525">
+                  <a:solidFill>
+                    <a:srgbClr val="000000"/>
+                  </a:solidFill>
+                  <a:round/>
+                  <a:headEnd/>
+                  <a:tailEnd/>
+                </a14:hiddenLine>
+              </a:ext>
+            </a:extLst>
+          </p:spPr>
+        </p:sp>
+        <p:sp>
+          <p:nvSpPr>
+            <p:cNvPr id="30" name="Freeform 25"/>
+            <p:cNvSpPr/>
+            <p:nvPr>
+              <p:extLst>
+                <p:ext uri="{386F3935-93C4-4BCD-93E2-E3B085C9AB24}">
+                  <p16:designElem xmlns:p16="http://schemas.microsoft.com/office/powerpoint/2015/main" val="1"/>
+                </p:ext>
+              </p:extLst>
+            </p:nvPr>
+          </p:nvSpPr>
+          <p:spPr bwMode="auto">
+            <a:xfrm>
+              <a:off x="0" y="3897313"/>
+              <a:ext cx="133350" cy="266700"/>
+            </a:xfrm>
+            <a:custGeom>
+              <a:avLst/>
+              <a:gdLst/>
+              <a:ahLst/>
+              <a:cxnLst/>
+              <a:rect l="0" t="0" r="r" b="b"/>
+              <a:pathLst>
+                <a:path w="84" h="168">
+                  <a:moveTo>
+                    <a:pt x="69" y="168"/>
+                  </a:moveTo>
+                  <a:lnTo>
+                    <a:pt x="0" y="6"/>
+                  </a:lnTo>
+                  <a:lnTo>
+                    <a:pt x="12" y="0"/>
+                  </a:lnTo>
+                  <a:lnTo>
+                    <a:pt x="84" y="162"/>
+                  </a:lnTo>
+                  <a:lnTo>
+                    <a:pt x="69" y="168"/>
+                  </a:lnTo>
+                  <a:close/>
+                </a:path>
+              </a:pathLst>
+            </a:custGeom>
+            <a:grpFill/>
+            <a:ln>
+              <a:noFill/>
+            </a:ln>
+            <a:extLst>
+              <a:ext uri="{91240B29-F687-4f45-9708-019B960494DF}">
+                <a14:hiddenLine xmlns:a14="http://schemas.microsoft.com/office/drawing/2010/main" xmlns="" w="9525">
+                  <a:solidFill>
+                    <a:srgbClr val="000000"/>
+                  </a:solidFill>
+                  <a:round/>
+                  <a:headEnd/>
+                  <a:tailEnd/>
+                </a14:hiddenLine>
+              </a:ext>
+            </a:extLst>
+          </p:spPr>
+        </p:sp>
+        <p:sp>
+          <p:nvSpPr>
+            <p:cNvPr id="31" name="Freeform 26"/>
+            <p:cNvSpPr>
+              <a:spLocks noEditPoints="1"/>
+            </p:cNvSpPr>
+            <p:nvPr>
+              <p:extLst>
+                <p:ext uri="{386F3935-93C4-4BCD-93E2-E3B085C9AB24}">
+                  <p16:designElem xmlns:p16="http://schemas.microsoft.com/office/powerpoint/2015/main" val="1"/>
+                </p:ext>
+              </p:extLst>
+            </p:nvPr>
+          </p:nvSpPr>
+          <p:spPr bwMode="auto">
+            <a:xfrm>
+              <a:off x="66675" y="4149725"/>
+              <a:ext cx="190500" cy="188913"/>
+            </a:xfrm>
+            <a:custGeom>
+              <a:avLst/>
+              <a:gdLst/>
+              <a:ahLst/>
+              <a:cxnLst/>
+              <a:rect l="0" t="0" r="r" b="b"/>
+              <a:pathLst>
+                <a:path w="40" h="40">
+                  <a:moveTo>
+                    <a:pt x="20" y="40"/>
+                  </a:moveTo>
+                  <a:cubicBezTo>
+                    <a:pt x="9" y="40"/>
+                    <a:pt x="0" y="31"/>
+                    <a:pt x="0" y="20"/>
+                  </a:cubicBezTo>
+                  <a:cubicBezTo>
+                    <a:pt x="0" y="9"/>
+                    <a:pt x="9" y="0"/>
+                    <a:pt x="20" y="0"/>
+                  </a:cubicBezTo>
+                  <a:cubicBezTo>
+                    <a:pt x="31" y="0"/>
+                    <a:pt x="40" y="9"/>
+                    <a:pt x="40" y="20"/>
+                  </a:cubicBezTo>
+                  <a:cubicBezTo>
+                    <a:pt x="40" y="31"/>
+                    <a:pt x="31" y="40"/>
+                    <a:pt x="20" y="40"/>
+                  </a:cubicBezTo>
+                  <a:close/>
+                  <a:moveTo>
+                    <a:pt x="20" y="4"/>
+                  </a:moveTo>
+                  <a:cubicBezTo>
+                    <a:pt x="11" y="4"/>
+                    <a:pt x="4" y="11"/>
+                    <a:pt x="4" y="20"/>
+                  </a:cubicBezTo>
+                  <a:cubicBezTo>
+                    <a:pt x="4" y="28"/>
+                    <a:pt x="11" y="36"/>
+                    <a:pt x="20" y="36"/>
+                  </a:cubicBezTo>
+                  <a:cubicBezTo>
+                    <a:pt x="29" y="36"/>
+                    <a:pt x="36" y="28"/>
+                    <a:pt x="36" y="20"/>
+                  </a:cubicBezTo>
+                  <a:cubicBezTo>
+                    <a:pt x="36" y="11"/>
+                    <a:pt x="29" y="4"/>
+                    <a:pt x="20" y="4"/>
+                  </a:cubicBezTo>
+                  <a:close/>
+                </a:path>
+              </a:pathLst>
+            </a:custGeom>
+            <a:grpFill/>
+            <a:ln>
+              <a:noFill/>
+            </a:ln>
+            <a:extLst>
+              <a:ext uri="{91240B29-F687-4f45-9708-019B960494DF}">
+                <a14:hiddenLine xmlns:a14="http://schemas.microsoft.com/office/drawing/2010/main" xmlns="" w="9525">
+                  <a:solidFill>
+                    <a:srgbClr val="000000"/>
+                  </a:solidFill>
+                  <a:round/>
+                  <a:headEnd/>
+                  <a:tailEnd/>
+                </a14:hiddenLine>
+              </a:ext>
+            </a:extLst>
+          </p:spPr>
+        </p:sp>
+        <p:sp>
+          <p:nvSpPr>
+            <p:cNvPr id="32" name="Freeform 27"/>
+            <p:cNvSpPr/>
+            <p:nvPr>
+              <p:extLst>
+                <p:ext uri="{386F3935-93C4-4BCD-93E2-E3B085C9AB24}">
+                  <p16:designElem xmlns:p16="http://schemas.microsoft.com/office/powerpoint/2015/main" val="1"/>
+                </p:ext>
+              </p:extLst>
+            </p:nvPr>
+          </p:nvSpPr>
+          <p:spPr bwMode="auto">
+            <a:xfrm>
+              <a:off x="0" y="1644650"/>
+              <a:ext cx="133350" cy="269875"/>
+            </a:xfrm>
+            <a:custGeom>
+              <a:avLst/>
+              <a:gdLst/>
+              <a:ahLst/>
+              <a:cxnLst/>
+              <a:rect l="0" t="0" r="r" b="b"/>
+              <a:pathLst>
+                <a:path w="84" h="170">
+                  <a:moveTo>
+                    <a:pt x="12" y="170"/>
+                  </a:moveTo>
+                  <a:lnTo>
+                    <a:pt x="0" y="164"/>
+                  </a:lnTo>
+                  <a:lnTo>
+                    <a:pt x="69" y="0"/>
+                  </a:lnTo>
+                  <a:lnTo>
+                    <a:pt x="84" y="6"/>
+                  </a:lnTo>
+                  <a:lnTo>
+                    <a:pt x="12" y="170"/>
+                  </a:lnTo>
+                  <a:close/>
+                </a:path>
+              </a:pathLst>
+            </a:custGeom>
+            <a:grpFill/>
+            <a:ln>
+              <a:noFill/>
+            </a:ln>
+            <a:extLst>
+              <a:ext uri="{91240B29-F687-4f45-9708-019B960494DF}">
+                <a14:hiddenLine xmlns:a14="http://schemas.microsoft.com/office/drawing/2010/main" xmlns="" w="9525">
+                  <a:solidFill>
+                    <a:srgbClr val="000000"/>
+                  </a:solidFill>
+                  <a:round/>
+                  <a:headEnd/>
+                  <a:tailEnd/>
+                </a14:hiddenLine>
+              </a:ext>
+            </a:extLst>
+          </p:spPr>
+        </p:sp>
+        <p:sp>
+          <p:nvSpPr>
+            <p:cNvPr id="33" name="Freeform 28"/>
+            <p:cNvSpPr>
+              <a:spLocks noEditPoints="1"/>
+            </p:cNvSpPr>
+            <p:nvPr>
+              <p:extLst>
+                <p:ext uri="{386F3935-93C4-4BCD-93E2-E3B085C9AB24}">
+                  <p16:designElem xmlns:p16="http://schemas.microsoft.com/office/powerpoint/2015/main" val="1"/>
+                </p:ext>
+              </p:extLst>
+            </p:nvPr>
+          </p:nvSpPr>
+          <p:spPr bwMode="auto">
+            <a:xfrm>
+              <a:off x="66675" y="1468438"/>
+              <a:ext cx="190500" cy="190500"/>
+            </a:xfrm>
+            <a:custGeom>
+              <a:avLst/>
+              <a:gdLst/>
+              <a:ahLst/>
+              <a:cxnLst/>
+              <a:rect l="0" t="0" r="r" b="b"/>
+              <a:pathLst>
+                <a:path w="40" h="40">
+                  <a:moveTo>
+                    <a:pt x="20" y="40"/>
+                  </a:moveTo>
+                  <a:cubicBezTo>
+                    <a:pt x="9" y="40"/>
+                    <a:pt x="0" y="31"/>
+                    <a:pt x="0" y="20"/>
+                  </a:cubicBezTo>
+                  <a:cubicBezTo>
+                    <a:pt x="0" y="9"/>
+                    <a:pt x="9" y="0"/>
+                    <a:pt x="20" y="0"/>
+                  </a:cubicBezTo>
+                  <a:cubicBezTo>
+                    <a:pt x="31" y="0"/>
+                    <a:pt x="40" y="9"/>
+                    <a:pt x="40" y="20"/>
+                  </a:cubicBezTo>
+                  <a:cubicBezTo>
+                    <a:pt x="40" y="31"/>
+                    <a:pt x="31" y="40"/>
+                    <a:pt x="20" y="40"/>
+                  </a:cubicBezTo>
+                  <a:close/>
+                  <a:moveTo>
+                    <a:pt x="20" y="4"/>
+                  </a:moveTo>
+                  <a:cubicBezTo>
+                    <a:pt x="11" y="4"/>
+                    <a:pt x="4" y="11"/>
+                    <a:pt x="4" y="20"/>
+                  </a:cubicBezTo>
+                  <a:cubicBezTo>
+                    <a:pt x="4" y="28"/>
+                    <a:pt x="11" y="36"/>
+                    <a:pt x="20" y="36"/>
+                  </a:cubicBezTo>
+                  <a:cubicBezTo>
+                    <a:pt x="29" y="36"/>
+                    <a:pt x="36" y="28"/>
+                    <a:pt x="36" y="20"/>
+                  </a:cubicBezTo>
+                  <a:cubicBezTo>
+                    <a:pt x="36" y="11"/>
+                    <a:pt x="29" y="4"/>
+                    <a:pt x="20" y="4"/>
+                  </a:cubicBezTo>
+                  <a:close/>
+                </a:path>
+              </a:pathLst>
+            </a:custGeom>
+            <a:grpFill/>
+            <a:ln>
+              <a:noFill/>
+            </a:ln>
+            <a:extLst>
+              <a:ext uri="{91240B29-F687-4f45-9708-019B960494DF}">
+                <a14:hiddenLine xmlns:a14="http://schemas.microsoft.com/office/drawing/2010/main" xmlns="" w="9525">
+                  <a:solidFill>
+                    <a:srgbClr val="000000"/>
+                  </a:solidFill>
+                  <a:round/>
+                  <a:headEnd/>
+                  <a:tailEnd/>
+                </a14:hiddenLine>
+              </a:ext>
+            </a:extLst>
+          </p:spPr>
+        </p:sp>
+        <p:sp>
+          <p:nvSpPr>
+            <p:cNvPr id="34" name="Freeform 29"/>
+            <p:cNvSpPr/>
+            <p:nvPr>
+              <p:extLst>
+                <p:ext uri="{386F3935-93C4-4BCD-93E2-E3B085C9AB24}">
+                  <p16:designElem xmlns:p16="http://schemas.microsoft.com/office/powerpoint/2015/main" val="1"/>
+                </p:ext>
+              </p:extLst>
+            </p:nvPr>
+          </p:nvSpPr>
+          <p:spPr bwMode="auto">
+            <a:xfrm>
+              <a:off x="695325" y="4763"/>
+              <a:ext cx="309563" cy="1558925"/>
+            </a:xfrm>
+            <a:custGeom>
+              <a:avLst/>
+              <a:gdLst/>
+              <a:ahLst/>
+              <a:cxnLst/>
+              <a:rect l="0" t="0" r="r" b="b"/>
+              <a:pathLst>
+                <a:path w="195" h="982">
+                  <a:moveTo>
+                    <a:pt x="195" y="982"/>
+                  </a:moveTo>
+                  <a:lnTo>
+                    <a:pt x="177" y="982"/>
+                  </a:lnTo>
+                  <a:lnTo>
+                    <a:pt x="177" y="805"/>
+                  </a:lnTo>
+                  <a:lnTo>
+                    <a:pt x="0" y="629"/>
+                  </a:lnTo>
+                  <a:lnTo>
+                    <a:pt x="0" y="0"/>
+                  </a:lnTo>
+                  <a:lnTo>
+                    <a:pt x="18" y="0"/>
+                  </a:lnTo>
+                  <a:lnTo>
+                    <a:pt x="18" y="623"/>
+                  </a:lnTo>
+                  <a:lnTo>
+                    <a:pt x="195" y="796"/>
+                  </a:lnTo>
+                  <a:lnTo>
+                    <a:pt x="195" y="982"/>
+                  </a:lnTo>
+                  <a:close/>
+                </a:path>
+              </a:pathLst>
+            </a:custGeom>
+            <a:grpFill/>
+            <a:ln>
+              <a:noFill/>
+            </a:ln>
+            <a:extLst>
+              <a:ext uri="{91240B29-F687-4f45-9708-019B960494DF}">
+                <a14:hiddenLine xmlns:a14="http://schemas.microsoft.com/office/drawing/2010/main" xmlns="" w="9525">
+                  <a:solidFill>
+                    <a:srgbClr val="000000"/>
+                  </a:solidFill>
+                  <a:round/>
+                  <a:headEnd/>
+                  <a:tailEnd/>
+                </a14:hiddenLine>
+              </a:ext>
+            </a:extLst>
+          </p:spPr>
+        </p:sp>
+        <p:sp>
+          <p:nvSpPr>
+            <p:cNvPr id="35" name="Freeform 30"/>
+            <p:cNvSpPr>
+              <a:spLocks noEditPoints="1"/>
+            </p:cNvSpPr>
+            <p:nvPr>
+              <p:extLst>
+                <p:ext uri="{386F3935-93C4-4BCD-93E2-E3B085C9AB24}">
+                  <p16:designElem xmlns:p16="http://schemas.microsoft.com/office/powerpoint/2015/main" val="1"/>
+                </p:ext>
+              </p:extLst>
+            </p:nvPr>
+          </p:nvSpPr>
+          <p:spPr bwMode="auto">
+            <a:xfrm>
+              <a:off x="57150" y="4881563"/>
+              <a:ext cx="190500" cy="188913"/>
+            </a:xfrm>
+            <a:custGeom>
+              <a:avLst/>
+              <a:gdLst/>
+              <a:ahLst/>
+              <a:cxnLst/>
+              <a:rect l="0" t="0" r="r" b="b"/>
+              <a:pathLst>
+                <a:path w="40" h="40">
+                  <a:moveTo>
+                    <a:pt x="20" y="40"/>
+                  </a:moveTo>
+                  <a:cubicBezTo>
+                    <a:pt x="9" y="40"/>
+                    <a:pt x="0" y="31"/>
+                    <a:pt x="0" y="20"/>
+                  </a:cubicBezTo>
+                  <a:cubicBezTo>
+                    <a:pt x="0" y="9"/>
+                    <a:pt x="9" y="0"/>
+                    <a:pt x="20" y="0"/>
+                  </a:cubicBezTo>
+                  <a:cubicBezTo>
+                    <a:pt x="31" y="0"/>
+                    <a:pt x="40" y="9"/>
+                    <a:pt x="40" y="20"/>
+                  </a:cubicBezTo>
+                  <a:cubicBezTo>
+                    <a:pt x="40" y="31"/>
+                    <a:pt x="31" y="40"/>
+                    <a:pt x="20" y="40"/>
+                  </a:cubicBezTo>
+                  <a:close/>
+                  <a:moveTo>
+                    <a:pt x="20" y="4"/>
+                  </a:moveTo>
+                  <a:cubicBezTo>
+                    <a:pt x="12" y="4"/>
+                    <a:pt x="4" y="11"/>
+                    <a:pt x="4" y="20"/>
+                  </a:cubicBezTo>
+                  <a:cubicBezTo>
+                    <a:pt x="4" y="29"/>
+                    <a:pt x="12" y="36"/>
+                    <a:pt x="20" y="36"/>
+                  </a:cubicBezTo>
+                  <a:cubicBezTo>
+                    <a:pt x="29" y="36"/>
+                    <a:pt x="36" y="29"/>
+                    <a:pt x="36" y="20"/>
+                  </a:cubicBezTo>
+                  <a:cubicBezTo>
+                    <a:pt x="36" y="11"/>
+                    <a:pt x="29" y="4"/>
+                    <a:pt x="20" y="4"/>
+                  </a:cubicBezTo>
+                  <a:close/>
+                </a:path>
+              </a:pathLst>
+            </a:custGeom>
+            <a:grpFill/>
+            <a:ln>
+              <a:noFill/>
+            </a:ln>
+            <a:extLst>
+              <a:ext uri="{91240B29-F687-4f45-9708-019B960494DF}">
+                <a14:hiddenLine xmlns:a14="http://schemas.microsoft.com/office/drawing/2010/main" xmlns="" w="9525">
+                  <a:solidFill>
+                    <a:srgbClr val="000000"/>
+                  </a:solidFill>
+                  <a:round/>
+                  <a:headEnd/>
+                  <a:tailEnd/>
+                </a14:hiddenLine>
+              </a:ext>
+            </a:extLst>
+          </p:spPr>
+        </p:sp>
+        <p:sp>
+          <p:nvSpPr>
+            <p:cNvPr id="36" name="Freeform 31"/>
+            <p:cNvSpPr/>
+            <p:nvPr>
+              <p:extLst>
+                <p:ext uri="{386F3935-93C4-4BCD-93E2-E3B085C9AB24}">
+                  <p16:designElem xmlns:p16="http://schemas.microsoft.com/office/powerpoint/2015/main" val="1"/>
+                </p:ext>
+              </p:extLst>
+            </p:nvPr>
+          </p:nvSpPr>
+          <p:spPr bwMode="auto">
+            <a:xfrm>
+              <a:off x="138113" y="5060950"/>
+              <a:ext cx="304800" cy="1778000"/>
+            </a:xfrm>
+            <a:custGeom>
+              <a:avLst/>
+              <a:gdLst/>
+              <a:ahLst/>
+              <a:cxnLst/>
+              <a:rect l="0" t="0" r="r" b="b"/>
+              <a:pathLst>
+                <a:path w="192" h="1120">
+                  <a:moveTo>
+                    <a:pt x="192" y="1120"/>
+                  </a:moveTo>
+                  <a:lnTo>
+                    <a:pt x="177" y="1120"/>
+                  </a:lnTo>
+                  <a:lnTo>
+                    <a:pt x="177" y="360"/>
+                  </a:lnTo>
+                  <a:lnTo>
+                    <a:pt x="0" y="183"/>
+                  </a:lnTo>
+                  <a:lnTo>
+                    <a:pt x="0" y="0"/>
+                  </a:lnTo>
+                  <a:lnTo>
+                    <a:pt x="15" y="0"/>
+                  </a:lnTo>
+                  <a:lnTo>
+                    <a:pt x="15" y="177"/>
+                  </a:lnTo>
+                  <a:lnTo>
+                    <a:pt x="192" y="354"/>
+                  </a:lnTo>
+                  <a:lnTo>
+                    <a:pt x="192" y="1120"/>
+                  </a:lnTo>
+                  <a:close/>
+                </a:path>
+              </a:pathLst>
+            </a:custGeom>
+            <a:grpFill/>
+            <a:ln>
+              <a:noFill/>
+            </a:ln>
+            <a:extLst>
+              <a:ext uri="{91240B29-F687-4f45-9708-019B960494DF}">
+                <a14:hiddenLine xmlns:a14="http://schemas.microsoft.com/office/drawing/2010/main" xmlns="" w="9525">
+                  <a:solidFill>
+                    <a:srgbClr val="000000"/>
+                  </a:solidFill>
+                  <a:round/>
+                  <a:headEnd/>
+                  <a:tailEnd/>
+                </a14:hiddenLine>
+              </a:ext>
+            </a:extLst>
+          </p:spPr>
+        </p:sp>
+        <p:sp>
+          <p:nvSpPr>
+            <p:cNvPr id="37" name="Freeform 32"/>
+            <p:cNvSpPr>
+              <a:spLocks noEditPoints="1"/>
+            </p:cNvSpPr>
+            <p:nvPr>
+              <p:extLst>
+                <p:ext uri="{386F3935-93C4-4BCD-93E2-E3B085C9AB24}">
+                  <p16:designElem xmlns:p16="http://schemas.microsoft.com/office/powerpoint/2015/main" val="1"/>
+                </p:ext>
+              </p:extLst>
+            </p:nvPr>
+          </p:nvSpPr>
+          <p:spPr bwMode="auto">
+            <a:xfrm>
+              <a:off x="561975" y="6430963"/>
+              <a:ext cx="190500" cy="188913"/>
+            </a:xfrm>
+            <a:custGeom>
+              <a:avLst/>
+              <a:gdLst/>
+              <a:ahLst/>
+              <a:cxnLst/>
+              <a:rect l="0" t="0" r="r" b="b"/>
+              <a:pathLst>
+                <a:path w="40" h="40">
+                  <a:moveTo>
+                    <a:pt x="20" y="40"/>
+                  </a:moveTo>
+                  <a:cubicBezTo>
+                    <a:pt x="9" y="40"/>
+                    <a:pt x="0" y="31"/>
+                    <a:pt x="0" y="20"/>
+                  </a:cubicBezTo>
+                  <a:cubicBezTo>
+                    <a:pt x="0" y="9"/>
+                    <a:pt x="9" y="0"/>
+                    <a:pt x="20" y="0"/>
+                  </a:cubicBezTo>
+                  <a:cubicBezTo>
+                    <a:pt x="31" y="0"/>
+                    <a:pt x="40" y="9"/>
+                    <a:pt x="40" y="20"/>
+                  </a:cubicBezTo>
+                  <a:cubicBezTo>
+                    <a:pt x="40" y="31"/>
+                    <a:pt x="31" y="40"/>
+                    <a:pt x="20" y="40"/>
+                  </a:cubicBezTo>
+                  <a:close/>
+                  <a:moveTo>
+                    <a:pt x="20" y="4"/>
+                  </a:moveTo>
+                  <a:cubicBezTo>
+                    <a:pt x="12" y="4"/>
+                    <a:pt x="4" y="11"/>
+                    <a:pt x="4" y="20"/>
+                  </a:cubicBezTo>
+                  <a:cubicBezTo>
+                    <a:pt x="4" y="29"/>
+                    <a:pt x="12" y="36"/>
+                    <a:pt x="20" y="36"/>
+                  </a:cubicBezTo>
+                  <a:cubicBezTo>
+                    <a:pt x="29" y="36"/>
+                    <a:pt x="36" y="29"/>
+                    <a:pt x="36" y="20"/>
+                  </a:cubicBezTo>
+                  <a:cubicBezTo>
+                    <a:pt x="36" y="11"/>
+                    <a:pt x="29" y="4"/>
+                    <a:pt x="20" y="4"/>
+                  </a:cubicBezTo>
+                  <a:close/>
+                </a:path>
+              </a:pathLst>
+            </a:custGeom>
+            <a:grpFill/>
+            <a:ln>
+              <a:noFill/>
+            </a:ln>
+            <a:extLst>
+              <a:ext uri="{91240B29-F687-4f45-9708-019B960494DF}">
+                <a14:hiddenLine xmlns:a14="http://schemas.microsoft.com/office/drawing/2010/main" xmlns="" w="9525">
+                  <a:solidFill>
+                    <a:srgbClr val="000000"/>
+                  </a:solidFill>
+                  <a:round/>
+                  <a:headEnd/>
+                  <a:tailEnd/>
+                </a14:hiddenLine>
+              </a:ext>
+            </a:extLst>
+          </p:spPr>
+        </p:sp>
+        <p:sp>
+          <p:nvSpPr>
+            <p:cNvPr id="38" name="Rectangle 37"/>
+            <p:cNvSpPr>
+              <a:spLocks noChangeArrowheads="1"/>
+            </p:cNvSpPr>
+            <p:nvPr>
+              <p:extLst>
+                <p:ext uri="{386F3935-93C4-4BCD-93E2-E3B085C9AB24}">
+                  <p16:designElem xmlns:p16="http://schemas.microsoft.com/office/powerpoint/2015/main" val="1"/>
+                </p:ext>
+              </p:extLst>
+            </p:nvPr>
+          </p:nvSpPr>
+          <p:spPr bwMode="auto">
+            <a:xfrm>
+              <a:off x="642938" y="6610350"/>
+              <a:ext cx="23813" cy="242888"/>
+            </a:xfrm>
+            <a:prstGeom prst="rect">
+              <a:avLst/>
+            </a:prstGeom>
+            <a:grpFill/>
+            <a:ln>
+              <a:noFill/>
+            </a:ln>
+            <a:extLst>
+              <a:ext uri="{91240B29-F687-4f45-9708-019B960494DF}">
+                <a14:hiddenLine xmlns:a14="http://schemas.microsoft.com/office/drawing/2010/main" xmlns="" w="9525">
+                  <a:solidFill>
+                    <a:srgbClr val="000000"/>
+                  </a:solidFill>
+                  <a:miter lim="800000"/>
+                  <a:headEnd/>
+                  <a:tailEnd/>
+                </a14:hiddenLine>
+              </a:ext>
+            </a:extLst>
+          </p:spPr>
+        </p:sp>
+        <p:sp>
+          <p:nvSpPr>
+            <p:cNvPr id="39" name="Freeform 34"/>
+            <p:cNvSpPr>
+              <a:spLocks noEditPoints="1"/>
+            </p:cNvSpPr>
+            <p:nvPr>
+              <p:extLst>
+                <p:ext uri="{386F3935-93C4-4BCD-93E2-E3B085C9AB24}">
+                  <p16:designElem xmlns:p16="http://schemas.microsoft.com/office/powerpoint/2015/main" val="1"/>
+                </p:ext>
+              </p:extLst>
+            </p:nvPr>
+          </p:nvSpPr>
+          <p:spPr bwMode="auto">
+            <a:xfrm>
+              <a:off x="76200" y="6430963"/>
+              <a:ext cx="190500" cy="188913"/>
+            </a:xfrm>
+            <a:custGeom>
+              <a:avLst/>
+              <a:gdLst/>
+              <a:ahLst/>
+              <a:cxnLst/>
+              <a:rect l="0" t="0" r="r" b="b"/>
+              <a:pathLst>
+                <a:path w="40" h="40">
+                  <a:moveTo>
+                    <a:pt x="20" y="40"/>
+                  </a:moveTo>
+                  <a:cubicBezTo>
+                    <a:pt x="9" y="40"/>
+                    <a:pt x="0" y="31"/>
+                    <a:pt x="0" y="20"/>
+                  </a:cubicBezTo>
+                  <a:cubicBezTo>
+                    <a:pt x="0" y="9"/>
+                    <a:pt x="9" y="0"/>
+                    <a:pt x="20" y="0"/>
+                  </a:cubicBezTo>
+                  <a:cubicBezTo>
+                    <a:pt x="32" y="0"/>
+                    <a:pt x="40" y="9"/>
+                    <a:pt x="40" y="20"/>
+                  </a:cubicBezTo>
+                  <a:cubicBezTo>
+                    <a:pt x="40" y="31"/>
+                    <a:pt x="32" y="40"/>
+                    <a:pt x="20" y="40"/>
+                  </a:cubicBezTo>
+                  <a:close/>
+                  <a:moveTo>
+                    <a:pt x="20" y="4"/>
+                  </a:moveTo>
+                  <a:cubicBezTo>
+                    <a:pt x="12" y="4"/>
+                    <a:pt x="4" y="11"/>
+                    <a:pt x="4" y="20"/>
+                  </a:cubicBezTo>
+                  <a:cubicBezTo>
+                    <a:pt x="4" y="29"/>
+                    <a:pt x="12" y="36"/>
+                    <a:pt x="20" y="36"/>
+                  </a:cubicBezTo>
+                  <a:cubicBezTo>
+                    <a:pt x="29" y="36"/>
+                    <a:pt x="36" y="29"/>
+                    <a:pt x="36" y="20"/>
+                  </a:cubicBezTo>
+                  <a:cubicBezTo>
+                    <a:pt x="36" y="11"/>
+                    <a:pt x="29" y="4"/>
+                    <a:pt x="20" y="4"/>
+                  </a:cubicBezTo>
+                  <a:close/>
+                </a:path>
+              </a:pathLst>
+            </a:custGeom>
+            <a:grpFill/>
+            <a:ln>
+              <a:noFill/>
+            </a:ln>
+            <a:extLst>
+              <a:ext uri="{91240B29-F687-4f45-9708-019B960494DF}">
+                <a14:hiddenLine xmlns:a14="http://schemas.microsoft.com/office/drawing/2010/main" xmlns="" w="9525">
+                  <a:solidFill>
+                    <a:srgbClr val="000000"/>
+                  </a:solidFill>
+                  <a:round/>
+                  <a:headEnd/>
+                  <a:tailEnd/>
+                </a14:hiddenLine>
+              </a:ext>
+            </a:extLst>
+          </p:spPr>
+        </p:sp>
+        <p:sp>
+          <p:nvSpPr>
+            <p:cNvPr id="40" name="Freeform 35"/>
+            <p:cNvSpPr/>
+            <p:nvPr>
+              <p:extLst>
+                <p:ext uri="{386F3935-93C4-4BCD-93E2-E3B085C9AB24}">
+                  <p16:designElem xmlns:p16="http://schemas.microsoft.com/office/powerpoint/2015/main" val="1"/>
+                </p:ext>
+              </p:extLst>
+            </p:nvPr>
+          </p:nvSpPr>
+          <p:spPr bwMode="auto">
+            <a:xfrm>
+              <a:off x="0" y="5978525"/>
+              <a:ext cx="190500" cy="461963"/>
+            </a:xfrm>
+            <a:custGeom>
+              <a:avLst/>
+              <a:gdLst/>
+              <a:ahLst/>
+              <a:cxnLst/>
+              <a:rect l="0" t="0" r="r" b="b"/>
+              <a:pathLst>
+                <a:path w="120" h="291">
+                  <a:moveTo>
+                    <a:pt x="120" y="291"/>
+                  </a:moveTo>
+                  <a:lnTo>
+                    <a:pt x="105" y="291"/>
+                  </a:lnTo>
+                  <a:lnTo>
+                    <a:pt x="105" y="114"/>
+                  </a:lnTo>
+                  <a:lnTo>
+                    <a:pt x="0" y="9"/>
+                  </a:lnTo>
+                  <a:lnTo>
+                    <a:pt x="12" y="0"/>
+                  </a:lnTo>
+                  <a:lnTo>
+                    <a:pt x="120" y="108"/>
+                  </a:lnTo>
+                  <a:lnTo>
+                    <a:pt x="120" y="291"/>
+                  </a:lnTo>
+                  <a:close/>
+                </a:path>
+              </a:pathLst>
+            </a:custGeom>
+            <a:grpFill/>
+            <a:ln>
+              <a:noFill/>
+            </a:ln>
+            <a:extLst>
+              <a:ext uri="{91240B29-F687-4f45-9708-019B960494DF}">
+                <a14:hiddenLine xmlns:a14="http://schemas.microsoft.com/office/drawing/2010/main" xmlns="" w="9525">
+                  <a:solidFill>
+                    <a:srgbClr val="000000"/>
+                  </a:solidFill>
+                  <a:round/>
+                  <a:headEnd/>
+                  <a:tailEnd/>
+                </a14:hiddenLine>
+              </a:ext>
+            </a:extLst>
+          </p:spPr>
+        </p:sp>
+        <p:sp>
+          <p:nvSpPr>
+            <p:cNvPr id="41" name="Freeform 36"/>
+            <p:cNvSpPr/>
+            <p:nvPr>
+              <p:extLst>
+                <p:ext uri="{386F3935-93C4-4BCD-93E2-E3B085C9AB24}">
+                  <p16:designElem xmlns:p16="http://schemas.microsoft.com/office/powerpoint/2015/main" val="1"/>
+                </p:ext>
+              </p:extLst>
+            </p:nvPr>
+          </p:nvSpPr>
+          <p:spPr bwMode="auto">
+            <a:xfrm>
+              <a:off x="1014413" y="1801813"/>
+              <a:ext cx="214313" cy="755650"/>
+            </a:xfrm>
+            <a:custGeom>
+              <a:avLst/>
+              <a:gdLst/>
+              <a:ahLst/>
+              <a:cxnLst/>
+              <a:rect l="0" t="0" r="r" b="b"/>
+              <a:pathLst>
+                <a:path w="135" h="476">
+                  <a:moveTo>
+                    <a:pt x="12" y="476"/>
+                  </a:moveTo>
+                  <a:lnTo>
+                    <a:pt x="0" y="476"/>
+                  </a:lnTo>
+                  <a:lnTo>
+                    <a:pt x="0" y="128"/>
+                  </a:lnTo>
+                  <a:lnTo>
+                    <a:pt x="126" y="0"/>
+                  </a:lnTo>
+                  <a:lnTo>
+                    <a:pt x="135" y="9"/>
+                  </a:lnTo>
+                  <a:lnTo>
+                    <a:pt x="12" y="131"/>
+                  </a:lnTo>
+                  <a:lnTo>
+                    <a:pt x="12" y="476"/>
+                  </a:lnTo>
+                  <a:close/>
+                </a:path>
+              </a:pathLst>
+            </a:custGeom>
+            <a:grpFill/>
+            <a:ln>
+              <a:noFill/>
+            </a:ln>
+            <a:extLst>
+              <a:ext uri="{91240B29-F687-4f45-9708-019B960494DF}">
+                <a14:hiddenLine xmlns:a14="http://schemas.microsoft.com/office/drawing/2010/main" xmlns="" w="9525">
+                  <a:solidFill>
+                    <a:srgbClr val="000000"/>
+                  </a:solidFill>
+                  <a:round/>
+                  <a:headEnd/>
+                  <a:tailEnd/>
+                </a14:hiddenLine>
+              </a:ext>
+            </a:extLst>
+          </p:spPr>
+        </p:sp>
+        <p:sp>
+          <p:nvSpPr>
+            <p:cNvPr id="42" name="Freeform 37"/>
+            <p:cNvSpPr>
+              <a:spLocks noEditPoints="1"/>
+            </p:cNvSpPr>
+            <p:nvPr>
+              <p:extLst>
+                <p:ext uri="{386F3935-93C4-4BCD-93E2-E3B085C9AB24}">
+                  <p16:designElem xmlns:p16="http://schemas.microsoft.com/office/powerpoint/2015/main" val="1"/>
+                </p:ext>
+              </p:extLst>
+            </p:nvPr>
+          </p:nvSpPr>
+          <p:spPr bwMode="auto">
+            <a:xfrm>
+              <a:off x="938213" y="2547938"/>
+              <a:ext cx="166688" cy="160338"/>
+            </a:xfrm>
+            <a:custGeom>
+              <a:avLst/>
+              <a:gdLst/>
+              <a:ahLst/>
+              <a:cxnLst/>
+              <a:rect l="0" t="0" r="r" b="b"/>
+              <a:pathLst>
+                <a:path w="35" h="34">
+                  <a:moveTo>
+                    <a:pt x="18" y="34"/>
+                  </a:moveTo>
+                  <a:cubicBezTo>
+                    <a:pt x="8" y="34"/>
+                    <a:pt x="0" y="26"/>
+                    <a:pt x="0" y="17"/>
+                  </a:cubicBezTo>
+                  <a:cubicBezTo>
+                    <a:pt x="0" y="7"/>
+                    <a:pt x="8" y="0"/>
+                    <a:pt x="18" y="0"/>
+                  </a:cubicBezTo>
+                  <a:cubicBezTo>
+                    <a:pt x="27" y="0"/>
+                    <a:pt x="35" y="7"/>
+                    <a:pt x="35" y="17"/>
+                  </a:cubicBezTo>
+                  <a:cubicBezTo>
+                    <a:pt x="35" y="26"/>
+                    <a:pt x="27" y="34"/>
+                    <a:pt x="18" y="34"/>
+                  </a:cubicBezTo>
+                  <a:close/>
+                  <a:moveTo>
+                    <a:pt x="18" y="4"/>
+                  </a:moveTo>
+                  <a:cubicBezTo>
+                    <a:pt x="10" y="4"/>
+                    <a:pt x="4" y="10"/>
+                    <a:pt x="4" y="17"/>
+                  </a:cubicBezTo>
+                  <a:cubicBezTo>
+                    <a:pt x="4" y="24"/>
+                    <a:pt x="10" y="30"/>
+                    <a:pt x="18" y="30"/>
+                  </a:cubicBezTo>
+                  <a:cubicBezTo>
+                    <a:pt x="25" y="30"/>
+                    <a:pt x="31" y="24"/>
+                    <a:pt x="31" y="17"/>
+                  </a:cubicBezTo>
+                  <a:cubicBezTo>
+                    <a:pt x="31" y="10"/>
+                    <a:pt x="25" y="4"/>
+                    <a:pt x="18" y="4"/>
+                  </a:cubicBezTo>
+                  <a:close/>
+                </a:path>
+              </a:pathLst>
+            </a:custGeom>
+            <a:grpFill/>
+            <a:ln>
+              <a:noFill/>
+            </a:ln>
+            <a:extLst>
+              <a:ext uri="{91240B29-F687-4f45-9708-019B960494DF}">
+                <a14:hiddenLine xmlns:a14="http://schemas.microsoft.com/office/drawing/2010/main" xmlns="" w="9525">
+                  <a:solidFill>
+                    <a:srgbClr val="000000"/>
+                  </a:solidFill>
+                  <a:round/>
+                  <a:headEnd/>
+                  <a:tailEnd/>
+                </a14:hiddenLine>
+              </a:ext>
+            </a:extLst>
+          </p:spPr>
+        </p:sp>
+        <p:sp>
+          <p:nvSpPr>
+            <p:cNvPr id="43" name="Freeform 38"/>
+            <p:cNvSpPr/>
+            <p:nvPr>
+              <p:extLst>
+                <p:ext uri="{386F3935-93C4-4BCD-93E2-E3B085C9AB24}">
+                  <p16:designElem xmlns:p16="http://schemas.microsoft.com/office/powerpoint/2015/main" val="1"/>
+                </p:ext>
+              </p:extLst>
+            </p:nvPr>
+          </p:nvSpPr>
+          <p:spPr bwMode="auto">
+            <a:xfrm>
+              <a:off x="595313" y="4763"/>
+              <a:ext cx="638175" cy="4025900"/>
+            </a:xfrm>
+            <a:custGeom>
+              <a:avLst/>
+              <a:gdLst/>
+              <a:ahLst/>
+              <a:cxnLst/>
+              <a:rect l="0" t="0" r="r" b="b"/>
+              <a:pathLst>
+                <a:path w="402" h="2536">
+                  <a:moveTo>
+                    <a:pt x="402" y="2536"/>
+                  </a:moveTo>
+                  <a:lnTo>
+                    <a:pt x="387" y="2536"/>
+                  </a:lnTo>
+                  <a:lnTo>
+                    <a:pt x="387" y="2311"/>
+                  </a:lnTo>
+                  <a:lnTo>
+                    <a:pt x="0" y="1925"/>
+                  </a:lnTo>
+                  <a:lnTo>
+                    <a:pt x="0" y="0"/>
+                  </a:lnTo>
+                  <a:lnTo>
+                    <a:pt x="15" y="0"/>
+                  </a:lnTo>
+                  <a:lnTo>
+                    <a:pt x="15" y="1916"/>
+                  </a:lnTo>
+                  <a:lnTo>
+                    <a:pt x="402" y="2302"/>
+                  </a:lnTo>
+                  <a:lnTo>
+                    <a:pt x="402" y="2536"/>
+                  </a:lnTo>
+                  <a:close/>
+                </a:path>
+              </a:pathLst>
+            </a:custGeom>
+            <a:grpFill/>
+            <a:ln>
+              <a:noFill/>
+            </a:ln>
+            <a:extLst>
+              <a:ext uri="{91240B29-F687-4f45-9708-019B960494DF}">
+                <a14:hiddenLine xmlns:a14="http://schemas.microsoft.com/office/drawing/2010/main" xmlns="" w="9525">
+                  <a:solidFill>
+                    <a:srgbClr val="000000"/>
+                  </a:solidFill>
+                  <a:round/>
+                  <a:headEnd/>
+                  <a:tailEnd/>
+                </a14:hiddenLine>
+              </a:ext>
+            </a:extLst>
+          </p:spPr>
+        </p:sp>
+        <p:sp>
+          <p:nvSpPr>
+            <p:cNvPr id="44" name="Freeform 39"/>
+            <p:cNvSpPr/>
+            <p:nvPr>
+              <p:extLst>
+                <p:ext uri="{386F3935-93C4-4BCD-93E2-E3B085C9AB24}">
+                  <p16:designElem xmlns:p16="http://schemas.microsoft.com/office/powerpoint/2015/main" val="1"/>
+                </p:ext>
+              </p:extLst>
+            </p:nvPr>
+          </p:nvSpPr>
+          <p:spPr bwMode="auto">
+            <a:xfrm>
+              <a:off x="1223963" y="1382713"/>
+              <a:ext cx="142875" cy="476250"/>
+            </a:xfrm>
+            <a:custGeom>
+              <a:avLst/>
+              <a:gdLst/>
+              <a:ahLst/>
+              <a:cxnLst/>
+              <a:rect l="0" t="0" r="r" b="b"/>
+              <a:pathLst>
+                <a:path w="90" h="300">
+                  <a:moveTo>
+                    <a:pt x="90" y="300"/>
+                  </a:moveTo>
+                  <a:lnTo>
+                    <a:pt x="78" y="300"/>
+                  </a:lnTo>
+                  <a:lnTo>
+                    <a:pt x="78" y="84"/>
+                  </a:lnTo>
+                  <a:lnTo>
+                    <a:pt x="0" y="9"/>
+                  </a:lnTo>
+                  <a:lnTo>
+                    <a:pt x="9" y="0"/>
+                  </a:lnTo>
+                  <a:lnTo>
+                    <a:pt x="90" y="81"/>
+                  </a:lnTo>
+                  <a:lnTo>
+                    <a:pt x="90" y="300"/>
+                  </a:lnTo>
+                  <a:close/>
+                </a:path>
+              </a:pathLst>
+            </a:custGeom>
+            <a:grpFill/>
+            <a:ln>
+              <a:noFill/>
+            </a:ln>
+            <a:extLst>
+              <a:ext uri="{91240B29-F687-4f45-9708-019B960494DF}">
+                <a14:hiddenLine xmlns:a14="http://schemas.microsoft.com/office/drawing/2010/main" xmlns="" w="9525">
+                  <a:solidFill>
+                    <a:srgbClr val="000000"/>
+                  </a:solidFill>
+                  <a:round/>
+                  <a:headEnd/>
+                  <a:tailEnd/>
+                </a14:hiddenLine>
+              </a:ext>
+            </a:extLst>
+          </p:spPr>
+        </p:sp>
+        <p:sp>
+          <p:nvSpPr>
+            <p:cNvPr id="45" name="Freeform 40"/>
+            <p:cNvSpPr>
+              <a:spLocks noEditPoints="1"/>
+            </p:cNvSpPr>
+            <p:nvPr>
+              <p:extLst>
+                <p:ext uri="{386F3935-93C4-4BCD-93E2-E3B085C9AB24}">
+                  <p16:designElem xmlns:p16="http://schemas.microsoft.com/office/powerpoint/2015/main" val="1"/>
+                </p:ext>
+              </p:extLst>
+            </p:nvPr>
+          </p:nvSpPr>
+          <p:spPr bwMode="auto">
+            <a:xfrm>
+              <a:off x="1300163" y="1849438"/>
+              <a:ext cx="109538" cy="107950"/>
+            </a:xfrm>
+            <a:custGeom>
+              <a:avLst/>
+              <a:gdLst/>
+              <a:ahLst/>
+              <a:cxnLst/>
+              <a:rect l="0" t="0" r="r" b="b"/>
+              <a:pathLst>
+                <a:path w="23" h="23">
+                  <a:moveTo>
+                    <a:pt x="12" y="23"/>
+                  </a:moveTo>
+                  <a:cubicBezTo>
+                    <a:pt x="5" y="23"/>
+                    <a:pt x="0" y="18"/>
+                    <a:pt x="0" y="12"/>
+                  </a:cubicBezTo>
+                  <a:cubicBezTo>
+                    <a:pt x="0" y="5"/>
+                    <a:pt x="5" y="0"/>
+                    <a:pt x="12" y="0"/>
+                  </a:cubicBezTo>
+                  <a:cubicBezTo>
+                    <a:pt x="18" y="0"/>
+                    <a:pt x="23" y="5"/>
+                    <a:pt x="23" y="12"/>
+                  </a:cubicBezTo>
+                  <a:cubicBezTo>
+                    <a:pt x="23" y="18"/>
+                    <a:pt x="18" y="23"/>
+                    <a:pt x="12" y="23"/>
+                  </a:cubicBezTo>
+                  <a:close/>
+                  <a:moveTo>
+                    <a:pt x="12" y="4"/>
+                  </a:moveTo>
+                  <a:cubicBezTo>
+                    <a:pt x="8" y="4"/>
+                    <a:pt x="4" y="8"/>
+                    <a:pt x="4" y="12"/>
+                  </a:cubicBezTo>
+                  <a:cubicBezTo>
+                    <a:pt x="4" y="16"/>
+                    <a:pt x="8" y="19"/>
+                    <a:pt x="12" y="19"/>
+                  </a:cubicBezTo>
+                  <a:cubicBezTo>
+                    <a:pt x="16" y="19"/>
+                    <a:pt x="19" y="16"/>
+                    <a:pt x="19" y="12"/>
+                  </a:cubicBezTo>
+                  <a:cubicBezTo>
+                    <a:pt x="19" y="8"/>
+                    <a:pt x="16" y="4"/>
+                    <a:pt x="12" y="4"/>
+                  </a:cubicBezTo>
+                  <a:close/>
+                </a:path>
+              </a:pathLst>
+            </a:custGeom>
+            <a:grpFill/>
+            <a:ln>
+              <a:noFill/>
+            </a:ln>
+            <a:extLst>
+              <a:ext uri="{91240B29-F687-4f45-9708-019B960494DF}">
+                <a14:hiddenLine xmlns:a14="http://schemas.microsoft.com/office/drawing/2010/main" xmlns="" w="9525">
+                  <a:solidFill>
+                    <a:srgbClr val="000000"/>
+                  </a:solidFill>
+                  <a:round/>
+                  <a:headEnd/>
+                  <a:tailEnd/>
+                </a14:hiddenLine>
+              </a:ext>
+            </a:extLst>
+          </p:spPr>
+        </p:sp>
+        <p:sp>
+          <p:nvSpPr>
+            <p:cNvPr id="46" name="Freeform 41"/>
+            <p:cNvSpPr/>
+            <p:nvPr>
+              <p:extLst>
+                <p:ext uri="{386F3935-93C4-4BCD-93E2-E3B085C9AB24}">
+                  <p16:designElem xmlns:p16="http://schemas.microsoft.com/office/powerpoint/2015/main" val="1"/>
+                </p:ext>
+              </p:extLst>
+            </p:nvPr>
+          </p:nvSpPr>
+          <p:spPr bwMode="auto">
+            <a:xfrm>
+              <a:off x="280988" y="3417888"/>
+              <a:ext cx="142875" cy="474663"/>
+            </a:xfrm>
+            <a:custGeom>
+              <a:avLst/>
+              <a:gdLst/>
+              <a:ahLst/>
+              <a:cxnLst/>
+              <a:rect l="0" t="0" r="r" b="b"/>
+              <a:pathLst>
+                <a:path w="90" h="299">
+                  <a:moveTo>
+                    <a:pt x="12" y="299"/>
+                  </a:moveTo>
+                  <a:lnTo>
+                    <a:pt x="0" y="299"/>
+                  </a:lnTo>
+                  <a:lnTo>
+                    <a:pt x="0" y="80"/>
+                  </a:lnTo>
+                  <a:lnTo>
+                    <a:pt x="81" y="0"/>
+                  </a:lnTo>
+                  <a:lnTo>
+                    <a:pt x="90" y="8"/>
+                  </a:lnTo>
+                  <a:lnTo>
+                    <a:pt x="12" y="83"/>
+                  </a:lnTo>
+                  <a:lnTo>
+                    <a:pt x="12" y="299"/>
+                  </a:lnTo>
+                  <a:close/>
+                </a:path>
+              </a:pathLst>
+            </a:custGeom>
+            <a:grpFill/>
+            <a:ln>
+              <a:noFill/>
+            </a:ln>
+            <a:extLst>
+              <a:ext uri="{91240B29-F687-4f45-9708-019B960494DF}">
+                <a14:hiddenLine xmlns:a14="http://schemas.microsoft.com/office/drawing/2010/main" xmlns="" w="9525">
+                  <a:solidFill>
+                    <a:srgbClr val="000000"/>
+                  </a:solidFill>
+                  <a:round/>
+                  <a:headEnd/>
+                  <a:tailEnd/>
+                </a14:hiddenLine>
+              </a:ext>
+            </a:extLst>
+          </p:spPr>
+        </p:sp>
+        <p:sp>
+          <p:nvSpPr>
+            <p:cNvPr id="47" name="Freeform 42"/>
+            <p:cNvSpPr>
+              <a:spLocks noEditPoints="1"/>
+            </p:cNvSpPr>
+            <p:nvPr>
+              <p:extLst>
+                <p:ext uri="{386F3935-93C4-4BCD-93E2-E3B085C9AB24}">
+                  <p16:designElem xmlns:p16="http://schemas.microsoft.com/office/powerpoint/2015/main" val="1"/>
+                </p:ext>
+              </p:extLst>
+            </p:nvPr>
+          </p:nvSpPr>
+          <p:spPr bwMode="auto">
+            <a:xfrm>
+              <a:off x="238125" y="3883025"/>
+              <a:ext cx="109538" cy="109538"/>
+            </a:xfrm>
+            <a:custGeom>
+              <a:avLst/>
+              <a:gdLst/>
+              <a:ahLst/>
+              <a:cxnLst/>
+              <a:rect l="0" t="0" r="r" b="b"/>
+              <a:pathLst>
+                <a:path w="23" h="23">
+                  <a:moveTo>
+                    <a:pt x="11" y="23"/>
+                  </a:moveTo>
+                  <a:cubicBezTo>
+                    <a:pt x="5" y="23"/>
+                    <a:pt x="0" y="18"/>
+                    <a:pt x="0" y="12"/>
+                  </a:cubicBezTo>
+                  <a:cubicBezTo>
+                    <a:pt x="0" y="5"/>
+                    <a:pt x="5" y="0"/>
+                    <a:pt x="11" y="0"/>
+                  </a:cubicBezTo>
+                  <a:cubicBezTo>
+                    <a:pt x="17" y="0"/>
+                    <a:pt x="23" y="5"/>
+                    <a:pt x="23" y="12"/>
+                  </a:cubicBezTo>
+                  <a:cubicBezTo>
+                    <a:pt x="23" y="18"/>
+                    <a:pt x="17" y="23"/>
+                    <a:pt x="11" y="23"/>
+                  </a:cubicBezTo>
+                  <a:close/>
+                  <a:moveTo>
+                    <a:pt x="11" y="4"/>
+                  </a:moveTo>
+                  <a:cubicBezTo>
+                    <a:pt x="7" y="4"/>
+                    <a:pt x="4" y="8"/>
+                    <a:pt x="4" y="12"/>
+                  </a:cubicBezTo>
+                  <a:cubicBezTo>
+                    <a:pt x="4" y="16"/>
+                    <a:pt x="7" y="19"/>
+                    <a:pt x="11" y="19"/>
+                  </a:cubicBezTo>
+                  <a:cubicBezTo>
+                    <a:pt x="15" y="19"/>
+                    <a:pt x="19" y="16"/>
+                    <a:pt x="19" y="12"/>
+                  </a:cubicBezTo>
+                  <a:cubicBezTo>
+                    <a:pt x="19" y="8"/>
+                    <a:pt x="15" y="4"/>
+                    <a:pt x="11" y="4"/>
+                  </a:cubicBezTo>
+                  <a:close/>
+                </a:path>
+              </a:pathLst>
+            </a:custGeom>
+            <a:grpFill/>
+            <a:ln>
+              <a:noFill/>
+            </a:ln>
+            <a:extLst>
+              <a:ext uri="{91240B29-F687-4f45-9708-019B960494DF}">
+                <a14:hiddenLine xmlns:a14="http://schemas.microsoft.com/office/drawing/2010/main" xmlns="" w="9525">
+                  <a:solidFill>
+                    <a:srgbClr val="000000"/>
+                  </a:solidFill>
+                  <a:round/>
+                  <a:headEnd/>
+                  <a:tailEnd/>
+                </a14:hiddenLine>
+              </a:ext>
+            </a:extLst>
+          </p:spPr>
+        </p:sp>
+        <p:sp>
+          <p:nvSpPr>
+            <p:cNvPr id="48" name="Freeform 43"/>
+            <p:cNvSpPr/>
+            <p:nvPr>
+              <p:extLst>
+                <p:ext uri="{386F3935-93C4-4BCD-93E2-E3B085C9AB24}">
+                  <p16:designElem xmlns:p16="http://schemas.microsoft.com/office/powerpoint/2015/main" val="1"/>
+                </p:ext>
+              </p:extLst>
+            </p:nvPr>
+          </p:nvSpPr>
+          <p:spPr bwMode="auto">
+            <a:xfrm>
+              <a:off x="4763" y="2166938"/>
+              <a:ext cx="114300" cy="452438"/>
+            </a:xfrm>
+            <a:custGeom>
+              <a:avLst/>
+              <a:gdLst/>
+              <a:ahLst/>
+              <a:cxnLst/>
+              <a:rect l="0" t="0" r="r" b="b"/>
+              <a:pathLst>
+                <a:path w="72" h="285">
+                  <a:moveTo>
+                    <a:pt x="6" y="285"/>
+                  </a:moveTo>
+                  <a:lnTo>
+                    <a:pt x="0" y="276"/>
+                  </a:lnTo>
+                  <a:lnTo>
+                    <a:pt x="60" y="216"/>
+                  </a:lnTo>
+                  <a:lnTo>
+                    <a:pt x="60" y="0"/>
+                  </a:lnTo>
+                  <a:lnTo>
+                    <a:pt x="72" y="0"/>
+                  </a:lnTo>
+                  <a:lnTo>
+                    <a:pt x="72" y="222"/>
+                  </a:lnTo>
+                  <a:lnTo>
+                    <a:pt x="6" y="285"/>
+                  </a:lnTo>
+                  <a:close/>
+                </a:path>
+              </a:pathLst>
+            </a:custGeom>
+            <a:grpFill/>
+            <a:ln>
+              <a:noFill/>
+            </a:ln>
+            <a:extLst>
+              <a:ext uri="{91240B29-F687-4f45-9708-019B960494DF}">
+                <a14:hiddenLine xmlns:a14="http://schemas.microsoft.com/office/drawing/2010/main" xmlns="" w="9525">
+                  <a:solidFill>
+                    <a:srgbClr val="000000"/>
+                  </a:solidFill>
+                  <a:round/>
+                  <a:headEnd/>
+                  <a:tailEnd/>
+                </a14:hiddenLine>
+              </a:ext>
+            </a:extLst>
+          </p:spPr>
+        </p:sp>
+        <p:sp>
+          <p:nvSpPr>
+            <p:cNvPr id="49" name="Freeform 44"/>
+            <p:cNvSpPr>
+              <a:spLocks noEditPoints="1"/>
+            </p:cNvSpPr>
+            <p:nvPr>
+              <p:extLst>
+                <p:ext uri="{386F3935-93C4-4BCD-93E2-E3B085C9AB24}">
+                  <p16:designElem xmlns:p16="http://schemas.microsoft.com/office/powerpoint/2015/main" val="1"/>
+                </p:ext>
+              </p:extLst>
+            </p:nvPr>
+          </p:nvSpPr>
+          <p:spPr bwMode="auto">
+            <a:xfrm>
+              <a:off x="52388" y="2066925"/>
+              <a:ext cx="109538" cy="109538"/>
+            </a:xfrm>
+            <a:custGeom>
+              <a:avLst/>
+              <a:gdLst/>
+              <a:ahLst/>
+              <a:cxnLst/>
+              <a:rect l="0" t="0" r="r" b="b"/>
+              <a:pathLst>
+                <a:path w="23" h="23">
+                  <a:moveTo>
+                    <a:pt x="12" y="23"/>
+                  </a:moveTo>
+                  <a:cubicBezTo>
+                    <a:pt x="5" y="23"/>
+                    <a:pt x="0" y="18"/>
+                    <a:pt x="0" y="12"/>
+                  </a:cubicBezTo>
+                  <a:cubicBezTo>
+                    <a:pt x="0" y="5"/>
+                    <a:pt x="5" y="0"/>
+                    <a:pt x="12" y="0"/>
+                  </a:cubicBezTo>
+                  <a:cubicBezTo>
+                    <a:pt x="18" y="0"/>
+                    <a:pt x="23" y="5"/>
+                    <a:pt x="23" y="12"/>
+                  </a:cubicBezTo>
+                  <a:cubicBezTo>
+                    <a:pt x="23" y="18"/>
+                    <a:pt x="18" y="23"/>
+                    <a:pt x="12" y="23"/>
+                  </a:cubicBezTo>
+                  <a:close/>
+                  <a:moveTo>
+                    <a:pt x="12" y="4"/>
+                  </a:moveTo>
+                  <a:cubicBezTo>
+                    <a:pt x="8" y="4"/>
+                    <a:pt x="4" y="8"/>
+                    <a:pt x="4" y="12"/>
+                  </a:cubicBezTo>
+                  <a:cubicBezTo>
+                    <a:pt x="4" y="16"/>
+                    <a:pt x="8" y="19"/>
+                    <a:pt x="12" y="19"/>
+                  </a:cubicBezTo>
+                  <a:cubicBezTo>
+                    <a:pt x="16" y="19"/>
+                    <a:pt x="19" y="16"/>
+                    <a:pt x="19" y="12"/>
+                  </a:cubicBezTo>
+                  <a:cubicBezTo>
+                    <a:pt x="19" y="8"/>
+                    <a:pt x="16" y="4"/>
+                    <a:pt x="12" y="4"/>
+                  </a:cubicBezTo>
+                  <a:close/>
+                </a:path>
+              </a:pathLst>
+            </a:custGeom>
+            <a:grpFill/>
+            <a:ln>
+              <a:noFill/>
+            </a:ln>
+            <a:extLst>
+              <a:ext uri="{91240B29-F687-4f45-9708-019B960494DF}">
+                <a14:hiddenLine xmlns:a14="http://schemas.microsoft.com/office/drawing/2010/main" xmlns="" w="9525">
+                  <a:solidFill>
+                    <a:srgbClr val="000000"/>
+                  </a:solidFill>
+                  <a:round/>
+                  <a:headEnd/>
+                  <a:tailEnd/>
+                </a14:hiddenLine>
+              </a:ext>
+            </a:extLst>
+          </p:spPr>
+        </p:sp>
+        <p:sp>
+          <p:nvSpPr>
+            <p:cNvPr id="50" name="Rectangle 49"/>
+            <p:cNvSpPr>
+              <a:spLocks noChangeArrowheads="1"/>
+            </p:cNvSpPr>
+            <p:nvPr>
+              <p:extLst>
+                <p:ext uri="{386F3935-93C4-4BCD-93E2-E3B085C9AB24}">
+                  <p16:designElem xmlns:p16="http://schemas.microsoft.com/office/powerpoint/2015/main" val="1"/>
+                </p:ext>
+              </p:extLst>
+            </p:nvPr>
+          </p:nvSpPr>
+          <p:spPr bwMode="auto">
+            <a:xfrm>
+              <a:off x="1228725" y="4662488"/>
+              <a:ext cx="23813" cy="2181225"/>
+            </a:xfrm>
+            <a:prstGeom prst="rect">
+              <a:avLst/>
+            </a:prstGeom>
+            <a:grpFill/>
+            <a:ln>
+              <a:noFill/>
+            </a:ln>
+            <a:extLst>
+              <a:ext uri="{91240B29-F687-4f45-9708-019B960494DF}">
+                <a14:hiddenLine xmlns:a14="http://schemas.microsoft.com/office/drawing/2010/main" xmlns="" w="9525">
+                  <a:solidFill>
+                    <a:srgbClr val="000000"/>
+                  </a:solidFill>
+                  <a:miter lim="800000"/>
+                  <a:headEnd/>
+                  <a:tailEnd/>
+                </a14:hiddenLine>
+              </a:ext>
+            </a:extLst>
+          </p:spPr>
+        </p:sp>
+        <p:sp>
+          <p:nvSpPr>
+            <p:cNvPr id="51" name="Freeform 46"/>
+            <p:cNvSpPr/>
+            <p:nvPr>
+              <p:extLst>
+                <p:ext uri="{386F3935-93C4-4BCD-93E2-E3B085C9AB24}">
+                  <p16:designElem xmlns:p16="http://schemas.microsoft.com/office/powerpoint/2015/main" val="1"/>
+                </p:ext>
+              </p:extLst>
+            </p:nvPr>
+          </p:nvSpPr>
+          <p:spPr bwMode="auto">
+            <a:xfrm>
+              <a:off x="1319213" y="5041900"/>
+              <a:ext cx="371475" cy="1801813"/>
+            </a:xfrm>
+            <a:custGeom>
+              <a:avLst/>
+              <a:gdLst/>
+              <a:ahLst/>
+              <a:cxnLst/>
+              <a:rect l="0" t="0" r="r" b="b"/>
+              <a:pathLst>
+                <a:path w="234" h="1135">
+                  <a:moveTo>
+                    <a:pt x="15" y="1135"/>
+                  </a:moveTo>
+                  <a:lnTo>
+                    <a:pt x="0" y="1135"/>
+                  </a:lnTo>
+                  <a:lnTo>
+                    <a:pt x="0" y="515"/>
+                  </a:lnTo>
+                  <a:lnTo>
+                    <a:pt x="0" y="512"/>
+                  </a:lnTo>
+                  <a:lnTo>
+                    <a:pt x="219" y="0"/>
+                  </a:lnTo>
+                  <a:lnTo>
+                    <a:pt x="234" y="6"/>
+                  </a:lnTo>
+                  <a:lnTo>
+                    <a:pt x="15" y="518"/>
+                  </a:lnTo>
+                  <a:lnTo>
+                    <a:pt x="15" y="1135"/>
+                  </a:lnTo>
+                  <a:close/>
+                </a:path>
+              </a:pathLst>
+            </a:custGeom>
+            <a:grpFill/>
+            <a:ln>
+              <a:noFill/>
+            </a:ln>
+            <a:extLst>
+              <a:ext uri="{91240B29-F687-4f45-9708-019B960494DF}">
+                <a14:hiddenLine xmlns:a14="http://schemas.microsoft.com/office/drawing/2010/main" xmlns="" w="9525">
+                  <a:solidFill>
+                    <a:srgbClr val="000000"/>
+                  </a:solidFill>
+                  <a:round/>
+                  <a:headEnd/>
+                  <a:tailEnd/>
+                </a14:hiddenLine>
+              </a:ext>
+            </a:extLst>
+          </p:spPr>
+        </p:sp>
+        <p:sp>
+          <p:nvSpPr>
+            <p:cNvPr id="52" name="Freeform 47"/>
+            <p:cNvSpPr>
+              <a:spLocks noEditPoints="1"/>
+            </p:cNvSpPr>
+            <p:nvPr>
+              <p:extLst>
+                <p:ext uri="{386F3935-93C4-4BCD-93E2-E3B085C9AB24}">
+                  <p16:designElem xmlns:p16="http://schemas.microsoft.com/office/powerpoint/2015/main" val="1"/>
+                </p:ext>
+              </p:extLst>
+            </p:nvPr>
+          </p:nvSpPr>
+          <p:spPr bwMode="auto">
+            <a:xfrm>
+              <a:off x="1147763" y="4481513"/>
+              <a:ext cx="190500" cy="190500"/>
+            </a:xfrm>
+            <a:custGeom>
+              <a:avLst/>
+              <a:gdLst/>
+              <a:ahLst/>
+              <a:cxnLst/>
+              <a:rect l="0" t="0" r="r" b="b"/>
+              <a:pathLst>
+                <a:path w="40" h="40">
+                  <a:moveTo>
+                    <a:pt x="20" y="40"/>
+                  </a:moveTo>
+                  <a:cubicBezTo>
+                    <a:pt x="9" y="40"/>
+                    <a:pt x="0" y="31"/>
+                    <a:pt x="0" y="20"/>
+                  </a:cubicBezTo>
+                  <a:cubicBezTo>
+                    <a:pt x="0" y="9"/>
+                    <a:pt x="9" y="0"/>
+                    <a:pt x="20" y="0"/>
+                  </a:cubicBezTo>
+                  <a:cubicBezTo>
+                    <a:pt x="31" y="0"/>
+                    <a:pt x="40" y="9"/>
+                    <a:pt x="40" y="20"/>
+                  </a:cubicBezTo>
+                  <a:cubicBezTo>
+                    <a:pt x="40" y="31"/>
+                    <a:pt x="31" y="40"/>
+                    <a:pt x="20" y="40"/>
+                  </a:cubicBezTo>
+                  <a:close/>
+                  <a:moveTo>
+                    <a:pt x="20" y="4"/>
+                  </a:moveTo>
+                  <a:cubicBezTo>
+                    <a:pt x="11" y="4"/>
+                    <a:pt x="4" y="11"/>
+                    <a:pt x="4" y="20"/>
+                  </a:cubicBezTo>
+                  <a:cubicBezTo>
+                    <a:pt x="4" y="29"/>
+                    <a:pt x="11" y="36"/>
+                    <a:pt x="20" y="36"/>
+                  </a:cubicBezTo>
+                  <a:cubicBezTo>
+                    <a:pt x="28" y="36"/>
+                    <a:pt x="36" y="29"/>
+                    <a:pt x="36" y="20"/>
+                  </a:cubicBezTo>
+                  <a:cubicBezTo>
+                    <a:pt x="36" y="11"/>
+                    <a:pt x="28" y="4"/>
+                    <a:pt x="20" y="4"/>
+                  </a:cubicBezTo>
+                  <a:close/>
+                </a:path>
+              </a:pathLst>
+            </a:custGeom>
+            <a:grpFill/>
+            <a:ln>
+              <a:noFill/>
+            </a:ln>
+            <a:extLst>
+              <a:ext uri="{91240B29-F687-4f45-9708-019B960494DF}">
+                <a14:hiddenLine xmlns:a14="http://schemas.microsoft.com/office/drawing/2010/main" xmlns="" w="9525">
+                  <a:solidFill>
+                    <a:srgbClr val="000000"/>
+                  </a:solidFill>
+                  <a:round/>
+                  <a:headEnd/>
+                  <a:tailEnd/>
+                </a14:hiddenLine>
+              </a:ext>
+            </a:extLst>
+          </p:spPr>
+        </p:sp>
+        <p:sp>
+          <p:nvSpPr>
+            <p:cNvPr id="53" name="Freeform 48"/>
+            <p:cNvSpPr/>
+            <p:nvPr>
+              <p:extLst>
+                <p:ext uri="{386F3935-93C4-4BCD-93E2-E3B085C9AB24}">
+                  <p16:designElem xmlns:p16="http://schemas.microsoft.com/office/powerpoint/2015/main" val="1"/>
+                </p:ext>
+              </p:extLst>
+            </p:nvPr>
+          </p:nvSpPr>
+          <p:spPr bwMode="auto">
+            <a:xfrm>
+              <a:off x="819150" y="3983038"/>
+              <a:ext cx="347663" cy="2860675"/>
+            </a:xfrm>
+            <a:custGeom>
+              <a:avLst/>
+              <a:gdLst/>
+              <a:ahLst/>
+              <a:cxnLst/>
+              <a:rect l="0" t="0" r="r" b="b"/>
+              <a:pathLst>
+                <a:path w="219" h="1802">
+                  <a:moveTo>
+                    <a:pt x="219" y="1802"/>
+                  </a:moveTo>
+                  <a:lnTo>
+                    <a:pt x="201" y="1802"/>
+                  </a:lnTo>
+                  <a:lnTo>
+                    <a:pt x="201" y="1185"/>
+                  </a:lnTo>
+                  <a:lnTo>
+                    <a:pt x="0" y="3"/>
+                  </a:lnTo>
+                  <a:lnTo>
+                    <a:pt x="15" y="0"/>
+                  </a:lnTo>
+                  <a:lnTo>
+                    <a:pt x="219" y="1185"/>
+                  </a:lnTo>
+                  <a:lnTo>
+                    <a:pt x="219" y="1802"/>
+                  </a:lnTo>
+                  <a:close/>
+                </a:path>
+              </a:pathLst>
+            </a:custGeom>
+            <a:grpFill/>
+            <a:ln>
+              <a:noFill/>
+            </a:ln>
+            <a:extLst>
+              <a:ext uri="{91240B29-F687-4f45-9708-019B960494DF}">
+                <a14:hiddenLine xmlns:a14="http://schemas.microsoft.com/office/drawing/2010/main" xmlns="" w="9525">
+                  <a:solidFill>
+                    <a:srgbClr val="000000"/>
+                  </a:solidFill>
+                  <a:round/>
+                  <a:headEnd/>
+                  <a:tailEnd/>
+                </a14:hiddenLine>
+              </a:ext>
+            </a:extLst>
+          </p:spPr>
+        </p:sp>
+        <p:sp>
+          <p:nvSpPr>
+            <p:cNvPr id="54" name="Freeform 49"/>
+            <p:cNvSpPr>
+              <a:spLocks noEditPoints="1"/>
+            </p:cNvSpPr>
+            <p:nvPr>
+              <p:extLst>
+                <p:ext uri="{386F3935-93C4-4BCD-93E2-E3B085C9AB24}">
+                  <p16:designElem xmlns:p16="http://schemas.microsoft.com/office/powerpoint/2015/main" val="1"/>
+                </p:ext>
+              </p:extLst>
+            </p:nvPr>
+          </p:nvSpPr>
+          <p:spPr bwMode="auto">
+            <a:xfrm>
+              <a:off x="728663" y="3806825"/>
+              <a:ext cx="190500" cy="190500"/>
+            </a:xfrm>
+            <a:custGeom>
+              <a:avLst/>
+              <a:gdLst/>
+              <a:ahLst/>
+              <a:cxnLst/>
+              <a:rect l="0" t="0" r="r" b="b"/>
+              <a:pathLst>
+                <a:path w="40" h="40">
+                  <a:moveTo>
+                    <a:pt x="20" y="40"/>
+                  </a:moveTo>
+                  <a:cubicBezTo>
+                    <a:pt x="9" y="40"/>
+                    <a:pt x="0" y="31"/>
+                    <a:pt x="0" y="20"/>
+                  </a:cubicBezTo>
+                  <a:cubicBezTo>
+                    <a:pt x="0" y="9"/>
+                    <a:pt x="9" y="0"/>
+                    <a:pt x="20" y="0"/>
+                  </a:cubicBezTo>
+                  <a:cubicBezTo>
+                    <a:pt x="31" y="0"/>
+                    <a:pt x="40" y="9"/>
+                    <a:pt x="40" y="20"/>
+                  </a:cubicBezTo>
+                  <a:cubicBezTo>
+                    <a:pt x="40" y="31"/>
+                    <a:pt x="31" y="40"/>
+                    <a:pt x="20" y="40"/>
+                  </a:cubicBezTo>
+                  <a:close/>
+                  <a:moveTo>
+                    <a:pt x="20" y="4"/>
+                  </a:moveTo>
+                  <a:cubicBezTo>
+                    <a:pt x="11" y="4"/>
+                    <a:pt x="4" y="11"/>
+                    <a:pt x="4" y="20"/>
+                  </a:cubicBezTo>
+                  <a:cubicBezTo>
+                    <a:pt x="4" y="28"/>
+                    <a:pt x="11" y="36"/>
+                    <a:pt x="20" y="36"/>
+                  </a:cubicBezTo>
+                  <a:cubicBezTo>
+                    <a:pt x="29" y="36"/>
+                    <a:pt x="36" y="28"/>
+                    <a:pt x="36" y="20"/>
+                  </a:cubicBezTo>
+                  <a:cubicBezTo>
+                    <a:pt x="36" y="11"/>
+                    <a:pt x="29" y="4"/>
+                    <a:pt x="20" y="4"/>
+                  </a:cubicBezTo>
+                  <a:close/>
+                </a:path>
+              </a:pathLst>
+            </a:custGeom>
+            <a:grpFill/>
+            <a:ln>
+              <a:noFill/>
+            </a:ln>
+            <a:extLst>
+              <a:ext uri="{91240B29-F687-4f45-9708-019B960494DF}">
+                <a14:hiddenLine xmlns:a14="http://schemas.microsoft.com/office/drawing/2010/main" xmlns="" w="9525">
+                  <a:solidFill>
+                    <a:srgbClr val="000000"/>
+                  </a:solidFill>
+                  <a:round/>
+                  <a:headEnd/>
+                  <a:tailEnd/>
+                </a14:hiddenLine>
+              </a:ext>
+            </a:extLst>
+          </p:spPr>
+        </p:sp>
+        <p:sp>
+          <p:nvSpPr>
+            <p:cNvPr id="55" name="Freeform 50"/>
+            <p:cNvSpPr>
+              <a:spLocks noEditPoints="1"/>
+            </p:cNvSpPr>
+            <p:nvPr>
+              <p:extLst>
+                <p:ext uri="{386F3935-93C4-4BCD-93E2-E3B085C9AB24}">
+                  <p16:designElem xmlns:p16="http://schemas.microsoft.com/office/powerpoint/2015/main" val="1"/>
+                </p:ext>
+              </p:extLst>
+            </p:nvPr>
+          </p:nvSpPr>
+          <p:spPr bwMode="auto">
+            <a:xfrm>
+              <a:off x="1624013" y="4867275"/>
+              <a:ext cx="190500" cy="188913"/>
+            </a:xfrm>
+            <a:custGeom>
+              <a:avLst/>
+              <a:gdLst/>
+              <a:ahLst/>
+              <a:cxnLst/>
+              <a:rect l="0" t="0" r="r" b="b"/>
+              <a:pathLst>
+                <a:path w="40" h="40">
+                  <a:moveTo>
+                    <a:pt x="20" y="40"/>
+                  </a:moveTo>
+                  <a:cubicBezTo>
+                    <a:pt x="9" y="40"/>
+                    <a:pt x="0" y="31"/>
+                    <a:pt x="0" y="20"/>
+                  </a:cubicBezTo>
+                  <a:cubicBezTo>
+                    <a:pt x="0" y="9"/>
+                    <a:pt x="9" y="0"/>
+                    <a:pt x="20" y="0"/>
+                  </a:cubicBezTo>
+                  <a:cubicBezTo>
+                    <a:pt x="31" y="0"/>
+                    <a:pt x="40" y="9"/>
+                    <a:pt x="40" y="20"/>
+                  </a:cubicBezTo>
+                  <a:cubicBezTo>
+                    <a:pt x="40" y="31"/>
+                    <a:pt x="31" y="40"/>
+                    <a:pt x="20" y="40"/>
+                  </a:cubicBezTo>
+                  <a:close/>
+                  <a:moveTo>
+                    <a:pt x="20" y="4"/>
+                  </a:moveTo>
+                  <a:cubicBezTo>
+                    <a:pt x="11" y="4"/>
+                    <a:pt x="4" y="11"/>
+                    <a:pt x="4" y="20"/>
+                  </a:cubicBezTo>
+                  <a:cubicBezTo>
+                    <a:pt x="4" y="29"/>
+                    <a:pt x="11" y="36"/>
+                    <a:pt x="20" y="36"/>
+                  </a:cubicBezTo>
+                  <a:cubicBezTo>
+                    <a:pt x="28" y="36"/>
+                    <a:pt x="36" y="29"/>
+                    <a:pt x="36" y="20"/>
+                  </a:cubicBezTo>
+                  <a:cubicBezTo>
+                    <a:pt x="36" y="11"/>
+                    <a:pt x="28" y="4"/>
+                    <a:pt x="20" y="4"/>
+                  </a:cubicBezTo>
+                  <a:close/>
+                </a:path>
+              </a:pathLst>
+            </a:custGeom>
+            <a:grpFill/>
+            <a:ln>
+              <a:noFill/>
+            </a:ln>
+            <a:extLst>
+              <a:ext uri="{91240B29-F687-4f45-9708-019B960494DF}">
+                <a14:hiddenLine xmlns:a14="http://schemas.microsoft.com/office/drawing/2010/main" xmlns="" w="9525">
+                  <a:solidFill>
+                    <a:srgbClr val="000000"/>
+                  </a:solidFill>
+                  <a:round/>
+                  <a:headEnd/>
+                  <a:tailEnd/>
+                </a14:hiddenLine>
+              </a:ext>
+            </a:extLst>
+          </p:spPr>
+        </p:sp>
+        <p:sp>
+          <p:nvSpPr>
+            <p:cNvPr id="56" name="Freeform 51"/>
+            <p:cNvSpPr/>
+            <p:nvPr>
+              <p:extLst>
+                <p:ext uri="{386F3935-93C4-4BCD-93E2-E3B085C9AB24}">
+                  <p16:designElem xmlns:p16="http://schemas.microsoft.com/office/powerpoint/2015/main" val="1"/>
+                </p:ext>
+              </p:extLst>
+            </p:nvPr>
+          </p:nvSpPr>
+          <p:spPr bwMode="auto">
+            <a:xfrm>
+              <a:off x="1404938" y="5422900"/>
+              <a:ext cx="371475" cy="1425575"/>
+            </a:xfrm>
+            <a:custGeom>
+              <a:avLst/>
+              <a:gdLst/>
+              <a:ahLst/>
+              <a:cxnLst/>
+              <a:rect l="0" t="0" r="r" b="b"/>
+              <a:pathLst>
+                <a:path w="234" h="898">
+                  <a:moveTo>
+                    <a:pt x="18" y="898"/>
+                  </a:moveTo>
+                  <a:lnTo>
+                    <a:pt x="0" y="898"/>
+                  </a:lnTo>
+                  <a:lnTo>
+                    <a:pt x="0" y="515"/>
+                  </a:lnTo>
+                  <a:lnTo>
+                    <a:pt x="0" y="512"/>
+                  </a:lnTo>
+                  <a:lnTo>
+                    <a:pt x="222" y="0"/>
+                  </a:lnTo>
+                  <a:lnTo>
+                    <a:pt x="234" y="6"/>
+                  </a:lnTo>
+                  <a:lnTo>
+                    <a:pt x="18" y="518"/>
+                  </a:lnTo>
+                  <a:lnTo>
+                    <a:pt x="18" y="898"/>
+                  </a:lnTo>
+                  <a:close/>
+                </a:path>
+              </a:pathLst>
+            </a:custGeom>
+            <a:grpFill/>
+            <a:ln>
+              <a:noFill/>
+            </a:ln>
+            <a:extLst>
+              <a:ext uri="{91240B29-F687-4f45-9708-019B960494DF}">
+                <a14:hiddenLine xmlns:a14="http://schemas.microsoft.com/office/drawing/2010/main" xmlns="" w="9525">
+                  <a:solidFill>
+                    <a:srgbClr val="000000"/>
+                  </a:solidFill>
+                  <a:round/>
+                  <a:headEnd/>
+                  <a:tailEnd/>
+                </a14:hiddenLine>
+              </a:ext>
+            </a:extLst>
+          </p:spPr>
+        </p:sp>
+        <p:sp>
+          <p:nvSpPr>
+            <p:cNvPr id="57" name="Freeform 52"/>
+            <p:cNvSpPr/>
+            <p:nvPr>
+              <p:extLst>
+                <p:ext uri="{386F3935-93C4-4BCD-93E2-E3B085C9AB24}">
+                  <p16:designElem xmlns:p16="http://schemas.microsoft.com/office/powerpoint/2015/main" val="1"/>
+                </p:ext>
+              </p:extLst>
+            </p:nvPr>
+          </p:nvSpPr>
+          <p:spPr bwMode="auto">
+            <a:xfrm>
+              <a:off x="1666875" y="5945188"/>
+              <a:ext cx="152400" cy="912813"/>
+            </a:xfrm>
+            <a:custGeom>
+              <a:avLst/>
+              <a:gdLst/>
+              <a:ahLst/>
+              <a:cxnLst/>
+              <a:rect l="0" t="0" r="r" b="b"/>
+              <a:pathLst>
+                <a:path w="96" h="575">
+                  <a:moveTo>
+                    <a:pt x="15" y="575"/>
+                  </a:moveTo>
+                  <a:lnTo>
+                    <a:pt x="0" y="569"/>
+                  </a:lnTo>
+                  <a:lnTo>
+                    <a:pt x="81" y="383"/>
+                  </a:lnTo>
+                  <a:lnTo>
+                    <a:pt x="81" y="0"/>
+                  </a:lnTo>
+                  <a:lnTo>
+                    <a:pt x="96" y="0"/>
+                  </a:lnTo>
+                  <a:lnTo>
+                    <a:pt x="96" y="386"/>
+                  </a:lnTo>
+                  <a:lnTo>
+                    <a:pt x="15" y="575"/>
+                  </a:lnTo>
+                  <a:close/>
+                </a:path>
+              </a:pathLst>
+            </a:custGeom>
+            <a:grpFill/>
+            <a:ln>
+              <a:noFill/>
+            </a:ln>
+            <a:extLst>
+              <a:ext uri="{91240B29-F687-4f45-9708-019B960494DF}">
+                <a14:hiddenLine xmlns:a14="http://schemas.microsoft.com/office/drawing/2010/main" xmlns="" w="9525">
+                  <a:solidFill>
+                    <a:srgbClr val="000000"/>
+                  </a:solidFill>
+                  <a:round/>
+                  <a:headEnd/>
+                  <a:tailEnd/>
+                </a14:hiddenLine>
+              </a:ext>
+            </a:extLst>
+          </p:spPr>
+        </p:sp>
+        <p:sp>
+          <p:nvSpPr>
+            <p:cNvPr id="58" name="Freeform 53"/>
+            <p:cNvSpPr>
+              <a:spLocks noEditPoints="1"/>
+            </p:cNvSpPr>
+            <p:nvPr>
+              <p:extLst>
+                <p:ext uri="{386F3935-93C4-4BCD-93E2-E3B085C9AB24}">
+                  <p16:designElem xmlns:p16="http://schemas.microsoft.com/office/powerpoint/2015/main" val="1"/>
+                </p:ext>
+              </p:extLst>
+            </p:nvPr>
+          </p:nvSpPr>
+          <p:spPr bwMode="auto">
+            <a:xfrm>
+              <a:off x="1709738" y="5246688"/>
+              <a:ext cx="190500" cy="190500"/>
+            </a:xfrm>
+            <a:custGeom>
+              <a:avLst/>
+              <a:gdLst/>
+              <a:ahLst/>
+              <a:cxnLst/>
+              <a:rect l="0" t="0" r="r" b="b"/>
+              <a:pathLst>
+                <a:path w="40" h="40">
+                  <a:moveTo>
+                    <a:pt x="20" y="40"/>
+                  </a:moveTo>
+                  <a:cubicBezTo>
+                    <a:pt x="9" y="40"/>
+                    <a:pt x="0" y="31"/>
+                    <a:pt x="0" y="20"/>
+                  </a:cubicBezTo>
+                  <a:cubicBezTo>
+                    <a:pt x="0" y="9"/>
+                    <a:pt x="9" y="0"/>
+                    <a:pt x="20" y="0"/>
+                  </a:cubicBezTo>
+                  <a:cubicBezTo>
+                    <a:pt x="31" y="0"/>
+                    <a:pt x="40" y="9"/>
+                    <a:pt x="40" y="20"/>
+                  </a:cubicBezTo>
+                  <a:cubicBezTo>
+                    <a:pt x="40" y="31"/>
+                    <a:pt x="31" y="40"/>
+                    <a:pt x="20" y="40"/>
+                  </a:cubicBezTo>
+                  <a:close/>
+                  <a:moveTo>
+                    <a:pt x="20" y="4"/>
+                  </a:moveTo>
+                  <a:cubicBezTo>
+                    <a:pt x="11" y="4"/>
+                    <a:pt x="4" y="11"/>
+                    <a:pt x="4" y="20"/>
+                  </a:cubicBezTo>
+                  <a:cubicBezTo>
+                    <a:pt x="4" y="29"/>
+                    <a:pt x="11" y="36"/>
+                    <a:pt x="20" y="36"/>
+                  </a:cubicBezTo>
+                  <a:cubicBezTo>
+                    <a:pt x="29" y="36"/>
+                    <a:pt x="36" y="29"/>
+                    <a:pt x="36" y="20"/>
+                  </a:cubicBezTo>
+                  <a:cubicBezTo>
+                    <a:pt x="36" y="11"/>
+                    <a:pt x="29" y="4"/>
+                    <a:pt x="20" y="4"/>
+                  </a:cubicBezTo>
+                  <a:close/>
+                </a:path>
+              </a:pathLst>
+            </a:custGeom>
+            <a:grpFill/>
+            <a:ln>
+              <a:noFill/>
+            </a:ln>
+            <a:extLst>
+              <a:ext uri="{91240B29-F687-4f45-9708-019B960494DF}">
+                <a14:hiddenLine xmlns:a14="http://schemas.microsoft.com/office/drawing/2010/main" xmlns="" w="9525">
+                  <a:solidFill>
+                    <a:srgbClr val="000000"/>
+                  </a:solidFill>
+                  <a:round/>
+                  <a:headEnd/>
+                  <a:tailEnd/>
+                </a14:hiddenLine>
+              </a:ext>
+            </a:extLst>
+          </p:spPr>
+        </p:sp>
+        <p:sp>
+          <p:nvSpPr>
+            <p:cNvPr id="59" name="Freeform 54"/>
+            <p:cNvSpPr>
+              <a:spLocks noEditPoints="1"/>
+            </p:cNvSpPr>
+            <p:nvPr>
+              <p:extLst>
+                <p:ext uri="{386F3935-93C4-4BCD-93E2-E3B085C9AB24}">
+                  <p16:designElem xmlns:p16="http://schemas.microsoft.com/office/powerpoint/2015/main" val="1"/>
+                </p:ext>
+              </p:extLst>
+            </p:nvPr>
+          </p:nvSpPr>
+          <p:spPr bwMode="auto">
+            <a:xfrm>
+              <a:off x="1709738" y="5764213"/>
+              <a:ext cx="190500" cy="190500"/>
+            </a:xfrm>
+            <a:custGeom>
+              <a:avLst/>
+              <a:gdLst/>
+              <a:ahLst/>
+              <a:cxnLst/>
+              <a:rect l="0" t="0" r="r" b="b"/>
+              <a:pathLst>
+                <a:path w="40" h="40">
+                  <a:moveTo>
+                    <a:pt x="20" y="40"/>
+                  </a:moveTo>
+                  <a:cubicBezTo>
+                    <a:pt x="9" y="40"/>
+                    <a:pt x="0" y="31"/>
+                    <a:pt x="0" y="20"/>
+                  </a:cubicBezTo>
+                  <a:cubicBezTo>
+                    <a:pt x="0" y="9"/>
+                    <a:pt x="9" y="0"/>
+                    <a:pt x="20" y="0"/>
+                  </a:cubicBezTo>
+                  <a:cubicBezTo>
+                    <a:pt x="31" y="0"/>
+                    <a:pt x="40" y="9"/>
+                    <a:pt x="40" y="20"/>
+                  </a:cubicBezTo>
+                  <a:cubicBezTo>
+                    <a:pt x="40" y="31"/>
+                    <a:pt x="31" y="40"/>
+                    <a:pt x="20" y="40"/>
+                  </a:cubicBezTo>
+                  <a:close/>
+                  <a:moveTo>
+                    <a:pt x="20" y="4"/>
+                  </a:moveTo>
+                  <a:cubicBezTo>
+                    <a:pt x="11" y="4"/>
+                    <a:pt x="4" y="11"/>
+                    <a:pt x="4" y="20"/>
+                  </a:cubicBezTo>
+                  <a:cubicBezTo>
+                    <a:pt x="4" y="29"/>
+                    <a:pt x="11" y="36"/>
+                    <a:pt x="20" y="36"/>
+                  </a:cubicBezTo>
+                  <a:cubicBezTo>
+                    <a:pt x="29" y="36"/>
+                    <a:pt x="36" y="29"/>
+                    <a:pt x="36" y="20"/>
+                  </a:cubicBezTo>
+                  <a:cubicBezTo>
+                    <a:pt x="36" y="11"/>
+                    <a:pt x="29" y="4"/>
+                    <a:pt x="20" y="4"/>
+                  </a:cubicBezTo>
+                  <a:close/>
+                </a:path>
+              </a:pathLst>
+            </a:custGeom>
+            <a:grpFill/>
+            <a:ln>
+              <a:noFill/>
+            </a:ln>
+            <a:extLst>
+              <a:ext uri="{91240B29-F687-4f45-9708-019B960494DF}">
+                <a14:hiddenLine xmlns:a14="http://schemas.microsoft.com/office/drawing/2010/main" xmlns="" w="9525">
+                  <a:solidFill>
+                    <a:srgbClr val="000000"/>
+                  </a:solidFill>
+                  <a:round/>
+                  <a:headEnd/>
+                  <a:tailEnd/>
+                </a14:hiddenLine>
+              </a:ext>
+            </a:extLst>
+          </p:spPr>
+        </p:sp>
+        <p:sp>
+          <p:nvSpPr>
+            <p:cNvPr id="60" name="Freeform 55"/>
+            <p:cNvSpPr/>
+            <p:nvPr>
+              <p:extLst>
+                <p:ext uri="{386F3935-93C4-4BCD-93E2-E3B085C9AB24}">
+                  <p16:designElem xmlns:p16="http://schemas.microsoft.com/office/powerpoint/2015/main" val="1"/>
+                </p:ext>
+              </p:extLst>
+            </p:nvPr>
+          </p:nvSpPr>
+          <p:spPr bwMode="auto">
+            <a:xfrm>
+              <a:off x="1766888" y="6330950"/>
+              <a:ext cx="419100" cy="527050"/>
+            </a:xfrm>
+            <a:custGeom>
+              <a:avLst/>
+              <a:gdLst/>
+              <a:ahLst/>
+              <a:cxnLst/>
+              <a:rect l="0" t="0" r="r" b="b"/>
+              <a:pathLst>
+                <a:path w="264" h="332">
+                  <a:moveTo>
+                    <a:pt x="12" y="332"/>
+                  </a:moveTo>
+                  <a:lnTo>
+                    <a:pt x="0" y="326"/>
+                  </a:lnTo>
+                  <a:lnTo>
+                    <a:pt x="45" y="206"/>
+                  </a:lnTo>
+                  <a:lnTo>
+                    <a:pt x="255" y="0"/>
+                  </a:lnTo>
+                  <a:lnTo>
+                    <a:pt x="264" y="12"/>
+                  </a:lnTo>
+                  <a:lnTo>
+                    <a:pt x="60" y="215"/>
+                  </a:lnTo>
+                  <a:lnTo>
+                    <a:pt x="12" y="332"/>
+                  </a:lnTo>
+                  <a:close/>
+                </a:path>
+              </a:pathLst>
+            </a:custGeom>
+            <a:grpFill/>
+            <a:ln>
+              <a:noFill/>
+            </a:ln>
+            <a:extLst>
+              <a:ext uri="{91240B29-F687-4f45-9708-019B960494DF}">
+                <a14:hiddenLine xmlns:a14="http://schemas.microsoft.com/office/drawing/2010/main" xmlns="" w="9525">
+                  <a:solidFill>
+                    <a:srgbClr val="000000"/>
+                  </a:solidFill>
+                  <a:round/>
+                  <a:headEnd/>
+                  <a:tailEnd/>
+                </a14:hiddenLine>
+              </a:ext>
+            </a:extLst>
+          </p:spPr>
+        </p:sp>
+        <p:sp>
+          <p:nvSpPr>
+            <p:cNvPr id="61" name="Freeform 56"/>
+            <p:cNvSpPr>
+              <a:spLocks noEditPoints="1"/>
+            </p:cNvSpPr>
+            <p:nvPr>
+              <p:extLst>
+                <p:ext uri="{386F3935-93C4-4BCD-93E2-E3B085C9AB24}">
+                  <p16:designElem xmlns:p16="http://schemas.microsoft.com/office/powerpoint/2015/main" val="1"/>
+                </p:ext>
+              </p:extLst>
+            </p:nvPr>
+          </p:nvSpPr>
+          <p:spPr bwMode="auto">
+            <a:xfrm>
+              <a:off x="2147888" y="6221413"/>
+              <a:ext cx="157163" cy="147638"/>
+            </a:xfrm>
+            <a:custGeom>
+              <a:avLst/>
+              <a:gdLst/>
+              <a:ahLst/>
+              <a:cxnLst/>
+              <a:rect l="0" t="0" r="r" b="b"/>
+              <a:pathLst>
+                <a:path w="33" h="31">
+                  <a:moveTo>
+                    <a:pt x="16" y="31"/>
+                  </a:moveTo>
+                  <a:cubicBezTo>
+                    <a:pt x="12" y="31"/>
+                    <a:pt x="8" y="29"/>
+                    <a:pt x="5" y="26"/>
+                  </a:cubicBezTo>
+                  <a:cubicBezTo>
+                    <a:pt x="2" y="24"/>
+                    <a:pt x="0" y="20"/>
+                    <a:pt x="0" y="15"/>
+                  </a:cubicBezTo>
+                  <a:cubicBezTo>
+                    <a:pt x="0" y="11"/>
+                    <a:pt x="2" y="7"/>
+                    <a:pt x="5" y="4"/>
+                  </a:cubicBezTo>
+                  <a:cubicBezTo>
+                    <a:pt x="8" y="1"/>
+                    <a:pt x="12" y="0"/>
+                    <a:pt x="16" y="0"/>
+                  </a:cubicBezTo>
+                  <a:cubicBezTo>
+                    <a:pt x="20" y="0"/>
+                    <a:pt x="24" y="1"/>
+                    <a:pt x="27" y="4"/>
+                  </a:cubicBezTo>
+                  <a:cubicBezTo>
+                    <a:pt x="33" y="10"/>
+                    <a:pt x="33" y="20"/>
+                    <a:pt x="27" y="26"/>
+                  </a:cubicBezTo>
+                  <a:cubicBezTo>
+                    <a:pt x="24" y="29"/>
+                    <a:pt x="20" y="31"/>
+                    <a:pt x="16" y="31"/>
+                  </a:cubicBezTo>
+                  <a:close/>
+                  <a:moveTo>
+                    <a:pt x="16" y="4"/>
+                  </a:moveTo>
+                  <a:cubicBezTo>
+                    <a:pt x="13" y="4"/>
+                    <a:pt x="10" y="5"/>
+                    <a:pt x="8" y="7"/>
+                  </a:cubicBezTo>
+                  <a:cubicBezTo>
+                    <a:pt x="6" y="9"/>
+                    <a:pt x="4" y="12"/>
+                    <a:pt x="4" y="15"/>
+                  </a:cubicBezTo>
+                  <a:cubicBezTo>
+                    <a:pt x="4" y="19"/>
+                    <a:pt x="6" y="21"/>
+                    <a:pt x="8" y="24"/>
+                  </a:cubicBezTo>
+                  <a:cubicBezTo>
+                    <a:pt x="10" y="26"/>
+                    <a:pt x="13" y="27"/>
+                    <a:pt x="16" y="27"/>
+                  </a:cubicBezTo>
+                  <a:cubicBezTo>
+                    <a:pt x="19" y="27"/>
+                    <a:pt x="22" y="26"/>
+                    <a:pt x="24" y="24"/>
+                  </a:cubicBezTo>
+                  <a:cubicBezTo>
+                    <a:pt x="29" y="19"/>
+                    <a:pt x="29" y="12"/>
+                    <a:pt x="24" y="7"/>
+                  </a:cubicBezTo>
+                  <a:cubicBezTo>
+                    <a:pt x="22" y="5"/>
+                    <a:pt x="19" y="4"/>
+                    <a:pt x="16" y="4"/>
+                  </a:cubicBezTo>
+                  <a:close/>
+                </a:path>
+              </a:pathLst>
+            </a:custGeom>
+            <a:grpFill/>
+            <a:ln>
+              <a:noFill/>
+            </a:ln>
+            <a:extLst>
+              <a:ext uri="{91240B29-F687-4f45-9708-019B960494DF}">
+                <a14:hiddenLine xmlns:a14="http://schemas.microsoft.com/office/drawing/2010/main" xmlns="" w="9525">
+                  <a:solidFill>
+                    <a:srgbClr val="000000"/>
+                  </a:solidFill>
+                  <a:round/>
+                  <a:headEnd/>
+                  <a:tailEnd/>
+                </a14:hiddenLine>
+              </a:ext>
+            </a:extLst>
+          </p:spPr>
+        </p:sp>
+        <p:sp>
+          <p:nvSpPr>
+            <p:cNvPr id="62" name="Freeform 57"/>
+            <p:cNvSpPr/>
+            <p:nvPr>
+              <p:extLst>
+                <p:ext uri="{386F3935-93C4-4BCD-93E2-E3B085C9AB24}">
+                  <p16:designElem xmlns:p16="http://schemas.microsoft.com/office/powerpoint/2015/main" val="1"/>
+                </p:ext>
+              </p:extLst>
+            </p:nvPr>
+          </p:nvSpPr>
+          <p:spPr bwMode="auto">
+            <a:xfrm>
+              <a:off x="504825" y="9525"/>
+              <a:ext cx="233363" cy="5103813"/>
+            </a:xfrm>
+            <a:custGeom>
+              <a:avLst/>
+              <a:gdLst/>
+              <a:ahLst/>
+              <a:cxnLst/>
+              <a:rect l="0" t="0" r="r" b="b"/>
+              <a:pathLst>
+                <a:path w="147" h="3215">
+                  <a:moveTo>
+                    <a:pt x="132" y="3215"/>
+                  </a:moveTo>
+                  <a:lnTo>
+                    <a:pt x="129" y="2754"/>
+                  </a:lnTo>
+                  <a:lnTo>
+                    <a:pt x="0" y="1901"/>
+                  </a:lnTo>
+                  <a:lnTo>
+                    <a:pt x="0" y="0"/>
+                  </a:lnTo>
+                  <a:lnTo>
+                    <a:pt x="15" y="0"/>
+                  </a:lnTo>
+                  <a:lnTo>
+                    <a:pt x="15" y="1898"/>
+                  </a:lnTo>
+                  <a:lnTo>
+                    <a:pt x="144" y="2754"/>
+                  </a:lnTo>
+                  <a:lnTo>
+                    <a:pt x="147" y="3215"/>
+                  </a:lnTo>
+                  <a:lnTo>
+                    <a:pt x="132" y="3215"/>
+                  </a:lnTo>
+                  <a:close/>
+                </a:path>
+              </a:pathLst>
+            </a:custGeom>
+            <a:grpFill/>
+            <a:ln>
+              <a:noFill/>
+            </a:ln>
+            <a:extLst>
+              <a:ext uri="{91240B29-F687-4f45-9708-019B960494DF}">
+                <a14:hiddenLine xmlns:a14="http://schemas.microsoft.com/office/drawing/2010/main" xmlns="" w="9525">
+                  <a:solidFill>
+                    <a:srgbClr val="000000"/>
+                  </a:solidFill>
+                  <a:round/>
+                  <a:headEnd/>
+                  <a:tailEnd/>
+                </a14:hiddenLine>
+              </a:ext>
+            </a:extLst>
+          </p:spPr>
+        </p:sp>
+        <p:sp>
+          <p:nvSpPr>
+            <p:cNvPr id="63" name="Freeform 58"/>
+            <p:cNvSpPr>
+              <a:spLocks noEditPoints="1"/>
+            </p:cNvSpPr>
+            <p:nvPr>
+              <p:extLst>
+                <p:ext uri="{386F3935-93C4-4BCD-93E2-E3B085C9AB24}">
+                  <p16:designElem xmlns:p16="http://schemas.microsoft.com/office/powerpoint/2015/main" val="1"/>
+                </p:ext>
+              </p:extLst>
+            </p:nvPr>
+          </p:nvSpPr>
+          <p:spPr bwMode="auto">
+            <a:xfrm>
+              <a:off x="633413" y="5103813"/>
+              <a:ext cx="185738" cy="185738"/>
+            </a:xfrm>
+            <a:custGeom>
+              <a:avLst/>
+              <a:gdLst/>
+              <a:ahLst/>
+              <a:cxnLst/>
+              <a:rect l="0" t="0" r="r" b="b"/>
+              <a:pathLst>
+                <a:path w="39" h="39">
+                  <a:moveTo>
+                    <a:pt x="20" y="39"/>
+                  </a:moveTo>
+                  <a:cubicBezTo>
+                    <a:pt x="9" y="39"/>
+                    <a:pt x="0" y="30"/>
+                    <a:pt x="0" y="19"/>
+                  </a:cubicBezTo>
+                  <a:cubicBezTo>
+                    <a:pt x="0" y="9"/>
+                    <a:pt x="9" y="0"/>
+                    <a:pt x="20" y="0"/>
+                  </a:cubicBezTo>
+                  <a:cubicBezTo>
+                    <a:pt x="30" y="0"/>
+                    <a:pt x="39" y="9"/>
+                    <a:pt x="39" y="19"/>
+                  </a:cubicBezTo>
+                  <a:cubicBezTo>
+                    <a:pt x="39" y="30"/>
+                    <a:pt x="30" y="39"/>
+                    <a:pt x="20" y="39"/>
+                  </a:cubicBezTo>
+                  <a:close/>
+                  <a:moveTo>
+                    <a:pt x="20" y="4"/>
+                  </a:moveTo>
+                  <a:cubicBezTo>
+                    <a:pt x="11" y="4"/>
+                    <a:pt x="4" y="11"/>
+                    <a:pt x="4" y="19"/>
+                  </a:cubicBezTo>
+                  <a:cubicBezTo>
+                    <a:pt x="4" y="28"/>
+                    <a:pt x="11" y="35"/>
+                    <a:pt x="20" y="35"/>
+                  </a:cubicBezTo>
+                  <a:cubicBezTo>
+                    <a:pt x="28" y="35"/>
+                    <a:pt x="35" y="28"/>
+                    <a:pt x="35" y="19"/>
+                  </a:cubicBezTo>
+                  <a:cubicBezTo>
+                    <a:pt x="35" y="11"/>
+                    <a:pt x="28" y="4"/>
+                    <a:pt x="20" y="4"/>
+                  </a:cubicBezTo>
+                  <a:close/>
+                </a:path>
+              </a:pathLst>
+            </a:custGeom>
+            <a:grpFill/>
+            <a:ln>
+              <a:noFill/>
+            </a:ln>
+            <a:extLst>
+              <a:ext uri="{91240B29-F687-4f45-9708-019B960494DF}">
+                <a14:hiddenLine xmlns:a14="http://schemas.microsoft.com/office/drawing/2010/main" xmlns="" w="9525">
+                  <a:solidFill>
+                    <a:srgbClr val="000000"/>
+                  </a:solidFill>
+                  <a:round/>
+                  <a:headEnd/>
+                  <a:tailEnd/>
+                </a14:hiddenLine>
+              </a:ext>
+            </a:extLst>
+          </p:spPr>
+        </p:sp>
+      </p:grpSp>
       <p:sp>
         <p:nvSpPr>
           <p:cNvPr id="2" name="Title 1"/>
@@ -13471,55 +18370,119 @@
             <p:ph type="title"/>
           </p:nvPr>
         </p:nvSpPr>
-        <p:spPr/>
+        <p:spPr>
+          <a:xfrm>
+            <a:off x="7962519" y="618518"/>
+            <a:ext cx="3084891" cy="1478570"/>
+          </a:xfrm>
+        </p:spPr>
         <p:txBody>
-          <a:bodyPr/>
+          <a:bodyPr>
+            <a:normAutofit fontScale="90000"/>
+          </a:bodyPr>
           <a:lstStyle/>
           <a:p>
             <a:r>
-              <a:rPr lang="en-CA" dirty="0"/>
-              <a:t>Desktop/laptop platform</a:t>
-            </a:r>
-            <a:br>
-              <a:rPr lang="en-CA" dirty="0"/>
-            </a:br>
-            <a:r>
-              <a:rPr lang="en-CA" dirty="0"/>
-              <a:t>inventory manager view</a:t>
+              <a:rPr lang="en-CA" sz="3200" dirty="0"/>
+              <a:t>Quality Assurance : Unit &amp; integration test: </a:t>
             </a:r>
           </a:p>
         </p:txBody>
       </p:sp>
-      <p:pic>
-        <p:nvPicPr>
-          <p:cNvPr id="4" name="Content Placeholder 3"/>
-          <p:cNvPicPr>
-            <a:picLocks noGrp="1" noChangeAspect="1"/>
-          </p:cNvPicPr>
+      <p:sp>
+        <p:nvSpPr>
+          <p:cNvPr id="3" name="Content Placeholder 2"/>
+          <p:cNvSpPr>
+            <a:spLocks noGrp="1"/>
+          </p:cNvSpPr>
           <p:nvPr>
             <p:ph idx="1"/>
           </p:nvPr>
-        </p:nvPicPr>
-        <p:blipFill>
-          <a:blip r:embed="rId2"/>
-          <a:stretch>
-            <a:fillRect/>
-          </a:stretch>
-        </p:blipFill>
+        </p:nvSpPr>
         <p:spPr>
           <a:xfrm>
-            <a:off x="1536542" y="2097088"/>
-            <a:ext cx="9367996" cy="2559426"/>
+            <a:off x="7962519" y="2249487"/>
+            <a:ext cx="3084892" cy="3541714"/>
           </a:xfrm>
-          <a:prstGeom prst="rect">
-            <a:avLst/>
-          </a:prstGeom>
         </p:spPr>
-      </p:pic>
+        <p:txBody>
+          <a:bodyPr>
+            <a:normAutofit fontScale="92500" lnSpcReduction="10000"/>
+          </a:bodyPr>
+          <a:lstStyle/>
+          <a:p>
+            <a:pPr marL="0" indent="0">
+              <a:buNone/>
+            </a:pPr>
+            <a:r>
+              <a:rPr lang="en-CA" sz="1800" dirty="0"/>
+              <a:t>Java : Junit test:</a:t>
+            </a:r>
+          </a:p>
+          <a:p>
+            <a:pPr marL="0" indent="0">
+              <a:buNone/>
+            </a:pPr>
+            <a:r>
+              <a:rPr lang="en-CA" sz="1800" dirty="0"/>
+              <a:t>	- Controller </a:t>
+            </a:r>
+          </a:p>
+          <a:p>
+            <a:pPr marL="0" indent="0">
+              <a:buNone/>
+            </a:pPr>
+            <a:r>
+              <a:rPr lang="en-CA" sz="1800" dirty="0"/>
+              <a:t>	- Persistence</a:t>
+            </a:r>
+          </a:p>
+          <a:p>
+            <a:pPr marL="0" indent="0">
+              <a:buNone/>
+            </a:pPr>
+            <a:r>
+              <a:rPr lang="en-CA" sz="1800" dirty="0"/>
+              <a:t>Android: No unit test same as the JAVA portion</a:t>
+            </a:r>
+          </a:p>
+          <a:p>
+            <a:pPr marL="0" indent="0">
+              <a:buNone/>
+            </a:pPr>
+            <a:r>
+              <a:rPr lang="en-CA" sz="1800" dirty="0"/>
+              <a:t>PHP: PHP unit Test</a:t>
+            </a:r>
+          </a:p>
+          <a:p>
+            <a:pPr marL="0" indent="0">
+              <a:buNone/>
+            </a:pPr>
+            <a:endParaRPr lang="en-CA" sz="1800" dirty="0"/>
+          </a:p>
+          <a:p>
+            <a:pPr marL="0" indent="0">
+              <a:buNone/>
+            </a:pPr>
+            <a:r>
+              <a:rPr lang="en-CA" sz="1800" dirty="0"/>
+              <a:t>SYSTEM TESTING:</a:t>
+            </a:r>
+            <a:br>
+              <a:rPr lang="en-CA" sz="1800" dirty="0"/>
+            </a:br>
+            <a:r>
+              <a:rPr lang="en-CA" sz="1800" dirty="0"/>
+              <a:t>-Manual system testing  </a:t>
+            </a:r>
+          </a:p>
+        </p:txBody>
+      </p:sp>
     </p:spTree>
     <p:extLst>
       <p:ext uri="{BB962C8B-B14F-4D97-AF65-F5344CB8AC3E}">
-        <p14:creationId xmlns:p14="http://schemas.microsoft.com/office/powerpoint/2010/main" val="1239504360"/>
+        <p14:creationId xmlns:p14="http://schemas.microsoft.com/office/powerpoint/2010/main" val="1911921687"/>
       </p:ext>
     </p:extLst>
   </p:cSld>

--- a/ECSE321 presentation group 11 V2.pptx
+++ b/ECSE321 presentation group 11 V2.pptx
@@ -175,7 +175,7 @@
           <a:noFill/>
           <a:extLst>
             <a:ext uri="{909E8E84-426E-40dd-AFC4-6F175D3DCCD1}">
-              <a14:hiddenFill xmlns:a14="http://schemas.microsoft.com/office/drawing/2010/main" xmlns="">
+              <a14:hiddenFill xmlns="" xmlns:a14="http://schemas.microsoft.com/office/drawing/2010/main">
                 <a:solidFill>
                   <a:srgbClr val="FFFFFF"/>
                 </a:solidFill>
@@ -235,7 +235,7 @@
             </a:ln>
             <a:extLst>
               <a:ext uri="{91240B29-F687-4f45-9708-019B960494DF}">
-                <a14:hiddenLine xmlns:a14="http://schemas.microsoft.com/office/drawing/2010/main" xmlns="" w="9525">
+                <a14:hiddenLine xmlns="" xmlns:a14="http://schemas.microsoft.com/office/drawing/2010/main" w="9525">
                   <a:solidFill>
                     <a:srgbClr val="000000"/>
                   </a:solidFill>
@@ -325,7 +325,7 @@
             </a:ln>
             <a:extLst>
               <a:ext uri="{91240B29-F687-4f45-9708-019B960494DF}">
-                <a14:hiddenLine xmlns:a14="http://schemas.microsoft.com/office/drawing/2010/main" xmlns="" w="9525">
+                <a14:hiddenLine xmlns="" xmlns:a14="http://schemas.microsoft.com/office/drawing/2010/main" w="9525">
                   <a:solidFill>
                     <a:srgbClr val="000000"/>
                   </a:solidFill>
@@ -415,7 +415,7 @@
             </a:ln>
             <a:extLst>
               <a:ext uri="{91240B29-F687-4f45-9708-019B960494DF}">
-                <a14:hiddenLine xmlns:a14="http://schemas.microsoft.com/office/drawing/2010/main" xmlns="" w="9525">
+                <a14:hiddenLine xmlns="" xmlns:a14="http://schemas.microsoft.com/office/drawing/2010/main" w="9525">
                   <a:solidFill>
                     <a:srgbClr val="000000"/>
                   </a:solidFill>
@@ -449,7 +449,7 @@
             </a:ln>
             <a:extLst>
               <a:ext uri="{91240B29-F687-4f45-9708-019B960494DF}">
-                <a14:hiddenLine xmlns:a14="http://schemas.microsoft.com/office/drawing/2010/main" xmlns="" w="9525">
+                <a14:hiddenLine xmlns="" xmlns:a14="http://schemas.microsoft.com/office/drawing/2010/main" w="9525">
                   <a:solidFill>
                     <a:srgbClr val="000000"/>
                   </a:solidFill>
@@ -539,7 +539,7 @@
             </a:ln>
             <a:extLst>
               <a:ext uri="{91240B29-F687-4f45-9708-019B960494DF}">
-                <a14:hiddenLine xmlns:a14="http://schemas.microsoft.com/office/drawing/2010/main" xmlns="" w="9525">
+                <a14:hiddenLine xmlns="" xmlns:a14="http://schemas.microsoft.com/office/drawing/2010/main" w="9525">
                   <a:solidFill>
                     <a:srgbClr val="000000"/>
                   </a:solidFill>
@@ -601,7 +601,7 @@
             </a:ln>
             <a:extLst>
               <a:ext uri="{91240B29-F687-4f45-9708-019B960494DF}">
-                <a14:hiddenLine xmlns:a14="http://schemas.microsoft.com/office/drawing/2010/main" xmlns="" w="9525">
+                <a14:hiddenLine xmlns="" xmlns:a14="http://schemas.microsoft.com/office/drawing/2010/main" w="9525">
                   <a:solidFill>
                     <a:srgbClr val="000000"/>
                   </a:solidFill>
@@ -663,7 +663,7 @@
             </a:ln>
             <a:extLst>
               <a:ext uri="{91240B29-F687-4f45-9708-019B960494DF}">
-                <a14:hiddenLine xmlns:a14="http://schemas.microsoft.com/office/drawing/2010/main" xmlns="" w="9525">
+                <a14:hiddenLine xmlns="" xmlns:a14="http://schemas.microsoft.com/office/drawing/2010/main" w="9525">
                   <a:solidFill>
                     <a:srgbClr val="000000"/>
                   </a:solidFill>
@@ -753,7 +753,7 @@
             </a:ln>
             <a:extLst>
               <a:ext uri="{91240B29-F687-4f45-9708-019B960494DF}">
-                <a14:hiddenLine xmlns:a14="http://schemas.microsoft.com/office/drawing/2010/main" xmlns="" w="9525">
+                <a14:hiddenLine xmlns="" xmlns:a14="http://schemas.microsoft.com/office/drawing/2010/main" w="9525">
                   <a:solidFill>
                     <a:srgbClr val="000000"/>
                   </a:solidFill>
@@ -815,7 +815,7 @@
             </a:ln>
             <a:extLst>
               <a:ext uri="{91240B29-F687-4f45-9708-019B960494DF}">
-                <a14:hiddenLine xmlns:a14="http://schemas.microsoft.com/office/drawing/2010/main" xmlns="" w="9525">
+                <a14:hiddenLine xmlns="" xmlns:a14="http://schemas.microsoft.com/office/drawing/2010/main" w="9525">
                   <a:solidFill>
                     <a:srgbClr val="000000"/>
                   </a:solidFill>
@@ -877,7 +877,7 @@
             </a:ln>
             <a:extLst>
               <a:ext uri="{91240B29-F687-4f45-9708-019B960494DF}">
-                <a14:hiddenLine xmlns:a14="http://schemas.microsoft.com/office/drawing/2010/main" xmlns="" w="9525">
+                <a14:hiddenLine xmlns="" xmlns:a14="http://schemas.microsoft.com/office/drawing/2010/main" w="9525">
                   <a:solidFill>
                     <a:srgbClr val="000000"/>
                   </a:solidFill>
@@ -967,7 +967,7 @@
             </a:ln>
             <a:extLst>
               <a:ext uri="{91240B29-F687-4f45-9708-019B960494DF}">
-                <a14:hiddenLine xmlns:a14="http://schemas.microsoft.com/office/drawing/2010/main" xmlns="" w="9525">
+                <a14:hiddenLine xmlns="" xmlns:a14="http://schemas.microsoft.com/office/drawing/2010/main" w="9525">
                   <a:solidFill>
                     <a:srgbClr val="000000"/>
                   </a:solidFill>
@@ -1057,7 +1057,7 @@
             </a:ln>
             <a:extLst>
               <a:ext uri="{91240B29-F687-4f45-9708-019B960494DF}">
-                <a14:hiddenLine xmlns:a14="http://schemas.microsoft.com/office/drawing/2010/main" xmlns="" w="9525">
+                <a14:hiddenLine xmlns="" xmlns:a14="http://schemas.microsoft.com/office/drawing/2010/main" w="9525">
                   <a:solidFill>
                     <a:srgbClr val="000000"/>
                   </a:solidFill>
@@ -1119,7 +1119,7 @@
             </a:ln>
             <a:extLst>
               <a:ext uri="{91240B29-F687-4f45-9708-019B960494DF}">
-                <a14:hiddenLine xmlns:a14="http://schemas.microsoft.com/office/drawing/2010/main" xmlns="" w="9525">
+                <a14:hiddenLine xmlns="" xmlns:a14="http://schemas.microsoft.com/office/drawing/2010/main" w="9525">
                   <a:solidFill>
                     <a:srgbClr val="000000"/>
                   </a:solidFill>
@@ -1229,7 +1229,7 @@
             </a:ln>
             <a:extLst>
               <a:ext uri="{91240B29-F687-4f45-9708-019B960494DF}">
-                <a14:hiddenLine xmlns:a14="http://schemas.microsoft.com/office/drawing/2010/main" xmlns="" w="9525">
+                <a14:hiddenLine xmlns="" xmlns:a14="http://schemas.microsoft.com/office/drawing/2010/main" w="9525">
                   <a:solidFill>
                     <a:srgbClr val="000000"/>
                   </a:solidFill>
@@ -1291,7 +1291,7 @@
             </a:ln>
             <a:extLst>
               <a:ext uri="{91240B29-F687-4f45-9708-019B960494DF}">
-                <a14:hiddenLine xmlns:a14="http://schemas.microsoft.com/office/drawing/2010/main" xmlns="" w="9525">
+                <a14:hiddenLine xmlns="" xmlns:a14="http://schemas.microsoft.com/office/drawing/2010/main" w="9525">
                   <a:solidFill>
                     <a:srgbClr val="000000"/>
                   </a:solidFill>
@@ -1381,7 +1381,7 @@
             </a:ln>
             <a:extLst>
               <a:ext uri="{91240B29-F687-4f45-9708-019B960494DF}">
-                <a14:hiddenLine xmlns:a14="http://schemas.microsoft.com/office/drawing/2010/main" xmlns="" w="9525">
+                <a14:hiddenLine xmlns="" xmlns:a14="http://schemas.microsoft.com/office/drawing/2010/main" w="9525">
                   <a:solidFill>
                     <a:srgbClr val="000000"/>
                   </a:solidFill>
@@ -1471,7 +1471,7 @@
             </a:ln>
             <a:extLst>
               <a:ext uri="{91240B29-F687-4f45-9708-019B960494DF}">
-                <a14:hiddenLine xmlns:a14="http://schemas.microsoft.com/office/drawing/2010/main" xmlns="" w="9525">
+                <a14:hiddenLine xmlns="" xmlns:a14="http://schemas.microsoft.com/office/drawing/2010/main" w="9525">
                   <a:solidFill>
                     <a:srgbClr val="000000"/>
                   </a:solidFill>
@@ -1533,7 +1533,7 @@
             </a:ln>
             <a:extLst>
               <a:ext uri="{91240B29-F687-4f45-9708-019B960494DF}">
-                <a14:hiddenLine xmlns:a14="http://schemas.microsoft.com/office/drawing/2010/main" xmlns="" w="9525">
+                <a14:hiddenLine xmlns="" xmlns:a14="http://schemas.microsoft.com/office/drawing/2010/main" w="9525">
                   <a:solidFill>
                     <a:srgbClr val="000000"/>
                   </a:solidFill>
@@ -1623,7 +1623,7 @@
             </a:ln>
             <a:extLst>
               <a:ext uri="{91240B29-F687-4f45-9708-019B960494DF}">
-                <a14:hiddenLine xmlns:a14="http://schemas.microsoft.com/office/drawing/2010/main" xmlns="" w="9525">
+                <a14:hiddenLine xmlns="" xmlns:a14="http://schemas.microsoft.com/office/drawing/2010/main" w="9525">
                   <a:solidFill>
                     <a:srgbClr val="000000"/>
                   </a:solidFill>
@@ -1713,7 +1713,7 @@
             </a:ln>
             <a:extLst>
               <a:ext uri="{91240B29-F687-4f45-9708-019B960494DF}">
-                <a14:hiddenLine xmlns:a14="http://schemas.microsoft.com/office/drawing/2010/main" xmlns="" w="9525">
+                <a14:hiddenLine xmlns="" xmlns:a14="http://schemas.microsoft.com/office/drawing/2010/main" w="9525">
                   <a:solidFill>
                     <a:srgbClr val="000000"/>
                   </a:solidFill>
@@ -1769,7 +1769,7 @@
             </a:ln>
             <a:extLst>
               <a:ext uri="{91240B29-F687-4f45-9708-019B960494DF}">
-                <a14:hiddenLine xmlns:a14="http://schemas.microsoft.com/office/drawing/2010/main" xmlns="" w="9525">
+                <a14:hiddenLine xmlns="" xmlns:a14="http://schemas.microsoft.com/office/drawing/2010/main" w="9525">
                   <a:solidFill>
                     <a:srgbClr val="000000"/>
                   </a:solidFill>
@@ -1859,7 +1859,7 @@
             </a:ln>
             <a:extLst>
               <a:ext uri="{91240B29-F687-4f45-9708-019B960494DF}">
-                <a14:hiddenLine xmlns:a14="http://schemas.microsoft.com/office/drawing/2010/main" xmlns="" w="9525">
+                <a14:hiddenLine xmlns="" xmlns:a14="http://schemas.microsoft.com/office/drawing/2010/main" w="9525">
                   <a:solidFill>
                     <a:srgbClr val="000000"/>
                   </a:solidFill>
@@ -1915,7 +1915,7 @@
             </a:ln>
             <a:extLst>
               <a:ext uri="{91240B29-F687-4f45-9708-019B960494DF}">
-                <a14:hiddenLine xmlns:a14="http://schemas.microsoft.com/office/drawing/2010/main" xmlns="" w="9525">
+                <a14:hiddenLine xmlns="" xmlns:a14="http://schemas.microsoft.com/office/drawing/2010/main" w="9525">
                   <a:solidFill>
                     <a:srgbClr val="000000"/>
                   </a:solidFill>
@@ -2005,7 +2005,7 @@
             </a:ln>
             <a:extLst>
               <a:ext uri="{91240B29-F687-4f45-9708-019B960494DF}">
-                <a14:hiddenLine xmlns:a14="http://schemas.microsoft.com/office/drawing/2010/main" xmlns="" w="9525">
+                <a14:hiddenLine xmlns="" xmlns:a14="http://schemas.microsoft.com/office/drawing/2010/main" w="9525">
                   <a:solidFill>
                     <a:srgbClr val="000000"/>
                   </a:solidFill>
@@ -2073,7 +2073,7 @@
             </a:ln>
             <a:extLst>
               <a:ext uri="{91240B29-F687-4f45-9708-019B960494DF}">
-                <a14:hiddenLine xmlns:a14="http://schemas.microsoft.com/office/drawing/2010/main" xmlns="" w="9525">
+                <a14:hiddenLine xmlns="" xmlns:a14="http://schemas.microsoft.com/office/drawing/2010/main" w="9525">
                   <a:solidFill>
                     <a:srgbClr val="000000"/>
                   </a:solidFill>
@@ -2163,7 +2163,7 @@
             </a:ln>
             <a:extLst>
               <a:ext uri="{91240B29-F687-4f45-9708-019B960494DF}">
-                <a14:hiddenLine xmlns:a14="http://schemas.microsoft.com/office/drawing/2010/main" xmlns="" w="9525">
+                <a14:hiddenLine xmlns="" xmlns:a14="http://schemas.microsoft.com/office/drawing/2010/main" w="9525">
                   <a:solidFill>
                     <a:srgbClr val="000000"/>
                   </a:solidFill>
@@ -2231,7 +2231,7 @@
             </a:ln>
             <a:extLst>
               <a:ext uri="{91240B29-F687-4f45-9708-019B960494DF}">
-                <a14:hiddenLine xmlns:a14="http://schemas.microsoft.com/office/drawing/2010/main" xmlns="" w="9525">
+                <a14:hiddenLine xmlns="" xmlns:a14="http://schemas.microsoft.com/office/drawing/2010/main" w="9525">
                   <a:solidFill>
                     <a:srgbClr val="000000"/>
                   </a:solidFill>
@@ -2321,7 +2321,7 @@
             </a:ln>
             <a:extLst>
               <a:ext uri="{91240B29-F687-4f45-9708-019B960494DF}">
-                <a14:hiddenLine xmlns:a14="http://schemas.microsoft.com/office/drawing/2010/main" xmlns="" w="9525">
+                <a14:hiddenLine xmlns="" xmlns:a14="http://schemas.microsoft.com/office/drawing/2010/main" w="9525">
                   <a:solidFill>
                     <a:srgbClr val="000000"/>
                   </a:solidFill>
@@ -2355,7 +2355,7 @@
             </a:ln>
             <a:extLst>
               <a:ext uri="{91240B29-F687-4f45-9708-019B960494DF}">
-                <a14:hiddenLine xmlns:a14="http://schemas.microsoft.com/office/drawing/2010/main" xmlns="" w="9525">
+                <a14:hiddenLine xmlns="" xmlns:a14="http://schemas.microsoft.com/office/drawing/2010/main" w="9525">
                   <a:solidFill>
                     <a:srgbClr val="000000"/>
                   </a:solidFill>
@@ -2445,7 +2445,7 @@
             </a:ln>
             <a:extLst>
               <a:ext uri="{91240B29-F687-4f45-9708-019B960494DF}">
-                <a14:hiddenLine xmlns:a14="http://schemas.microsoft.com/office/drawing/2010/main" xmlns="" w="9525">
+                <a14:hiddenLine xmlns="" xmlns:a14="http://schemas.microsoft.com/office/drawing/2010/main" w="9525">
                   <a:solidFill>
                     <a:srgbClr val="000000"/>
                   </a:solidFill>
@@ -2507,7 +2507,7 @@
             </a:ln>
             <a:extLst>
               <a:ext uri="{91240B29-F687-4f45-9708-019B960494DF}">
-                <a14:hiddenLine xmlns:a14="http://schemas.microsoft.com/office/drawing/2010/main" xmlns="" w="9525">
+                <a14:hiddenLine xmlns="" xmlns:a14="http://schemas.microsoft.com/office/drawing/2010/main" w="9525">
                   <a:solidFill>
                     <a:srgbClr val="000000"/>
                   </a:solidFill>
@@ -2569,7 +2569,7 @@
             </a:ln>
             <a:extLst>
               <a:ext uri="{91240B29-F687-4f45-9708-019B960494DF}">
-                <a14:hiddenLine xmlns:a14="http://schemas.microsoft.com/office/drawing/2010/main" xmlns="" w="9525">
+                <a14:hiddenLine xmlns="" xmlns:a14="http://schemas.microsoft.com/office/drawing/2010/main" w="9525">
                   <a:solidFill>
                     <a:srgbClr val="000000"/>
                   </a:solidFill>
@@ -2659,7 +2659,7 @@
             </a:ln>
             <a:extLst>
               <a:ext uri="{91240B29-F687-4f45-9708-019B960494DF}">
-                <a14:hiddenLine xmlns:a14="http://schemas.microsoft.com/office/drawing/2010/main" xmlns="" w="9525">
+                <a14:hiddenLine xmlns="" xmlns:a14="http://schemas.microsoft.com/office/drawing/2010/main" w="9525">
                   <a:solidFill>
                     <a:srgbClr val="000000"/>
                   </a:solidFill>
@@ -2727,7 +2727,7 @@
             </a:ln>
             <a:extLst>
               <a:ext uri="{91240B29-F687-4f45-9708-019B960494DF}">
-                <a14:hiddenLine xmlns:a14="http://schemas.microsoft.com/office/drawing/2010/main" xmlns="" w="9525">
+                <a14:hiddenLine xmlns="" xmlns:a14="http://schemas.microsoft.com/office/drawing/2010/main" w="9525">
                   <a:solidFill>
                     <a:srgbClr val="000000"/>
                   </a:solidFill>
@@ -2789,7 +2789,7 @@
             </a:ln>
             <a:extLst>
               <a:ext uri="{91240B29-F687-4f45-9708-019B960494DF}">
-                <a14:hiddenLine xmlns:a14="http://schemas.microsoft.com/office/drawing/2010/main" xmlns="" w="9525">
+                <a14:hiddenLine xmlns="" xmlns:a14="http://schemas.microsoft.com/office/drawing/2010/main" w="9525">
                   <a:solidFill>
                     <a:srgbClr val="000000"/>
                   </a:solidFill>
@@ -2879,7 +2879,7 @@
             </a:ln>
             <a:extLst>
               <a:ext uri="{91240B29-F687-4f45-9708-019B960494DF}">
-                <a14:hiddenLine xmlns:a14="http://schemas.microsoft.com/office/drawing/2010/main" xmlns="" w="9525">
+                <a14:hiddenLine xmlns="" xmlns:a14="http://schemas.microsoft.com/office/drawing/2010/main" w="9525">
                   <a:solidFill>
                     <a:srgbClr val="000000"/>
                   </a:solidFill>
@@ -2941,7 +2941,7 @@
             </a:ln>
             <a:extLst>
               <a:ext uri="{91240B29-F687-4f45-9708-019B960494DF}">
-                <a14:hiddenLine xmlns:a14="http://schemas.microsoft.com/office/drawing/2010/main" xmlns="" w="9525">
+                <a14:hiddenLine xmlns="" xmlns:a14="http://schemas.microsoft.com/office/drawing/2010/main" w="9525">
                   <a:solidFill>
                     <a:srgbClr val="000000"/>
                   </a:solidFill>
@@ -3031,7 +3031,7 @@
             </a:ln>
             <a:extLst>
               <a:ext uri="{91240B29-F687-4f45-9708-019B960494DF}">
-                <a14:hiddenLine xmlns:a14="http://schemas.microsoft.com/office/drawing/2010/main" xmlns="" w="9525">
+                <a14:hiddenLine xmlns="" xmlns:a14="http://schemas.microsoft.com/office/drawing/2010/main" w="9525">
                   <a:solidFill>
                     <a:srgbClr val="000000"/>
                   </a:solidFill>
@@ -3093,7 +3093,7 @@
             </a:ln>
             <a:extLst>
               <a:ext uri="{91240B29-F687-4f45-9708-019B960494DF}">
-                <a14:hiddenLine xmlns:a14="http://schemas.microsoft.com/office/drawing/2010/main" xmlns="" w="9525">
+                <a14:hiddenLine xmlns="" xmlns:a14="http://schemas.microsoft.com/office/drawing/2010/main" w="9525">
                   <a:solidFill>
                     <a:srgbClr val="000000"/>
                   </a:solidFill>
@@ -3183,7 +3183,7 @@
             </a:ln>
             <a:extLst>
               <a:ext uri="{91240B29-F687-4f45-9708-019B960494DF}">
-                <a14:hiddenLine xmlns:a14="http://schemas.microsoft.com/office/drawing/2010/main" xmlns="" w="9525">
+                <a14:hiddenLine xmlns="" xmlns:a14="http://schemas.microsoft.com/office/drawing/2010/main" w="9525">
                   <a:solidFill>
                     <a:srgbClr val="000000"/>
                   </a:solidFill>
@@ -3217,7 +3217,7 @@
             </a:ln>
             <a:extLst>
               <a:ext uri="{91240B29-F687-4f45-9708-019B960494DF}">
-                <a14:hiddenLine xmlns:a14="http://schemas.microsoft.com/office/drawing/2010/main" xmlns="" w="9525">
+                <a14:hiddenLine xmlns="" xmlns:a14="http://schemas.microsoft.com/office/drawing/2010/main" w="9525">
                   <a:solidFill>
                     <a:srgbClr val="000000"/>
                   </a:solidFill>
@@ -3282,7 +3282,7 @@
             </a:ln>
             <a:extLst>
               <a:ext uri="{91240B29-F687-4f45-9708-019B960494DF}">
-                <a14:hiddenLine xmlns:a14="http://schemas.microsoft.com/office/drawing/2010/main" xmlns="" w="9525">
+                <a14:hiddenLine xmlns="" xmlns:a14="http://schemas.microsoft.com/office/drawing/2010/main" w="9525">
                   <a:solidFill>
                     <a:srgbClr val="000000"/>
                   </a:solidFill>
@@ -3372,7 +3372,7 @@
             </a:ln>
             <a:extLst>
               <a:ext uri="{91240B29-F687-4f45-9708-019B960494DF}">
-                <a14:hiddenLine xmlns:a14="http://schemas.microsoft.com/office/drawing/2010/main" xmlns="" w="9525">
+                <a14:hiddenLine xmlns="" xmlns:a14="http://schemas.microsoft.com/office/drawing/2010/main" w="9525">
                   <a:solidFill>
                     <a:srgbClr val="000000"/>
                   </a:solidFill>
@@ -3434,7 +3434,7 @@
             </a:ln>
             <a:extLst>
               <a:ext uri="{91240B29-F687-4f45-9708-019B960494DF}">
-                <a14:hiddenLine xmlns:a14="http://schemas.microsoft.com/office/drawing/2010/main" xmlns="" w="9525">
+                <a14:hiddenLine xmlns="" xmlns:a14="http://schemas.microsoft.com/office/drawing/2010/main" w="9525">
                   <a:solidFill>
                     <a:srgbClr val="000000"/>
                   </a:solidFill>
@@ -3524,7 +3524,7 @@
             </a:ln>
             <a:extLst>
               <a:ext uri="{91240B29-F687-4f45-9708-019B960494DF}">
-                <a14:hiddenLine xmlns:a14="http://schemas.microsoft.com/office/drawing/2010/main" xmlns="" w="9525">
+                <a14:hiddenLine xmlns="" xmlns:a14="http://schemas.microsoft.com/office/drawing/2010/main" w="9525">
                   <a:solidFill>
                     <a:srgbClr val="000000"/>
                   </a:solidFill>
@@ -3614,7 +3614,7 @@
             </a:ln>
             <a:extLst>
               <a:ext uri="{91240B29-F687-4f45-9708-019B960494DF}">
-                <a14:hiddenLine xmlns:a14="http://schemas.microsoft.com/office/drawing/2010/main" xmlns="" w="9525">
+                <a14:hiddenLine xmlns="" xmlns:a14="http://schemas.microsoft.com/office/drawing/2010/main" w="9525">
                   <a:solidFill>
                     <a:srgbClr val="000000"/>
                   </a:solidFill>
@@ -3679,7 +3679,7 @@
             </a:ln>
             <a:extLst>
               <a:ext uri="{91240B29-F687-4f45-9708-019B960494DF}">
-                <a14:hiddenLine xmlns:a14="http://schemas.microsoft.com/office/drawing/2010/main" xmlns="" w="9525">
+                <a14:hiddenLine xmlns="" xmlns:a14="http://schemas.microsoft.com/office/drawing/2010/main" w="9525">
                   <a:solidFill>
                     <a:srgbClr val="000000"/>
                   </a:solidFill>
@@ -3741,7 +3741,7 @@
             </a:ln>
             <a:extLst>
               <a:ext uri="{91240B29-F687-4f45-9708-019B960494DF}">
-                <a14:hiddenLine xmlns:a14="http://schemas.microsoft.com/office/drawing/2010/main" xmlns="" w="9525">
+                <a14:hiddenLine xmlns="" xmlns:a14="http://schemas.microsoft.com/office/drawing/2010/main" w="9525">
                   <a:solidFill>
                     <a:srgbClr val="000000"/>
                   </a:solidFill>
@@ -3831,7 +3831,7 @@
             </a:ln>
             <a:extLst>
               <a:ext uri="{91240B29-F687-4f45-9708-019B960494DF}">
-                <a14:hiddenLine xmlns:a14="http://schemas.microsoft.com/office/drawing/2010/main" xmlns="" w="9525">
+                <a14:hiddenLine xmlns="" xmlns:a14="http://schemas.microsoft.com/office/drawing/2010/main" w="9525">
                   <a:solidFill>
                     <a:srgbClr val="000000"/>
                   </a:solidFill>
@@ -3921,7 +3921,7 @@
             </a:ln>
             <a:extLst>
               <a:ext uri="{91240B29-F687-4f45-9708-019B960494DF}">
-                <a14:hiddenLine xmlns:a14="http://schemas.microsoft.com/office/drawing/2010/main" xmlns="" w="9525">
+                <a14:hiddenLine xmlns="" xmlns:a14="http://schemas.microsoft.com/office/drawing/2010/main" w="9525">
                   <a:solidFill>
                     <a:srgbClr val="000000"/>
                   </a:solidFill>
@@ -3983,7 +3983,7 @@
             </a:ln>
             <a:extLst>
               <a:ext uri="{91240B29-F687-4f45-9708-019B960494DF}">
-                <a14:hiddenLine xmlns:a14="http://schemas.microsoft.com/office/drawing/2010/main" xmlns="" w="9525">
+                <a14:hiddenLine xmlns="" xmlns:a14="http://schemas.microsoft.com/office/drawing/2010/main" w="9525">
                   <a:solidFill>
                     <a:srgbClr val="000000"/>
                   </a:solidFill>
@@ -4103,7 +4103,7 @@
             </a:ln>
             <a:extLst>
               <a:ext uri="{91240B29-F687-4f45-9708-019B960494DF}">
-                <a14:hiddenLine xmlns:a14="http://schemas.microsoft.com/office/drawing/2010/main" xmlns="" w="9525">
+                <a14:hiddenLine xmlns="" xmlns:a14="http://schemas.microsoft.com/office/drawing/2010/main" w="9525">
                   <a:solidFill>
                     <a:srgbClr val="000000"/>
                   </a:solidFill>
@@ -4171,7 +4171,7 @@
             </a:ln>
             <a:extLst>
               <a:ext uri="{91240B29-F687-4f45-9708-019B960494DF}">
-                <a14:hiddenLine xmlns:a14="http://schemas.microsoft.com/office/drawing/2010/main" xmlns="" w="9525">
+                <a14:hiddenLine xmlns="" xmlns:a14="http://schemas.microsoft.com/office/drawing/2010/main" w="9525">
                   <a:solidFill>
                     <a:srgbClr val="000000"/>
                   </a:solidFill>
@@ -4261,7 +4261,7 @@
             </a:ln>
             <a:extLst>
               <a:ext uri="{91240B29-F687-4f45-9708-019B960494DF}">
-                <a14:hiddenLine xmlns:a14="http://schemas.microsoft.com/office/drawing/2010/main" xmlns="" w="9525">
+                <a14:hiddenLine xmlns="" xmlns:a14="http://schemas.microsoft.com/office/drawing/2010/main" w="9525">
                   <a:solidFill>
                     <a:srgbClr val="000000"/>
                   </a:solidFill>
@@ -8983,7 +8983,7 @@
           <a:noFill/>
           <a:extLst>
             <a:ext uri="{909E8E84-426E-40dd-AFC4-6F175D3DCCD1}">
-              <a14:hiddenFill xmlns:a14="http://schemas.microsoft.com/office/drawing/2010/main" xmlns="">
+              <a14:hiddenFill xmlns="" xmlns:a14="http://schemas.microsoft.com/office/drawing/2010/main">
                 <a:solidFill>
                   <a:srgbClr val="FFFFFF"/>
                 </a:solidFill>
@@ -9057,7 +9057,7 @@
               </a:ln>
               <a:extLst>
                 <a:ext uri="{91240B29-F687-4f45-9708-019B960494DF}">
-                  <a14:hiddenLine xmlns:a14="http://schemas.microsoft.com/office/drawing/2010/main" xmlns="" w="9525">
+                  <a14:hiddenLine xmlns="" xmlns:a14="http://schemas.microsoft.com/office/drawing/2010/main" w="9525">
                     <a:solidFill>
                       <a:srgbClr val="000000"/>
                     </a:solidFill>
@@ -9147,7 +9147,7 @@
               </a:ln>
               <a:extLst>
                 <a:ext uri="{91240B29-F687-4f45-9708-019B960494DF}">
-                  <a14:hiddenLine xmlns:a14="http://schemas.microsoft.com/office/drawing/2010/main" xmlns="" w="9525">
+                  <a14:hiddenLine xmlns="" xmlns:a14="http://schemas.microsoft.com/office/drawing/2010/main" w="9525">
                     <a:solidFill>
                       <a:srgbClr val="000000"/>
                     </a:solidFill>
@@ -9237,7 +9237,7 @@
               </a:ln>
               <a:extLst>
                 <a:ext uri="{91240B29-F687-4f45-9708-019B960494DF}">
-                  <a14:hiddenLine xmlns:a14="http://schemas.microsoft.com/office/drawing/2010/main" xmlns="" w="9525">
+                  <a14:hiddenLine xmlns="" xmlns:a14="http://schemas.microsoft.com/office/drawing/2010/main" w="9525">
                     <a:solidFill>
                       <a:srgbClr val="000000"/>
                     </a:solidFill>
@@ -9299,7 +9299,7 @@
               </a:ln>
               <a:extLst>
                 <a:ext uri="{91240B29-F687-4f45-9708-019B960494DF}">
-                  <a14:hiddenLine xmlns:a14="http://schemas.microsoft.com/office/drawing/2010/main" xmlns="" w="9525">
+                  <a14:hiddenLine xmlns="" xmlns:a14="http://schemas.microsoft.com/office/drawing/2010/main" w="9525">
                     <a:solidFill>
                       <a:srgbClr val="000000"/>
                     </a:solidFill>
@@ -9389,7 +9389,7 @@
               </a:ln>
               <a:extLst>
                 <a:ext uri="{91240B29-F687-4f45-9708-019B960494DF}">
-                  <a14:hiddenLine xmlns:a14="http://schemas.microsoft.com/office/drawing/2010/main" xmlns="" w="9525">
+                  <a14:hiddenLine xmlns="" xmlns:a14="http://schemas.microsoft.com/office/drawing/2010/main" w="9525">
                     <a:solidFill>
                       <a:srgbClr val="000000"/>
                     </a:solidFill>
@@ -9451,7 +9451,7 @@
               </a:ln>
               <a:extLst>
                 <a:ext uri="{91240B29-F687-4f45-9708-019B960494DF}">
-                  <a14:hiddenLine xmlns:a14="http://schemas.microsoft.com/office/drawing/2010/main" xmlns="" w="9525">
+                  <a14:hiddenLine xmlns="" xmlns:a14="http://schemas.microsoft.com/office/drawing/2010/main" w="9525">
                     <a:solidFill>
                       <a:srgbClr val="000000"/>
                     </a:solidFill>
@@ -9513,7 +9513,7 @@
               </a:ln>
               <a:extLst>
                 <a:ext uri="{91240B29-F687-4f45-9708-019B960494DF}">
-                  <a14:hiddenLine xmlns:a14="http://schemas.microsoft.com/office/drawing/2010/main" xmlns="" w="9525">
+                  <a14:hiddenLine xmlns="" xmlns:a14="http://schemas.microsoft.com/office/drawing/2010/main" w="9525">
                     <a:solidFill>
                       <a:srgbClr val="000000"/>
                     </a:solidFill>
@@ -9603,7 +9603,7 @@
               </a:ln>
               <a:extLst>
                 <a:ext uri="{91240B29-F687-4f45-9708-019B960494DF}">
-                  <a14:hiddenLine xmlns:a14="http://schemas.microsoft.com/office/drawing/2010/main" xmlns="" w="9525">
+                  <a14:hiddenLine xmlns="" xmlns:a14="http://schemas.microsoft.com/office/drawing/2010/main" w="9525">
                     <a:solidFill>
                       <a:srgbClr val="000000"/>
                     </a:solidFill>
@@ -9693,7 +9693,7 @@
               </a:ln>
               <a:extLst>
                 <a:ext uri="{91240B29-F687-4f45-9708-019B960494DF}">
-                  <a14:hiddenLine xmlns:a14="http://schemas.microsoft.com/office/drawing/2010/main" xmlns="" w="9525">
+                  <a14:hiddenLine xmlns="" xmlns:a14="http://schemas.microsoft.com/office/drawing/2010/main" w="9525">
                     <a:solidFill>
                       <a:srgbClr val="000000"/>
                     </a:solidFill>
@@ -9755,7 +9755,7 @@
               </a:ln>
               <a:extLst>
                 <a:ext uri="{91240B29-F687-4f45-9708-019B960494DF}">
-                  <a14:hiddenLine xmlns:a14="http://schemas.microsoft.com/office/drawing/2010/main" xmlns="" w="9525">
+                  <a14:hiddenLine xmlns="" xmlns:a14="http://schemas.microsoft.com/office/drawing/2010/main" w="9525">
                     <a:solidFill>
                       <a:srgbClr val="000000"/>
                     </a:solidFill>
@@ -9865,7 +9865,7 @@
               </a:ln>
               <a:extLst>
                 <a:ext uri="{91240B29-F687-4f45-9708-019B960494DF}">
-                  <a14:hiddenLine xmlns:a14="http://schemas.microsoft.com/office/drawing/2010/main" xmlns="" w="9525">
+                  <a14:hiddenLine xmlns="" xmlns:a14="http://schemas.microsoft.com/office/drawing/2010/main" w="9525">
                     <a:solidFill>
                       <a:srgbClr val="000000"/>
                     </a:solidFill>
@@ -9949,7 +9949,7 @@
               </a:ln>
               <a:extLst>
                 <a:ext uri="{91240B29-F687-4f45-9708-019B960494DF}">
-                  <a14:hiddenLine xmlns:a14="http://schemas.microsoft.com/office/drawing/2010/main" xmlns="" w="9525">
+                  <a14:hiddenLine xmlns="" xmlns:a14="http://schemas.microsoft.com/office/drawing/2010/main" w="9525">
                     <a:solidFill>
                       <a:srgbClr val="000000"/>
                     </a:solidFill>
@@ -10011,7 +10011,7 @@
               </a:ln>
               <a:extLst>
                 <a:ext uri="{91240B29-F687-4f45-9708-019B960494DF}">
-                  <a14:hiddenLine xmlns:a14="http://schemas.microsoft.com/office/drawing/2010/main" xmlns="" w="9525">
+                  <a14:hiddenLine xmlns="" xmlns:a14="http://schemas.microsoft.com/office/drawing/2010/main" w="9525">
                     <a:solidFill>
                       <a:srgbClr val="000000"/>
                     </a:solidFill>
@@ -10073,7 +10073,7 @@
               </a:ln>
               <a:extLst>
                 <a:ext uri="{91240B29-F687-4f45-9708-019B960494DF}">
-                  <a14:hiddenLine xmlns:a14="http://schemas.microsoft.com/office/drawing/2010/main" xmlns="" w="9525">
+                  <a14:hiddenLine xmlns="" xmlns:a14="http://schemas.microsoft.com/office/drawing/2010/main" w="9525">
                     <a:solidFill>
                       <a:srgbClr val="000000"/>
                     </a:solidFill>
@@ -10163,7 +10163,7 @@
               </a:ln>
               <a:extLst>
                 <a:ext uri="{91240B29-F687-4f45-9708-019B960494DF}">
-                  <a14:hiddenLine xmlns:a14="http://schemas.microsoft.com/office/drawing/2010/main" xmlns="" w="9525">
+                  <a14:hiddenLine xmlns="" xmlns:a14="http://schemas.microsoft.com/office/drawing/2010/main" w="9525">
                     <a:solidFill>
                       <a:srgbClr val="000000"/>
                     </a:solidFill>
@@ -10197,7 +10197,7 @@
               </a:ln>
               <a:extLst>
                 <a:ext uri="{91240B29-F687-4f45-9708-019B960494DF}">
-                  <a14:hiddenLine xmlns:a14="http://schemas.microsoft.com/office/drawing/2010/main" xmlns="" w="9525">
+                  <a14:hiddenLine xmlns="" xmlns:a14="http://schemas.microsoft.com/office/drawing/2010/main" w="9525">
                     <a:solidFill>
                       <a:srgbClr val="000000"/>
                     </a:solidFill>
@@ -10262,7 +10262,7 @@
               </a:ln>
               <a:extLst>
                 <a:ext uri="{91240B29-F687-4f45-9708-019B960494DF}">
-                  <a14:hiddenLine xmlns:a14="http://schemas.microsoft.com/office/drawing/2010/main" xmlns="" w="9525">
+                  <a14:hiddenLine xmlns="" xmlns:a14="http://schemas.microsoft.com/office/drawing/2010/main" w="9525">
                     <a:solidFill>
                       <a:srgbClr val="000000"/>
                     </a:solidFill>
@@ -10352,7 +10352,7 @@
               </a:ln>
               <a:extLst>
                 <a:ext uri="{91240B29-F687-4f45-9708-019B960494DF}">
-                  <a14:hiddenLine xmlns:a14="http://schemas.microsoft.com/office/drawing/2010/main" xmlns="" w="9525">
+                  <a14:hiddenLine xmlns="" xmlns:a14="http://schemas.microsoft.com/office/drawing/2010/main" w="9525">
                     <a:solidFill>
                       <a:srgbClr val="000000"/>
                     </a:solidFill>
@@ -10414,7 +10414,7 @@
               </a:ln>
               <a:extLst>
                 <a:ext uri="{91240B29-F687-4f45-9708-019B960494DF}">
-                  <a14:hiddenLine xmlns:a14="http://schemas.microsoft.com/office/drawing/2010/main" xmlns="" w="9525">
+                  <a14:hiddenLine xmlns="" xmlns:a14="http://schemas.microsoft.com/office/drawing/2010/main" w="9525">
                     <a:solidFill>
                       <a:srgbClr val="000000"/>
                     </a:solidFill>
@@ -10504,7 +10504,7 @@
               </a:ln>
               <a:extLst>
                 <a:ext uri="{91240B29-F687-4f45-9708-019B960494DF}">
-                  <a14:hiddenLine xmlns:a14="http://schemas.microsoft.com/office/drawing/2010/main" xmlns="" w="9525">
+                  <a14:hiddenLine xmlns="" xmlns:a14="http://schemas.microsoft.com/office/drawing/2010/main" w="9525">
                     <a:solidFill>
                       <a:srgbClr val="000000"/>
                     </a:solidFill>
@@ -10569,7 +10569,7 @@
               </a:ln>
               <a:extLst>
                 <a:ext uri="{91240B29-F687-4f45-9708-019B960494DF}">
-                  <a14:hiddenLine xmlns:a14="http://schemas.microsoft.com/office/drawing/2010/main" xmlns="" w="9525">
+                  <a14:hiddenLine xmlns="" xmlns:a14="http://schemas.microsoft.com/office/drawing/2010/main" w="9525">
                     <a:solidFill>
                       <a:srgbClr val="000000"/>
                     </a:solidFill>
@@ -10631,7 +10631,7 @@
               </a:ln>
               <a:extLst>
                 <a:ext uri="{91240B29-F687-4f45-9708-019B960494DF}">
-                  <a14:hiddenLine xmlns:a14="http://schemas.microsoft.com/office/drawing/2010/main" xmlns="" w="9525">
+                  <a14:hiddenLine xmlns="" xmlns:a14="http://schemas.microsoft.com/office/drawing/2010/main" w="9525">
                     <a:solidFill>
                       <a:srgbClr val="000000"/>
                     </a:solidFill>
@@ -10721,7 +10721,7 @@
               </a:ln>
               <a:extLst>
                 <a:ext uri="{91240B29-F687-4f45-9708-019B960494DF}">
-                  <a14:hiddenLine xmlns:a14="http://schemas.microsoft.com/office/drawing/2010/main" xmlns="" w="9525">
+                  <a14:hiddenLine xmlns="" xmlns:a14="http://schemas.microsoft.com/office/drawing/2010/main" w="9525">
                     <a:solidFill>
                       <a:srgbClr val="000000"/>
                     </a:solidFill>
@@ -10811,7 +10811,7 @@
               </a:ln>
               <a:extLst>
                 <a:ext uri="{91240B29-F687-4f45-9708-019B960494DF}">
-                  <a14:hiddenLine xmlns:a14="http://schemas.microsoft.com/office/drawing/2010/main" xmlns="" w="9525">
+                  <a14:hiddenLine xmlns="" xmlns:a14="http://schemas.microsoft.com/office/drawing/2010/main" w="9525">
                     <a:solidFill>
                       <a:srgbClr val="000000"/>
                     </a:solidFill>
@@ -10876,7 +10876,7 @@
               </a:ln>
               <a:extLst>
                 <a:ext uri="{91240B29-F687-4f45-9708-019B960494DF}">
-                  <a14:hiddenLine xmlns:a14="http://schemas.microsoft.com/office/drawing/2010/main" xmlns="" w="9525">
+                  <a14:hiddenLine xmlns="" xmlns:a14="http://schemas.microsoft.com/office/drawing/2010/main" w="9525">
                     <a:solidFill>
                       <a:srgbClr val="000000"/>
                     </a:solidFill>
@@ -10996,7 +10996,7 @@
               </a:ln>
               <a:extLst>
                 <a:ext uri="{91240B29-F687-4f45-9708-019B960494DF}">
-                  <a14:hiddenLine xmlns:a14="http://schemas.microsoft.com/office/drawing/2010/main" xmlns="" w="9525">
+                  <a14:hiddenLine xmlns="" xmlns:a14="http://schemas.microsoft.com/office/drawing/2010/main" w="9525">
                     <a:solidFill>
                       <a:srgbClr val="000000"/>
                     </a:solidFill>
@@ -11094,7 +11094,7 @@
               </a:ln>
               <a:extLst>
                 <a:ext uri="{91240B29-F687-4f45-9708-019B960494DF}">
-                  <a14:hiddenLine xmlns:a14="http://schemas.microsoft.com/office/drawing/2010/main" xmlns="" w="9525">
+                  <a14:hiddenLine xmlns="" xmlns:a14="http://schemas.microsoft.com/office/drawing/2010/main" w="9525">
                     <a:solidFill>
                       <a:srgbClr val="000000"/>
                     </a:solidFill>
@@ -11209,7 +11209,7 @@
               </a:ln>
               <a:extLst>
                 <a:ext uri="{91240B29-F687-4f45-9708-019B960494DF}">
-                  <a14:hiddenLine xmlns:a14="http://schemas.microsoft.com/office/drawing/2010/main" xmlns="" w="9525">
+                  <a14:hiddenLine xmlns="" xmlns:a14="http://schemas.microsoft.com/office/drawing/2010/main" w="9525">
                     <a:solidFill>
                       <a:srgbClr val="000000"/>
                     </a:solidFill>
@@ -11299,7 +11299,7 @@
               </a:ln>
               <a:extLst>
                 <a:ext uri="{91240B29-F687-4f45-9708-019B960494DF}">
-                  <a14:hiddenLine xmlns:a14="http://schemas.microsoft.com/office/drawing/2010/main" xmlns="" w="9525">
+                  <a14:hiddenLine xmlns="" xmlns:a14="http://schemas.microsoft.com/office/drawing/2010/main" w="9525">
                     <a:solidFill>
                       <a:srgbClr val="000000"/>
                     </a:solidFill>
@@ -11364,7 +11364,7 @@
               </a:ln>
               <a:extLst>
                 <a:ext uri="{91240B29-F687-4f45-9708-019B960494DF}">
-                  <a14:hiddenLine xmlns:a14="http://schemas.microsoft.com/office/drawing/2010/main" xmlns="" w="9525">
+                  <a14:hiddenLine xmlns="" xmlns:a14="http://schemas.microsoft.com/office/drawing/2010/main" w="9525">
                     <a:solidFill>
                       <a:srgbClr val="000000"/>
                     </a:solidFill>
@@ -11454,7 +11454,7 @@
               </a:ln>
               <a:extLst>
                 <a:ext uri="{91240B29-F687-4f45-9708-019B960494DF}">
-                  <a14:hiddenLine xmlns:a14="http://schemas.microsoft.com/office/drawing/2010/main" xmlns="" w="9525">
+                  <a14:hiddenLine xmlns="" xmlns:a14="http://schemas.microsoft.com/office/drawing/2010/main" w="9525">
                     <a:solidFill>
                       <a:srgbClr val="000000"/>
                     </a:solidFill>
@@ -11522,7 +11522,7 @@
               </a:ln>
               <a:extLst>
                 <a:ext uri="{91240B29-F687-4f45-9708-019B960494DF}">
-                  <a14:hiddenLine xmlns:a14="http://schemas.microsoft.com/office/drawing/2010/main" xmlns="" w="9525">
+                  <a14:hiddenLine xmlns="" xmlns:a14="http://schemas.microsoft.com/office/drawing/2010/main" w="9525">
                     <a:solidFill>
                       <a:srgbClr val="000000"/>
                     </a:solidFill>
@@ -11612,7 +11612,7 @@
               </a:ln>
               <a:extLst>
                 <a:ext uri="{91240B29-F687-4f45-9708-019B960494DF}">
-                  <a14:hiddenLine xmlns:a14="http://schemas.microsoft.com/office/drawing/2010/main" xmlns="" w="9525">
+                  <a14:hiddenLine xmlns="" xmlns:a14="http://schemas.microsoft.com/office/drawing/2010/main" w="9525">
                     <a:solidFill>
                       <a:srgbClr val="000000"/>
                     </a:solidFill>
@@ -11680,7 +11680,7 @@
               </a:ln>
               <a:extLst>
                 <a:ext uri="{91240B29-F687-4f45-9708-019B960494DF}">
-                  <a14:hiddenLine xmlns:a14="http://schemas.microsoft.com/office/drawing/2010/main" xmlns="" w="9525">
+                  <a14:hiddenLine xmlns="" xmlns:a14="http://schemas.microsoft.com/office/drawing/2010/main" w="9525">
                     <a:solidFill>
                       <a:srgbClr val="000000"/>
                     </a:solidFill>
@@ -11770,7 +11770,7 @@
               </a:ln>
               <a:extLst>
                 <a:ext uri="{91240B29-F687-4f45-9708-019B960494DF}">
-                  <a14:hiddenLine xmlns:a14="http://schemas.microsoft.com/office/drawing/2010/main" xmlns="" w="9525">
+                  <a14:hiddenLine xmlns="" xmlns:a14="http://schemas.microsoft.com/office/drawing/2010/main" w="9525">
                     <a:solidFill>
                       <a:srgbClr val="000000"/>
                     </a:solidFill>
@@ -11804,7 +11804,7 @@
               </a:ln>
               <a:extLst>
                 <a:ext uri="{91240B29-F687-4f45-9708-019B960494DF}">
-                  <a14:hiddenLine xmlns:a14="http://schemas.microsoft.com/office/drawing/2010/main" xmlns="" w="9525">
+                  <a14:hiddenLine xmlns="" xmlns:a14="http://schemas.microsoft.com/office/drawing/2010/main" w="9525">
                     <a:solidFill>
                       <a:srgbClr val="000000"/>
                     </a:solidFill>
@@ -13914,7 +13914,7 @@
             <a:noFill/>
             <a:extLst>
               <a:ext uri="{909E8E84-426E-40dd-AFC4-6F175D3DCCD1}">
-                <a14:hiddenFill xmlns:a14="http://schemas.microsoft.com/office/drawing/2010/main" xmlns="">
+                <a14:hiddenFill xmlns="" xmlns:a14="http://schemas.microsoft.com/office/drawing/2010/main">
                   <a:solidFill>
                     <a:srgbClr val="FFFFFF"/>
                   </a:solidFill>
@@ -14003,7 +14003,7 @@
             </a:ln>
             <a:extLst>
               <a:ext uri="{91240B29-F687-4f45-9708-019B960494DF}">
-                <a14:hiddenLine xmlns:a14="http://schemas.microsoft.com/office/drawing/2010/main" xmlns="" w="9525">
+                <a14:hiddenLine xmlns="" xmlns:a14="http://schemas.microsoft.com/office/drawing/2010/main" w="9525">
                   <a:solidFill>
                     <a:srgbClr val="000000"/>
                   </a:solidFill>
@@ -14099,7 +14099,7 @@
             </a:ln>
             <a:extLst>
               <a:ext uri="{91240B29-F687-4f45-9708-019B960494DF}">
-                <a14:hiddenLine xmlns:a14="http://schemas.microsoft.com/office/drawing/2010/main" xmlns="" w="9525">
+                <a14:hiddenLine xmlns="" xmlns:a14="http://schemas.microsoft.com/office/drawing/2010/main" w="9525">
                   <a:solidFill>
                     <a:srgbClr val="000000"/>
                   </a:solidFill>
@@ -14195,7 +14195,7 @@
             </a:ln>
             <a:extLst>
               <a:ext uri="{91240B29-F687-4f45-9708-019B960494DF}">
-                <a14:hiddenLine xmlns:a14="http://schemas.microsoft.com/office/drawing/2010/main" xmlns="" w="9525">
+                <a14:hiddenLine xmlns="" xmlns:a14="http://schemas.microsoft.com/office/drawing/2010/main" w="9525">
                   <a:solidFill>
                     <a:srgbClr val="000000"/>
                   </a:solidFill>
@@ -14235,7 +14235,7 @@
             </a:ln>
             <a:extLst>
               <a:ext uri="{91240B29-F687-4f45-9708-019B960494DF}">
-                <a14:hiddenLine xmlns:a14="http://schemas.microsoft.com/office/drawing/2010/main" xmlns="" w="9525">
+                <a14:hiddenLine xmlns="" xmlns:a14="http://schemas.microsoft.com/office/drawing/2010/main" w="9525">
                   <a:solidFill>
                     <a:srgbClr val="000000"/>
                   </a:solidFill>
@@ -14331,7 +14331,7 @@
             </a:ln>
             <a:extLst>
               <a:ext uri="{91240B29-F687-4f45-9708-019B960494DF}">
-                <a14:hiddenLine xmlns:a14="http://schemas.microsoft.com/office/drawing/2010/main" xmlns="" w="9525">
+                <a14:hiddenLine xmlns="" xmlns:a14="http://schemas.microsoft.com/office/drawing/2010/main" w="9525">
                   <a:solidFill>
                     <a:srgbClr val="000000"/>
                   </a:solidFill>
@@ -14399,7 +14399,7 @@
             </a:ln>
             <a:extLst>
               <a:ext uri="{91240B29-F687-4f45-9708-019B960494DF}">
-                <a14:hiddenLine xmlns:a14="http://schemas.microsoft.com/office/drawing/2010/main" xmlns="" w="9525">
+                <a14:hiddenLine xmlns="" xmlns:a14="http://schemas.microsoft.com/office/drawing/2010/main" w="9525">
                   <a:solidFill>
                     <a:srgbClr val="000000"/>
                   </a:solidFill>
@@ -14467,7 +14467,7 @@
             </a:ln>
             <a:extLst>
               <a:ext uri="{91240B29-F687-4f45-9708-019B960494DF}">
-                <a14:hiddenLine xmlns:a14="http://schemas.microsoft.com/office/drawing/2010/main" xmlns="" w="9525">
+                <a14:hiddenLine xmlns="" xmlns:a14="http://schemas.microsoft.com/office/drawing/2010/main" w="9525">
                   <a:solidFill>
                     <a:srgbClr val="000000"/>
                   </a:solidFill>
@@ -14563,7 +14563,7 @@
             </a:ln>
             <a:extLst>
               <a:ext uri="{91240B29-F687-4f45-9708-019B960494DF}">
-                <a14:hiddenLine xmlns:a14="http://schemas.microsoft.com/office/drawing/2010/main" xmlns="" w="9525">
+                <a14:hiddenLine xmlns="" xmlns:a14="http://schemas.microsoft.com/office/drawing/2010/main" w="9525">
                   <a:solidFill>
                     <a:srgbClr val="000000"/>
                   </a:solidFill>
@@ -14631,7 +14631,7 @@
             </a:ln>
             <a:extLst>
               <a:ext uri="{91240B29-F687-4f45-9708-019B960494DF}">
-                <a14:hiddenLine xmlns:a14="http://schemas.microsoft.com/office/drawing/2010/main" xmlns="" w="9525">
+                <a14:hiddenLine xmlns="" xmlns:a14="http://schemas.microsoft.com/office/drawing/2010/main" w="9525">
                   <a:solidFill>
                     <a:srgbClr val="000000"/>
                   </a:solidFill>
@@ -14699,7 +14699,7 @@
             </a:ln>
             <a:extLst>
               <a:ext uri="{91240B29-F687-4f45-9708-019B960494DF}">
-                <a14:hiddenLine xmlns:a14="http://schemas.microsoft.com/office/drawing/2010/main" xmlns="" w="9525">
+                <a14:hiddenLine xmlns="" xmlns:a14="http://schemas.microsoft.com/office/drawing/2010/main" w="9525">
                   <a:solidFill>
                     <a:srgbClr val="000000"/>
                   </a:solidFill>
@@ -14795,7 +14795,7 @@
             </a:ln>
             <a:extLst>
               <a:ext uri="{91240B29-F687-4f45-9708-019B960494DF}">
-                <a14:hiddenLine xmlns:a14="http://schemas.microsoft.com/office/drawing/2010/main" xmlns="" w="9525">
+                <a14:hiddenLine xmlns="" xmlns:a14="http://schemas.microsoft.com/office/drawing/2010/main" w="9525">
                   <a:solidFill>
                     <a:srgbClr val="000000"/>
                   </a:solidFill>
@@ -14891,7 +14891,7 @@
             </a:ln>
             <a:extLst>
               <a:ext uri="{91240B29-F687-4f45-9708-019B960494DF}">
-                <a14:hiddenLine xmlns:a14="http://schemas.microsoft.com/office/drawing/2010/main" xmlns="" w="9525">
+                <a14:hiddenLine xmlns="" xmlns:a14="http://schemas.microsoft.com/office/drawing/2010/main" w="9525">
                   <a:solidFill>
                     <a:srgbClr val="000000"/>
                   </a:solidFill>
@@ -14959,7 +14959,7 @@
             </a:ln>
             <a:extLst>
               <a:ext uri="{91240B29-F687-4f45-9708-019B960494DF}">
-                <a14:hiddenLine xmlns:a14="http://schemas.microsoft.com/office/drawing/2010/main" xmlns="" w="9525">
+                <a14:hiddenLine xmlns="" xmlns:a14="http://schemas.microsoft.com/office/drawing/2010/main" w="9525">
                   <a:solidFill>
                     <a:srgbClr val="000000"/>
                   </a:solidFill>
@@ -15075,7 +15075,7 @@
             </a:ln>
             <a:extLst>
               <a:ext uri="{91240B29-F687-4f45-9708-019B960494DF}">
-                <a14:hiddenLine xmlns:a14="http://schemas.microsoft.com/office/drawing/2010/main" xmlns="" w="9525">
+                <a14:hiddenLine xmlns="" xmlns:a14="http://schemas.microsoft.com/office/drawing/2010/main" w="9525">
                   <a:solidFill>
                     <a:srgbClr val="000000"/>
                   </a:solidFill>
@@ -15143,7 +15143,7 @@
             </a:ln>
             <a:extLst>
               <a:ext uri="{91240B29-F687-4f45-9708-019B960494DF}">
-                <a14:hiddenLine xmlns:a14="http://schemas.microsoft.com/office/drawing/2010/main" xmlns="" w="9525">
+                <a14:hiddenLine xmlns="" xmlns:a14="http://schemas.microsoft.com/office/drawing/2010/main" w="9525">
                   <a:solidFill>
                     <a:srgbClr val="000000"/>
                   </a:solidFill>
@@ -15239,7 +15239,7 @@
             </a:ln>
             <a:extLst>
               <a:ext uri="{91240B29-F687-4f45-9708-019B960494DF}">
-                <a14:hiddenLine xmlns:a14="http://schemas.microsoft.com/office/drawing/2010/main" xmlns="" w="9525">
+                <a14:hiddenLine xmlns="" xmlns:a14="http://schemas.microsoft.com/office/drawing/2010/main" w="9525">
                   <a:solidFill>
                     <a:srgbClr val="000000"/>
                   </a:solidFill>
@@ -15335,7 +15335,7 @@
             </a:ln>
             <a:extLst>
               <a:ext uri="{91240B29-F687-4f45-9708-019B960494DF}">
-                <a14:hiddenLine xmlns:a14="http://schemas.microsoft.com/office/drawing/2010/main" xmlns="" w="9525">
+                <a14:hiddenLine xmlns="" xmlns:a14="http://schemas.microsoft.com/office/drawing/2010/main" w="9525">
                   <a:solidFill>
                     <a:srgbClr val="000000"/>
                   </a:solidFill>
@@ -15403,7 +15403,7 @@
             </a:ln>
             <a:extLst>
               <a:ext uri="{91240B29-F687-4f45-9708-019B960494DF}">
-                <a14:hiddenLine xmlns:a14="http://schemas.microsoft.com/office/drawing/2010/main" xmlns="" w="9525">
+                <a14:hiddenLine xmlns="" xmlns:a14="http://schemas.microsoft.com/office/drawing/2010/main" w="9525">
                   <a:solidFill>
                     <a:srgbClr val="000000"/>
                   </a:solidFill>
@@ -15499,7 +15499,7 @@
             </a:ln>
             <a:extLst>
               <a:ext uri="{91240B29-F687-4f45-9708-019B960494DF}">
-                <a14:hiddenLine xmlns:a14="http://schemas.microsoft.com/office/drawing/2010/main" xmlns="" w="9525">
+                <a14:hiddenLine xmlns="" xmlns:a14="http://schemas.microsoft.com/office/drawing/2010/main" w="9525">
                   <a:solidFill>
                     <a:srgbClr val="000000"/>
                   </a:solidFill>
@@ -15595,7 +15595,7 @@
             </a:ln>
             <a:extLst>
               <a:ext uri="{91240B29-F687-4f45-9708-019B960494DF}">
-                <a14:hiddenLine xmlns:a14="http://schemas.microsoft.com/office/drawing/2010/main" xmlns="" w="9525">
+                <a14:hiddenLine xmlns="" xmlns:a14="http://schemas.microsoft.com/office/drawing/2010/main" w="9525">
                   <a:solidFill>
                     <a:srgbClr val="000000"/>
                   </a:solidFill>
@@ -15657,7 +15657,7 @@
             </a:ln>
             <a:extLst>
               <a:ext uri="{91240B29-F687-4f45-9708-019B960494DF}">
-                <a14:hiddenLine xmlns:a14="http://schemas.microsoft.com/office/drawing/2010/main" xmlns="" w="9525">
+                <a14:hiddenLine xmlns="" xmlns:a14="http://schemas.microsoft.com/office/drawing/2010/main" w="9525">
                   <a:solidFill>
                     <a:srgbClr val="000000"/>
                   </a:solidFill>
@@ -15753,7 +15753,7 @@
             </a:ln>
             <a:extLst>
               <a:ext uri="{91240B29-F687-4f45-9708-019B960494DF}">
-                <a14:hiddenLine xmlns:a14="http://schemas.microsoft.com/office/drawing/2010/main" xmlns="" w="9525">
+                <a14:hiddenLine xmlns="" xmlns:a14="http://schemas.microsoft.com/office/drawing/2010/main" w="9525">
                   <a:solidFill>
                     <a:srgbClr val="000000"/>
                   </a:solidFill>
@@ -15815,7 +15815,7 @@
             </a:ln>
             <a:extLst>
               <a:ext uri="{91240B29-F687-4f45-9708-019B960494DF}">
-                <a14:hiddenLine xmlns:a14="http://schemas.microsoft.com/office/drawing/2010/main" xmlns="" w="9525">
+                <a14:hiddenLine xmlns="" xmlns:a14="http://schemas.microsoft.com/office/drawing/2010/main" w="9525">
                   <a:solidFill>
                     <a:srgbClr val="000000"/>
                   </a:solidFill>
@@ -15911,7 +15911,7 @@
             </a:ln>
             <a:extLst>
               <a:ext uri="{91240B29-F687-4f45-9708-019B960494DF}">
-                <a14:hiddenLine xmlns:a14="http://schemas.microsoft.com/office/drawing/2010/main" xmlns="" w="9525">
+                <a14:hiddenLine xmlns="" xmlns:a14="http://schemas.microsoft.com/office/drawing/2010/main" w="9525">
                   <a:solidFill>
                     <a:srgbClr val="000000"/>
                   </a:solidFill>
@@ -15985,7 +15985,7 @@
             </a:ln>
             <a:extLst>
               <a:ext uri="{91240B29-F687-4f45-9708-019B960494DF}">
-                <a14:hiddenLine xmlns:a14="http://schemas.microsoft.com/office/drawing/2010/main" xmlns="" w="9525">
+                <a14:hiddenLine xmlns="" xmlns:a14="http://schemas.microsoft.com/office/drawing/2010/main" w="9525">
                   <a:solidFill>
                     <a:srgbClr val="000000"/>
                   </a:solidFill>
@@ -16081,7 +16081,7 @@
             </a:ln>
             <a:extLst>
               <a:ext uri="{91240B29-F687-4f45-9708-019B960494DF}">
-                <a14:hiddenLine xmlns:a14="http://schemas.microsoft.com/office/drawing/2010/main" xmlns="" w="9525">
+                <a14:hiddenLine xmlns="" xmlns:a14="http://schemas.microsoft.com/office/drawing/2010/main" w="9525">
                   <a:solidFill>
                     <a:srgbClr val="000000"/>
                   </a:solidFill>
@@ -16155,7 +16155,7 @@
             </a:ln>
             <a:extLst>
               <a:ext uri="{91240B29-F687-4f45-9708-019B960494DF}">
-                <a14:hiddenLine xmlns:a14="http://schemas.microsoft.com/office/drawing/2010/main" xmlns="" w="9525">
+                <a14:hiddenLine xmlns="" xmlns:a14="http://schemas.microsoft.com/office/drawing/2010/main" w="9525">
                   <a:solidFill>
                     <a:srgbClr val="000000"/>
                   </a:solidFill>
@@ -16251,7 +16251,7 @@
             </a:ln>
             <a:extLst>
               <a:ext uri="{91240B29-F687-4f45-9708-019B960494DF}">
-                <a14:hiddenLine xmlns:a14="http://schemas.microsoft.com/office/drawing/2010/main" xmlns="" w="9525">
+                <a14:hiddenLine xmlns="" xmlns:a14="http://schemas.microsoft.com/office/drawing/2010/main" w="9525">
                   <a:solidFill>
                     <a:srgbClr val="000000"/>
                   </a:solidFill>
@@ -16291,7 +16291,7 @@
             </a:ln>
             <a:extLst>
               <a:ext uri="{91240B29-F687-4f45-9708-019B960494DF}">
-                <a14:hiddenLine xmlns:a14="http://schemas.microsoft.com/office/drawing/2010/main" xmlns="" w="9525">
+                <a14:hiddenLine xmlns="" xmlns:a14="http://schemas.microsoft.com/office/drawing/2010/main" w="9525">
                   <a:solidFill>
                     <a:srgbClr val="000000"/>
                   </a:solidFill>
@@ -16387,7 +16387,7 @@
             </a:ln>
             <a:extLst>
               <a:ext uri="{91240B29-F687-4f45-9708-019B960494DF}">
-                <a14:hiddenLine xmlns:a14="http://schemas.microsoft.com/office/drawing/2010/main" xmlns="" w="9525">
+                <a14:hiddenLine xmlns="" xmlns:a14="http://schemas.microsoft.com/office/drawing/2010/main" w="9525">
                   <a:solidFill>
                     <a:srgbClr val="000000"/>
                   </a:solidFill>
@@ -16455,7 +16455,7 @@
             </a:ln>
             <a:extLst>
               <a:ext uri="{91240B29-F687-4f45-9708-019B960494DF}">
-                <a14:hiddenLine xmlns:a14="http://schemas.microsoft.com/office/drawing/2010/main" xmlns="" w="9525">
+                <a14:hiddenLine xmlns="" xmlns:a14="http://schemas.microsoft.com/office/drawing/2010/main" w="9525">
                   <a:solidFill>
                     <a:srgbClr val="000000"/>
                   </a:solidFill>
@@ -16523,7 +16523,7 @@
             </a:ln>
             <a:extLst>
               <a:ext uri="{91240B29-F687-4f45-9708-019B960494DF}">
-                <a14:hiddenLine xmlns:a14="http://schemas.microsoft.com/office/drawing/2010/main" xmlns="" w="9525">
+                <a14:hiddenLine xmlns="" xmlns:a14="http://schemas.microsoft.com/office/drawing/2010/main" w="9525">
                   <a:solidFill>
                     <a:srgbClr val="000000"/>
                   </a:solidFill>
@@ -16619,7 +16619,7 @@
             </a:ln>
             <a:extLst>
               <a:ext uri="{91240B29-F687-4f45-9708-019B960494DF}">
-                <a14:hiddenLine xmlns:a14="http://schemas.microsoft.com/office/drawing/2010/main" xmlns="" w="9525">
+                <a14:hiddenLine xmlns="" xmlns:a14="http://schemas.microsoft.com/office/drawing/2010/main" w="9525">
                   <a:solidFill>
                     <a:srgbClr val="000000"/>
                   </a:solidFill>
@@ -16693,7 +16693,7 @@
             </a:ln>
             <a:extLst>
               <a:ext uri="{91240B29-F687-4f45-9708-019B960494DF}">
-                <a14:hiddenLine xmlns:a14="http://schemas.microsoft.com/office/drawing/2010/main" xmlns="" w="9525">
+                <a14:hiddenLine xmlns="" xmlns:a14="http://schemas.microsoft.com/office/drawing/2010/main" w="9525">
                   <a:solidFill>
                     <a:srgbClr val="000000"/>
                   </a:solidFill>
@@ -16761,7 +16761,7 @@
             </a:ln>
             <a:extLst>
               <a:ext uri="{91240B29-F687-4f45-9708-019B960494DF}">
-                <a14:hiddenLine xmlns:a14="http://schemas.microsoft.com/office/drawing/2010/main" xmlns="" w="9525">
+                <a14:hiddenLine xmlns="" xmlns:a14="http://schemas.microsoft.com/office/drawing/2010/main" w="9525">
                   <a:solidFill>
                     <a:srgbClr val="000000"/>
                   </a:solidFill>
@@ -16857,7 +16857,7 @@
             </a:ln>
             <a:extLst>
               <a:ext uri="{91240B29-F687-4f45-9708-019B960494DF}">
-                <a14:hiddenLine xmlns:a14="http://schemas.microsoft.com/office/drawing/2010/main" xmlns="" w="9525">
+                <a14:hiddenLine xmlns="" xmlns:a14="http://schemas.microsoft.com/office/drawing/2010/main" w="9525">
                   <a:solidFill>
                     <a:srgbClr val="000000"/>
                   </a:solidFill>
@@ -16925,7 +16925,7 @@
             </a:ln>
             <a:extLst>
               <a:ext uri="{91240B29-F687-4f45-9708-019B960494DF}">
-                <a14:hiddenLine xmlns:a14="http://schemas.microsoft.com/office/drawing/2010/main" xmlns="" w="9525">
+                <a14:hiddenLine xmlns="" xmlns:a14="http://schemas.microsoft.com/office/drawing/2010/main" w="9525">
                   <a:solidFill>
                     <a:srgbClr val="000000"/>
                   </a:solidFill>
@@ -17021,7 +17021,7 @@
             </a:ln>
             <a:extLst>
               <a:ext uri="{91240B29-F687-4f45-9708-019B960494DF}">
-                <a14:hiddenLine xmlns:a14="http://schemas.microsoft.com/office/drawing/2010/main" xmlns="" w="9525">
+                <a14:hiddenLine xmlns="" xmlns:a14="http://schemas.microsoft.com/office/drawing/2010/main" w="9525">
                   <a:solidFill>
                     <a:srgbClr val="000000"/>
                   </a:solidFill>
@@ -17089,7 +17089,7 @@
             </a:ln>
             <a:extLst>
               <a:ext uri="{91240B29-F687-4f45-9708-019B960494DF}">
-                <a14:hiddenLine xmlns:a14="http://schemas.microsoft.com/office/drawing/2010/main" xmlns="" w="9525">
+                <a14:hiddenLine xmlns="" xmlns:a14="http://schemas.microsoft.com/office/drawing/2010/main" w="9525">
                   <a:solidFill>
                     <a:srgbClr val="000000"/>
                   </a:solidFill>
@@ -17185,7 +17185,7 @@
             </a:ln>
             <a:extLst>
               <a:ext uri="{91240B29-F687-4f45-9708-019B960494DF}">
-                <a14:hiddenLine xmlns:a14="http://schemas.microsoft.com/office/drawing/2010/main" xmlns="" w="9525">
+                <a14:hiddenLine xmlns="" xmlns:a14="http://schemas.microsoft.com/office/drawing/2010/main" w="9525">
                   <a:solidFill>
                     <a:srgbClr val="000000"/>
                   </a:solidFill>
@@ -17225,7 +17225,7 @@
             </a:ln>
             <a:extLst>
               <a:ext uri="{91240B29-F687-4f45-9708-019B960494DF}">
-                <a14:hiddenLine xmlns:a14="http://schemas.microsoft.com/office/drawing/2010/main" xmlns="" w="9525">
+                <a14:hiddenLine xmlns="" xmlns:a14="http://schemas.microsoft.com/office/drawing/2010/main" w="9525">
                   <a:solidFill>
                     <a:srgbClr val="000000"/>
                   </a:solidFill>
@@ -17296,7 +17296,7 @@
             </a:ln>
             <a:extLst>
               <a:ext uri="{91240B29-F687-4f45-9708-019B960494DF}">
-                <a14:hiddenLine xmlns:a14="http://schemas.microsoft.com/office/drawing/2010/main" xmlns="" w="9525">
+                <a14:hiddenLine xmlns="" xmlns:a14="http://schemas.microsoft.com/office/drawing/2010/main" w="9525">
                   <a:solidFill>
                     <a:srgbClr val="000000"/>
                   </a:solidFill>
@@ -17392,7 +17392,7 @@
             </a:ln>
             <a:extLst>
               <a:ext uri="{91240B29-F687-4f45-9708-019B960494DF}">
-                <a14:hiddenLine xmlns:a14="http://schemas.microsoft.com/office/drawing/2010/main" xmlns="" w="9525">
+                <a14:hiddenLine xmlns="" xmlns:a14="http://schemas.microsoft.com/office/drawing/2010/main" w="9525">
                   <a:solidFill>
                     <a:srgbClr val="000000"/>
                   </a:solidFill>
@@ -17460,7 +17460,7 @@
             </a:ln>
             <a:extLst>
               <a:ext uri="{91240B29-F687-4f45-9708-019B960494DF}">
-                <a14:hiddenLine xmlns:a14="http://schemas.microsoft.com/office/drawing/2010/main" xmlns="" w="9525">
+                <a14:hiddenLine xmlns="" xmlns:a14="http://schemas.microsoft.com/office/drawing/2010/main" w="9525">
                   <a:solidFill>
                     <a:srgbClr val="000000"/>
                   </a:solidFill>
@@ -17556,7 +17556,7 @@
             </a:ln>
             <a:extLst>
               <a:ext uri="{91240B29-F687-4f45-9708-019B960494DF}">
-                <a14:hiddenLine xmlns:a14="http://schemas.microsoft.com/office/drawing/2010/main" xmlns="" w="9525">
+                <a14:hiddenLine xmlns="" xmlns:a14="http://schemas.microsoft.com/office/drawing/2010/main" w="9525">
                   <a:solidFill>
                     <a:srgbClr val="000000"/>
                   </a:solidFill>
@@ -17652,7 +17652,7 @@
             </a:ln>
             <a:extLst>
               <a:ext uri="{91240B29-F687-4f45-9708-019B960494DF}">
-                <a14:hiddenLine xmlns:a14="http://schemas.microsoft.com/office/drawing/2010/main" xmlns="" w="9525">
+                <a14:hiddenLine xmlns="" xmlns:a14="http://schemas.microsoft.com/office/drawing/2010/main" w="9525">
                   <a:solidFill>
                     <a:srgbClr val="000000"/>
                   </a:solidFill>
@@ -17723,7 +17723,7 @@
             </a:ln>
             <a:extLst>
               <a:ext uri="{91240B29-F687-4f45-9708-019B960494DF}">
-                <a14:hiddenLine xmlns:a14="http://schemas.microsoft.com/office/drawing/2010/main" xmlns="" w="9525">
+                <a14:hiddenLine xmlns="" xmlns:a14="http://schemas.microsoft.com/office/drawing/2010/main" w="9525">
                   <a:solidFill>
                     <a:srgbClr val="000000"/>
                   </a:solidFill>
@@ -17791,7 +17791,7 @@
             </a:ln>
             <a:extLst>
               <a:ext uri="{91240B29-F687-4f45-9708-019B960494DF}">
-                <a14:hiddenLine xmlns:a14="http://schemas.microsoft.com/office/drawing/2010/main" xmlns="" w="9525">
+                <a14:hiddenLine xmlns="" xmlns:a14="http://schemas.microsoft.com/office/drawing/2010/main" w="9525">
                   <a:solidFill>
                     <a:srgbClr val="000000"/>
                   </a:solidFill>
@@ -17887,7 +17887,7 @@
             </a:ln>
             <a:extLst>
               <a:ext uri="{91240B29-F687-4f45-9708-019B960494DF}">
-                <a14:hiddenLine xmlns:a14="http://schemas.microsoft.com/office/drawing/2010/main" xmlns="" w="9525">
+                <a14:hiddenLine xmlns="" xmlns:a14="http://schemas.microsoft.com/office/drawing/2010/main" w="9525">
                   <a:solidFill>
                     <a:srgbClr val="000000"/>
                   </a:solidFill>
@@ -17983,7 +17983,7 @@
             </a:ln>
             <a:extLst>
               <a:ext uri="{91240B29-F687-4f45-9708-019B960494DF}">
-                <a14:hiddenLine xmlns:a14="http://schemas.microsoft.com/office/drawing/2010/main" xmlns="" w="9525">
+                <a14:hiddenLine xmlns="" xmlns:a14="http://schemas.microsoft.com/office/drawing/2010/main" w="9525">
                   <a:solidFill>
                     <a:srgbClr val="000000"/>
                   </a:solidFill>
@@ -18051,7 +18051,7 @@
             </a:ln>
             <a:extLst>
               <a:ext uri="{91240B29-F687-4f45-9708-019B960494DF}">
-                <a14:hiddenLine xmlns:a14="http://schemas.microsoft.com/office/drawing/2010/main" xmlns="" w="9525">
+                <a14:hiddenLine xmlns="" xmlns:a14="http://schemas.microsoft.com/office/drawing/2010/main" w="9525">
                   <a:solidFill>
                     <a:srgbClr val="000000"/>
                   </a:solidFill>
@@ -18177,7 +18177,7 @@
             </a:ln>
             <a:extLst>
               <a:ext uri="{91240B29-F687-4f45-9708-019B960494DF}">
-                <a14:hiddenLine xmlns:a14="http://schemas.microsoft.com/office/drawing/2010/main" xmlns="" w="9525">
+                <a14:hiddenLine xmlns="" xmlns:a14="http://schemas.microsoft.com/office/drawing/2010/main" w="9525">
                   <a:solidFill>
                     <a:srgbClr val="000000"/>
                   </a:solidFill>
@@ -18251,7 +18251,7 @@
             </a:ln>
             <a:extLst>
               <a:ext uri="{91240B29-F687-4f45-9708-019B960494DF}">
-                <a14:hiddenLine xmlns:a14="http://schemas.microsoft.com/office/drawing/2010/main" xmlns="" w="9525">
+                <a14:hiddenLine xmlns="" xmlns:a14="http://schemas.microsoft.com/office/drawing/2010/main" w="9525">
                   <a:solidFill>
                     <a:srgbClr val="000000"/>
                   </a:solidFill>
@@ -18347,7 +18347,7 @@
             </a:ln>
             <a:extLst>
               <a:ext uri="{91240B29-F687-4f45-9708-019B960494DF}">
-                <a14:hiddenLine xmlns:a14="http://schemas.microsoft.com/office/drawing/2010/main" xmlns="" w="9525">
+                <a14:hiddenLine xmlns="" xmlns:a14="http://schemas.microsoft.com/office/drawing/2010/main" w="9525">
                   <a:solidFill>
                     <a:srgbClr val="000000"/>
                   </a:solidFill>
@@ -18407,7 +18407,7 @@
         </p:spPr>
         <p:txBody>
           <a:bodyPr>
-            <a:normAutofit fontScale="92500" lnSpcReduction="10000"/>
+            <a:normAutofit fontScale="92500" lnSpcReduction="20000"/>
           </a:bodyPr>
           <a:lstStyle/>
           <a:p>
@@ -18474,7 +18474,7 @@
             </a:br>
             <a:r>
               <a:rPr lang="en-CA" sz="1800" dirty="0"/>
-              <a:t>-Manual system testing  </a:t>
+              <a:t>-Manual system testing for all system</a:t>
             </a:r>
           </a:p>
         </p:txBody>

--- a/ECSE321 presentation group 11 V2.pptx
+++ b/ECSE321 presentation group 11 V2.pptx
@@ -6,8 +6,8 @@
   </p:sldMasterIdLst>
   <p:sldIdLst>
     <p:sldId id="256" r:id="rId2"/>
-    <p:sldId id="262" r:id="rId3"/>
-    <p:sldId id="263" r:id="rId4"/>
+    <p:sldId id="263" r:id="rId3"/>
+    <p:sldId id="262" r:id="rId4"/>
     <p:sldId id="266" r:id="rId5"/>
     <p:sldId id="264" r:id="rId6"/>
     <p:sldId id="268" r:id="rId7"/>
@@ -175,7 +175,7 @@
           <a:noFill/>
           <a:extLst>
             <a:ext uri="{909E8E84-426E-40dd-AFC4-6F175D3DCCD1}">
-              <a14:hiddenFill xmlns="" xmlns:a14="http://schemas.microsoft.com/office/drawing/2010/main">
+              <a14:hiddenFill xmlns:a14="http://schemas.microsoft.com/office/drawing/2010/main" xmlns="">
                 <a:solidFill>
                   <a:srgbClr val="FFFFFF"/>
                 </a:solidFill>
@@ -235,7 +235,7 @@
             </a:ln>
             <a:extLst>
               <a:ext uri="{91240B29-F687-4f45-9708-019B960494DF}">
-                <a14:hiddenLine xmlns="" xmlns:a14="http://schemas.microsoft.com/office/drawing/2010/main" w="9525">
+                <a14:hiddenLine xmlns:a14="http://schemas.microsoft.com/office/drawing/2010/main" xmlns="" w="9525">
                   <a:solidFill>
                     <a:srgbClr val="000000"/>
                   </a:solidFill>
@@ -325,7 +325,7 @@
             </a:ln>
             <a:extLst>
               <a:ext uri="{91240B29-F687-4f45-9708-019B960494DF}">
-                <a14:hiddenLine xmlns="" xmlns:a14="http://schemas.microsoft.com/office/drawing/2010/main" w="9525">
+                <a14:hiddenLine xmlns:a14="http://schemas.microsoft.com/office/drawing/2010/main" xmlns="" w="9525">
                   <a:solidFill>
                     <a:srgbClr val="000000"/>
                   </a:solidFill>
@@ -415,7 +415,7 @@
             </a:ln>
             <a:extLst>
               <a:ext uri="{91240B29-F687-4f45-9708-019B960494DF}">
-                <a14:hiddenLine xmlns="" xmlns:a14="http://schemas.microsoft.com/office/drawing/2010/main" w="9525">
+                <a14:hiddenLine xmlns:a14="http://schemas.microsoft.com/office/drawing/2010/main" xmlns="" w="9525">
                   <a:solidFill>
                     <a:srgbClr val="000000"/>
                   </a:solidFill>
@@ -449,7 +449,7 @@
             </a:ln>
             <a:extLst>
               <a:ext uri="{91240B29-F687-4f45-9708-019B960494DF}">
-                <a14:hiddenLine xmlns="" xmlns:a14="http://schemas.microsoft.com/office/drawing/2010/main" w="9525">
+                <a14:hiddenLine xmlns:a14="http://schemas.microsoft.com/office/drawing/2010/main" xmlns="" w="9525">
                   <a:solidFill>
                     <a:srgbClr val="000000"/>
                   </a:solidFill>
@@ -539,7 +539,7 @@
             </a:ln>
             <a:extLst>
               <a:ext uri="{91240B29-F687-4f45-9708-019B960494DF}">
-                <a14:hiddenLine xmlns="" xmlns:a14="http://schemas.microsoft.com/office/drawing/2010/main" w="9525">
+                <a14:hiddenLine xmlns:a14="http://schemas.microsoft.com/office/drawing/2010/main" xmlns="" w="9525">
                   <a:solidFill>
                     <a:srgbClr val="000000"/>
                   </a:solidFill>
@@ -601,7 +601,7 @@
             </a:ln>
             <a:extLst>
               <a:ext uri="{91240B29-F687-4f45-9708-019B960494DF}">
-                <a14:hiddenLine xmlns="" xmlns:a14="http://schemas.microsoft.com/office/drawing/2010/main" w="9525">
+                <a14:hiddenLine xmlns:a14="http://schemas.microsoft.com/office/drawing/2010/main" xmlns="" w="9525">
                   <a:solidFill>
                     <a:srgbClr val="000000"/>
                   </a:solidFill>
@@ -663,7 +663,7 @@
             </a:ln>
             <a:extLst>
               <a:ext uri="{91240B29-F687-4f45-9708-019B960494DF}">
-                <a14:hiddenLine xmlns="" xmlns:a14="http://schemas.microsoft.com/office/drawing/2010/main" w="9525">
+                <a14:hiddenLine xmlns:a14="http://schemas.microsoft.com/office/drawing/2010/main" xmlns="" w="9525">
                   <a:solidFill>
                     <a:srgbClr val="000000"/>
                   </a:solidFill>
@@ -753,7 +753,7 @@
             </a:ln>
             <a:extLst>
               <a:ext uri="{91240B29-F687-4f45-9708-019B960494DF}">
-                <a14:hiddenLine xmlns="" xmlns:a14="http://schemas.microsoft.com/office/drawing/2010/main" w="9525">
+                <a14:hiddenLine xmlns:a14="http://schemas.microsoft.com/office/drawing/2010/main" xmlns="" w="9525">
                   <a:solidFill>
                     <a:srgbClr val="000000"/>
                   </a:solidFill>
@@ -815,7 +815,7 @@
             </a:ln>
             <a:extLst>
               <a:ext uri="{91240B29-F687-4f45-9708-019B960494DF}">
-                <a14:hiddenLine xmlns="" xmlns:a14="http://schemas.microsoft.com/office/drawing/2010/main" w="9525">
+                <a14:hiddenLine xmlns:a14="http://schemas.microsoft.com/office/drawing/2010/main" xmlns="" w="9525">
                   <a:solidFill>
                     <a:srgbClr val="000000"/>
                   </a:solidFill>
@@ -877,7 +877,7 @@
             </a:ln>
             <a:extLst>
               <a:ext uri="{91240B29-F687-4f45-9708-019B960494DF}">
-                <a14:hiddenLine xmlns="" xmlns:a14="http://schemas.microsoft.com/office/drawing/2010/main" w="9525">
+                <a14:hiddenLine xmlns:a14="http://schemas.microsoft.com/office/drawing/2010/main" xmlns="" w="9525">
                   <a:solidFill>
                     <a:srgbClr val="000000"/>
                   </a:solidFill>
@@ -967,7 +967,7 @@
             </a:ln>
             <a:extLst>
               <a:ext uri="{91240B29-F687-4f45-9708-019B960494DF}">
-                <a14:hiddenLine xmlns="" xmlns:a14="http://schemas.microsoft.com/office/drawing/2010/main" w="9525">
+                <a14:hiddenLine xmlns:a14="http://schemas.microsoft.com/office/drawing/2010/main" xmlns="" w="9525">
                   <a:solidFill>
                     <a:srgbClr val="000000"/>
                   </a:solidFill>
@@ -1057,7 +1057,7 @@
             </a:ln>
             <a:extLst>
               <a:ext uri="{91240B29-F687-4f45-9708-019B960494DF}">
-                <a14:hiddenLine xmlns="" xmlns:a14="http://schemas.microsoft.com/office/drawing/2010/main" w="9525">
+                <a14:hiddenLine xmlns:a14="http://schemas.microsoft.com/office/drawing/2010/main" xmlns="" w="9525">
                   <a:solidFill>
                     <a:srgbClr val="000000"/>
                   </a:solidFill>
@@ -1119,7 +1119,7 @@
             </a:ln>
             <a:extLst>
               <a:ext uri="{91240B29-F687-4f45-9708-019B960494DF}">
-                <a14:hiddenLine xmlns="" xmlns:a14="http://schemas.microsoft.com/office/drawing/2010/main" w="9525">
+                <a14:hiddenLine xmlns:a14="http://schemas.microsoft.com/office/drawing/2010/main" xmlns="" w="9525">
                   <a:solidFill>
                     <a:srgbClr val="000000"/>
                   </a:solidFill>
@@ -1229,7 +1229,7 @@
             </a:ln>
             <a:extLst>
               <a:ext uri="{91240B29-F687-4f45-9708-019B960494DF}">
-                <a14:hiddenLine xmlns="" xmlns:a14="http://schemas.microsoft.com/office/drawing/2010/main" w="9525">
+                <a14:hiddenLine xmlns:a14="http://schemas.microsoft.com/office/drawing/2010/main" xmlns="" w="9525">
                   <a:solidFill>
                     <a:srgbClr val="000000"/>
                   </a:solidFill>
@@ -1291,7 +1291,7 @@
             </a:ln>
             <a:extLst>
               <a:ext uri="{91240B29-F687-4f45-9708-019B960494DF}">
-                <a14:hiddenLine xmlns="" xmlns:a14="http://schemas.microsoft.com/office/drawing/2010/main" w="9525">
+                <a14:hiddenLine xmlns:a14="http://schemas.microsoft.com/office/drawing/2010/main" xmlns="" w="9525">
                   <a:solidFill>
                     <a:srgbClr val="000000"/>
                   </a:solidFill>
@@ -1381,7 +1381,7 @@
             </a:ln>
             <a:extLst>
               <a:ext uri="{91240B29-F687-4f45-9708-019B960494DF}">
-                <a14:hiddenLine xmlns="" xmlns:a14="http://schemas.microsoft.com/office/drawing/2010/main" w="9525">
+                <a14:hiddenLine xmlns:a14="http://schemas.microsoft.com/office/drawing/2010/main" xmlns="" w="9525">
                   <a:solidFill>
                     <a:srgbClr val="000000"/>
                   </a:solidFill>
@@ -1471,7 +1471,7 @@
             </a:ln>
             <a:extLst>
               <a:ext uri="{91240B29-F687-4f45-9708-019B960494DF}">
-                <a14:hiddenLine xmlns="" xmlns:a14="http://schemas.microsoft.com/office/drawing/2010/main" w="9525">
+                <a14:hiddenLine xmlns:a14="http://schemas.microsoft.com/office/drawing/2010/main" xmlns="" w="9525">
                   <a:solidFill>
                     <a:srgbClr val="000000"/>
                   </a:solidFill>
@@ -1533,7 +1533,7 @@
             </a:ln>
             <a:extLst>
               <a:ext uri="{91240B29-F687-4f45-9708-019B960494DF}">
-                <a14:hiddenLine xmlns="" xmlns:a14="http://schemas.microsoft.com/office/drawing/2010/main" w="9525">
+                <a14:hiddenLine xmlns:a14="http://schemas.microsoft.com/office/drawing/2010/main" xmlns="" w="9525">
                   <a:solidFill>
                     <a:srgbClr val="000000"/>
                   </a:solidFill>
@@ -1623,7 +1623,7 @@
             </a:ln>
             <a:extLst>
               <a:ext uri="{91240B29-F687-4f45-9708-019B960494DF}">
-                <a14:hiddenLine xmlns="" xmlns:a14="http://schemas.microsoft.com/office/drawing/2010/main" w="9525">
+                <a14:hiddenLine xmlns:a14="http://schemas.microsoft.com/office/drawing/2010/main" xmlns="" w="9525">
                   <a:solidFill>
                     <a:srgbClr val="000000"/>
                   </a:solidFill>
@@ -1713,7 +1713,7 @@
             </a:ln>
             <a:extLst>
               <a:ext uri="{91240B29-F687-4f45-9708-019B960494DF}">
-                <a14:hiddenLine xmlns="" xmlns:a14="http://schemas.microsoft.com/office/drawing/2010/main" w="9525">
+                <a14:hiddenLine xmlns:a14="http://schemas.microsoft.com/office/drawing/2010/main" xmlns="" w="9525">
                   <a:solidFill>
                     <a:srgbClr val="000000"/>
                   </a:solidFill>
@@ -1769,7 +1769,7 @@
             </a:ln>
             <a:extLst>
               <a:ext uri="{91240B29-F687-4f45-9708-019B960494DF}">
-                <a14:hiddenLine xmlns="" xmlns:a14="http://schemas.microsoft.com/office/drawing/2010/main" w="9525">
+                <a14:hiddenLine xmlns:a14="http://schemas.microsoft.com/office/drawing/2010/main" xmlns="" w="9525">
                   <a:solidFill>
                     <a:srgbClr val="000000"/>
                   </a:solidFill>
@@ -1859,7 +1859,7 @@
             </a:ln>
             <a:extLst>
               <a:ext uri="{91240B29-F687-4f45-9708-019B960494DF}">
-                <a14:hiddenLine xmlns="" xmlns:a14="http://schemas.microsoft.com/office/drawing/2010/main" w="9525">
+                <a14:hiddenLine xmlns:a14="http://schemas.microsoft.com/office/drawing/2010/main" xmlns="" w="9525">
                   <a:solidFill>
                     <a:srgbClr val="000000"/>
                   </a:solidFill>
@@ -1915,7 +1915,7 @@
             </a:ln>
             <a:extLst>
               <a:ext uri="{91240B29-F687-4f45-9708-019B960494DF}">
-                <a14:hiddenLine xmlns="" xmlns:a14="http://schemas.microsoft.com/office/drawing/2010/main" w="9525">
+                <a14:hiddenLine xmlns:a14="http://schemas.microsoft.com/office/drawing/2010/main" xmlns="" w="9525">
                   <a:solidFill>
                     <a:srgbClr val="000000"/>
                   </a:solidFill>
@@ -2005,7 +2005,7 @@
             </a:ln>
             <a:extLst>
               <a:ext uri="{91240B29-F687-4f45-9708-019B960494DF}">
-                <a14:hiddenLine xmlns="" xmlns:a14="http://schemas.microsoft.com/office/drawing/2010/main" w="9525">
+                <a14:hiddenLine xmlns:a14="http://schemas.microsoft.com/office/drawing/2010/main" xmlns="" w="9525">
                   <a:solidFill>
                     <a:srgbClr val="000000"/>
                   </a:solidFill>
@@ -2073,7 +2073,7 @@
             </a:ln>
             <a:extLst>
               <a:ext uri="{91240B29-F687-4f45-9708-019B960494DF}">
-                <a14:hiddenLine xmlns="" xmlns:a14="http://schemas.microsoft.com/office/drawing/2010/main" w="9525">
+                <a14:hiddenLine xmlns:a14="http://schemas.microsoft.com/office/drawing/2010/main" xmlns="" w="9525">
                   <a:solidFill>
                     <a:srgbClr val="000000"/>
                   </a:solidFill>
@@ -2163,7 +2163,7 @@
             </a:ln>
             <a:extLst>
               <a:ext uri="{91240B29-F687-4f45-9708-019B960494DF}">
-                <a14:hiddenLine xmlns="" xmlns:a14="http://schemas.microsoft.com/office/drawing/2010/main" w="9525">
+                <a14:hiddenLine xmlns:a14="http://schemas.microsoft.com/office/drawing/2010/main" xmlns="" w="9525">
                   <a:solidFill>
                     <a:srgbClr val="000000"/>
                   </a:solidFill>
@@ -2231,7 +2231,7 @@
             </a:ln>
             <a:extLst>
               <a:ext uri="{91240B29-F687-4f45-9708-019B960494DF}">
-                <a14:hiddenLine xmlns="" xmlns:a14="http://schemas.microsoft.com/office/drawing/2010/main" w="9525">
+                <a14:hiddenLine xmlns:a14="http://schemas.microsoft.com/office/drawing/2010/main" xmlns="" w="9525">
                   <a:solidFill>
                     <a:srgbClr val="000000"/>
                   </a:solidFill>
@@ -2321,7 +2321,7 @@
             </a:ln>
             <a:extLst>
               <a:ext uri="{91240B29-F687-4f45-9708-019B960494DF}">
-                <a14:hiddenLine xmlns="" xmlns:a14="http://schemas.microsoft.com/office/drawing/2010/main" w="9525">
+                <a14:hiddenLine xmlns:a14="http://schemas.microsoft.com/office/drawing/2010/main" xmlns="" w="9525">
                   <a:solidFill>
                     <a:srgbClr val="000000"/>
                   </a:solidFill>
@@ -2355,7 +2355,7 @@
             </a:ln>
             <a:extLst>
               <a:ext uri="{91240B29-F687-4f45-9708-019B960494DF}">
-                <a14:hiddenLine xmlns="" xmlns:a14="http://schemas.microsoft.com/office/drawing/2010/main" w="9525">
+                <a14:hiddenLine xmlns:a14="http://schemas.microsoft.com/office/drawing/2010/main" xmlns="" w="9525">
                   <a:solidFill>
                     <a:srgbClr val="000000"/>
                   </a:solidFill>
@@ -2445,7 +2445,7 @@
             </a:ln>
             <a:extLst>
               <a:ext uri="{91240B29-F687-4f45-9708-019B960494DF}">
-                <a14:hiddenLine xmlns="" xmlns:a14="http://schemas.microsoft.com/office/drawing/2010/main" w="9525">
+                <a14:hiddenLine xmlns:a14="http://schemas.microsoft.com/office/drawing/2010/main" xmlns="" w="9525">
                   <a:solidFill>
                     <a:srgbClr val="000000"/>
                   </a:solidFill>
@@ -2507,7 +2507,7 @@
             </a:ln>
             <a:extLst>
               <a:ext uri="{91240B29-F687-4f45-9708-019B960494DF}">
-                <a14:hiddenLine xmlns="" xmlns:a14="http://schemas.microsoft.com/office/drawing/2010/main" w="9525">
+                <a14:hiddenLine xmlns:a14="http://schemas.microsoft.com/office/drawing/2010/main" xmlns="" w="9525">
                   <a:solidFill>
                     <a:srgbClr val="000000"/>
                   </a:solidFill>
@@ -2569,7 +2569,7 @@
             </a:ln>
             <a:extLst>
               <a:ext uri="{91240B29-F687-4f45-9708-019B960494DF}">
-                <a14:hiddenLine xmlns="" xmlns:a14="http://schemas.microsoft.com/office/drawing/2010/main" w="9525">
+                <a14:hiddenLine xmlns:a14="http://schemas.microsoft.com/office/drawing/2010/main" xmlns="" w="9525">
                   <a:solidFill>
                     <a:srgbClr val="000000"/>
                   </a:solidFill>
@@ -2659,7 +2659,7 @@
             </a:ln>
             <a:extLst>
               <a:ext uri="{91240B29-F687-4f45-9708-019B960494DF}">
-                <a14:hiddenLine xmlns="" xmlns:a14="http://schemas.microsoft.com/office/drawing/2010/main" w="9525">
+                <a14:hiddenLine xmlns:a14="http://schemas.microsoft.com/office/drawing/2010/main" xmlns="" w="9525">
                   <a:solidFill>
                     <a:srgbClr val="000000"/>
                   </a:solidFill>
@@ -2727,7 +2727,7 @@
             </a:ln>
             <a:extLst>
               <a:ext uri="{91240B29-F687-4f45-9708-019B960494DF}">
-                <a14:hiddenLine xmlns="" xmlns:a14="http://schemas.microsoft.com/office/drawing/2010/main" w="9525">
+                <a14:hiddenLine xmlns:a14="http://schemas.microsoft.com/office/drawing/2010/main" xmlns="" w="9525">
                   <a:solidFill>
                     <a:srgbClr val="000000"/>
                   </a:solidFill>
@@ -2789,7 +2789,7 @@
             </a:ln>
             <a:extLst>
               <a:ext uri="{91240B29-F687-4f45-9708-019B960494DF}">
-                <a14:hiddenLine xmlns="" xmlns:a14="http://schemas.microsoft.com/office/drawing/2010/main" w="9525">
+                <a14:hiddenLine xmlns:a14="http://schemas.microsoft.com/office/drawing/2010/main" xmlns="" w="9525">
                   <a:solidFill>
                     <a:srgbClr val="000000"/>
                   </a:solidFill>
@@ -2879,7 +2879,7 @@
             </a:ln>
             <a:extLst>
               <a:ext uri="{91240B29-F687-4f45-9708-019B960494DF}">
-                <a14:hiddenLine xmlns="" xmlns:a14="http://schemas.microsoft.com/office/drawing/2010/main" w="9525">
+                <a14:hiddenLine xmlns:a14="http://schemas.microsoft.com/office/drawing/2010/main" xmlns="" w="9525">
                   <a:solidFill>
                     <a:srgbClr val="000000"/>
                   </a:solidFill>
@@ -2941,7 +2941,7 @@
             </a:ln>
             <a:extLst>
               <a:ext uri="{91240B29-F687-4f45-9708-019B960494DF}">
-                <a14:hiddenLine xmlns="" xmlns:a14="http://schemas.microsoft.com/office/drawing/2010/main" w="9525">
+                <a14:hiddenLine xmlns:a14="http://schemas.microsoft.com/office/drawing/2010/main" xmlns="" w="9525">
                   <a:solidFill>
                     <a:srgbClr val="000000"/>
                   </a:solidFill>
@@ -3031,7 +3031,7 @@
             </a:ln>
             <a:extLst>
               <a:ext uri="{91240B29-F687-4f45-9708-019B960494DF}">
-                <a14:hiddenLine xmlns="" xmlns:a14="http://schemas.microsoft.com/office/drawing/2010/main" w="9525">
+                <a14:hiddenLine xmlns:a14="http://schemas.microsoft.com/office/drawing/2010/main" xmlns="" w="9525">
                   <a:solidFill>
                     <a:srgbClr val="000000"/>
                   </a:solidFill>
@@ -3093,7 +3093,7 @@
             </a:ln>
             <a:extLst>
               <a:ext uri="{91240B29-F687-4f45-9708-019B960494DF}">
-                <a14:hiddenLine xmlns="" xmlns:a14="http://schemas.microsoft.com/office/drawing/2010/main" w="9525">
+                <a14:hiddenLine xmlns:a14="http://schemas.microsoft.com/office/drawing/2010/main" xmlns="" w="9525">
                   <a:solidFill>
                     <a:srgbClr val="000000"/>
                   </a:solidFill>
@@ -3183,7 +3183,7 @@
             </a:ln>
             <a:extLst>
               <a:ext uri="{91240B29-F687-4f45-9708-019B960494DF}">
-                <a14:hiddenLine xmlns="" xmlns:a14="http://schemas.microsoft.com/office/drawing/2010/main" w="9525">
+                <a14:hiddenLine xmlns:a14="http://schemas.microsoft.com/office/drawing/2010/main" xmlns="" w="9525">
                   <a:solidFill>
                     <a:srgbClr val="000000"/>
                   </a:solidFill>
@@ -3217,7 +3217,7 @@
             </a:ln>
             <a:extLst>
               <a:ext uri="{91240B29-F687-4f45-9708-019B960494DF}">
-                <a14:hiddenLine xmlns="" xmlns:a14="http://schemas.microsoft.com/office/drawing/2010/main" w="9525">
+                <a14:hiddenLine xmlns:a14="http://schemas.microsoft.com/office/drawing/2010/main" xmlns="" w="9525">
                   <a:solidFill>
                     <a:srgbClr val="000000"/>
                   </a:solidFill>
@@ -3282,7 +3282,7 @@
             </a:ln>
             <a:extLst>
               <a:ext uri="{91240B29-F687-4f45-9708-019B960494DF}">
-                <a14:hiddenLine xmlns="" xmlns:a14="http://schemas.microsoft.com/office/drawing/2010/main" w="9525">
+                <a14:hiddenLine xmlns:a14="http://schemas.microsoft.com/office/drawing/2010/main" xmlns="" w="9525">
                   <a:solidFill>
                     <a:srgbClr val="000000"/>
                   </a:solidFill>
@@ -3372,7 +3372,7 @@
             </a:ln>
             <a:extLst>
               <a:ext uri="{91240B29-F687-4f45-9708-019B960494DF}">
-                <a14:hiddenLine xmlns="" xmlns:a14="http://schemas.microsoft.com/office/drawing/2010/main" w="9525">
+                <a14:hiddenLine xmlns:a14="http://schemas.microsoft.com/office/drawing/2010/main" xmlns="" w="9525">
                   <a:solidFill>
                     <a:srgbClr val="000000"/>
                   </a:solidFill>
@@ -3434,7 +3434,7 @@
             </a:ln>
             <a:extLst>
               <a:ext uri="{91240B29-F687-4f45-9708-019B960494DF}">
-                <a14:hiddenLine xmlns="" xmlns:a14="http://schemas.microsoft.com/office/drawing/2010/main" w="9525">
+                <a14:hiddenLine xmlns:a14="http://schemas.microsoft.com/office/drawing/2010/main" xmlns="" w="9525">
                   <a:solidFill>
                     <a:srgbClr val="000000"/>
                   </a:solidFill>
@@ -3524,7 +3524,7 @@
             </a:ln>
             <a:extLst>
               <a:ext uri="{91240B29-F687-4f45-9708-019B960494DF}">
-                <a14:hiddenLine xmlns="" xmlns:a14="http://schemas.microsoft.com/office/drawing/2010/main" w="9525">
+                <a14:hiddenLine xmlns:a14="http://schemas.microsoft.com/office/drawing/2010/main" xmlns="" w="9525">
                   <a:solidFill>
                     <a:srgbClr val="000000"/>
                   </a:solidFill>
@@ -3614,7 +3614,7 @@
             </a:ln>
             <a:extLst>
               <a:ext uri="{91240B29-F687-4f45-9708-019B960494DF}">
-                <a14:hiddenLine xmlns="" xmlns:a14="http://schemas.microsoft.com/office/drawing/2010/main" w="9525">
+                <a14:hiddenLine xmlns:a14="http://schemas.microsoft.com/office/drawing/2010/main" xmlns="" w="9525">
                   <a:solidFill>
                     <a:srgbClr val="000000"/>
                   </a:solidFill>
@@ -3679,7 +3679,7 @@
             </a:ln>
             <a:extLst>
               <a:ext uri="{91240B29-F687-4f45-9708-019B960494DF}">
-                <a14:hiddenLine xmlns="" xmlns:a14="http://schemas.microsoft.com/office/drawing/2010/main" w="9525">
+                <a14:hiddenLine xmlns:a14="http://schemas.microsoft.com/office/drawing/2010/main" xmlns="" w="9525">
                   <a:solidFill>
                     <a:srgbClr val="000000"/>
                   </a:solidFill>
@@ -3741,7 +3741,7 @@
             </a:ln>
             <a:extLst>
               <a:ext uri="{91240B29-F687-4f45-9708-019B960494DF}">
-                <a14:hiddenLine xmlns="" xmlns:a14="http://schemas.microsoft.com/office/drawing/2010/main" w="9525">
+                <a14:hiddenLine xmlns:a14="http://schemas.microsoft.com/office/drawing/2010/main" xmlns="" w="9525">
                   <a:solidFill>
                     <a:srgbClr val="000000"/>
                   </a:solidFill>
@@ -3831,7 +3831,7 @@
             </a:ln>
             <a:extLst>
               <a:ext uri="{91240B29-F687-4f45-9708-019B960494DF}">
-                <a14:hiddenLine xmlns="" xmlns:a14="http://schemas.microsoft.com/office/drawing/2010/main" w="9525">
+                <a14:hiddenLine xmlns:a14="http://schemas.microsoft.com/office/drawing/2010/main" xmlns="" w="9525">
                   <a:solidFill>
                     <a:srgbClr val="000000"/>
                   </a:solidFill>
@@ -3921,7 +3921,7 @@
             </a:ln>
             <a:extLst>
               <a:ext uri="{91240B29-F687-4f45-9708-019B960494DF}">
-                <a14:hiddenLine xmlns="" xmlns:a14="http://schemas.microsoft.com/office/drawing/2010/main" w="9525">
+                <a14:hiddenLine xmlns:a14="http://schemas.microsoft.com/office/drawing/2010/main" xmlns="" w="9525">
                   <a:solidFill>
                     <a:srgbClr val="000000"/>
                   </a:solidFill>
@@ -3983,7 +3983,7 @@
             </a:ln>
             <a:extLst>
               <a:ext uri="{91240B29-F687-4f45-9708-019B960494DF}">
-                <a14:hiddenLine xmlns="" xmlns:a14="http://schemas.microsoft.com/office/drawing/2010/main" w="9525">
+                <a14:hiddenLine xmlns:a14="http://schemas.microsoft.com/office/drawing/2010/main" xmlns="" w="9525">
                   <a:solidFill>
                     <a:srgbClr val="000000"/>
                   </a:solidFill>
@@ -4103,7 +4103,7 @@
             </a:ln>
             <a:extLst>
               <a:ext uri="{91240B29-F687-4f45-9708-019B960494DF}">
-                <a14:hiddenLine xmlns="" xmlns:a14="http://schemas.microsoft.com/office/drawing/2010/main" w="9525">
+                <a14:hiddenLine xmlns:a14="http://schemas.microsoft.com/office/drawing/2010/main" xmlns="" w="9525">
                   <a:solidFill>
                     <a:srgbClr val="000000"/>
                   </a:solidFill>
@@ -4171,7 +4171,7 @@
             </a:ln>
             <a:extLst>
               <a:ext uri="{91240B29-F687-4f45-9708-019B960494DF}">
-                <a14:hiddenLine xmlns="" xmlns:a14="http://schemas.microsoft.com/office/drawing/2010/main" w="9525">
+                <a14:hiddenLine xmlns:a14="http://schemas.microsoft.com/office/drawing/2010/main" xmlns="" w="9525">
                   <a:solidFill>
                     <a:srgbClr val="000000"/>
                   </a:solidFill>
@@ -4261,7 +4261,7 @@
             </a:ln>
             <a:extLst>
               <a:ext uri="{91240B29-F687-4f45-9708-019B960494DF}">
-                <a14:hiddenLine xmlns="" xmlns:a14="http://schemas.microsoft.com/office/drawing/2010/main" w="9525">
+                <a14:hiddenLine xmlns:a14="http://schemas.microsoft.com/office/drawing/2010/main" xmlns="" w="9525">
                   <a:solidFill>
                     <a:srgbClr val="000000"/>
                   </a:solidFill>
@@ -8983,7 +8983,7 @@
           <a:noFill/>
           <a:extLst>
             <a:ext uri="{909E8E84-426E-40dd-AFC4-6F175D3DCCD1}">
-              <a14:hiddenFill xmlns="" xmlns:a14="http://schemas.microsoft.com/office/drawing/2010/main">
+              <a14:hiddenFill xmlns:a14="http://schemas.microsoft.com/office/drawing/2010/main" xmlns="">
                 <a:solidFill>
                   <a:srgbClr val="FFFFFF"/>
                 </a:solidFill>
@@ -9057,7 +9057,7 @@
               </a:ln>
               <a:extLst>
                 <a:ext uri="{91240B29-F687-4f45-9708-019B960494DF}">
-                  <a14:hiddenLine xmlns="" xmlns:a14="http://schemas.microsoft.com/office/drawing/2010/main" w="9525">
+                  <a14:hiddenLine xmlns:a14="http://schemas.microsoft.com/office/drawing/2010/main" xmlns="" w="9525">
                     <a:solidFill>
                       <a:srgbClr val="000000"/>
                     </a:solidFill>
@@ -9147,7 +9147,7 @@
               </a:ln>
               <a:extLst>
                 <a:ext uri="{91240B29-F687-4f45-9708-019B960494DF}">
-                  <a14:hiddenLine xmlns="" xmlns:a14="http://schemas.microsoft.com/office/drawing/2010/main" w="9525">
+                  <a14:hiddenLine xmlns:a14="http://schemas.microsoft.com/office/drawing/2010/main" xmlns="" w="9525">
                     <a:solidFill>
                       <a:srgbClr val="000000"/>
                     </a:solidFill>
@@ -9237,7 +9237,7 @@
               </a:ln>
               <a:extLst>
                 <a:ext uri="{91240B29-F687-4f45-9708-019B960494DF}">
-                  <a14:hiddenLine xmlns="" xmlns:a14="http://schemas.microsoft.com/office/drawing/2010/main" w="9525">
+                  <a14:hiddenLine xmlns:a14="http://schemas.microsoft.com/office/drawing/2010/main" xmlns="" w="9525">
                     <a:solidFill>
                       <a:srgbClr val="000000"/>
                     </a:solidFill>
@@ -9299,7 +9299,7 @@
               </a:ln>
               <a:extLst>
                 <a:ext uri="{91240B29-F687-4f45-9708-019B960494DF}">
-                  <a14:hiddenLine xmlns="" xmlns:a14="http://schemas.microsoft.com/office/drawing/2010/main" w="9525">
+                  <a14:hiddenLine xmlns:a14="http://schemas.microsoft.com/office/drawing/2010/main" xmlns="" w="9525">
                     <a:solidFill>
                       <a:srgbClr val="000000"/>
                     </a:solidFill>
@@ -9389,7 +9389,7 @@
               </a:ln>
               <a:extLst>
                 <a:ext uri="{91240B29-F687-4f45-9708-019B960494DF}">
-                  <a14:hiddenLine xmlns="" xmlns:a14="http://schemas.microsoft.com/office/drawing/2010/main" w="9525">
+                  <a14:hiddenLine xmlns:a14="http://schemas.microsoft.com/office/drawing/2010/main" xmlns="" w="9525">
                     <a:solidFill>
                       <a:srgbClr val="000000"/>
                     </a:solidFill>
@@ -9451,7 +9451,7 @@
               </a:ln>
               <a:extLst>
                 <a:ext uri="{91240B29-F687-4f45-9708-019B960494DF}">
-                  <a14:hiddenLine xmlns="" xmlns:a14="http://schemas.microsoft.com/office/drawing/2010/main" w="9525">
+                  <a14:hiddenLine xmlns:a14="http://schemas.microsoft.com/office/drawing/2010/main" xmlns="" w="9525">
                     <a:solidFill>
                       <a:srgbClr val="000000"/>
                     </a:solidFill>
@@ -9513,7 +9513,7 @@
               </a:ln>
               <a:extLst>
                 <a:ext uri="{91240B29-F687-4f45-9708-019B960494DF}">
-                  <a14:hiddenLine xmlns="" xmlns:a14="http://schemas.microsoft.com/office/drawing/2010/main" w="9525">
+                  <a14:hiddenLine xmlns:a14="http://schemas.microsoft.com/office/drawing/2010/main" xmlns="" w="9525">
                     <a:solidFill>
                       <a:srgbClr val="000000"/>
                     </a:solidFill>
@@ -9603,7 +9603,7 @@
               </a:ln>
               <a:extLst>
                 <a:ext uri="{91240B29-F687-4f45-9708-019B960494DF}">
-                  <a14:hiddenLine xmlns="" xmlns:a14="http://schemas.microsoft.com/office/drawing/2010/main" w="9525">
+                  <a14:hiddenLine xmlns:a14="http://schemas.microsoft.com/office/drawing/2010/main" xmlns="" w="9525">
                     <a:solidFill>
                       <a:srgbClr val="000000"/>
                     </a:solidFill>
@@ -9693,7 +9693,7 @@
               </a:ln>
               <a:extLst>
                 <a:ext uri="{91240B29-F687-4f45-9708-019B960494DF}">
-                  <a14:hiddenLine xmlns="" xmlns:a14="http://schemas.microsoft.com/office/drawing/2010/main" w="9525">
+                  <a14:hiddenLine xmlns:a14="http://schemas.microsoft.com/office/drawing/2010/main" xmlns="" w="9525">
                     <a:solidFill>
                       <a:srgbClr val="000000"/>
                     </a:solidFill>
@@ -9755,7 +9755,7 @@
               </a:ln>
               <a:extLst>
                 <a:ext uri="{91240B29-F687-4f45-9708-019B960494DF}">
-                  <a14:hiddenLine xmlns="" xmlns:a14="http://schemas.microsoft.com/office/drawing/2010/main" w="9525">
+                  <a14:hiddenLine xmlns:a14="http://schemas.microsoft.com/office/drawing/2010/main" xmlns="" w="9525">
                     <a:solidFill>
                       <a:srgbClr val="000000"/>
                     </a:solidFill>
@@ -9865,7 +9865,7 @@
               </a:ln>
               <a:extLst>
                 <a:ext uri="{91240B29-F687-4f45-9708-019B960494DF}">
-                  <a14:hiddenLine xmlns="" xmlns:a14="http://schemas.microsoft.com/office/drawing/2010/main" w="9525">
+                  <a14:hiddenLine xmlns:a14="http://schemas.microsoft.com/office/drawing/2010/main" xmlns="" w="9525">
                     <a:solidFill>
                       <a:srgbClr val="000000"/>
                     </a:solidFill>
@@ -9949,7 +9949,7 @@
               </a:ln>
               <a:extLst>
                 <a:ext uri="{91240B29-F687-4f45-9708-019B960494DF}">
-                  <a14:hiddenLine xmlns="" xmlns:a14="http://schemas.microsoft.com/office/drawing/2010/main" w="9525">
+                  <a14:hiddenLine xmlns:a14="http://schemas.microsoft.com/office/drawing/2010/main" xmlns="" w="9525">
                     <a:solidFill>
                       <a:srgbClr val="000000"/>
                     </a:solidFill>
@@ -10011,7 +10011,7 @@
               </a:ln>
               <a:extLst>
                 <a:ext uri="{91240B29-F687-4f45-9708-019B960494DF}">
-                  <a14:hiddenLine xmlns="" xmlns:a14="http://schemas.microsoft.com/office/drawing/2010/main" w="9525">
+                  <a14:hiddenLine xmlns:a14="http://schemas.microsoft.com/office/drawing/2010/main" xmlns="" w="9525">
                     <a:solidFill>
                       <a:srgbClr val="000000"/>
                     </a:solidFill>
@@ -10073,7 +10073,7 @@
               </a:ln>
               <a:extLst>
                 <a:ext uri="{91240B29-F687-4f45-9708-019B960494DF}">
-                  <a14:hiddenLine xmlns="" xmlns:a14="http://schemas.microsoft.com/office/drawing/2010/main" w="9525">
+                  <a14:hiddenLine xmlns:a14="http://schemas.microsoft.com/office/drawing/2010/main" xmlns="" w="9525">
                     <a:solidFill>
                       <a:srgbClr val="000000"/>
                     </a:solidFill>
@@ -10163,7 +10163,7 @@
               </a:ln>
               <a:extLst>
                 <a:ext uri="{91240B29-F687-4f45-9708-019B960494DF}">
-                  <a14:hiddenLine xmlns="" xmlns:a14="http://schemas.microsoft.com/office/drawing/2010/main" w="9525">
+                  <a14:hiddenLine xmlns:a14="http://schemas.microsoft.com/office/drawing/2010/main" xmlns="" w="9525">
                     <a:solidFill>
                       <a:srgbClr val="000000"/>
                     </a:solidFill>
@@ -10197,7 +10197,7 @@
               </a:ln>
               <a:extLst>
                 <a:ext uri="{91240B29-F687-4f45-9708-019B960494DF}">
-                  <a14:hiddenLine xmlns="" xmlns:a14="http://schemas.microsoft.com/office/drawing/2010/main" w="9525">
+                  <a14:hiddenLine xmlns:a14="http://schemas.microsoft.com/office/drawing/2010/main" xmlns="" w="9525">
                     <a:solidFill>
                       <a:srgbClr val="000000"/>
                     </a:solidFill>
@@ -10262,7 +10262,7 @@
               </a:ln>
               <a:extLst>
                 <a:ext uri="{91240B29-F687-4f45-9708-019B960494DF}">
-                  <a14:hiddenLine xmlns="" xmlns:a14="http://schemas.microsoft.com/office/drawing/2010/main" w="9525">
+                  <a14:hiddenLine xmlns:a14="http://schemas.microsoft.com/office/drawing/2010/main" xmlns="" w="9525">
                     <a:solidFill>
                       <a:srgbClr val="000000"/>
                     </a:solidFill>
@@ -10352,7 +10352,7 @@
               </a:ln>
               <a:extLst>
                 <a:ext uri="{91240B29-F687-4f45-9708-019B960494DF}">
-                  <a14:hiddenLine xmlns="" xmlns:a14="http://schemas.microsoft.com/office/drawing/2010/main" w="9525">
+                  <a14:hiddenLine xmlns:a14="http://schemas.microsoft.com/office/drawing/2010/main" xmlns="" w="9525">
                     <a:solidFill>
                       <a:srgbClr val="000000"/>
                     </a:solidFill>
@@ -10414,7 +10414,7 @@
               </a:ln>
               <a:extLst>
                 <a:ext uri="{91240B29-F687-4f45-9708-019B960494DF}">
-                  <a14:hiddenLine xmlns="" xmlns:a14="http://schemas.microsoft.com/office/drawing/2010/main" w="9525">
+                  <a14:hiddenLine xmlns:a14="http://schemas.microsoft.com/office/drawing/2010/main" xmlns="" w="9525">
                     <a:solidFill>
                       <a:srgbClr val="000000"/>
                     </a:solidFill>
@@ -10504,7 +10504,7 @@
               </a:ln>
               <a:extLst>
                 <a:ext uri="{91240B29-F687-4f45-9708-019B960494DF}">
-                  <a14:hiddenLine xmlns="" xmlns:a14="http://schemas.microsoft.com/office/drawing/2010/main" w="9525">
+                  <a14:hiddenLine xmlns:a14="http://schemas.microsoft.com/office/drawing/2010/main" xmlns="" w="9525">
                     <a:solidFill>
                       <a:srgbClr val="000000"/>
                     </a:solidFill>
@@ -10569,7 +10569,7 @@
               </a:ln>
               <a:extLst>
                 <a:ext uri="{91240B29-F687-4f45-9708-019B960494DF}">
-                  <a14:hiddenLine xmlns="" xmlns:a14="http://schemas.microsoft.com/office/drawing/2010/main" w="9525">
+                  <a14:hiddenLine xmlns:a14="http://schemas.microsoft.com/office/drawing/2010/main" xmlns="" w="9525">
                     <a:solidFill>
                       <a:srgbClr val="000000"/>
                     </a:solidFill>
@@ -10631,7 +10631,7 @@
               </a:ln>
               <a:extLst>
                 <a:ext uri="{91240B29-F687-4f45-9708-019B960494DF}">
-                  <a14:hiddenLine xmlns="" xmlns:a14="http://schemas.microsoft.com/office/drawing/2010/main" w="9525">
+                  <a14:hiddenLine xmlns:a14="http://schemas.microsoft.com/office/drawing/2010/main" xmlns="" w="9525">
                     <a:solidFill>
                       <a:srgbClr val="000000"/>
                     </a:solidFill>
@@ -10721,7 +10721,7 @@
               </a:ln>
               <a:extLst>
                 <a:ext uri="{91240B29-F687-4f45-9708-019B960494DF}">
-                  <a14:hiddenLine xmlns="" xmlns:a14="http://schemas.microsoft.com/office/drawing/2010/main" w="9525">
+                  <a14:hiddenLine xmlns:a14="http://schemas.microsoft.com/office/drawing/2010/main" xmlns="" w="9525">
                     <a:solidFill>
                       <a:srgbClr val="000000"/>
                     </a:solidFill>
@@ -10811,7 +10811,7 @@
               </a:ln>
               <a:extLst>
                 <a:ext uri="{91240B29-F687-4f45-9708-019B960494DF}">
-                  <a14:hiddenLine xmlns="" xmlns:a14="http://schemas.microsoft.com/office/drawing/2010/main" w="9525">
+                  <a14:hiddenLine xmlns:a14="http://schemas.microsoft.com/office/drawing/2010/main" xmlns="" w="9525">
                     <a:solidFill>
                       <a:srgbClr val="000000"/>
                     </a:solidFill>
@@ -10876,7 +10876,7 @@
               </a:ln>
               <a:extLst>
                 <a:ext uri="{91240B29-F687-4f45-9708-019B960494DF}">
-                  <a14:hiddenLine xmlns="" xmlns:a14="http://schemas.microsoft.com/office/drawing/2010/main" w="9525">
+                  <a14:hiddenLine xmlns:a14="http://schemas.microsoft.com/office/drawing/2010/main" xmlns="" w="9525">
                     <a:solidFill>
                       <a:srgbClr val="000000"/>
                     </a:solidFill>
@@ -10996,7 +10996,7 @@
               </a:ln>
               <a:extLst>
                 <a:ext uri="{91240B29-F687-4f45-9708-019B960494DF}">
-                  <a14:hiddenLine xmlns="" xmlns:a14="http://schemas.microsoft.com/office/drawing/2010/main" w="9525">
+                  <a14:hiddenLine xmlns:a14="http://schemas.microsoft.com/office/drawing/2010/main" xmlns="" w="9525">
                     <a:solidFill>
                       <a:srgbClr val="000000"/>
                     </a:solidFill>
@@ -11094,7 +11094,7 @@
               </a:ln>
               <a:extLst>
                 <a:ext uri="{91240B29-F687-4f45-9708-019B960494DF}">
-                  <a14:hiddenLine xmlns="" xmlns:a14="http://schemas.microsoft.com/office/drawing/2010/main" w="9525">
+                  <a14:hiddenLine xmlns:a14="http://schemas.microsoft.com/office/drawing/2010/main" xmlns="" w="9525">
                     <a:solidFill>
                       <a:srgbClr val="000000"/>
                     </a:solidFill>
@@ -11209,7 +11209,7 @@
               </a:ln>
               <a:extLst>
                 <a:ext uri="{91240B29-F687-4f45-9708-019B960494DF}">
-                  <a14:hiddenLine xmlns="" xmlns:a14="http://schemas.microsoft.com/office/drawing/2010/main" w="9525">
+                  <a14:hiddenLine xmlns:a14="http://schemas.microsoft.com/office/drawing/2010/main" xmlns="" w="9525">
                     <a:solidFill>
                       <a:srgbClr val="000000"/>
                     </a:solidFill>
@@ -11299,7 +11299,7 @@
               </a:ln>
               <a:extLst>
                 <a:ext uri="{91240B29-F687-4f45-9708-019B960494DF}">
-                  <a14:hiddenLine xmlns="" xmlns:a14="http://schemas.microsoft.com/office/drawing/2010/main" w="9525">
+                  <a14:hiddenLine xmlns:a14="http://schemas.microsoft.com/office/drawing/2010/main" xmlns="" w="9525">
                     <a:solidFill>
                       <a:srgbClr val="000000"/>
                     </a:solidFill>
@@ -11364,7 +11364,7 @@
               </a:ln>
               <a:extLst>
                 <a:ext uri="{91240B29-F687-4f45-9708-019B960494DF}">
-                  <a14:hiddenLine xmlns="" xmlns:a14="http://schemas.microsoft.com/office/drawing/2010/main" w="9525">
+                  <a14:hiddenLine xmlns:a14="http://schemas.microsoft.com/office/drawing/2010/main" xmlns="" w="9525">
                     <a:solidFill>
                       <a:srgbClr val="000000"/>
                     </a:solidFill>
@@ -11454,7 +11454,7 @@
               </a:ln>
               <a:extLst>
                 <a:ext uri="{91240B29-F687-4f45-9708-019B960494DF}">
-                  <a14:hiddenLine xmlns="" xmlns:a14="http://schemas.microsoft.com/office/drawing/2010/main" w="9525">
+                  <a14:hiddenLine xmlns:a14="http://schemas.microsoft.com/office/drawing/2010/main" xmlns="" w="9525">
                     <a:solidFill>
                       <a:srgbClr val="000000"/>
                     </a:solidFill>
@@ -11522,7 +11522,7 @@
               </a:ln>
               <a:extLst>
                 <a:ext uri="{91240B29-F687-4f45-9708-019B960494DF}">
-                  <a14:hiddenLine xmlns="" xmlns:a14="http://schemas.microsoft.com/office/drawing/2010/main" w="9525">
+                  <a14:hiddenLine xmlns:a14="http://schemas.microsoft.com/office/drawing/2010/main" xmlns="" w="9525">
                     <a:solidFill>
                       <a:srgbClr val="000000"/>
                     </a:solidFill>
@@ -11612,7 +11612,7 @@
               </a:ln>
               <a:extLst>
                 <a:ext uri="{91240B29-F687-4f45-9708-019B960494DF}">
-                  <a14:hiddenLine xmlns="" xmlns:a14="http://schemas.microsoft.com/office/drawing/2010/main" w="9525">
+                  <a14:hiddenLine xmlns:a14="http://schemas.microsoft.com/office/drawing/2010/main" xmlns="" w="9525">
                     <a:solidFill>
                       <a:srgbClr val="000000"/>
                     </a:solidFill>
@@ -11680,7 +11680,7 @@
               </a:ln>
               <a:extLst>
                 <a:ext uri="{91240B29-F687-4f45-9708-019B960494DF}">
-                  <a14:hiddenLine xmlns="" xmlns:a14="http://schemas.microsoft.com/office/drawing/2010/main" w="9525">
+                  <a14:hiddenLine xmlns:a14="http://schemas.microsoft.com/office/drawing/2010/main" xmlns="" w="9525">
                     <a:solidFill>
                       <a:srgbClr val="000000"/>
                     </a:solidFill>
@@ -11770,7 +11770,7 @@
               </a:ln>
               <a:extLst>
                 <a:ext uri="{91240B29-F687-4f45-9708-019B960494DF}">
-                  <a14:hiddenLine xmlns="" xmlns:a14="http://schemas.microsoft.com/office/drawing/2010/main" w="9525">
+                  <a14:hiddenLine xmlns:a14="http://schemas.microsoft.com/office/drawing/2010/main" xmlns="" w="9525">
                     <a:solidFill>
                       <a:srgbClr val="000000"/>
                     </a:solidFill>
@@ -11804,7 +11804,7 @@
               </a:ln>
               <a:extLst>
                 <a:ext uri="{91240B29-F687-4f45-9708-019B960494DF}">
-                  <a14:hiddenLine xmlns="" xmlns:a14="http://schemas.microsoft.com/office/drawing/2010/main" w="9525">
+                  <a14:hiddenLine xmlns:a14="http://schemas.microsoft.com/office/drawing/2010/main" xmlns="" w="9525">
                     <a:solidFill>
                       <a:srgbClr val="000000"/>
                     </a:solidFill>
@@ -12951,112 +12951,6 @@
             <p:ph type="title"/>
           </p:nvPr>
         </p:nvSpPr>
-        <p:spPr>
-          <a:xfrm>
-            <a:off x="1141413" y="618518"/>
-            <a:ext cx="9905998" cy="656367"/>
-          </a:xfrm>
-        </p:spPr>
-        <p:txBody>
-          <a:bodyPr/>
-          <a:lstStyle/>
-          <a:p>
-            <a:pPr algn="ctr"/>
-            <a:r>
-              <a:rPr lang="en-CA" dirty="0"/>
-              <a:t>Domain model </a:t>
-            </a:r>
-          </a:p>
-        </p:txBody>
-      </p:sp>
-      <p:sp>
-        <p:nvSpPr>
-          <p:cNvPr id="3" name="Content Placeholder 2"/>
-          <p:cNvSpPr>
-            <a:spLocks noGrp="1"/>
-          </p:cNvSpPr>
-          <p:nvPr>
-            <p:ph idx="1"/>
-          </p:nvPr>
-        </p:nvSpPr>
-        <p:spPr>
-          <a:xfrm>
-            <a:off x="1141412" y="2249487"/>
-            <a:ext cx="9905999" cy="3541714"/>
-          </a:xfrm>
-        </p:spPr>
-        <p:txBody>
-          <a:bodyPr/>
-          <a:lstStyle/>
-          <a:p>
-            <a:endParaRPr lang="en-CA"/>
-          </a:p>
-        </p:txBody>
-      </p:sp>
-      <p:pic>
-        <p:nvPicPr>
-          <p:cNvPr id="4" name="Picture 3"/>
-          <p:cNvPicPr>
-            <a:picLocks noChangeAspect="1"/>
-          </p:cNvPicPr>
-          <p:nvPr/>
-        </p:nvPicPr>
-        <p:blipFill>
-          <a:blip r:embed="rId2"/>
-          <a:stretch>
-            <a:fillRect/>
-          </a:stretch>
-        </p:blipFill>
-        <p:spPr>
-          <a:xfrm>
-            <a:off x="742950" y="1274885"/>
-            <a:ext cx="10687050" cy="5279912"/>
-          </a:xfrm>
-          <a:prstGeom prst="rect">
-            <a:avLst/>
-          </a:prstGeom>
-        </p:spPr>
-      </p:pic>
-    </p:spTree>
-    <p:extLst>
-      <p:ext uri="{BB962C8B-B14F-4D97-AF65-F5344CB8AC3E}">
-        <p14:creationId xmlns:p14="http://schemas.microsoft.com/office/powerpoint/2010/main" val="2410722958"/>
-      </p:ext>
-    </p:extLst>
-  </p:cSld>
-  <p:clrMapOvr>
-    <a:masterClrMapping/>
-  </p:clrMapOvr>
-</p:sld>
-</file>
-
-<file path=ppt/slides/slide3.xml><?xml version="1.0" encoding="utf-8"?>
-<p:sld xmlns:a="http://schemas.openxmlformats.org/drawingml/2006/main" xmlns:r="http://schemas.openxmlformats.org/officeDocument/2006/relationships" xmlns:p="http://schemas.openxmlformats.org/presentationml/2006/main">
-  <p:cSld>
-    <p:spTree>
-      <p:nvGrpSpPr>
-        <p:cNvPr id="1" name=""/>
-        <p:cNvGrpSpPr/>
-        <p:nvPr/>
-      </p:nvGrpSpPr>
-      <p:grpSpPr>
-        <a:xfrm>
-          <a:off x="0" y="0"/>
-          <a:ext cx="0" cy="0"/>
-          <a:chOff x="0" y="0"/>
-          <a:chExt cx="0" cy="0"/>
-        </a:xfrm>
-      </p:grpSpPr>
-      <p:sp>
-        <p:nvSpPr>
-          <p:cNvPr id="2" name="Title 1"/>
-          <p:cNvSpPr>
-            <a:spLocks noGrp="1"/>
-          </p:cNvSpPr>
-          <p:nvPr>
-            <p:ph type="title"/>
-          </p:nvPr>
-        </p:nvSpPr>
         <p:spPr/>
         <p:txBody>
           <a:bodyPr>
@@ -13174,6 +13068,112 @@
     <p:extLst>
       <p:ext uri="{BB962C8B-B14F-4D97-AF65-F5344CB8AC3E}">
         <p14:creationId xmlns:p14="http://schemas.microsoft.com/office/powerpoint/2010/main" val="1628719653"/>
+      </p:ext>
+    </p:extLst>
+  </p:cSld>
+  <p:clrMapOvr>
+    <a:masterClrMapping/>
+  </p:clrMapOvr>
+</p:sld>
+</file>
+
+<file path=ppt/slides/slide3.xml><?xml version="1.0" encoding="utf-8"?>
+<p:sld xmlns:a="http://schemas.openxmlformats.org/drawingml/2006/main" xmlns:r="http://schemas.openxmlformats.org/officeDocument/2006/relationships" xmlns:p="http://schemas.openxmlformats.org/presentationml/2006/main">
+  <p:cSld>
+    <p:spTree>
+      <p:nvGrpSpPr>
+        <p:cNvPr id="1" name=""/>
+        <p:cNvGrpSpPr/>
+        <p:nvPr/>
+      </p:nvGrpSpPr>
+      <p:grpSpPr>
+        <a:xfrm>
+          <a:off x="0" y="0"/>
+          <a:ext cx="0" cy="0"/>
+          <a:chOff x="0" y="0"/>
+          <a:chExt cx="0" cy="0"/>
+        </a:xfrm>
+      </p:grpSpPr>
+      <p:sp>
+        <p:nvSpPr>
+          <p:cNvPr id="2" name="Title 1"/>
+          <p:cNvSpPr>
+            <a:spLocks noGrp="1"/>
+          </p:cNvSpPr>
+          <p:nvPr>
+            <p:ph type="title"/>
+          </p:nvPr>
+        </p:nvSpPr>
+        <p:spPr>
+          <a:xfrm>
+            <a:off x="1141413" y="618518"/>
+            <a:ext cx="9905998" cy="656367"/>
+          </a:xfrm>
+        </p:spPr>
+        <p:txBody>
+          <a:bodyPr/>
+          <a:lstStyle/>
+          <a:p>
+            <a:pPr algn="ctr"/>
+            <a:r>
+              <a:rPr lang="en-CA" dirty="0"/>
+              <a:t>Domain model </a:t>
+            </a:r>
+          </a:p>
+        </p:txBody>
+      </p:sp>
+      <p:sp>
+        <p:nvSpPr>
+          <p:cNvPr id="3" name="Content Placeholder 2"/>
+          <p:cNvSpPr>
+            <a:spLocks noGrp="1"/>
+          </p:cNvSpPr>
+          <p:nvPr>
+            <p:ph idx="1"/>
+          </p:nvPr>
+        </p:nvSpPr>
+        <p:spPr>
+          <a:xfrm>
+            <a:off x="1141412" y="2249487"/>
+            <a:ext cx="9905999" cy="3541714"/>
+          </a:xfrm>
+        </p:spPr>
+        <p:txBody>
+          <a:bodyPr/>
+          <a:lstStyle/>
+          <a:p>
+            <a:endParaRPr lang="en-CA"/>
+          </a:p>
+        </p:txBody>
+      </p:sp>
+      <p:pic>
+        <p:nvPicPr>
+          <p:cNvPr id="4" name="Picture 3"/>
+          <p:cNvPicPr>
+            <a:picLocks noChangeAspect="1"/>
+          </p:cNvPicPr>
+          <p:nvPr/>
+        </p:nvPicPr>
+        <p:blipFill>
+          <a:blip r:embed="rId2"/>
+          <a:stretch>
+            <a:fillRect/>
+          </a:stretch>
+        </p:blipFill>
+        <p:spPr>
+          <a:xfrm>
+            <a:off x="742950" y="1274885"/>
+            <a:ext cx="10687050" cy="5279912"/>
+          </a:xfrm>
+          <a:prstGeom prst="rect">
+            <a:avLst/>
+          </a:prstGeom>
+        </p:spPr>
+      </p:pic>
+    </p:spTree>
+    <p:extLst>
+      <p:ext uri="{BB962C8B-B14F-4D97-AF65-F5344CB8AC3E}">
+        <p14:creationId xmlns:p14="http://schemas.microsoft.com/office/powerpoint/2010/main" val="2410722958"/>
       </p:ext>
     </p:extLst>
   </p:cSld>
@@ -13914,7 +13914,7 @@
             <a:noFill/>
             <a:extLst>
               <a:ext uri="{909E8E84-426E-40dd-AFC4-6F175D3DCCD1}">
-                <a14:hiddenFill xmlns="" xmlns:a14="http://schemas.microsoft.com/office/drawing/2010/main">
+                <a14:hiddenFill xmlns:a14="http://schemas.microsoft.com/office/drawing/2010/main" xmlns="">
                   <a:solidFill>
                     <a:srgbClr val="FFFFFF"/>
                   </a:solidFill>
@@ -14003,7 +14003,7 @@
             </a:ln>
             <a:extLst>
               <a:ext uri="{91240B29-F687-4f45-9708-019B960494DF}">
-                <a14:hiddenLine xmlns="" xmlns:a14="http://schemas.microsoft.com/office/drawing/2010/main" w="9525">
+                <a14:hiddenLine xmlns:a14="http://schemas.microsoft.com/office/drawing/2010/main" xmlns="" w="9525">
                   <a:solidFill>
                     <a:srgbClr val="000000"/>
                   </a:solidFill>
@@ -14099,7 +14099,7 @@
             </a:ln>
             <a:extLst>
               <a:ext uri="{91240B29-F687-4f45-9708-019B960494DF}">
-                <a14:hiddenLine xmlns="" xmlns:a14="http://schemas.microsoft.com/office/drawing/2010/main" w="9525">
+                <a14:hiddenLine xmlns:a14="http://schemas.microsoft.com/office/drawing/2010/main" xmlns="" w="9525">
                   <a:solidFill>
                     <a:srgbClr val="000000"/>
                   </a:solidFill>
@@ -14195,7 +14195,7 @@
             </a:ln>
             <a:extLst>
               <a:ext uri="{91240B29-F687-4f45-9708-019B960494DF}">
-                <a14:hiddenLine xmlns="" xmlns:a14="http://schemas.microsoft.com/office/drawing/2010/main" w="9525">
+                <a14:hiddenLine xmlns:a14="http://schemas.microsoft.com/office/drawing/2010/main" xmlns="" w="9525">
                   <a:solidFill>
                     <a:srgbClr val="000000"/>
                   </a:solidFill>
@@ -14235,7 +14235,7 @@
             </a:ln>
             <a:extLst>
               <a:ext uri="{91240B29-F687-4f45-9708-019B960494DF}">
-                <a14:hiddenLine xmlns="" xmlns:a14="http://schemas.microsoft.com/office/drawing/2010/main" w="9525">
+                <a14:hiddenLine xmlns:a14="http://schemas.microsoft.com/office/drawing/2010/main" xmlns="" w="9525">
                   <a:solidFill>
                     <a:srgbClr val="000000"/>
                   </a:solidFill>
@@ -14331,7 +14331,7 @@
             </a:ln>
             <a:extLst>
               <a:ext uri="{91240B29-F687-4f45-9708-019B960494DF}">
-                <a14:hiddenLine xmlns="" xmlns:a14="http://schemas.microsoft.com/office/drawing/2010/main" w="9525">
+                <a14:hiddenLine xmlns:a14="http://schemas.microsoft.com/office/drawing/2010/main" xmlns="" w="9525">
                   <a:solidFill>
                     <a:srgbClr val="000000"/>
                   </a:solidFill>
@@ -14399,7 +14399,7 @@
             </a:ln>
             <a:extLst>
               <a:ext uri="{91240B29-F687-4f45-9708-019B960494DF}">
-                <a14:hiddenLine xmlns="" xmlns:a14="http://schemas.microsoft.com/office/drawing/2010/main" w="9525">
+                <a14:hiddenLine xmlns:a14="http://schemas.microsoft.com/office/drawing/2010/main" xmlns="" w="9525">
                   <a:solidFill>
                     <a:srgbClr val="000000"/>
                   </a:solidFill>
@@ -14467,7 +14467,7 @@
             </a:ln>
             <a:extLst>
               <a:ext uri="{91240B29-F687-4f45-9708-019B960494DF}">
-                <a14:hiddenLine xmlns="" xmlns:a14="http://schemas.microsoft.com/office/drawing/2010/main" w="9525">
+                <a14:hiddenLine xmlns:a14="http://schemas.microsoft.com/office/drawing/2010/main" xmlns="" w="9525">
                   <a:solidFill>
                     <a:srgbClr val="000000"/>
                   </a:solidFill>
@@ -14563,7 +14563,7 @@
             </a:ln>
             <a:extLst>
               <a:ext uri="{91240B29-F687-4f45-9708-019B960494DF}">
-                <a14:hiddenLine xmlns="" xmlns:a14="http://schemas.microsoft.com/office/drawing/2010/main" w="9525">
+                <a14:hiddenLine xmlns:a14="http://schemas.microsoft.com/office/drawing/2010/main" xmlns="" w="9525">
                   <a:solidFill>
                     <a:srgbClr val="000000"/>
                   </a:solidFill>
@@ -14631,7 +14631,7 @@
             </a:ln>
             <a:extLst>
               <a:ext uri="{91240B29-F687-4f45-9708-019B960494DF}">
-                <a14:hiddenLine xmlns="" xmlns:a14="http://schemas.microsoft.com/office/drawing/2010/main" w="9525">
+                <a14:hiddenLine xmlns:a14="http://schemas.microsoft.com/office/drawing/2010/main" xmlns="" w="9525">
                   <a:solidFill>
                     <a:srgbClr val="000000"/>
                   </a:solidFill>
@@ -14699,7 +14699,7 @@
             </a:ln>
             <a:extLst>
               <a:ext uri="{91240B29-F687-4f45-9708-019B960494DF}">
-                <a14:hiddenLine xmlns="" xmlns:a14="http://schemas.microsoft.com/office/drawing/2010/main" w="9525">
+                <a14:hiddenLine xmlns:a14="http://schemas.microsoft.com/office/drawing/2010/main" xmlns="" w="9525">
                   <a:solidFill>
                     <a:srgbClr val="000000"/>
                   </a:solidFill>
@@ -14795,7 +14795,7 @@
             </a:ln>
             <a:extLst>
               <a:ext uri="{91240B29-F687-4f45-9708-019B960494DF}">
-                <a14:hiddenLine xmlns="" xmlns:a14="http://schemas.microsoft.com/office/drawing/2010/main" w="9525">
+                <a14:hiddenLine xmlns:a14="http://schemas.microsoft.com/office/drawing/2010/main" xmlns="" w="9525">
                   <a:solidFill>
                     <a:srgbClr val="000000"/>
                   </a:solidFill>
@@ -14891,7 +14891,7 @@
             </a:ln>
             <a:extLst>
               <a:ext uri="{91240B29-F687-4f45-9708-019B960494DF}">
-                <a14:hiddenLine xmlns="" xmlns:a14="http://schemas.microsoft.com/office/drawing/2010/main" w="9525">
+                <a14:hiddenLine xmlns:a14="http://schemas.microsoft.com/office/drawing/2010/main" xmlns="" w="9525">
                   <a:solidFill>
                     <a:srgbClr val="000000"/>
                   </a:solidFill>
@@ -14959,7 +14959,7 @@
             </a:ln>
             <a:extLst>
               <a:ext uri="{91240B29-F687-4f45-9708-019B960494DF}">
-                <a14:hiddenLine xmlns="" xmlns:a14="http://schemas.microsoft.com/office/drawing/2010/main" w="9525">
+                <a14:hiddenLine xmlns:a14="http://schemas.microsoft.com/office/drawing/2010/main" xmlns="" w="9525">
                   <a:solidFill>
                     <a:srgbClr val="000000"/>
                   </a:solidFill>
@@ -15075,7 +15075,7 @@
             </a:ln>
             <a:extLst>
               <a:ext uri="{91240B29-F687-4f45-9708-019B960494DF}">
-                <a14:hiddenLine xmlns="" xmlns:a14="http://schemas.microsoft.com/office/drawing/2010/main" w="9525">
+                <a14:hiddenLine xmlns:a14="http://schemas.microsoft.com/office/drawing/2010/main" xmlns="" w="9525">
                   <a:solidFill>
                     <a:srgbClr val="000000"/>
                   </a:solidFill>
@@ -15143,7 +15143,7 @@
             </a:ln>
             <a:extLst>
               <a:ext uri="{91240B29-F687-4f45-9708-019B960494DF}">
-                <a14:hiddenLine xmlns="" xmlns:a14="http://schemas.microsoft.com/office/drawing/2010/main" w="9525">
+                <a14:hiddenLine xmlns:a14="http://schemas.microsoft.com/office/drawing/2010/main" xmlns="" w="9525">
                   <a:solidFill>
                     <a:srgbClr val="000000"/>
                   </a:solidFill>
@@ -15239,7 +15239,7 @@
             </a:ln>
             <a:extLst>
               <a:ext uri="{91240B29-F687-4f45-9708-019B960494DF}">
-                <a14:hiddenLine xmlns="" xmlns:a14="http://schemas.microsoft.com/office/drawing/2010/main" w="9525">
+                <a14:hiddenLine xmlns:a14="http://schemas.microsoft.com/office/drawing/2010/main" xmlns="" w="9525">
                   <a:solidFill>
                     <a:srgbClr val="000000"/>
                   </a:solidFill>
@@ -15335,7 +15335,7 @@
             </a:ln>
             <a:extLst>
               <a:ext uri="{91240B29-F687-4f45-9708-019B960494DF}">
-                <a14:hiddenLine xmlns="" xmlns:a14="http://schemas.microsoft.com/office/drawing/2010/main" w="9525">
+                <a14:hiddenLine xmlns:a14="http://schemas.microsoft.com/office/drawing/2010/main" xmlns="" w="9525">
                   <a:solidFill>
                     <a:srgbClr val="000000"/>
                   </a:solidFill>
@@ -15403,7 +15403,7 @@
             </a:ln>
             <a:extLst>
               <a:ext uri="{91240B29-F687-4f45-9708-019B960494DF}">
-                <a14:hiddenLine xmlns="" xmlns:a14="http://schemas.microsoft.com/office/drawing/2010/main" w="9525">
+                <a14:hiddenLine xmlns:a14="http://schemas.microsoft.com/office/drawing/2010/main" xmlns="" w="9525">
                   <a:solidFill>
                     <a:srgbClr val="000000"/>
                   </a:solidFill>
@@ -15499,7 +15499,7 @@
             </a:ln>
             <a:extLst>
               <a:ext uri="{91240B29-F687-4f45-9708-019B960494DF}">
-                <a14:hiddenLine xmlns="" xmlns:a14="http://schemas.microsoft.com/office/drawing/2010/main" w="9525">
+                <a14:hiddenLine xmlns:a14="http://schemas.microsoft.com/office/drawing/2010/main" xmlns="" w="9525">
                   <a:solidFill>
                     <a:srgbClr val="000000"/>
                   </a:solidFill>
@@ -15595,7 +15595,7 @@
             </a:ln>
             <a:extLst>
               <a:ext uri="{91240B29-F687-4f45-9708-019B960494DF}">
-                <a14:hiddenLine xmlns="" xmlns:a14="http://schemas.microsoft.com/office/drawing/2010/main" w="9525">
+                <a14:hiddenLine xmlns:a14="http://schemas.microsoft.com/office/drawing/2010/main" xmlns="" w="9525">
                   <a:solidFill>
                     <a:srgbClr val="000000"/>
                   </a:solidFill>
@@ -15657,7 +15657,7 @@
             </a:ln>
             <a:extLst>
               <a:ext uri="{91240B29-F687-4f45-9708-019B960494DF}">
-                <a14:hiddenLine xmlns="" xmlns:a14="http://schemas.microsoft.com/office/drawing/2010/main" w="9525">
+                <a14:hiddenLine xmlns:a14="http://schemas.microsoft.com/office/drawing/2010/main" xmlns="" w="9525">
                   <a:solidFill>
                     <a:srgbClr val="000000"/>
                   </a:solidFill>
@@ -15753,7 +15753,7 @@
             </a:ln>
             <a:extLst>
               <a:ext uri="{91240B29-F687-4f45-9708-019B960494DF}">
-                <a14:hiddenLine xmlns="" xmlns:a14="http://schemas.microsoft.com/office/drawing/2010/main" w="9525">
+                <a14:hiddenLine xmlns:a14="http://schemas.microsoft.com/office/drawing/2010/main" xmlns="" w="9525">
                   <a:solidFill>
                     <a:srgbClr val="000000"/>
                   </a:solidFill>
@@ -15815,7 +15815,7 @@
             </a:ln>
             <a:extLst>
               <a:ext uri="{91240B29-F687-4f45-9708-019B960494DF}">
-                <a14:hiddenLine xmlns="" xmlns:a14="http://schemas.microsoft.com/office/drawing/2010/main" w="9525">
+                <a14:hiddenLine xmlns:a14="http://schemas.microsoft.com/office/drawing/2010/main" xmlns="" w="9525">
                   <a:solidFill>
                     <a:srgbClr val="000000"/>
                   </a:solidFill>
@@ -15911,7 +15911,7 @@
             </a:ln>
             <a:extLst>
               <a:ext uri="{91240B29-F687-4f45-9708-019B960494DF}">
-                <a14:hiddenLine xmlns="" xmlns:a14="http://schemas.microsoft.com/office/drawing/2010/main" w="9525">
+                <a14:hiddenLine xmlns:a14="http://schemas.microsoft.com/office/drawing/2010/main" xmlns="" w="9525">
                   <a:solidFill>
                     <a:srgbClr val="000000"/>
                   </a:solidFill>
@@ -15985,7 +15985,7 @@
             </a:ln>
             <a:extLst>
               <a:ext uri="{91240B29-F687-4f45-9708-019B960494DF}">
-                <a14:hiddenLine xmlns="" xmlns:a14="http://schemas.microsoft.com/office/drawing/2010/main" w="9525">
+                <a14:hiddenLine xmlns:a14="http://schemas.microsoft.com/office/drawing/2010/main" xmlns="" w="9525">
                   <a:solidFill>
                     <a:srgbClr val="000000"/>
                   </a:solidFill>
@@ -16081,7 +16081,7 @@
             </a:ln>
             <a:extLst>
               <a:ext uri="{91240B29-F687-4f45-9708-019B960494DF}">
-                <a14:hiddenLine xmlns="" xmlns:a14="http://schemas.microsoft.com/office/drawing/2010/main" w="9525">
+                <a14:hiddenLine xmlns:a14="http://schemas.microsoft.com/office/drawing/2010/main" xmlns="" w="9525">
                   <a:solidFill>
                     <a:srgbClr val="000000"/>
                   </a:solidFill>
@@ -16155,7 +16155,7 @@
             </a:ln>
             <a:extLst>
               <a:ext uri="{91240B29-F687-4f45-9708-019B960494DF}">
-                <a14:hiddenLine xmlns="" xmlns:a14="http://schemas.microsoft.com/office/drawing/2010/main" w="9525">
+                <a14:hiddenLine xmlns:a14="http://schemas.microsoft.com/office/drawing/2010/main" xmlns="" w="9525">
                   <a:solidFill>
                     <a:srgbClr val="000000"/>
                   </a:solidFill>
@@ -16251,7 +16251,7 @@
             </a:ln>
             <a:extLst>
               <a:ext uri="{91240B29-F687-4f45-9708-019B960494DF}">
-                <a14:hiddenLine xmlns="" xmlns:a14="http://schemas.microsoft.com/office/drawing/2010/main" w="9525">
+                <a14:hiddenLine xmlns:a14="http://schemas.microsoft.com/office/drawing/2010/main" xmlns="" w="9525">
                   <a:solidFill>
                     <a:srgbClr val="000000"/>
                   </a:solidFill>
@@ -16291,7 +16291,7 @@
             </a:ln>
             <a:extLst>
               <a:ext uri="{91240B29-F687-4f45-9708-019B960494DF}">
-                <a14:hiddenLine xmlns="" xmlns:a14="http://schemas.microsoft.com/office/drawing/2010/main" w="9525">
+                <a14:hiddenLine xmlns:a14="http://schemas.microsoft.com/office/drawing/2010/main" xmlns="" w="9525">
                   <a:solidFill>
                     <a:srgbClr val="000000"/>
                   </a:solidFill>
@@ -16387,7 +16387,7 @@
             </a:ln>
             <a:extLst>
               <a:ext uri="{91240B29-F687-4f45-9708-019B960494DF}">
-                <a14:hiddenLine xmlns="" xmlns:a14="http://schemas.microsoft.com/office/drawing/2010/main" w="9525">
+                <a14:hiddenLine xmlns:a14="http://schemas.microsoft.com/office/drawing/2010/main" xmlns="" w="9525">
                   <a:solidFill>
                     <a:srgbClr val="000000"/>
                   </a:solidFill>
@@ -16455,7 +16455,7 @@
             </a:ln>
             <a:extLst>
               <a:ext uri="{91240B29-F687-4f45-9708-019B960494DF}">
-                <a14:hiddenLine xmlns="" xmlns:a14="http://schemas.microsoft.com/office/drawing/2010/main" w="9525">
+                <a14:hiddenLine xmlns:a14="http://schemas.microsoft.com/office/drawing/2010/main" xmlns="" w="9525">
                   <a:solidFill>
                     <a:srgbClr val="000000"/>
                   </a:solidFill>
@@ -16523,7 +16523,7 @@
             </a:ln>
             <a:extLst>
               <a:ext uri="{91240B29-F687-4f45-9708-019B960494DF}">
-                <a14:hiddenLine xmlns="" xmlns:a14="http://schemas.microsoft.com/office/drawing/2010/main" w="9525">
+                <a14:hiddenLine xmlns:a14="http://schemas.microsoft.com/office/drawing/2010/main" xmlns="" w="9525">
                   <a:solidFill>
                     <a:srgbClr val="000000"/>
                   </a:solidFill>
@@ -16619,7 +16619,7 @@
             </a:ln>
             <a:extLst>
               <a:ext uri="{91240B29-F687-4f45-9708-019B960494DF}">
-                <a14:hiddenLine xmlns="" xmlns:a14="http://schemas.microsoft.com/office/drawing/2010/main" w="9525">
+                <a14:hiddenLine xmlns:a14="http://schemas.microsoft.com/office/drawing/2010/main" xmlns="" w="9525">
                   <a:solidFill>
                     <a:srgbClr val="000000"/>
                   </a:solidFill>
@@ -16693,7 +16693,7 @@
             </a:ln>
             <a:extLst>
               <a:ext uri="{91240B29-F687-4f45-9708-019B960494DF}">
-                <a14:hiddenLine xmlns="" xmlns:a14="http://schemas.microsoft.com/office/drawing/2010/main" w="9525">
+                <a14:hiddenLine xmlns:a14="http://schemas.microsoft.com/office/drawing/2010/main" xmlns="" w="9525">
                   <a:solidFill>
                     <a:srgbClr val="000000"/>
                   </a:solidFill>
@@ -16761,7 +16761,7 @@
             </a:ln>
             <a:extLst>
               <a:ext uri="{91240B29-F687-4f45-9708-019B960494DF}">
-                <a14:hiddenLine xmlns="" xmlns:a14="http://schemas.microsoft.com/office/drawing/2010/main" w="9525">
+                <a14:hiddenLine xmlns:a14="http://schemas.microsoft.com/office/drawing/2010/main" xmlns="" w="9525">
                   <a:solidFill>
                     <a:srgbClr val="000000"/>
                   </a:solidFill>
@@ -16857,7 +16857,7 @@
             </a:ln>
             <a:extLst>
               <a:ext uri="{91240B29-F687-4f45-9708-019B960494DF}">
-                <a14:hiddenLine xmlns="" xmlns:a14="http://schemas.microsoft.com/office/drawing/2010/main" w="9525">
+                <a14:hiddenLine xmlns:a14="http://schemas.microsoft.com/office/drawing/2010/main" xmlns="" w="9525">
                   <a:solidFill>
                     <a:srgbClr val="000000"/>
                   </a:solidFill>
@@ -16925,7 +16925,7 @@
             </a:ln>
             <a:extLst>
               <a:ext uri="{91240B29-F687-4f45-9708-019B960494DF}">
-                <a14:hiddenLine xmlns="" xmlns:a14="http://schemas.microsoft.com/office/drawing/2010/main" w="9525">
+                <a14:hiddenLine xmlns:a14="http://schemas.microsoft.com/office/drawing/2010/main" xmlns="" w="9525">
                   <a:solidFill>
                     <a:srgbClr val="000000"/>
                   </a:solidFill>
@@ -17021,7 +17021,7 @@
             </a:ln>
             <a:extLst>
               <a:ext uri="{91240B29-F687-4f45-9708-019B960494DF}">
-                <a14:hiddenLine xmlns="" xmlns:a14="http://schemas.microsoft.com/office/drawing/2010/main" w="9525">
+                <a14:hiddenLine xmlns:a14="http://schemas.microsoft.com/office/drawing/2010/main" xmlns="" w="9525">
                   <a:solidFill>
                     <a:srgbClr val="000000"/>
                   </a:solidFill>
@@ -17089,7 +17089,7 @@
             </a:ln>
             <a:extLst>
               <a:ext uri="{91240B29-F687-4f45-9708-019B960494DF}">
-                <a14:hiddenLine xmlns="" xmlns:a14="http://schemas.microsoft.com/office/drawing/2010/main" w="9525">
+                <a14:hiddenLine xmlns:a14="http://schemas.microsoft.com/office/drawing/2010/main" xmlns="" w="9525">
                   <a:solidFill>
                     <a:srgbClr val="000000"/>
                   </a:solidFill>
@@ -17185,7 +17185,7 @@
             </a:ln>
             <a:extLst>
               <a:ext uri="{91240B29-F687-4f45-9708-019B960494DF}">
-                <a14:hiddenLine xmlns="" xmlns:a14="http://schemas.microsoft.com/office/drawing/2010/main" w="9525">
+                <a14:hiddenLine xmlns:a14="http://schemas.microsoft.com/office/drawing/2010/main" xmlns="" w="9525">
                   <a:solidFill>
                     <a:srgbClr val="000000"/>
                   </a:solidFill>
@@ -17225,7 +17225,7 @@
             </a:ln>
             <a:extLst>
               <a:ext uri="{91240B29-F687-4f45-9708-019B960494DF}">
-                <a14:hiddenLine xmlns="" xmlns:a14="http://schemas.microsoft.com/office/drawing/2010/main" w="9525">
+                <a14:hiddenLine xmlns:a14="http://schemas.microsoft.com/office/drawing/2010/main" xmlns="" w="9525">
                   <a:solidFill>
                     <a:srgbClr val="000000"/>
                   </a:solidFill>
@@ -17296,7 +17296,7 @@
             </a:ln>
             <a:extLst>
               <a:ext uri="{91240B29-F687-4f45-9708-019B960494DF}">
-                <a14:hiddenLine xmlns="" xmlns:a14="http://schemas.microsoft.com/office/drawing/2010/main" w="9525">
+                <a14:hiddenLine xmlns:a14="http://schemas.microsoft.com/office/drawing/2010/main" xmlns="" w="9525">
                   <a:solidFill>
                     <a:srgbClr val="000000"/>
                   </a:solidFill>
@@ -17392,7 +17392,7 @@
             </a:ln>
             <a:extLst>
               <a:ext uri="{91240B29-F687-4f45-9708-019B960494DF}">
-                <a14:hiddenLine xmlns="" xmlns:a14="http://schemas.microsoft.com/office/drawing/2010/main" w="9525">
+                <a14:hiddenLine xmlns:a14="http://schemas.microsoft.com/office/drawing/2010/main" xmlns="" w="9525">
                   <a:solidFill>
                     <a:srgbClr val="000000"/>
                   </a:solidFill>
@@ -17460,7 +17460,7 @@
             </a:ln>
             <a:extLst>
               <a:ext uri="{91240B29-F687-4f45-9708-019B960494DF}">
-                <a14:hiddenLine xmlns="" xmlns:a14="http://schemas.microsoft.com/office/drawing/2010/main" w="9525">
+                <a14:hiddenLine xmlns:a14="http://schemas.microsoft.com/office/drawing/2010/main" xmlns="" w="9525">
                   <a:solidFill>
                     <a:srgbClr val="000000"/>
                   </a:solidFill>
@@ -17556,7 +17556,7 @@
             </a:ln>
             <a:extLst>
               <a:ext uri="{91240B29-F687-4f45-9708-019B960494DF}">
-                <a14:hiddenLine xmlns="" xmlns:a14="http://schemas.microsoft.com/office/drawing/2010/main" w="9525">
+                <a14:hiddenLine xmlns:a14="http://schemas.microsoft.com/office/drawing/2010/main" xmlns="" w="9525">
                   <a:solidFill>
                     <a:srgbClr val="000000"/>
                   </a:solidFill>
@@ -17652,7 +17652,7 @@
             </a:ln>
             <a:extLst>
               <a:ext uri="{91240B29-F687-4f45-9708-019B960494DF}">
-                <a14:hiddenLine xmlns="" xmlns:a14="http://schemas.microsoft.com/office/drawing/2010/main" w="9525">
+                <a14:hiddenLine xmlns:a14="http://schemas.microsoft.com/office/drawing/2010/main" xmlns="" w="9525">
                   <a:solidFill>
                     <a:srgbClr val="000000"/>
                   </a:solidFill>
@@ -17723,7 +17723,7 @@
             </a:ln>
             <a:extLst>
               <a:ext uri="{91240B29-F687-4f45-9708-019B960494DF}">
-                <a14:hiddenLine xmlns="" xmlns:a14="http://schemas.microsoft.com/office/drawing/2010/main" w="9525">
+                <a14:hiddenLine xmlns:a14="http://schemas.microsoft.com/office/drawing/2010/main" xmlns="" w="9525">
                   <a:solidFill>
                     <a:srgbClr val="000000"/>
                   </a:solidFill>
@@ -17791,7 +17791,7 @@
             </a:ln>
             <a:extLst>
               <a:ext uri="{91240B29-F687-4f45-9708-019B960494DF}">
-                <a14:hiddenLine xmlns="" xmlns:a14="http://schemas.microsoft.com/office/drawing/2010/main" w="9525">
+                <a14:hiddenLine xmlns:a14="http://schemas.microsoft.com/office/drawing/2010/main" xmlns="" w="9525">
                   <a:solidFill>
                     <a:srgbClr val="000000"/>
                   </a:solidFill>
@@ -17887,7 +17887,7 @@
             </a:ln>
             <a:extLst>
               <a:ext uri="{91240B29-F687-4f45-9708-019B960494DF}">
-                <a14:hiddenLine xmlns="" xmlns:a14="http://schemas.microsoft.com/office/drawing/2010/main" w="9525">
+                <a14:hiddenLine xmlns:a14="http://schemas.microsoft.com/office/drawing/2010/main" xmlns="" w="9525">
                   <a:solidFill>
                     <a:srgbClr val="000000"/>
                   </a:solidFill>
@@ -17983,7 +17983,7 @@
             </a:ln>
             <a:extLst>
               <a:ext uri="{91240B29-F687-4f45-9708-019B960494DF}">
-                <a14:hiddenLine xmlns="" xmlns:a14="http://schemas.microsoft.com/office/drawing/2010/main" w="9525">
+                <a14:hiddenLine xmlns:a14="http://schemas.microsoft.com/office/drawing/2010/main" xmlns="" w="9525">
                   <a:solidFill>
                     <a:srgbClr val="000000"/>
                   </a:solidFill>
@@ -18051,7 +18051,7 @@
             </a:ln>
             <a:extLst>
               <a:ext uri="{91240B29-F687-4f45-9708-019B960494DF}">
-                <a14:hiddenLine xmlns="" xmlns:a14="http://schemas.microsoft.com/office/drawing/2010/main" w="9525">
+                <a14:hiddenLine xmlns:a14="http://schemas.microsoft.com/office/drawing/2010/main" xmlns="" w="9525">
                   <a:solidFill>
                     <a:srgbClr val="000000"/>
                   </a:solidFill>
@@ -18177,7 +18177,7 @@
             </a:ln>
             <a:extLst>
               <a:ext uri="{91240B29-F687-4f45-9708-019B960494DF}">
-                <a14:hiddenLine xmlns="" xmlns:a14="http://schemas.microsoft.com/office/drawing/2010/main" w="9525">
+                <a14:hiddenLine xmlns:a14="http://schemas.microsoft.com/office/drawing/2010/main" xmlns="" w="9525">
                   <a:solidFill>
                     <a:srgbClr val="000000"/>
                   </a:solidFill>
@@ -18251,7 +18251,7 @@
             </a:ln>
             <a:extLst>
               <a:ext uri="{91240B29-F687-4f45-9708-019B960494DF}">
-                <a14:hiddenLine xmlns="" xmlns:a14="http://schemas.microsoft.com/office/drawing/2010/main" w="9525">
+                <a14:hiddenLine xmlns:a14="http://schemas.microsoft.com/office/drawing/2010/main" xmlns="" w="9525">
                   <a:solidFill>
                     <a:srgbClr val="000000"/>
                   </a:solidFill>
@@ -18347,7 +18347,7 @@
             </a:ln>
             <a:extLst>
               <a:ext uri="{91240B29-F687-4f45-9708-019B960494DF}">
-                <a14:hiddenLine xmlns="" xmlns:a14="http://schemas.microsoft.com/office/drawing/2010/main" w="9525">
+                <a14:hiddenLine xmlns:a14="http://schemas.microsoft.com/office/drawing/2010/main" xmlns="" w="9525">
                   <a:solidFill>
                     <a:srgbClr val="000000"/>
                   </a:solidFill>
